--- a/doc/Sliceppt.pptx
+++ b/doc/Sliceppt.pptx
@@ -24,14 +24,14 @@
     <p:sldId id="270" r:id="rId15"/>
     <p:sldId id="271" r:id="rId16"/>
     <p:sldId id="272" r:id="rId17"/>
-    <p:sldId id="274" r:id="rId18"/>
+    <p:sldId id="283" r:id="rId18"/>
     <p:sldId id="275" r:id="rId19"/>
     <p:sldId id="276" r:id="rId20"/>
     <p:sldId id="277" r:id="rId21"/>
     <p:sldId id="280" r:id="rId22"/>
-    <p:sldId id="278" r:id="rId23"/>
-    <p:sldId id="282" r:id="rId24"/>
-    <p:sldId id="279" r:id="rId25"/>
+    <p:sldId id="282" r:id="rId23"/>
+    <p:sldId id="285" r:id="rId24"/>
+    <p:sldId id="284" r:id="rId25"/>
   </p:sldIdLst>
   <p:sldSz cx="12192000" cy="6858000"/>
   <p:notesSz cx="6858000" cy="9144000"/>
@@ -130,6 +130,11 @@
       </a:defRPr>
     </a:lvl9pPr>
   </p:defaultTextStyle>
+  <p:extLst>
+    <p:ext uri="{EFAFB233-063F-42B5-8137-9DF3F51BA10A}">
+      <p15:sldGuideLst xmlns:p15="http://schemas.microsoft.com/office/powerpoint/2012/main"/>
+    </p:ext>
+  </p:extLst>
 </p:presentation>
 </file>
 
@@ -215,7 +220,7 @@
           <a:p>
             <a:fld id="{7299E88F-E3A8-3A40-BC49-146EB1B71130}" type="datetimeFigureOut">
               <a:rPr lang="en-US" smtClean="0"/>
-              <a:t>4/23/18</a:t>
+              <a:t>4/28/18</a:t>
             </a:fld>
             <a:endParaRPr lang="en-US"/>
           </a:p>
@@ -669,7 +674,7 @@
           <a:p>
             <a:fld id="{59FFFAD9-9B78-D24C-B218-AE69DECEF8FE}" type="datetimeFigureOut">
               <a:rPr lang="en-US" smtClean="0"/>
-              <a:t>4/23/18</a:t>
+              <a:t>4/28/18</a:t>
             </a:fld>
             <a:endParaRPr lang="en-US"/>
           </a:p>
@@ -939,7 +944,7 @@
           <a:p>
             <a:fld id="{59FFFAD9-9B78-D24C-B218-AE69DECEF8FE}" type="datetimeFigureOut">
               <a:rPr lang="en-US" smtClean="0"/>
-              <a:t>4/23/18</a:t>
+              <a:t>4/28/18</a:t>
             </a:fld>
             <a:endParaRPr lang="en-US"/>
           </a:p>
@@ -1128,7 +1133,7 @@
           <a:p>
             <a:fld id="{59FFFAD9-9B78-D24C-B218-AE69DECEF8FE}" type="datetimeFigureOut">
               <a:rPr lang="en-US" smtClean="0"/>
-              <a:t>4/23/18</a:t>
+              <a:t>4/28/18</a:t>
             </a:fld>
             <a:endParaRPr lang="en-US"/>
           </a:p>
@@ -1396,7 +1401,7 @@
           <a:p>
             <a:fld id="{59FFFAD9-9B78-D24C-B218-AE69DECEF8FE}" type="datetimeFigureOut">
               <a:rPr lang="en-US" smtClean="0"/>
-              <a:t>4/23/18</a:t>
+              <a:t>4/28/18</a:t>
             </a:fld>
             <a:endParaRPr lang="en-US"/>
           </a:p>
@@ -1732,7 +1737,7 @@
           <a:p>
             <a:fld id="{59FFFAD9-9B78-D24C-B218-AE69DECEF8FE}" type="datetimeFigureOut">
               <a:rPr lang="en-US" smtClean="0"/>
-              <a:t>4/23/18</a:t>
+              <a:t>4/28/18</a:t>
             </a:fld>
             <a:endParaRPr lang="en-US"/>
           </a:p>
@@ -2350,7 +2355,7 @@
           <a:p>
             <a:fld id="{59FFFAD9-9B78-D24C-B218-AE69DECEF8FE}" type="datetimeFigureOut">
               <a:rPr lang="en-US" smtClean="0"/>
-              <a:t>4/23/18</a:t>
+              <a:t>4/28/18</a:t>
             </a:fld>
             <a:endParaRPr lang="en-US"/>
           </a:p>
@@ -3205,7 +3210,7 @@
           <a:p>
             <a:fld id="{59FFFAD9-9B78-D24C-B218-AE69DECEF8FE}" type="datetimeFigureOut">
               <a:rPr lang="en-US" smtClean="0"/>
-              <a:t>4/23/18</a:t>
+              <a:t>4/28/18</a:t>
             </a:fld>
             <a:endParaRPr lang="en-US"/>
           </a:p>
@@ -3370,7 +3375,7 @@
           <a:p>
             <a:fld id="{59FFFAD9-9B78-D24C-B218-AE69DECEF8FE}" type="datetimeFigureOut">
               <a:rPr lang="en-US" smtClean="0"/>
-              <a:t>4/23/18</a:t>
+              <a:t>4/28/18</a:t>
             </a:fld>
             <a:endParaRPr lang="en-US"/>
           </a:p>
@@ -3545,7 +3550,7 @@
           <a:p>
             <a:fld id="{59FFFAD9-9B78-D24C-B218-AE69DECEF8FE}" type="datetimeFigureOut">
               <a:rPr lang="en-US" smtClean="0"/>
-              <a:t>4/23/18</a:t>
+              <a:t>4/28/18</a:t>
             </a:fld>
             <a:endParaRPr lang="en-US"/>
           </a:p>
@@ -3710,7 +3715,7 @@
           <a:p>
             <a:fld id="{59FFFAD9-9B78-D24C-B218-AE69DECEF8FE}" type="datetimeFigureOut">
               <a:rPr lang="en-US" smtClean="0"/>
-              <a:t>4/23/18</a:t>
+              <a:t>4/28/18</a:t>
             </a:fld>
             <a:endParaRPr lang="en-US"/>
           </a:p>
@@ -3952,7 +3957,7 @@
           <a:p>
             <a:fld id="{59FFFAD9-9B78-D24C-B218-AE69DECEF8FE}" type="datetimeFigureOut">
               <a:rPr lang="en-US" smtClean="0"/>
-              <a:t>4/23/18</a:t>
+              <a:t>4/28/18</a:t>
             </a:fld>
             <a:endParaRPr lang="en-US"/>
           </a:p>
@@ -4239,7 +4244,7 @@
           <a:p>
             <a:fld id="{59FFFAD9-9B78-D24C-B218-AE69DECEF8FE}" type="datetimeFigureOut">
               <a:rPr lang="en-US" smtClean="0"/>
-              <a:t>4/23/18</a:t>
+              <a:t>4/28/18</a:t>
             </a:fld>
             <a:endParaRPr lang="en-US"/>
           </a:p>
@@ -4678,7 +4683,7 @@
           <a:p>
             <a:fld id="{59FFFAD9-9B78-D24C-B218-AE69DECEF8FE}" type="datetimeFigureOut">
               <a:rPr lang="en-US" smtClean="0"/>
-              <a:t>4/23/18</a:t>
+              <a:t>4/28/18</a:t>
             </a:fld>
             <a:endParaRPr lang="en-US"/>
           </a:p>
@@ -4791,7 +4796,7 @@
           <a:p>
             <a:fld id="{59FFFAD9-9B78-D24C-B218-AE69DECEF8FE}" type="datetimeFigureOut">
               <a:rPr lang="en-US" smtClean="0"/>
-              <a:t>4/23/18</a:t>
+              <a:t>4/28/18</a:t>
             </a:fld>
             <a:endParaRPr lang="en-US"/>
           </a:p>
@@ -4881,7 +4886,7 @@
           <a:p>
             <a:fld id="{59FFFAD9-9B78-D24C-B218-AE69DECEF8FE}" type="datetimeFigureOut">
               <a:rPr lang="en-US" smtClean="0"/>
-              <a:t>4/23/18</a:t>
+              <a:t>4/28/18</a:t>
             </a:fld>
             <a:endParaRPr lang="en-US"/>
           </a:p>
@@ -5155,7 +5160,7 @@
           <a:p>
             <a:fld id="{59FFFAD9-9B78-D24C-B218-AE69DECEF8FE}" type="datetimeFigureOut">
               <a:rPr lang="en-US" smtClean="0"/>
-              <a:t>4/23/18</a:t>
+              <a:t>4/28/18</a:t>
             </a:fld>
             <a:endParaRPr lang="en-US"/>
           </a:p>
@@ -5425,7 +5430,7 @@
           <a:p>
             <a:fld id="{59FFFAD9-9B78-D24C-B218-AE69DECEF8FE}" type="datetimeFigureOut">
               <a:rPr lang="en-US" smtClean="0"/>
-              <a:t>4/23/18</a:t>
+              <a:t>4/28/18</a:t>
             </a:fld>
             <a:endParaRPr lang="en-US"/>
           </a:p>
@@ -5849,7 +5854,7 @@
           <a:p>
             <a:fld id="{59FFFAD9-9B78-D24C-B218-AE69DECEF8FE}" type="datetimeFigureOut">
               <a:rPr lang="en-US" smtClean="0"/>
-              <a:t>4/23/18</a:t>
+              <a:t>4/28/18</a:t>
             </a:fld>
             <a:endParaRPr lang="en-US"/>
           </a:p>
@@ -6363,6 +6368,14 @@
 <file path=ppt/slides/slide1.xml><?xml version="1.0" encoding="utf-8"?>
 <p:sld xmlns:a="http://schemas.openxmlformats.org/drawingml/2006/main" xmlns:r="http://schemas.openxmlformats.org/officeDocument/2006/relationships" xmlns:p="http://schemas.openxmlformats.org/presentationml/2006/main">
   <p:cSld>
+    <p:bg>
+      <p:bgPr>
+        <a:solidFill>
+          <a:schemeClr val="bg1"/>
+        </a:solidFill>
+        <a:effectLst/>
+      </p:bgPr>
+    </p:bg>
     <p:spTree>
       <p:nvGrpSpPr>
         <p:cNvPr id="1" name=""/>
@@ -6379,6 +6392,964 @@
       </p:grpSpPr>
       <p:sp>
         <p:nvSpPr>
+          <p:cNvPr id="70" name="Rectangle 69">
+            <a:extLst>
+              <a:ext uri="{FF2B5EF4-FFF2-40B4-BE49-F238E27FC236}">
+                <a16:creationId xmlns:a16="http://schemas.microsoft.com/office/drawing/2014/main" xmlns="" id="{F3F4807A-5068-4492-8025-D75F320E908D}"/>
+              </a:ext>
+            </a:extLst>
+          </p:cNvPr>
+          <p:cNvSpPr>
+            <a:spLocks noGrp="1" noRot="1" noChangeAspect="1" noMove="1" noResize="1" noEditPoints="1" noAdjustHandles="1" noChangeArrowheads="1" noChangeShapeType="1" noTextEdit="1"/>
+          </p:cNvSpPr>
+          <p:nvPr>
+            <p:extLst>
+              <p:ext uri="{386F3935-93C4-4BCD-93E2-E3B085C9AB24}">
+                <p16:designElem xmlns:p16="http://schemas.microsoft.com/office/powerpoint/2015/main" val="1"/>
+              </p:ext>
+            </p:extLst>
+          </p:nvPr>
+        </p:nvSpPr>
+        <p:spPr>
+          <a:xfrm>
+            <a:off x="1" y="0"/>
+            <a:ext cx="12192000" cy="6858000"/>
+          </a:xfrm>
+          <a:prstGeom prst="rect">
+            <a:avLst/>
+          </a:prstGeom>
+          <a:ln>
+            <a:noFill/>
+          </a:ln>
+        </p:spPr>
+        <p:style>
+          <a:lnRef idx="2">
+            <a:schemeClr val="accent1">
+              <a:shade val="50000"/>
+            </a:schemeClr>
+          </a:lnRef>
+          <a:fillRef idx="1003">
+            <a:schemeClr val="dk2"/>
+          </a:fillRef>
+          <a:effectRef idx="0">
+            <a:schemeClr val="accent1"/>
+          </a:effectRef>
+          <a:fontRef idx="minor">
+            <a:schemeClr val="lt1"/>
+          </a:fontRef>
+        </p:style>
+        <p:txBody>
+          <a:bodyPr rtlCol="0" anchor="ctr"/>
+          <a:lstStyle/>
+          <a:p>
+            <a:pPr algn="ctr"/>
+            <a:endParaRPr lang="en-US"/>
+          </a:p>
+        </p:txBody>
+      </p:sp>
+      <p:sp>
+        <p:nvSpPr>
+          <p:cNvPr id="72" name="Freeform 36">
+            <a:extLst>
+              <a:ext uri="{FF2B5EF4-FFF2-40B4-BE49-F238E27FC236}">
+                <a16:creationId xmlns:a16="http://schemas.microsoft.com/office/drawing/2014/main" xmlns="" id="{B24996F8-180C-4DCB-8A26-DFA336CDEFBC}"/>
+              </a:ext>
+            </a:extLst>
+          </p:cNvPr>
+          <p:cNvSpPr>
+            <a:spLocks noGrp="1" noRot="1" noChangeAspect="1" noMove="1" noResize="1" noEditPoints="1" noAdjustHandles="1" noChangeArrowheads="1" noChangeShapeType="1" noTextEdit="1"/>
+          </p:cNvSpPr>
+          <p:nvPr>
+            <p:extLst>
+              <p:ext uri="{386F3935-93C4-4BCD-93E2-E3B085C9AB24}">
+                <p16:designElem xmlns:p16="http://schemas.microsoft.com/office/powerpoint/2015/main" val="1"/>
+              </p:ext>
+            </p:extLst>
+          </p:nvPr>
+        </p:nvSpPr>
+        <p:spPr>
+          <a:xfrm flipH="1">
+            <a:off x="6649646" y="-1"/>
+            <a:ext cx="559472" cy="3709642"/>
+          </a:xfrm>
+          <a:custGeom>
+            <a:avLst/>
+            <a:gdLst>
+              <a:gd name="connsiteX0" fmla="*/ 0 w 559472"/>
+              <a:gd name="connsiteY0" fmla="*/ 0 h 3709642"/>
+              <a:gd name="connsiteX1" fmla="*/ 473952 w 559472"/>
+              <a:gd name="connsiteY1" fmla="*/ 0 h 3709642"/>
+              <a:gd name="connsiteX2" fmla="*/ 485840 w 559472"/>
+              <a:gd name="connsiteY2" fmla="*/ 161194 h 3709642"/>
+              <a:gd name="connsiteX3" fmla="*/ 523949 w 559472"/>
+              <a:gd name="connsiteY3" fmla="*/ 3672197 h 3709642"/>
+              <a:gd name="connsiteX4" fmla="*/ 454748 w 559472"/>
+              <a:gd name="connsiteY4" fmla="*/ 3709642 h 3709642"/>
+              <a:gd name="connsiteX5" fmla="*/ 448224 w 559472"/>
+              <a:gd name="connsiteY5" fmla="*/ 3510471 h 3709642"/>
+              <a:gd name="connsiteX6" fmla="*/ 443564 w 559472"/>
+              <a:gd name="connsiteY6" fmla="*/ 3408563 h 3709642"/>
+              <a:gd name="connsiteX7" fmla="*/ 438902 w 559472"/>
+              <a:gd name="connsiteY7" fmla="*/ 3304407 h 3709642"/>
+              <a:gd name="connsiteX8" fmla="*/ 433941 w 559472"/>
+              <a:gd name="connsiteY8" fmla="*/ 3198777 h 3709642"/>
+              <a:gd name="connsiteX9" fmla="*/ 427584 w 559472"/>
+              <a:gd name="connsiteY9" fmla="*/ 3092510 h 3709642"/>
+              <a:gd name="connsiteX10" fmla="*/ 420988 w 559472"/>
+              <a:gd name="connsiteY10" fmla="*/ 2984390 h 3709642"/>
+              <a:gd name="connsiteX11" fmla="*/ 414330 w 559472"/>
+              <a:gd name="connsiteY11" fmla="*/ 2874401 h 3709642"/>
+              <a:gd name="connsiteX12" fmla="*/ 406840 w 559472"/>
+              <a:gd name="connsiteY12" fmla="*/ 2762980 h 3709642"/>
+              <a:gd name="connsiteX13" fmla="*/ 397745 w 559472"/>
+              <a:gd name="connsiteY13" fmla="*/ 2650566 h 3709642"/>
+              <a:gd name="connsiteX14" fmla="*/ 389154 w 559472"/>
+              <a:gd name="connsiteY14" fmla="*/ 2536612 h 3709642"/>
+              <a:gd name="connsiteX15" fmla="*/ 379225 w 559472"/>
+              <a:gd name="connsiteY15" fmla="*/ 2421642 h 3709642"/>
+              <a:gd name="connsiteX16" fmla="*/ 368316 w 559472"/>
+              <a:gd name="connsiteY16" fmla="*/ 2305627 h 3709642"/>
+              <a:gd name="connsiteX17" fmla="*/ 357466 w 559472"/>
+              <a:gd name="connsiteY17" fmla="*/ 2189233 h 3709642"/>
+              <a:gd name="connsiteX18" fmla="*/ 344982 w 559472"/>
+              <a:gd name="connsiteY18" fmla="*/ 2071473 h 3709642"/>
+              <a:gd name="connsiteX19" fmla="*/ 332466 w 559472"/>
+              <a:gd name="connsiteY19" fmla="*/ 1952216 h 3709642"/>
+              <a:gd name="connsiteX20" fmla="*/ 319121 w 559472"/>
+              <a:gd name="connsiteY20" fmla="*/ 1833776 h 3709642"/>
+              <a:gd name="connsiteX21" fmla="*/ 304408 w 559472"/>
+              <a:gd name="connsiteY21" fmla="*/ 1713948 h 3709642"/>
+              <a:gd name="connsiteX22" fmla="*/ 288685 w 559472"/>
+              <a:gd name="connsiteY22" fmla="*/ 1592703 h 3709642"/>
+              <a:gd name="connsiteX23" fmla="*/ 273050 w 559472"/>
+              <a:gd name="connsiteY23" fmla="*/ 1471451 h 3709642"/>
+              <a:gd name="connsiteX24" fmla="*/ 255813 w 559472"/>
+              <a:gd name="connsiteY24" fmla="*/ 1350328 h 3709642"/>
+              <a:gd name="connsiteX25" fmla="*/ 237060 w 559472"/>
+              <a:gd name="connsiteY25" fmla="*/ 1227080 h 3709642"/>
+              <a:gd name="connsiteX26" fmla="*/ 218488 w 559472"/>
+              <a:gd name="connsiteY26" fmla="*/ 1106065 h 3709642"/>
+              <a:gd name="connsiteX27" fmla="*/ 198221 w 559472"/>
+              <a:gd name="connsiteY27" fmla="*/ 982940 h 3709642"/>
+              <a:gd name="connsiteX28" fmla="*/ 177152 w 559472"/>
+              <a:gd name="connsiteY28" fmla="*/ 858755 h 3709642"/>
+              <a:gd name="connsiteX29" fmla="*/ 155551 w 559472"/>
+              <a:gd name="connsiteY29" fmla="*/ 736861 h 3709642"/>
+              <a:gd name="connsiteX30" fmla="*/ 131782 w 559472"/>
+              <a:gd name="connsiteY30" fmla="*/ 613645 h 3709642"/>
+              <a:gd name="connsiteX31" fmla="*/ 107123 w 559472"/>
+              <a:gd name="connsiteY31" fmla="*/ 490500 h 3709642"/>
+              <a:gd name="connsiteX32" fmla="*/ 82552 w 559472"/>
+              <a:gd name="connsiteY32" fmla="*/ 367348 h 3709642"/>
+              <a:gd name="connsiteX33" fmla="*/ 55608 w 559472"/>
+              <a:gd name="connsiteY33" fmla="*/ 244762 h 3709642"/>
+              <a:gd name="connsiteX34" fmla="*/ 28130 w 559472"/>
+              <a:gd name="connsiteY34" fmla="*/ 122220 h 3709642"/>
+              <a:gd name="connsiteX35" fmla="*/ 0 w 559472"/>
+              <a:gd name="connsiteY35" fmla="*/ 0 h 3709642"/>
+            </a:gdLst>
+            <a:ahLst/>
+            <a:cxnLst>
+              <a:cxn ang="0">
+                <a:pos x="connsiteX0" y="connsiteY0"/>
+              </a:cxn>
+              <a:cxn ang="0">
+                <a:pos x="connsiteX1" y="connsiteY1"/>
+              </a:cxn>
+              <a:cxn ang="0">
+                <a:pos x="connsiteX2" y="connsiteY2"/>
+              </a:cxn>
+              <a:cxn ang="0">
+                <a:pos x="connsiteX3" y="connsiteY3"/>
+              </a:cxn>
+              <a:cxn ang="0">
+                <a:pos x="connsiteX4" y="connsiteY4"/>
+              </a:cxn>
+              <a:cxn ang="0">
+                <a:pos x="connsiteX5" y="connsiteY5"/>
+              </a:cxn>
+              <a:cxn ang="0">
+                <a:pos x="connsiteX6" y="connsiteY6"/>
+              </a:cxn>
+              <a:cxn ang="0">
+                <a:pos x="connsiteX7" y="connsiteY7"/>
+              </a:cxn>
+              <a:cxn ang="0">
+                <a:pos x="connsiteX8" y="connsiteY8"/>
+              </a:cxn>
+              <a:cxn ang="0">
+                <a:pos x="connsiteX9" y="connsiteY9"/>
+              </a:cxn>
+              <a:cxn ang="0">
+                <a:pos x="connsiteX10" y="connsiteY10"/>
+              </a:cxn>
+              <a:cxn ang="0">
+                <a:pos x="connsiteX11" y="connsiteY11"/>
+              </a:cxn>
+              <a:cxn ang="0">
+                <a:pos x="connsiteX12" y="connsiteY12"/>
+              </a:cxn>
+              <a:cxn ang="0">
+                <a:pos x="connsiteX13" y="connsiteY13"/>
+              </a:cxn>
+              <a:cxn ang="0">
+                <a:pos x="connsiteX14" y="connsiteY14"/>
+              </a:cxn>
+              <a:cxn ang="0">
+                <a:pos x="connsiteX15" y="connsiteY15"/>
+              </a:cxn>
+              <a:cxn ang="0">
+                <a:pos x="connsiteX16" y="connsiteY16"/>
+              </a:cxn>
+              <a:cxn ang="0">
+                <a:pos x="connsiteX17" y="connsiteY17"/>
+              </a:cxn>
+              <a:cxn ang="0">
+                <a:pos x="connsiteX18" y="connsiteY18"/>
+              </a:cxn>
+              <a:cxn ang="0">
+                <a:pos x="connsiteX19" y="connsiteY19"/>
+              </a:cxn>
+              <a:cxn ang="0">
+                <a:pos x="connsiteX20" y="connsiteY20"/>
+              </a:cxn>
+              <a:cxn ang="0">
+                <a:pos x="connsiteX21" y="connsiteY21"/>
+              </a:cxn>
+              <a:cxn ang="0">
+                <a:pos x="connsiteX22" y="connsiteY22"/>
+              </a:cxn>
+              <a:cxn ang="0">
+                <a:pos x="connsiteX23" y="connsiteY23"/>
+              </a:cxn>
+              <a:cxn ang="0">
+                <a:pos x="connsiteX24" y="connsiteY24"/>
+              </a:cxn>
+              <a:cxn ang="0">
+                <a:pos x="connsiteX25" y="connsiteY25"/>
+              </a:cxn>
+              <a:cxn ang="0">
+                <a:pos x="connsiteX26" y="connsiteY26"/>
+              </a:cxn>
+              <a:cxn ang="0">
+                <a:pos x="connsiteX27" y="connsiteY27"/>
+              </a:cxn>
+              <a:cxn ang="0">
+                <a:pos x="connsiteX28" y="connsiteY28"/>
+              </a:cxn>
+              <a:cxn ang="0">
+                <a:pos x="connsiteX29" y="connsiteY29"/>
+              </a:cxn>
+              <a:cxn ang="0">
+                <a:pos x="connsiteX30" y="connsiteY30"/>
+              </a:cxn>
+              <a:cxn ang="0">
+                <a:pos x="connsiteX31" y="connsiteY31"/>
+              </a:cxn>
+              <a:cxn ang="0">
+                <a:pos x="connsiteX32" y="connsiteY32"/>
+              </a:cxn>
+              <a:cxn ang="0">
+                <a:pos x="connsiteX33" y="connsiteY33"/>
+              </a:cxn>
+              <a:cxn ang="0">
+                <a:pos x="connsiteX34" y="connsiteY34"/>
+              </a:cxn>
+              <a:cxn ang="0">
+                <a:pos x="connsiteX35" y="connsiteY35"/>
+              </a:cxn>
+            </a:cxnLst>
+            <a:rect l="l" t="t" r="r" b="b"/>
+            <a:pathLst>
+              <a:path w="559472" h="3709642">
+                <a:moveTo>
+                  <a:pt x="0" y="0"/>
+                </a:moveTo>
+                <a:lnTo>
+                  <a:pt x="473952" y="0"/>
+                </a:lnTo>
+                <a:lnTo>
+                  <a:pt x="485840" y="161194"/>
+                </a:lnTo>
+                <a:cubicBezTo>
+                  <a:pt x="552063" y="1147770"/>
+                  <a:pt x="592441" y="3086737"/>
+                  <a:pt x="523949" y="3672197"/>
+                </a:cubicBezTo>
+                <a:cubicBezTo>
+                  <a:pt x="500842" y="3684557"/>
+                  <a:pt x="477855" y="3697282"/>
+                  <a:pt x="454748" y="3709642"/>
+                </a:cubicBezTo>
+                <a:lnTo>
+                  <a:pt x="448224" y="3510471"/>
+                </a:lnTo>
+                <a:lnTo>
+                  <a:pt x="443564" y="3408563"/>
+                </a:lnTo>
+                <a:lnTo>
+                  <a:pt x="438902" y="3304407"/>
+                </a:lnTo>
+                <a:lnTo>
+                  <a:pt x="433941" y="3198777"/>
+                </a:lnTo>
+                <a:lnTo>
+                  <a:pt x="427584" y="3092510"/>
+                </a:lnTo>
+                <a:lnTo>
+                  <a:pt x="420988" y="2984390"/>
+                </a:lnTo>
+                <a:lnTo>
+                  <a:pt x="414330" y="2874401"/>
+                </a:lnTo>
+                <a:lnTo>
+                  <a:pt x="406840" y="2762980"/>
+                </a:lnTo>
+                <a:lnTo>
+                  <a:pt x="397745" y="2650566"/>
+                </a:lnTo>
+                <a:lnTo>
+                  <a:pt x="389154" y="2536612"/>
+                </a:lnTo>
+                <a:lnTo>
+                  <a:pt x="379225" y="2421642"/>
+                </a:lnTo>
+                <a:lnTo>
+                  <a:pt x="368316" y="2305627"/>
+                </a:lnTo>
+                <a:lnTo>
+                  <a:pt x="357466" y="2189233"/>
+                </a:lnTo>
+                <a:lnTo>
+                  <a:pt x="344982" y="2071473"/>
+                </a:lnTo>
+                <a:lnTo>
+                  <a:pt x="332466" y="1952216"/>
+                </a:lnTo>
+                <a:lnTo>
+                  <a:pt x="319121" y="1833776"/>
+                </a:lnTo>
+                <a:lnTo>
+                  <a:pt x="304408" y="1713948"/>
+                </a:lnTo>
+                <a:lnTo>
+                  <a:pt x="288685" y="1592703"/>
+                </a:lnTo>
+                <a:lnTo>
+                  <a:pt x="273050" y="1471451"/>
+                </a:lnTo>
+                <a:lnTo>
+                  <a:pt x="255813" y="1350328"/>
+                </a:lnTo>
+                <a:lnTo>
+                  <a:pt x="237060" y="1227080"/>
+                </a:lnTo>
+                <a:lnTo>
+                  <a:pt x="218488" y="1106065"/>
+                </a:lnTo>
+                <a:lnTo>
+                  <a:pt x="198221" y="982940"/>
+                </a:lnTo>
+                <a:lnTo>
+                  <a:pt x="177152" y="858755"/>
+                </a:lnTo>
+                <a:lnTo>
+                  <a:pt x="155551" y="736861"/>
+                </a:lnTo>
+                <a:lnTo>
+                  <a:pt x="131782" y="613645"/>
+                </a:lnTo>
+                <a:lnTo>
+                  <a:pt x="107123" y="490500"/>
+                </a:lnTo>
+                <a:lnTo>
+                  <a:pt x="82552" y="367348"/>
+                </a:lnTo>
+                <a:lnTo>
+                  <a:pt x="55608" y="244762"/>
+                </a:lnTo>
+                <a:lnTo>
+                  <a:pt x="28130" y="122220"/>
+                </a:lnTo>
+                <a:lnTo>
+                  <a:pt x="0" y="0"/>
+                </a:lnTo>
+                <a:close/>
+              </a:path>
+            </a:pathLst>
+          </a:custGeom>
+          <a:solidFill>
+            <a:schemeClr val="bg1">
+              <a:alpha val="20000"/>
+            </a:schemeClr>
+          </a:solidFill>
+          <a:ln>
+            <a:noFill/>
+          </a:ln>
+        </p:spPr>
+        <p:txBody>
+          <a:bodyPr rtlCol="0" anchor="ctr"/>
+          <a:lstStyle/>
+          <a:p>
+            <a:pPr algn="ctr"/>
+            <a:endParaRPr lang="en-US"/>
+          </a:p>
+        </p:txBody>
+      </p:sp>
+      <p:sp>
+        <p:nvSpPr>
+          <p:cNvPr id="74" name="Rectangle 73">
+            <a:extLst>
+              <a:ext uri="{FF2B5EF4-FFF2-40B4-BE49-F238E27FC236}">
+                <a16:creationId xmlns:a16="http://schemas.microsoft.com/office/drawing/2014/main" xmlns="" id="{630182B0-3559-41D5-9EBC-0BD86BEDAD09}"/>
+              </a:ext>
+            </a:extLst>
+          </p:cNvPr>
+          <p:cNvSpPr>
+            <a:spLocks noGrp="1" noRot="1" noChangeAspect="1" noMove="1" noResize="1" noEditPoints="1" noAdjustHandles="1" noChangeArrowheads="1" noChangeShapeType="1" noTextEdit="1"/>
+          </p:cNvSpPr>
+          <p:nvPr>
+            <p:extLst>
+              <p:ext uri="{386F3935-93C4-4BCD-93E2-E3B085C9AB24}">
+                <p16:designElem xmlns:p16="http://schemas.microsoft.com/office/powerpoint/2015/main" val="1"/>
+              </p:ext>
+            </p:extLst>
+          </p:nvPr>
+        </p:nvSpPr>
+        <p:spPr>
+          <a:xfrm>
+            <a:off x="10437812" y="0"/>
+            <a:ext cx="685800" cy="1143000"/>
+          </a:xfrm>
+          <a:prstGeom prst="rect">
+            <a:avLst/>
+          </a:prstGeom>
+          <a:solidFill>
+            <a:schemeClr val="accent1"/>
+          </a:solidFill>
+          <a:ln>
+            <a:noFill/>
+          </a:ln>
+        </p:spPr>
+        <p:style>
+          <a:lnRef idx="1">
+            <a:schemeClr val="accent1"/>
+          </a:lnRef>
+          <a:fillRef idx="3">
+            <a:schemeClr val="accent1"/>
+          </a:fillRef>
+          <a:effectRef idx="2">
+            <a:schemeClr val="accent1"/>
+          </a:effectRef>
+          <a:fontRef idx="minor">
+            <a:schemeClr val="lt1"/>
+          </a:fontRef>
+        </p:style>
+      </p:sp>
+      <p:sp useBgFill="1">
+        <p:nvSpPr>
+          <p:cNvPr id="76" name="Freeform: Shape 75">
+            <a:extLst>
+              <a:ext uri="{FF2B5EF4-FFF2-40B4-BE49-F238E27FC236}">
+                <a16:creationId xmlns:a16="http://schemas.microsoft.com/office/drawing/2014/main" xmlns="" id="{D8B22DE2-C518-4F77-BE90-E1B6B1909D91}"/>
+              </a:ext>
+            </a:extLst>
+          </p:cNvPr>
+          <p:cNvSpPr>
+            <a:spLocks noGrp="1" noRot="1" noChangeAspect="1" noMove="1" noResize="1" noEditPoints="1" noAdjustHandles="1" noChangeArrowheads="1" noChangeShapeType="1" noTextEdit="1"/>
+          </p:cNvSpPr>
+          <p:nvPr>
+            <p:extLst>
+              <p:ext uri="{386F3935-93C4-4BCD-93E2-E3B085C9AB24}">
+                <p16:designElem xmlns:p16="http://schemas.microsoft.com/office/powerpoint/2015/main" val="1"/>
+              </p:ext>
+            </p:extLst>
+          </p:nvPr>
+        </p:nvSpPr>
+        <p:spPr bwMode="gray">
+          <a:xfrm rot="5400000" flipH="1">
+            <a:off x="68960" y="-68960"/>
+            <a:ext cx="6858001" cy="6995918"/>
+          </a:xfrm>
+          <a:custGeom>
+            <a:avLst/>
+            <a:gdLst>
+              <a:gd name="connsiteX0" fmla="*/ 6858001 w 6858001"/>
+              <a:gd name="connsiteY0" fmla="*/ 1344715 h 6995918"/>
+              <a:gd name="connsiteX1" fmla="*/ 6858001 w 6858001"/>
+              <a:gd name="connsiteY1" fmla="*/ 1177 h 6995918"/>
+              <a:gd name="connsiteX2" fmla="*/ 6702324 w 6858001"/>
+              <a:gd name="connsiteY2" fmla="*/ 26222 h 6995918"/>
+              <a:gd name="connsiteX3" fmla="*/ 6547333 w 6858001"/>
+              <a:gd name="connsiteY3" fmla="*/ 50091 h 6995918"/>
+              <a:gd name="connsiteX4" fmla="*/ 6391657 w 6858001"/>
+              <a:gd name="connsiteY4" fmla="*/ 73455 h 6995918"/>
+              <a:gd name="connsiteX5" fmla="*/ 6235294 w 6858001"/>
+              <a:gd name="connsiteY5" fmla="*/ 93458 h 6995918"/>
+              <a:gd name="connsiteX6" fmla="*/ 6079618 w 6858001"/>
+              <a:gd name="connsiteY6" fmla="*/ 113629 h 6995918"/>
+              <a:gd name="connsiteX7" fmla="*/ 5923255 w 6858001"/>
+              <a:gd name="connsiteY7" fmla="*/ 132455 h 6995918"/>
+              <a:gd name="connsiteX8" fmla="*/ 5768950 w 6858001"/>
+              <a:gd name="connsiteY8" fmla="*/ 148591 h 6995918"/>
+              <a:gd name="connsiteX9" fmla="*/ 5612588 w 6858001"/>
+              <a:gd name="connsiteY9" fmla="*/ 163887 h 6995918"/>
+              <a:gd name="connsiteX10" fmla="*/ 5456911 w 6858001"/>
+              <a:gd name="connsiteY10" fmla="*/ 177839 h 6995918"/>
+              <a:gd name="connsiteX11" fmla="*/ 5303978 w 6858001"/>
+              <a:gd name="connsiteY11" fmla="*/ 189941 h 6995918"/>
+              <a:gd name="connsiteX12" fmla="*/ 5148987 w 6858001"/>
+              <a:gd name="connsiteY12" fmla="*/ 202044 h 6995918"/>
+              <a:gd name="connsiteX13" fmla="*/ 4996054 w 6858001"/>
+              <a:gd name="connsiteY13" fmla="*/ 212129 h 6995918"/>
+              <a:gd name="connsiteX14" fmla="*/ 4843120 w 6858001"/>
+              <a:gd name="connsiteY14" fmla="*/ 220029 h 6995918"/>
+              <a:gd name="connsiteX15" fmla="*/ 4690873 w 6858001"/>
+              <a:gd name="connsiteY15" fmla="*/ 228266 h 6995918"/>
+              <a:gd name="connsiteX16" fmla="*/ 4539997 w 6858001"/>
+              <a:gd name="connsiteY16" fmla="*/ 235157 h 6995918"/>
+              <a:gd name="connsiteX17" fmla="*/ 4390492 w 6858001"/>
+              <a:gd name="connsiteY17" fmla="*/ 240032 h 6995918"/>
+              <a:gd name="connsiteX18" fmla="*/ 4240988 w 6858001"/>
+              <a:gd name="connsiteY18" fmla="*/ 244234 h 6995918"/>
+              <a:gd name="connsiteX19" fmla="*/ 4092855 w 6858001"/>
+              <a:gd name="connsiteY19" fmla="*/ 248268 h 6995918"/>
+              <a:gd name="connsiteX20" fmla="*/ 3946780 w 6858001"/>
+              <a:gd name="connsiteY20" fmla="*/ 250117 h 6995918"/>
+              <a:gd name="connsiteX21" fmla="*/ 3800704 w 6858001"/>
+              <a:gd name="connsiteY21" fmla="*/ 252134 h 6995918"/>
+              <a:gd name="connsiteX22" fmla="*/ 3656686 w 6858001"/>
+              <a:gd name="connsiteY22" fmla="*/ 253143 h 6995918"/>
+              <a:gd name="connsiteX23" fmla="*/ 3514040 w 6858001"/>
+              <a:gd name="connsiteY23" fmla="*/ 252134 h 6995918"/>
+              <a:gd name="connsiteX24" fmla="*/ 3372765 w 6858001"/>
+              <a:gd name="connsiteY24" fmla="*/ 252134 h 6995918"/>
+              <a:gd name="connsiteX25" fmla="*/ 3232862 w 6858001"/>
+              <a:gd name="connsiteY25" fmla="*/ 250117 h 6995918"/>
+              <a:gd name="connsiteX26" fmla="*/ 3095702 w 6858001"/>
+              <a:gd name="connsiteY26" fmla="*/ 247092 h 6995918"/>
+              <a:gd name="connsiteX27" fmla="*/ 2959914 w 6858001"/>
+              <a:gd name="connsiteY27" fmla="*/ 244234 h 6995918"/>
+              <a:gd name="connsiteX28" fmla="*/ 2826868 w 6858001"/>
+              <a:gd name="connsiteY28" fmla="*/ 241040 h 6995918"/>
+              <a:gd name="connsiteX29" fmla="*/ 2694509 w 6858001"/>
+              <a:gd name="connsiteY29" fmla="*/ 236166 h 6995918"/>
+              <a:gd name="connsiteX30" fmla="*/ 2564208 w 6858001"/>
+              <a:gd name="connsiteY30" fmla="*/ 230955 h 6995918"/>
+              <a:gd name="connsiteX31" fmla="*/ 2436649 w 6858001"/>
+              <a:gd name="connsiteY31" fmla="*/ 226249 h 6995918"/>
+              <a:gd name="connsiteX32" fmla="*/ 2187703 w 6858001"/>
+              <a:gd name="connsiteY32" fmla="*/ 212969 h 6995918"/>
+              <a:gd name="connsiteX33" fmla="*/ 1949045 w 6858001"/>
+              <a:gd name="connsiteY33" fmla="*/ 198850 h 6995918"/>
+              <a:gd name="connsiteX34" fmla="*/ 1719988 w 6858001"/>
+              <a:gd name="connsiteY34" fmla="*/ 184058 h 6995918"/>
+              <a:gd name="connsiteX35" fmla="*/ 1503275 w 6858001"/>
+              <a:gd name="connsiteY35" fmla="*/ 167753 h 6995918"/>
+              <a:gd name="connsiteX36" fmla="*/ 1296163 w 6858001"/>
+              <a:gd name="connsiteY36" fmla="*/ 150776 h 6995918"/>
+              <a:gd name="connsiteX37" fmla="*/ 1104139 w 6858001"/>
+              <a:gd name="connsiteY37" fmla="*/ 132455 h 6995918"/>
+              <a:gd name="connsiteX38" fmla="*/ 923774 w 6858001"/>
+              <a:gd name="connsiteY38" fmla="*/ 114469 h 6995918"/>
+              <a:gd name="connsiteX39" fmla="*/ 757810 w 6858001"/>
+              <a:gd name="connsiteY39" fmla="*/ 96484 h 6995918"/>
+              <a:gd name="connsiteX40" fmla="*/ 605563 w 6858001"/>
+              <a:gd name="connsiteY40" fmla="*/ 79507 h 6995918"/>
+              <a:gd name="connsiteX41" fmla="*/ 470460 w 6858001"/>
+              <a:gd name="connsiteY41" fmla="*/ 63370 h 6995918"/>
+              <a:gd name="connsiteX42" fmla="*/ 348388 w 6858001"/>
+              <a:gd name="connsiteY42" fmla="*/ 48074 h 6995918"/>
+              <a:gd name="connsiteX43" fmla="*/ 245518 w 6858001"/>
+              <a:gd name="connsiteY43" fmla="*/ 35299 h 6995918"/>
+              <a:gd name="connsiteX44" fmla="*/ 159107 w 6858001"/>
+              <a:gd name="connsiteY44" fmla="*/ 23197 h 6995918"/>
+              <a:gd name="connsiteX45" fmla="*/ 40463 w 6858001"/>
+              <a:gd name="connsiteY45" fmla="*/ 5883 h 6995918"/>
+              <a:gd name="connsiteX46" fmla="*/ 1 w 6858001"/>
+              <a:gd name="connsiteY46" fmla="*/ 0 h 6995918"/>
+              <a:gd name="connsiteX47" fmla="*/ 1 w 6858001"/>
+              <a:gd name="connsiteY47" fmla="*/ 905354 h 6995918"/>
+              <a:gd name="connsiteX48" fmla="*/ 0 w 6858001"/>
+              <a:gd name="connsiteY48" fmla="*/ 905354 h 6995918"/>
+              <a:gd name="connsiteX49" fmla="*/ 0 w 6858001"/>
+              <a:gd name="connsiteY49" fmla="*/ 6995918 h 6995918"/>
+              <a:gd name="connsiteX50" fmla="*/ 6858000 w 6858001"/>
+              <a:gd name="connsiteY50" fmla="*/ 6995918 h 6995918"/>
+              <a:gd name="connsiteX51" fmla="*/ 6858000 w 6858001"/>
+              <a:gd name="connsiteY51" fmla="*/ 1344715 h 6995918"/>
+            </a:gdLst>
+            <a:ahLst/>
+            <a:cxnLst>
+              <a:cxn ang="0">
+                <a:pos x="connsiteX0" y="connsiteY0"/>
+              </a:cxn>
+              <a:cxn ang="0">
+                <a:pos x="connsiteX1" y="connsiteY1"/>
+              </a:cxn>
+              <a:cxn ang="0">
+                <a:pos x="connsiteX2" y="connsiteY2"/>
+              </a:cxn>
+              <a:cxn ang="0">
+                <a:pos x="connsiteX3" y="connsiteY3"/>
+              </a:cxn>
+              <a:cxn ang="0">
+                <a:pos x="connsiteX4" y="connsiteY4"/>
+              </a:cxn>
+              <a:cxn ang="0">
+                <a:pos x="connsiteX5" y="connsiteY5"/>
+              </a:cxn>
+              <a:cxn ang="0">
+                <a:pos x="connsiteX6" y="connsiteY6"/>
+              </a:cxn>
+              <a:cxn ang="0">
+                <a:pos x="connsiteX7" y="connsiteY7"/>
+              </a:cxn>
+              <a:cxn ang="0">
+                <a:pos x="connsiteX8" y="connsiteY8"/>
+              </a:cxn>
+              <a:cxn ang="0">
+                <a:pos x="connsiteX9" y="connsiteY9"/>
+              </a:cxn>
+              <a:cxn ang="0">
+                <a:pos x="connsiteX10" y="connsiteY10"/>
+              </a:cxn>
+              <a:cxn ang="0">
+                <a:pos x="connsiteX11" y="connsiteY11"/>
+              </a:cxn>
+              <a:cxn ang="0">
+                <a:pos x="connsiteX12" y="connsiteY12"/>
+              </a:cxn>
+              <a:cxn ang="0">
+                <a:pos x="connsiteX13" y="connsiteY13"/>
+              </a:cxn>
+              <a:cxn ang="0">
+                <a:pos x="connsiteX14" y="connsiteY14"/>
+              </a:cxn>
+              <a:cxn ang="0">
+                <a:pos x="connsiteX15" y="connsiteY15"/>
+              </a:cxn>
+              <a:cxn ang="0">
+                <a:pos x="connsiteX16" y="connsiteY16"/>
+              </a:cxn>
+              <a:cxn ang="0">
+                <a:pos x="connsiteX17" y="connsiteY17"/>
+              </a:cxn>
+              <a:cxn ang="0">
+                <a:pos x="connsiteX18" y="connsiteY18"/>
+              </a:cxn>
+              <a:cxn ang="0">
+                <a:pos x="connsiteX19" y="connsiteY19"/>
+              </a:cxn>
+              <a:cxn ang="0">
+                <a:pos x="connsiteX20" y="connsiteY20"/>
+              </a:cxn>
+              <a:cxn ang="0">
+                <a:pos x="connsiteX21" y="connsiteY21"/>
+              </a:cxn>
+              <a:cxn ang="0">
+                <a:pos x="connsiteX22" y="connsiteY22"/>
+              </a:cxn>
+              <a:cxn ang="0">
+                <a:pos x="connsiteX23" y="connsiteY23"/>
+              </a:cxn>
+              <a:cxn ang="0">
+                <a:pos x="connsiteX24" y="connsiteY24"/>
+              </a:cxn>
+              <a:cxn ang="0">
+                <a:pos x="connsiteX25" y="connsiteY25"/>
+              </a:cxn>
+              <a:cxn ang="0">
+                <a:pos x="connsiteX26" y="connsiteY26"/>
+              </a:cxn>
+              <a:cxn ang="0">
+                <a:pos x="connsiteX27" y="connsiteY27"/>
+              </a:cxn>
+              <a:cxn ang="0">
+                <a:pos x="connsiteX28" y="connsiteY28"/>
+              </a:cxn>
+              <a:cxn ang="0">
+                <a:pos x="connsiteX29" y="connsiteY29"/>
+              </a:cxn>
+              <a:cxn ang="0">
+                <a:pos x="connsiteX30" y="connsiteY30"/>
+              </a:cxn>
+              <a:cxn ang="0">
+                <a:pos x="connsiteX31" y="connsiteY31"/>
+              </a:cxn>
+              <a:cxn ang="0">
+                <a:pos x="connsiteX32" y="connsiteY32"/>
+              </a:cxn>
+              <a:cxn ang="0">
+                <a:pos x="connsiteX33" y="connsiteY33"/>
+              </a:cxn>
+              <a:cxn ang="0">
+                <a:pos x="connsiteX34" y="connsiteY34"/>
+              </a:cxn>
+              <a:cxn ang="0">
+                <a:pos x="connsiteX35" y="connsiteY35"/>
+              </a:cxn>
+              <a:cxn ang="0">
+                <a:pos x="connsiteX36" y="connsiteY36"/>
+              </a:cxn>
+              <a:cxn ang="0">
+                <a:pos x="connsiteX37" y="connsiteY37"/>
+              </a:cxn>
+              <a:cxn ang="0">
+                <a:pos x="connsiteX38" y="connsiteY38"/>
+              </a:cxn>
+              <a:cxn ang="0">
+                <a:pos x="connsiteX39" y="connsiteY39"/>
+              </a:cxn>
+              <a:cxn ang="0">
+                <a:pos x="connsiteX40" y="connsiteY40"/>
+              </a:cxn>
+              <a:cxn ang="0">
+                <a:pos x="connsiteX41" y="connsiteY41"/>
+              </a:cxn>
+              <a:cxn ang="0">
+                <a:pos x="connsiteX42" y="connsiteY42"/>
+              </a:cxn>
+              <a:cxn ang="0">
+                <a:pos x="connsiteX43" y="connsiteY43"/>
+              </a:cxn>
+              <a:cxn ang="0">
+                <a:pos x="connsiteX44" y="connsiteY44"/>
+              </a:cxn>
+              <a:cxn ang="0">
+                <a:pos x="connsiteX45" y="connsiteY45"/>
+              </a:cxn>
+              <a:cxn ang="0">
+                <a:pos x="connsiteX46" y="connsiteY46"/>
+              </a:cxn>
+              <a:cxn ang="0">
+                <a:pos x="connsiteX47" y="connsiteY47"/>
+              </a:cxn>
+              <a:cxn ang="0">
+                <a:pos x="connsiteX48" y="connsiteY48"/>
+              </a:cxn>
+              <a:cxn ang="0">
+                <a:pos x="connsiteX49" y="connsiteY49"/>
+              </a:cxn>
+              <a:cxn ang="0">
+                <a:pos x="connsiteX50" y="connsiteY50"/>
+              </a:cxn>
+              <a:cxn ang="0">
+                <a:pos x="connsiteX51" y="connsiteY51"/>
+              </a:cxn>
+            </a:cxnLst>
+            <a:rect l="l" t="t" r="r" b="b"/>
+            <a:pathLst>
+              <a:path w="6858001" h="6995918">
+                <a:moveTo>
+                  <a:pt x="6858001" y="1344715"/>
+                </a:moveTo>
+                <a:lnTo>
+                  <a:pt x="6858001" y="1177"/>
+                </a:lnTo>
+                <a:lnTo>
+                  <a:pt x="6702324" y="26222"/>
+                </a:lnTo>
+                <a:lnTo>
+                  <a:pt x="6547333" y="50091"/>
+                </a:lnTo>
+                <a:lnTo>
+                  <a:pt x="6391657" y="73455"/>
+                </a:lnTo>
+                <a:lnTo>
+                  <a:pt x="6235294" y="93458"/>
+                </a:lnTo>
+                <a:lnTo>
+                  <a:pt x="6079618" y="113629"/>
+                </a:lnTo>
+                <a:lnTo>
+                  <a:pt x="5923255" y="132455"/>
+                </a:lnTo>
+                <a:lnTo>
+                  <a:pt x="5768950" y="148591"/>
+                </a:lnTo>
+                <a:lnTo>
+                  <a:pt x="5612588" y="163887"/>
+                </a:lnTo>
+                <a:lnTo>
+                  <a:pt x="5456911" y="177839"/>
+                </a:lnTo>
+                <a:lnTo>
+                  <a:pt x="5303978" y="189941"/>
+                </a:lnTo>
+                <a:lnTo>
+                  <a:pt x="5148987" y="202044"/>
+                </a:lnTo>
+                <a:lnTo>
+                  <a:pt x="4996054" y="212129"/>
+                </a:lnTo>
+                <a:lnTo>
+                  <a:pt x="4843120" y="220029"/>
+                </a:lnTo>
+                <a:lnTo>
+                  <a:pt x="4690873" y="228266"/>
+                </a:lnTo>
+                <a:lnTo>
+                  <a:pt x="4539997" y="235157"/>
+                </a:lnTo>
+                <a:lnTo>
+                  <a:pt x="4390492" y="240032"/>
+                </a:lnTo>
+                <a:lnTo>
+                  <a:pt x="4240988" y="244234"/>
+                </a:lnTo>
+                <a:lnTo>
+                  <a:pt x="4092855" y="248268"/>
+                </a:lnTo>
+                <a:lnTo>
+                  <a:pt x="3946780" y="250117"/>
+                </a:lnTo>
+                <a:lnTo>
+                  <a:pt x="3800704" y="252134"/>
+                </a:lnTo>
+                <a:lnTo>
+                  <a:pt x="3656686" y="253143"/>
+                </a:lnTo>
+                <a:lnTo>
+                  <a:pt x="3514040" y="252134"/>
+                </a:lnTo>
+                <a:lnTo>
+                  <a:pt x="3372765" y="252134"/>
+                </a:lnTo>
+                <a:lnTo>
+                  <a:pt x="3232862" y="250117"/>
+                </a:lnTo>
+                <a:lnTo>
+                  <a:pt x="3095702" y="247092"/>
+                </a:lnTo>
+                <a:lnTo>
+                  <a:pt x="2959914" y="244234"/>
+                </a:lnTo>
+                <a:lnTo>
+                  <a:pt x="2826868" y="241040"/>
+                </a:lnTo>
+                <a:lnTo>
+                  <a:pt x="2694509" y="236166"/>
+                </a:lnTo>
+                <a:lnTo>
+                  <a:pt x="2564208" y="230955"/>
+                </a:lnTo>
+                <a:lnTo>
+                  <a:pt x="2436649" y="226249"/>
+                </a:lnTo>
+                <a:lnTo>
+                  <a:pt x="2187703" y="212969"/>
+                </a:lnTo>
+                <a:lnTo>
+                  <a:pt x="1949045" y="198850"/>
+                </a:lnTo>
+                <a:lnTo>
+                  <a:pt x="1719988" y="184058"/>
+                </a:lnTo>
+                <a:lnTo>
+                  <a:pt x="1503275" y="167753"/>
+                </a:lnTo>
+                <a:lnTo>
+                  <a:pt x="1296163" y="150776"/>
+                </a:lnTo>
+                <a:lnTo>
+                  <a:pt x="1104139" y="132455"/>
+                </a:lnTo>
+                <a:lnTo>
+                  <a:pt x="923774" y="114469"/>
+                </a:lnTo>
+                <a:lnTo>
+                  <a:pt x="757810" y="96484"/>
+                </a:lnTo>
+                <a:lnTo>
+                  <a:pt x="605563" y="79507"/>
+                </a:lnTo>
+                <a:lnTo>
+                  <a:pt x="470460" y="63370"/>
+                </a:lnTo>
+                <a:lnTo>
+                  <a:pt x="348388" y="48074"/>
+                </a:lnTo>
+                <a:lnTo>
+                  <a:pt x="245518" y="35299"/>
+                </a:lnTo>
+                <a:lnTo>
+                  <a:pt x="159107" y="23197"/>
+                </a:lnTo>
+                <a:lnTo>
+                  <a:pt x="40463" y="5883"/>
+                </a:lnTo>
+                <a:lnTo>
+                  <a:pt x="1" y="0"/>
+                </a:lnTo>
+                <a:lnTo>
+                  <a:pt x="1" y="905354"/>
+                </a:lnTo>
+                <a:lnTo>
+                  <a:pt x="0" y="905354"/>
+                </a:lnTo>
+                <a:lnTo>
+                  <a:pt x="0" y="6995918"/>
+                </a:lnTo>
+                <a:lnTo>
+                  <a:pt x="6858000" y="6995918"/>
+                </a:lnTo>
+                <a:lnTo>
+                  <a:pt x="6858000" y="1344715"/>
+                </a:lnTo>
+                <a:close/>
+              </a:path>
+            </a:pathLst>
+          </a:custGeom>
+          <a:ln>
+            <a:noFill/>
+          </a:ln>
+        </p:spPr>
+      </p:sp>
+      <p:pic>
+        <p:nvPicPr>
+          <p:cNvPr id="1025" name="Picture 1" descr="age1image3816"/>
+          <p:cNvPicPr>
+            <a:picLocks noChangeAspect="1" noChangeArrowheads="1"/>
+          </p:cNvPicPr>
+          <p:nvPr/>
+        </p:nvPicPr>
+        <p:blipFill>
+          <a:blip r:embed="rId2">
+            <a:extLst>
+              <a:ext uri="{28A0092B-C50C-407E-A947-70E740481C1C}">
+                <a14:useLocalDpi xmlns:a14="http://schemas.microsoft.com/office/drawing/2010/main" val="0"/>
+              </a:ext>
+            </a:extLst>
+          </a:blip>
+          <a:srcRect/>
+          <a:stretch>
+            <a:fillRect/>
+          </a:stretch>
+        </p:blipFill>
+        <p:spPr bwMode="auto">
+          <a:xfrm>
+            <a:off x="643854" y="717116"/>
+            <a:ext cx="5450557" cy="5423302"/>
+          </a:xfrm>
+          <a:prstGeom prst="rect">
+            <a:avLst/>
+          </a:prstGeom>
+          <a:noFill/>
+          <a:effectLst/>
+          <a:extLst>
+            <a:ext uri="{909E8E84-426E-40DD-AFC4-6F175D3DCCD1}">
+              <a14:hiddenFill xmlns:a14="http://schemas.microsoft.com/office/drawing/2010/main">
+                <a:solidFill>
+                  <a:srgbClr val="FFFFFF"/>
+                </a:solidFill>
+              </a14:hiddenFill>
+            </a:ext>
+          </a:extLst>
+        </p:spPr>
+      </p:pic>
+      <p:sp>
+        <p:nvSpPr>
           <p:cNvPr id="2" name="Title 1"/>
           <p:cNvSpPr>
             <a:spLocks noGrp="1"/>
@@ -6387,141 +7358,198 @@
             <p:ph type="ctrTitle"/>
           </p:nvPr>
         </p:nvSpPr>
-        <p:spPr/>
-        <p:txBody>
-          <a:bodyPr/>
-          <a:lstStyle/>
-          <a:p>
-            <a:r>
-              <a:rPr lang="en-US" b="1" dirty="0" smtClean="0"/>
-              <a:t/>
-            </a:r>
-            <a:br>
-              <a:rPr lang="en-US" b="1" dirty="0" smtClean="0"/>
-            </a:br>
-            <a:r>
-              <a:rPr lang="en-US" b="1" dirty="0" smtClean="0"/>
-              <a:t>Slice</a:t>
-            </a:r>
-            <a:r>
-              <a:rPr lang="en-US" dirty="0"/>
-              <a:t/>
-            </a:r>
-            <a:br>
-              <a:rPr lang="en-US" dirty="0"/>
-            </a:br>
-            <a:r>
-              <a:rPr lang="en-US" dirty="0"/>
-              <a:t/>
-            </a:r>
-            <a:br>
-              <a:rPr lang="en-US" dirty="0"/>
-            </a:br>
-            <a:endParaRPr lang="en-US" dirty="0"/>
-          </a:p>
-        </p:txBody>
-      </p:sp>
-      <p:sp>
-        <p:nvSpPr>
-          <p:cNvPr id="3" name="Subtitle 2"/>
-          <p:cNvSpPr>
-            <a:spLocks noGrp="1"/>
-          </p:cNvSpPr>
-          <p:nvPr>
-            <p:ph type="subTitle" idx="1"/>
-          </p:nvPr>
-        </p:nvSpPr>
-        <p:spPr>
-          <a:xfrm>
-            <a:off x="1154955" y="3121572"/>
-            <a:ext cx="8825658" cy="2785242"/>
+        <p:spPr>
+          <a:xfrm>
+            <a:off x="7385967" y="362260"/>
+            <a:ext cx="4158334" cy="3066507"/>
           </a:xfrm>
         </p:spPr>
         <p:txBody>
           <a:bodyPr>
-            <a:normAutofit fontScale="92500" lnSpcReduction="20000"/>
+            <a:normAutofit/>
           </a:bodyPr>
           <a:lstStyle/>
           <a:p>
-            <a:r>
-              <a:rPr lang="en-US" dirty="0">
+            <a:pPr>
+              <a:lnSpc>
+                <a:spcPct val="90000"/>
+              </a:lnSpc>
+            </a:pPr>
+            <a:r>
+              <a:rPr lang="en-US" sz="5400" b="1" dirty="0">
                 <a:solidFill>
-                  <a:schemeClr val="tx1"/>
+                  <a:srgbClr val="EBEBEB"/>
+                </a:solidFill>
+              </a:rPr>
+              <a:t/>
+            </a:r>
+            <a:br>
+              <a:rPr lang="en-US" sz="5400" b="1" dirty="0">
+                <a:solidFill>
+                  <a:srgbClr val="EBEBEB"/>
+                </a:solidFill>
+              </a:rPr>
+            </a:br>
+            <a:r>
+              <a:rPr lang="en-US" sz="5400" i="1" dirty="0">
+                <a:solidFill>
+                  <a:srgbClr val="EBEBEB"/>
+                </a:solidFill>
+              </a:rPr>
+              <a:t>Slice</a:t>
+            </a:r>
+            <a:br>
+              <a:rPr lang="en-US" sz="5400" i="1" dirty="0">
+                <a:solidFill>
+                  <a:srgbClr val="EBEBEB"/>
+                </a:solidFill>
+              </a:rPr>
+            </a:br>
+            <a:r>
+              <a:rPr lang="en-US" sz="5400" dirty="0">
+                <a:solidFill>
+                  <a:srgbClr val="EBEBEB"/>
+                </a:solidFill>
+              </a:rPr>
+              <a:t/>
+            </a:r>
+            <a:br>
+              <a:rPr lang="en-US" sz="5400" dirty="0">
+                <a:solidFill>
+                  <a:srgbClr val="EBEBEB"/>
+                </a:solidFill>
+              </a:rPr>
+            </a:br>
+            <a:endParaRPr lang="en-US" sz="5400" dirty="0">
+              <a:solidFill>
+                <a:srgbClr val="EBEBEB"/>
+              </a:solidFill>
+            </a:endParaRPr>
+          </a:p>
+        </p:txBody>
+      </p:sp>
+      <p:sp>
+        <p:nvSpPr>
+          <p:cNvPr id="3" name="Subtitle 2"/>
+          <p:cNvSpPr>
+            <a:spLocks noGrp="1"/>
+          </p:cNvSpPr>
+          <p:nvPr>
+            <p:ph type="subTitle" idx="1"/>
+          </p:nvPr>
+        </p:nvSpPr>
+        <p:spPr>
+          <a:xfrm>
+            <a:off x="7385967" y="2288346"/>
+            <a:ext cx="4158334" cy="2500196"/>
+          </a:xfrm>
+        </p:spPr>
+        <p:txBody>
+          <a:bodyPr>
+            <a:noAutofit/>
+          </a:bodyPr>
+          <a:lstStyle/>
+          <a:p>
+            <a:pPr>
+              <a:lnSpc>
+                <a:spcPct val="90000"/>
+              </a:lnSpc>
+            </a:pPr>
+            <a:r>
+              <a:rPr lang="en-US" sz="2800" b="1" dirty="0">
+                <a:solidFill>
+                  <a:schemeClr val="tx2">
+                    <a:lumMod val="40000"/>
+                    <a:lumOff val="60000"/>
+                  </a:schemeClr>
                 </a:solidFill>
               </a:rPr>
               <a:t>SER 502 -</a:t>
             </a:r>
             <a:r>
-              <a:rPr lang="en-US" i="1" dirty="0">
+              <a:rPr lang="en-US" sz="2800" b="1" i="1" dirty="0">
                 <a:solidFill>
-                  <a:schemeClr val="tx1"/>
+                  <a:schemeClr val="tx2">
+                    <a:lumMod val="40000"/>
+                    <a:lumOff val="60000"/>
+                  </a:schemeClr>
                 </a:solidFill>
               </a:rPr>
               <a:t>Languages And Programming Paradigms</a:t>
             </a:r>
-            <a:endParaRPr lang="en-US" dirty="0">
+            <a:endParaRPr lang="en-US" sz="2800" b="1" dirty="0">
               <a:solidFill>
-                <a:schemeClr val="tx1"/>
+                <a:schemeClr val="tx2">
+                  <a:lumMod val="40000"/>
+                  <a:lumOff val="60000"/>
+                </a:schemeClr>
               </a:solidFill>
             </a:endParaRPr>
           </a:p>
           <a:p>
-            <a:r>
-              <a:rPr lang="en-US" dirty="0">
+            <a:pPr>
+              <a:lnSpc>
+                <a:spcPct val="90000"/>
+              </a:lnSpc>
+            </a:pPr>
+            <a:r>
+              <a:rPr lang="en-US" sz="2800" b="1" dirty="0">
                 <a:solidFill>
-                  <a:schemeClr val="tx1"/>
+                  <a:schemeClr val="tx2">
+                    <a:lumMod val="40000"/>
+                    <a:lumOff val="60000"/>
+                  </a:schemeClr>
                 </a:solidFill>
               </a:rPr>
-              <a:t>Team : </a:t>
-            </a:r>
-            <a:r>
-              <a:rPr lang="en-US" dirty="0" smtClean="0">
-                <a:solidFill>
-                  <a:schemeClr val="tx1"/>
-                </a:solidFill>
-              </a:rPr>
-              <a:t>30</a:t>
+              <a:t>Team : 30</a:t>
             </a:r>
           </a:p>
           <a:p>
             <a:pPr marL="342900" indent="-342900">
+              <a:lnSpc>
+                <a:spcPct val="90000"/>
+              </a:lnSpc>
               <a:buFont typeface="Wingdings" charset="2"/>
               <a:buChar char="Ø"/>
             </a:pPr>
             <a:r>
-              <a:rPr lang="en-US" dirty="0" smtClean="0">
+              <a:rPr lang="en-US" sz="2800" b="1" dirty="0">
                 <a:solidFill>
-                  <a:schemeClr val="tx1"/>
+                  <a:schemeClr val="tx2">
+                    <a:lumMod val="40000"/>
+                    <a:lumOff val="60000"/>
+                  </a:schemeClr>
                 </a:solidFill>
               </a:rPr>
-              <a:t>Sanay </a:t>
-            </a:r>
-            <a:r>
-              <a:rPr lang="en-US" dirty="0">
-                <a:solidFill>
-                  <a:schemeClr val="tx1"/>
-                </a:solidFill>
-              </a:rPr>
-              <a:t>Devi</a:t>
+              <a:t>Sanay Devi</a:t>
             </a:r>
           </a:p>
           <a:p>
             <a:pPr marL="342900" indent="-342900" fontAlgn="base">
+              <a:lnSpc>
+                <a:spcPct val="90000"/>
+              </a:lnSpc>
               <a:buFont typeface="Wingdings" charset="2"/>
               <a:buChar char="Ø"/>
             </a:pPr>
             <a:r>
-              <a:rPr lang="en-US" dirty="0" err="1">
+              <a:rPr lang="en-US" sz="2800" b="1" dirty="0" err="1">
                 <a:solidFill>
-                  <a:schemeClr val="tx1"/>
+                  <a:schemeClr val="tx2">
+                    <a:lumMod val="40000"/>
+                    <a:lumOff val="60000"/>
+                  </a:schemeClr>
                 </a:solidFill>
               </a:rPr>
               <a:t>Vaishak</a:t>
             </a:r>
             <a:r>
-              <a:rPr lang="en-US" dirty="0">
+              <a:rPr lang="en-US" sz="2800" b="1" dirty="0">
                 <a:solidFill>
-                  <a:schemeClr val="tx1"/>
+                  <a:schemeClr val="tx2">
+                    <a:lumMod val="40000"/>
+                    <a:lumOff val="60000"/>
+                  </a:schemeClr>
                 </a:solidFill>
               </a:rPr>
               <a:t> Vellore</a:t>
@@ -6529,53 +7557,74 @@
           </a:p>
           <a:p>
             <a:pPr marL="342900" indent="-342900" fontAlgn="base">
+              <a:lnSpc>
+                <a:spcPct val="90000"/>
+              </a:lnSpc>
               <a:buFont typeface="Wingdings" charset="2"/>
               <a:buChar char="Ø"/>
             </a:pPr>
             <a:r>
-              <a:rPr lang="en-US" dirty="0" err="1">
+              <a:rPr lang="en-US" sz="2800" b="1" dirty="0" err="1">
                 <a:solidFill>
-                  <a:schemeClr val="tx1"/>
+                  <a:schemeClr val="tx2">
+                    <a:lumMod val="40000"/>
+                    <a:lumOff val="60000"/>
+                  </a:schemeClr>
                 </a:solidFill>
               </a:rPr>
               <a:t>Avinash</a:t>
             </a:r>
             <a:r>
-              <a:rPr lang="en-US" dirty="0">
+              <a:rPr lang="en-US" sz="2800" b="1" dirty="0">
                 <a:solidFill>
-                  <a:schemeClr val="tx1"/>
+                  <a:schemeClr val="tx2">
+                    <a:lumMod val="40000"/>
+                    <a:lumOff val="60000"/>
+                  </a:schemeClr>
                 </a:solidFill>
               </a:rPr>
               <a:t> </a:t>
             </a:r>
             <a:r>
-              <a:rPr lang="en-US" dirty="0" err="1">
+              <a:rPr lang="en-US" sz="2800" b="1" dirty="0" err="1">
                 <a:solidFill>
-                  <a:schemeClr val="tx1"/>
+                  <a:schemeClr val="tx2">
+                    <a:lumMod val="40000"/>
+                    <a:lumOff val="60000"/>
+                  </a:schemeClr>
                 </a:solidFill>
               </a:rPr>
               <a:t>Mathad</a:t>
             </a:r>
             <a:r>
-              <a:rPr lang="en-US" dirty="0">
+              <a:rPr lang="en-US" sz="2800" b="1" dirty="0">
                 <a:solidFill>
-                  <a:schemeClr val="tx1"/>
+                  <a:schemeClr val="tx2">
+                    <a:lumMod val="40000"/>
+                    <a:lumOff val="60000"/>
+                  </a:schemeClr>
                 </a:solidFill>
               </a:rPr>
               <a:t> </a:t>
             </a:r>
             <a:r>
-              <a:rPr lang="en-US" dirty="0" err="1">
+              <a:rPr lang="en-US" sz="2800" b="1" dirty="0" err="1">
                 <a:solidFill>
-                  <a:schemeClr val="tx1"/>
+                  <a:schemeClr val="tx2">
+                    <a:lumMod val="40000"/>
+                    <a:lumOff val="60000"/>
+                  </a:schemeClr>
                 </a:solidFill>
               </a:rPr>
               <a:t>Vijayakumar</a:t>
             </a:r>
             <a:r>
-              <a:rPr lang="en-US" dirty="0">
+              <a:rPr lang="en-US" sz="2800" b="1" dirty="0">
                 <a:solidFill>
-                  <a:schemeClr val="tx1"/>
+                  <a:schemeClr val="tx2">
+                    <a:lumMod val="40000"/>
+                    <a:lumOff val="60000"/>
+                  </a:schemeClr>
                 </a:solidFill>
               </a:rPr>
               <a:t> </a:t>
@@ -6583,47 +7632,82 @@
           </a:p>
           <a:p>
             <a:pPr marL="342900" indent="-342900" fontAlgn="base">
+              <a:lnSpc>
+                <a:spcPct val="90000"/>
+              </a:lnSpc>
               <a:buFont typeface="Wingdings" charset="2"/>
               <a:buChar char="Ø"/>
             </a:pPr>
             <a:r>
-              <a:rPr lang="en-US" dirty="0" err="1">
+              <a:rPr lang="en-US" sz="2800" b="1" dirty="0" err="1">
                 <a:solidFill>
-                  <a:schemeClr val="tx1"/>
+                  <a:schemeClr val="tx2">
+                    <a:lumMod val="40000"/>
+                    <a:lumOff val="60000"/>
+                  </a:schemeClr>
                 </a:solidFill>
               </a:rPr>
               <a:t>Darshan</a:t>
             </a:r>
             <a:r>
-              <a:rPr lang="en-US" dirty="0">
+              <a:rPr lang="en-US" sz="2800" b="1" dirty="0">
                 <a:solidFill>
-                  <a:schemeClr val="tx1"/>
+                  <a:schemeClr val="tx2">
+                    <a:lumMod val="40000"/>
+                    <a:lumOff val="60000"/>
+                  </a:schemeClr>
                 </a:solidFill>
               </a:rPr>
               <a:t> Prakash</a:t>
             </a:r>
           </a:p>
           <a:p>
-            <a:r>
-              <a:rPr lang="en-US" dirty="0"/>
+            <a:pPr>
+              <a:lnSpc>
+                <a:spcPct val="90000"/>
+              </a:lnSpc>
+            </a:pPr>
+            <a:r>
+              <a:rPr lang="en-US" sz="2800" b="1" dirty="0">
+                <a:solidFill>
+                  <a:schemeClr val="tx2">
+                    <a:lumMod val="40000"/>
+                    <a:lumOff val="60000"/>
+                  </a:schemeClr>
+                </a:solidFill>
+              </a:rPr>
               <a:t/>
             </a:r>
             <a:br>
-              <a:rPr lang="en-US" dirty="0"/>
+              <a:rPr lang="en-US" sz="2800" b="1" dirty="0">
+                <a:solidFill>
+                  <a:schemeClr val="tx2">
+                    <a:lumMod val="40000"/>
+                    <a:lumOff val="60000"/>
+                  </a:schemeClr>
+                </a:solidFill>
+              </a:rPr>
             </a:br>
-            <a:endParaRPr lang="en-US" dirty="0"/>
+            <a:endParaRPr lang="en-US" sz="2800" b="1" dirty="0">
+              <a:solidFill>
+                <a:schemeClr val="tx2">
+                  <a:lumMod val="40000"/>
+                  <a:lumOff val="60000"/>
+                </a:schemeClr>
+              </a:solidFill>
+            </a:endParaRPr>
           </a:p>
         </p:txBody>
       </p:sp>
     </p:spTree>
     <p:extLst>
       <p:ext uri="{BB962C8B-B14F-4D97-AF65-F5344CB8AC3E}">
-        <p14:creationId xmlns:p14="http://schemas.microsoft.com/office/powerpoint/2010/main" val="284666805"/>
+        <p14:creationId xmlns:p14="http://schemas.microsoft.com/office/powerpoint/2010/main" val="581784694"/>
       </p:ext>
     </p:extLst>
   </p:cSld>
   <p:clrMapOvr>
-    <a:masterClrMapping/>
+    <a:overrideClrMapping bg1="lt1" tx1="dk1" bg2="lt2" tx2="dk2" accent1="accent1" accent2="accent2" accent3="accent3" accent4="accent4" accent5="accent5" accent6="accent6" hlink="hlink" folHlink="folHlink"/>
   </p:clrMapOvr>
 </p:sld>
 </file>
@@ -6674,7 +7758,7 @@
           <p:cNvPr id="9" name="Picture 8">
             <a:extLst>
               <a:ext uri="{FF2B5EF4-FFF2-40B4-BE49-F238E27FC236}">
-                <a16:creationId xmlns:a16="http://schemas.microsoft.com/office/drawing/2014/main" xmlns="" id="{C9ECDD5C-152A-4CC7-8333-0F367B3A62EA}"/>
+                <a16:creationId xmlns="" xmlns:a16="http://schemas.microsoft.com/office/drawing/2014/main" id="{C9ECDD5C-152A-4CC7-8333-0F367B3A62EA}"/>
               </a:ext>
             </a:extLst>
           </p:cNvPr>
@@ -6715,7 +7799,7 @@
           <p:cNvPr id="11" name="Picture 10">
             <a:extLst>
               <a:ext uri="{FF2B5EF4-FFF2-40B4-BE49-F238E27FC236}">
-                <a16:creationId xmlns:a16="http://schemas.microsoft.com/office/drawing/2014/main" xmlns="" id="{7F5C92A3-369B-43F3-BDCE-E560B1B0EC89}"/>
+                <a16:creationId xmlns="" xmlns:a16="http://schemas.microsoft.com/office/drawing/2014/main" id="{7F5C92A3-369B-43F3-BDCE-E560B1B0EC89}"/>
               </a:ext>
             </a:extLst>
           </p:cNvPr>
@@ -6756,7 +7840,7 @@
           <p:cNvPr id="13" name="Oval 12">
             <a:extLst>
               <a:ext uri="{FF2B5EF4-FFF2-40B4-BE49-F238E27FC236}">
-                <a16:creationId xmlns:a16="http://schemas.microsoft.com/office/drawing/2014/main" xmlns="" id="{AEBE9F1A-B38D-446E-83AE-14B17CE77FF2}"/>
+                <a16:creationId xmlns="" xmlns:a16="http://schemas.microsoft.com/office/drawing/2014/main" id="{AEBE9F1A-B38D-446E-83AE-14B17CE77FF2}"/>
               </a:ext>
             </a:extLst>
           </p:cNvPr>
@@ -6833,7 +7917,7 @@
           <p:cNvPr id="15" name="Picture 14">
             <a:extLst>
               <a:ext uri="{FF2B5EF4-FFF2-40B4-BE49-F238E27FC236}">
-                <a16:creationId xmlns:a16="http://schemas.microsoft.com/office/drawing/2014/main" xmlns="" id="{915B5014-A7EC-4BA6-9C83-8840CF81DB28}"/>
+                <a16:creationId xmlns="" xmlns:a16="http://schemas.microsoft.com/office/drawing/2014/main" id="{915B5014-A7EC-4BA6-9C83-8840CF81DB28}"/>
               </a:ext>
             </a:extLst>
           </p:cNvPr>
@@ -6874,7 +7958,7 @@
           <p:cNvPr id="17" name="Picture 16">
             <a:extLst>
               <a:ext uri="{FF2B5EF4-FFF2-40B4-BE49-F238E27FC236}">
-                <a16:creationId xmlns:a16="http://schemas.microsoft.com/office/drawing/2014/main" xmlns="" id="{022C43AB-86D7-420D-8AD7-DC0A15FDD0AF}"/>
+                <a16:creationId xmlns="" xmlns:a16="http://schemas.microsoft.com/office/drawing/2014/main" id="{022C43AB-86D7-420D-8AD7-DC0A15FDD0AF}"/>
               </a:ext>
             </a:extLst>
           </p:cNvPr>
@@ -6915,7 +7999,7 @@
           <p:cNvPr id="19" name="Rectangle 18">
             <a:extLst>
               <a:ext uri="{FF2B5EF4-FFF2-40B4-BE49-F238E27FC236}">
-                <a16:creationId xmlns:a16="http://schemas.microsoft.com/office/drawing/2014/main" xmlns="" id="{5E3EB826-A471-488F-9E8A-D65528A3C0CA}"/>
+                <a16:creationId xmlns="" xmlns:a16="http://schemas.microsoft.com/office/drawing/2014/main" id="{5E3EB826-A471-488F-9E8A-D65528A3C0CA}"/>
               </a:ext>
             </a:extLst>
           </p:cNvPr>
@@ -6965,7 +8049,7 @@
           <p:cNvPr id="21" name="Rectangle 20">
             <a:extLst>
               <a:ext uri="{FF2B5EF4-FFF2-40B4-BE49-F238E27FC236}">
-                <a16:creationId xmlns:a16="http://schemas.microsoft.com/office/drawing/2014/main" xmlns="" id="{4159E445-83D7-4F7C-8B6B-79EDEFA5F788}"/>
+                <a16:creationId xmlns="" xmlns:a16="http://schemas.microsoft.com/office/drawing/2014/main" id="{4159E445-83D7-4F7C-8B6B-79EDEFA5F788}"/>
               </a:ext>
             </a:extLst>
           </p:cNvPr>
@@ -7057,7 +8141,7 @@
           <p:cNvPr id="23" name="Rectangle 22">
             <a:extLst>
               <a:ext uri="{FF2B5EF4-FFF2-40B4-BE49-F238E27FC236}">
-                <a16:creationId xmlns:a16="http://schemas.microsoft.com/office/drawing/2014/main" xmlns="" id="{E1E43DD8-7DEF-4A83-A303-10947F34B086}"/>
+                <a16:creationId xmlns="" xmlns:a16="http://schemas.microsoft.com/office/drawing/2014/main" id="{E1E43DD8-7DEF-4A83-A303-10947F34B086}"/>
               </a:ext>
             </a:extLst>
           </p:cNvPr>
@@ -7179,7 +8263,9 @@
         </p:nvSpPr>
         <p:spPr/>
         <p:txBody>
-          <a:bodyPr/>
+          <a:bodyPr>
+            <a:normAutofit/>
+          </a:bodyPr>
           <a:lstStyle/>
           <a:p>
             <a:r>
@@ -7198,14 +8284,37 @@
           <a:p>
             <a:r>
               <a:rPr lang="en-US" dirty="0" smtClean="0"/>
-              <a:t>ANTLR is a powerful parser generator for reading, processing, executing or translating structured text.</a:t>
-            </a:r>
-          </a:p>
-          <a:p>
+              <a:t>ANTLR </a:t>
+            </a:r>
             <a:r>
               <a:rPr lang="en-US" dirty="0" smtClean="0"/>
-              <a:t>For a grammar, ANTLR generates a parser that can build and walk parse trees.</a:t>
-            </a:r>
+              <a:t>is a powerful parser generator for reading, processing, executing or translating structured text.</a:t>
+            </a:r>
+          </a:p>
+          <a:p>
+            <a:r>
+              <a:rPr lang="en-US" dirty="0" smtClean="0"/>
+              <a:t>For a grammar, ANTLR generates a parser that can build and walk parse trees</a:t>
+            </a:r>
+            <a:r>
+              <a:rPr lang="en-US" dirty="0" smtClean="0"/>
+              <a:t>.</a:t>
+            </a:r>
+          </a:p>
+          <a:p>
+            <a:r>
+              <a:rPr lang="en-US" dirty="0" err="1"/>
+              <a:t>Lexer</a:t>
+            </a:r>
+            <a:r>
+              <a:rPr lang="en-US" dirty="0"/>
+              <a:t> tokens are generated which are used by the parser to generate the intermediate code and the parse tree</a:t>
+            </a:r>
+            <a:r>
+              <a:rPr lang="en-US" dirty="0" smtClean="0"/>
+              <a:t>.</a:t>
+            </a:r>
+            <a:endParaRPr lang="en-US" dirty="0" smtClean="0"/>
           </a:p>
           <a:p>
             <a:r>
@@ -7602,7 +8711,9 @@
         </p:nvSpPr>
         <p:spPr/>
         <p:txBody>
-          <a:bodyPr/>
+          <a:bodyPr>
+            <a:normAutofit fontScale="92500" lnSpcReduction="10000"/>
+          </a:bodyPr>
           <a:lstStyle/>
           <a:p>
             <a:r>
@@ -7626,18 +8737,22 @@
               <a:t> and now we define the </a:t>
             </a:r>
             <a:r>
-              <a:rPr lang="en-US" dirty="0" err="1" smtClean="0"/>
-              <a:t>dataTypes</a:t>
-            </a:r>
-            <a:r>
               <a:rPr lang="en-US" dirty="0" smtClean="0"/>
-              <a:t> and looping Constructs in this file.</a:t>
-            </a:r>
-          </a:p>
-          <a:p>
+              <a:t>semantics</a:t>
+            </a:r>
             <a:r>
               <a:rPr lang="en-US" dirty="0" smtClean="0"/>
-              <a:t>So the </a:t>
+              <a:t> of the intermediate language.</a:t>
+            </a:r>
+          </a:p>
+          <a:p>
+            <a:r>
+              <a:rPr lang="en-US" dirty="0" smtClean="0"/>
+              <a:t>So </a:t>
+            </a:r>
+            <a:r>
+              <a:rPr lang="en-US" dirty="0" smtClean="0"/>
+              <a:t>the </a:t>
             </a:r>
             <a:r>
               <a:rPr lang="en-US" dirty="0" err="1" smtClean="0"/>
@@ -7659,9 +8774,66 @@
           <a:p>
             <a:r>
               <a:rPr lang="en-US" dirty="0" smtClean="0"/>
-              <a:t>Now we will display a few code snippets showing a few of our methods defining the enter and exit state.</a:t>
-            </a:r>
-            <a:endParaRPr lang="en-US" dirty="0"/>
+              <a:t>For example, in the input text when an ”IF” is encountered, the </a:t>
+            </a:r>
+            <a:r>
+              <a:rPr lang="en-US" dirty="0" err="1" smtClean="0"/>
+              <a:t>enterIf</a:t>
+            </a:r>
+            <a:r>
+              <a:rPr lang="en-US" dirty="0" smtClean="0"/>
+              <a:t> method gets called and certain specific operations are performed till the end of the loop is reached.</a:t>
+            </a:r>
+          </a:p>
+          <a:p>
+            <a:r>
+              <a:rPr lang="en-US" dirty="0"/>
+              <a:t>Now, we run the </a:t>
+            </a:r>
+            <a:r>
+              <a:rPr lang="en-US" dirty="0" err="1"/>
+              <a:t>sliceRunner</a:t>
+            </a:r>
+            <a:r>
+              <a:rPr lang="en-US" dirty="0"/>
+              <a:t> file which has the main method in it. </a:t>
+            </a:r>
+          </a:p>
+          <a:p>
+            <a:r>
+              <a:rPr lang="en-US" dirty="0"/>
+              <a:t>First the </a:t>
+            </a:r>
+            <a:r>
+              <a:rPr lang="en-US" dirty="0" err="1"/>
+              <a:t>sliceRunner</a:t>
+            </a:r>
+            <a:r>
+              <a:rPr lang="en-US" dirty="0"/>
+              <a:t> will generate the tokens by calling the  </a:t>
+            </a:r>
+            <a:r>
+              <a:rPr lang="en-US" dirty="0" err="1"/>
+              <a:t>lexer</a:t>
+            </a:r>
+            <a:r>
+              <a:rPr lang="en-US" dirty="0"/>
+              <a:t> and the parser. These tokens using the </a:t>
+            </a:r>
+            <a:r>
+              <a:rPr lang="en-US" dirty="0" err="1"/>
+              <a:t>sliceBaseListener</a:t>
+            </a:r>
+            <a:r>
+              <a:rPr lang="en-US" dirty="0"/>
+              <a:t> generate the parse tree and the intermediate code.</a:t>
+            </a:r>
+          </a:p>
+          <a:p>
+            <a:r>
+              <a:rPr lang="en-US" dirty="0"/>
+              <a:t>A intermediate code is now generated. </a:t>
+            </a:r>
           </a:p>
         </p:txBody>
       </p:sp>
@@ -7724,7 +8896,7 @@
           <p:cNvPr id="9" name="Picture 8">
             <a:extLst>
               <a:ext uri="{FF2B5EF4-FFF2-40B4-BE49-F238E27FC236}">
-                <a16:creationId xmlns:a16="http://schemas.microsoft.com/office/drawing/2014/main" xmlns="" id="{C9ECDD5C-152A-4CC7-8333-0F367B3A62EA}"/>
+                <a16:creationId xmlns="" xmlns:a16="http://schemas.microsoft.com/office/drawing/2014/main" id="{C9ECDD5C-152A-4CC7-8333-0F367B3A62EA}"/>
               </a:ext>
             </a:extLst>
           </p:cNvPr>
@@ -7765,7 +8937,7 @@
           <p:cNvPr id="11" name="Picture 10">
             <a:extLst>
               <a:ext uri="{FF2B5EF4-FFF2-40B4-BE49-F238E27FC236}">
-                <a16:creationId xmlns:a16="http://schemas.microsoft.com/office/drawing/2014/main" xmlns="" id="{7F5C92A3-369B-43F3-BDCE-E560B1B0EC89}"/>
+                <a16:creationId xmlns="" xmlns:a16="http://schemas.microsoft.com/office/drawing/2014/main" id="{7F5C92A3-369B-43F3-BDCE-E560B1B0EC89}"/>
               </a:ext>
             </a:extLst>
           </p:cNvPr>
@@ -7806,7 +8978,7 @@
           <p:cNvPr id="13" name="Oval 12">
             <a:extLst>
               <a:ext uri="{FF2B5EF4-FFF2-40B4-BE49-F238E27FC236}">
-                <a16:creationId xmlns:a16="http://schemas.microsoft.com/office/drawing/2014/main" xmlns="" id="{AEBE9F1A-B38D-446E-83AE-14B17CE77FF2}"/>
+                <a16:creationId xmlns="" xmlns:a16="http://schemas.microsoft.com/office/drawing/2014/main" id="{AEBE9F1A-B38D-446E-83AE-14B17CE77FF2}"/>
               </a:ext>
             </a:extLst>
           </p:cNvPr>
@@ -7883,7 +9055,7 @@
           <p:cNvPr id="15" name="Picture 14">
             <a:extLst>
               <a:ext uri="{FF2B5EF4-FFF2-40B4-BE49-F238E27FC236}">
-                <a16:creationId xmlns:a16="http://schemas.microsoft.com/office/drawing/2014/main" xmlns="" id="{915B5014-A7EC-4BA6-9C83-8840CF81DB28}"/>
+                <a16:creationId xmlns="" xmlns:a16="http://schemas.microsoft.com/office/drawing/2014/main" id="{915B5014-A7EC-4BA6-9C83-8840CF81DB28}"/>
               </a:ext>
             </a:extLst>
           </p:cNvPr>
@@ -7924,7 +9096,7 @@
           <p:cNvPr id="17" name="Picture 16">
             <a:extLst>
               <a:ext uri="{FF2B5EF4-FFF2-40B4-BE49-F238E27FC236}">
-                <a16:creationId xmlns:a16="http://schemas.microsoft.com/office/drawing/2014/main" xmlns="" id="{022C43AB-86D7-420D-8AD7-DC0A15FDD0AF}"/>
+                <a16:creationId xmlns="" xmlns:a16="http://schemas.microsoft.com/office/drawing/2014/main" id="{022C43AB-86D7-420D-8AD7-DC0A15FDD0AF}"/>
               </a:ext>
             </a:extLst>
           </p:cNvPr>
@@ -7965,7 +9137,7 @@
           <p:cNvPr id="19" name="Rectangle 18">
             <a:extLst>
               <a:ext uri="{FF2B5EF4-FFF2-40B4-BE49-F238E27FC236}">
-                <a16:creationId xmlns:a16="http://schemas.microsoft.com/office/drawing/2014/main" xmlns="" id="{5E3EB826-A471-488F-9E8A-D65528A3C0CA}"/>
+                <a16:creationId xmlns="" xmlns:a16="http://schemas.microsoft.com/office/drawing/2014/main" id="{5E3EB826-A471-488F-9E8A-D65528A3C0CA}"/>
               </a:ext>
             </a:extLst>
           </p:cNvPr>
@@ -8015,7 +9187,7 @@
           <p:cNvPr id="21" name="Rectangle 20">
             <a:extLst>
               <a:ext uri="{FF2B5EF4-FFF2-40B4-BE49-F238E27FC236}">
-                <a16:creationId xmlns:a16="http://schemas.microsoft.com/office/drawing/2014/main" xmlns="" id="{4159E445-83D7-4F7C-8B6B-79EDEFA5F788}"/>
+                <a16:creationId xmlns="" xmlns:a16="http://schemas.microsoft.com/office/drawing/2014/main" id="{4159E445-83D7-4F7C-8B6B-79EDEFA5F788}"/>
               </a:ext>
             </a:extLst>
           </p:cNvPr>
@@ -8107,7 +9279,7 @@
           <p:cNvPr id="23" name="Rectangle 22">
             <a:extLst>
               <a:ext uri="{FF2B5EF4-FFF2-40B4-BE49-F238E27FC236}">
-                <a16:creationId xmlns:a16="http://schemas.microsoft.com/office/drawing/2014/main" xmlns="" id="{E1E43DD8-7DEF-4A83-A303-10947F34B086}"/>
+                <a16:creationId xmlns="" xmlns:a16="http://schemas.microsoft.com/office/drawing/2014/main" id="{E1E43DD8-7DEF-4A83-A303-10947F34B086}"/>
               </a:ext>
             </a:extLst>
           </p:cNvPr>
@@ -8211,7 +9383,7 @@
           <p:cNvPr id="9" name="Picture 8">
             <a:extLst>
               <a:ext uri="{FF2B5EF4-FFF2-40B4-BE49-F238E27FC236}">
-                <a16:creationId xmlns:a16="http://schemas.microsoft.com/office/drawing/2014/main" xmlns="" id="{C9ECDD5C-152A-4CC7-8333-0F367B3A62EA}"/>
+                <a16:creationId xmlns="" xmlns:a16="http://schemas.microsoft.com/office/drawing/2014/main" id="{C9ECDD5C-152A-4CC7-8333-0F367B3A62EA}"/>
               </a:ext>
             </a:extLst>
           </p:cNvPr>
@@ -8252,7 +9424,7 @@
           <p:cNvPr id="11" name="Picture 10">
             <a:extLst>
               <a:ext uri="{FF2B5EF4-FFF2-40B4-BE49-F238E27FC236}">
-                <a16:creationId xmlns:a16="http://schemas.microsoft.com/office/drawing/2014/main" xmlns="" id="{7F5C92A3-369B-43F3-BDCE-E560B1B0EC89}"/>
+                <a16:creationId xmlns="" xmlns:a16="http://schemas.microsoft.com/office/drawing/2014/main" id="{7F5C92A3-369B-43F3-BDCE-E560B1B0EC89}"/>
               </a:ext>
             </a:extLst>
           </p:cNvPr>
@@ -8293,7 +9465,7 @@
           <p:cNvPr id="13" name="Oval 12">
             <a:extLst>
               <a:ext uri="{FF2B5EF4-FFF2-40B4-BE49-F238E27FC236}">
-                <a16:creationId xmlns:a16="http://schemas.microsoft.com/office/drawing/2014/main" xmlns="" id="{AEBE9F1A-B38D-446E-83AE-14B17CE77FF2}"/>
+                <a16:creationId xmlns="" xmlns:a16="http://schemas.microsoft.com/office/drawing/2014/main" id="{AEBE9F1A-B38D-446E-83AE-14B17CE77FF2}"/>
               </a:ext>
             </a:extLst>
           </p:cNvPr>
@@ -8370,7 +9542,7 @@
           <p:cNvPr id="15" name="Picture 14">
             <a:extLst>
               <a:ext uri="{FF2B5EF4-FFF2-40B4-BE49-F238E27FC236}">
-                <a16:creationId xmlns:a16="http://schemas.microsoft.com/office/drawing/2014/main" xmlns="" id="{915B5014-A7EC-4BA6-9C83-8840CF81DB28}"/>
+                <a16:creationId xmlns="" xmlns:a16="http://schemas.microsoft.com/office/drawing/2014/main" id="{915B5014-A7EC-4BA6-9C83-8840CF81DB28}"/>
               </a:ext>
             </a:extLst>
           </p:cNvPr>
@@ -8411,7 +9583,7 @@
           <p:cNvPr id="17" name="Picture 16">
             <a:extLst>
               <a:ext uri="{FF2B5EF4-FFF2-40B4-BE49-F238E27FC236}">
-                <a16:creationId xmlns:a16="http://schemas.microsoft.com/office/drawing/2014/main" xmlns="" id="{022C43AB-86D7-420D-8AD7-DC0A15FDD0AF}"/>
+                <a16:creationId xmlns="" xmlns:a16="http://schemas.microsoft.com/office/drawing/2014/main" id="{022C43AB-86D7-420D-8AD7-DC0A15FDD0AF}"/>
               </a:ext>
             </a:extLst>
           </p:cNvPr>
@@ -8452,7 +9624,7 @@
           <p:cNvPr id="19" name="Rectangle 18">
             <a:extLst>
               <a:ext uri="{FF2B5EF4-FFF2-40B4-BE49-F238E27FC236}">
-                <a16:creationId xmlns:a16="http://schemas.microsoft.com/office/drawing/2014/main" xmlns="" id="{5E3EB826-A471-488F-9E8A-D65528A3C0CA}"/>
+                <a16:creationId xmlns="" xmlns:a16="http://schemas.microsoft.com/office/drawing/2014/main" id="{5E3EB826-A471-488F-9E8A-D65528A3C0CA}"/>
               </a:ext>
             </a:extLst>
           </p:cNvPr>
@@ -8502,7 +9674,7 @@
           <p:cNvPr id="21" name="Rectangle 20">
             <a:extLst>
               <a:ext uri="{FF2B5EF4-FFF2-40B4-BE49-F238E27FC236}">
-                <a16:creationId xmlns:a16="http://schemas.microsoft.com/office/drawing/2014/main" xmlns="" id="{4159E445-83D7-4F7C-8B6B-79EDEFA5F788}"/>
+                <a16:creationId xmlns="" xmlns:a16="http://schemas.microsoft.com/office/drawing/2014/main" id="{4159E445-83D7-4F7C-8B6B-79EDEFA5F788}"/>
               </a:ext>
             </a:extLst>
           </p:cNvPr>
@@ -8557,9 +9729,59 @@
           </a:p>
         </p:txBody>
       </p:sp>
+      <p:sp>
+        <p:nvSpPr>
+          <p:cNvPr id="23" name="Rectangle 22">
+            <a:extLst>
+              <a:ext uri="{FF2B5EF4-FFF2-40B4-BE49-F238E27FC236}">
+                <a16:creationId xmlns="" xmlns:a16="http://schemas.microsoft.com/office/drawing/2014/main" id="{E1E43DD8-7DEF-4A83-A303-10947F34B086}"/>
+              </a:ext>
+            </a:extLst>
+          </p:cNvPr>
+          <p:cNvSpPr>
+            <a:spLocks noGrp="1" noRot="1" noChangeAspect="1" noMove="1" noResize="1" noEditPoints="1" noAdjustHandles="1" noChangeArrowheads="1" noChangeShapeType="1" noTextEdit="1"/>
+          </p:cNvSpPr>
+          <p:nvPr>
+            <p:extLst>
+              <p:ext uri="{386F3935-93C4-4BCD-93E2-E3B085C9AB24}">
+                <p16:designElem xmlns:p16="http://schemas.microsoft.com/office/powerpoint/2015/main" val="1"/>
+              </p:ext>
+            </p:extLst>
+          </p:nvPr>
+        </p:nvSpPr>
+        <p:spPr>
+          <a:xfrm>
+            <a:off x="10437812" y="0"/>
+            <a:ext cx="685800" cy="1143000"/>
+          </a:xfrm>
+          <a:prstGeom prst="rect">
+            <a:avLst/>
+          </a:prstGeom>
+          <a:solidFill>
+            <a:schemeClr val="accent1"/>
+          </a:solidFill>
+          <a:ln>
+            <a:noFill/>
+          </a:ln>
+        </p:spPr>
+        <p:style>
+          <a:lnRef idx="1">
+            <a:schemeClr val="accent1"/>
+          </a:lnRef>
+          <a:fillRef idx="3">
+            <a:schemeClr val="accent1"/>
+          </a:fillRef>
+          <a:effectRef idx="2">
+            <a:schemeClr val="accent1"/>
+          </a:effectRef>
+          <a:fontRef idx="minor">
+            <a:schemeClr val="lt1"/>
+          </a:fontRef>
+        </p:style>
+      </p:sp>
       <p:pic>
         <p:nvPicPr>
-          <p:cNvPr id="4" name="Content Placeholder 3"/>
+          <p:cNvPr id="3" name="Content Placeholder 2"/>
           <p:cNvPicPr>
             <a:picLocks noGrp="1" noChangeAspect="1"/>
           </p:cNvPicPr>
@@ -8581,68 +9803,15 @@
         </p:blipFill>
         <p:spPr>
           <a:xfrm>
-            <a:off x="2263082" y="643466"/>
-            <a:ext cx="7684229" cy="5571067"/>
-          </a:xfrm>
-          <a:prstGeom prst="rect">
-            <a:avLst/>
-          </a:prstGeom>
+            <a:off x="1856853" y="546653"/>
+            <a:ext cx="7893433" cy="5701748"/>
+          </a:xfrm>
         </p:spPr>
       </p:pic>
-      <p:sp>
-        <p:nvSpPr>
-          <p:cNvPr id="23" name="Rectangle 22">
-            <a:extLst>
-              <a:ext uri="{FF2B5EF4-FFF2-40B4-BE49-F238E27FC236}">
-                <a16:creationId xmlns:a16="http://schemas.microsoft.com/office/drawing/2014/main" xmlns="" id="{E1E43DD8-7DEF-4A83-A303-10947F34B086}"/>
-              </a:ext>
-            </a:extLst>
-          </p:cNvPr>
-          <p:cNvSpPr>
-            <a:spLocks noGrp="1" noRot="1" noChangeAspect="1" noMove="1" noResize="1" noEditPoints="1" noAdjustHandles="1" noChangeArrowheads="1" noChangeShapeType="1" noTextEdit="1"/>
-          </p:cNvSpPr>
-          <p:nvPr>
-            <p:extLst>
-              <p:ext uri="{386F3935-93C4-4BCD-93E2-E3B085C9AB24}">
-                <p16:designElem xmlns:p16="http://schemas.microsoft.com/office/powerpoint/2015/main" val="1"/>
-              </p:ext>
-            </p:extLst>
-          </p:nvPr>
-        </p:nvSpPr>
-        <p:spPr>
-          <a:xfrm>
-            <a:off x="10437812" y="0"/>
-            <a:ext cx="685800" cy="1143000"/>
-          </a:xfrm>
-          <a:prstGeom prst="rect">
-            <a:avLst/>
-          </a:prstGeom>
-          <a:solidFill>
-            <a:schemeClr val="accent1"/>
-          </a:solidFill>
-          <a:ln>
-            <a:noFill/>
-          </a:ln>
-        </p:spPr>
-        <p:style>
-          <a:lnRef idx="1">
-            <a:schemeClr val="accent1"/>
-          </a:lnRef>
-          <a:fillRef idx="3">
-            <a:schemeClr val="accent1"/>
-          </a:fillRef>
-          <a:effectRef idx="2">
-            <a:schemeClr val="accent1"/>
-          </a:effectRef>
-          <a:fontRef idx="minor">
-            <a:schemeClr val="lt1"/>
-          </a:fontRef>
-        </p:style>
-      </p:sp>
     </p:spTree>
     <p:extLst>
       <p:ext uri="{BB962C8B-B14F-4D97-AF65-F5344CB8AC3E}">
-        <p14:creationId xmlns:p14="http://schemas.microsoft.com/office/powerpoint/2010/main" val="3971660539"/>
+        <p14:creationId xmlns:p14="http://schemas.microsoft.com/office/powerpoint/2010/main" val="1564520077"/>
       </p:ext>
     </p:extLst>
   </p:cSld>
@@ -8698,7 +9867,7 @@
           <p:cNvPr id="9" name="Picture 8">
             <a:extLst>
               <a:ext uri="{FF2B5EF4-FFF2-40B4-BE49-F238E27FC236}">
-                <a16:creationId xmlns:a16="http://schemas.microsoft.com/office/drawing/2014/main" xmlns="" id="{C9ECDD5C-152A-4CC7-8333-0F367B3A62EA}"/>
+                <a16:creationId xmlns="" xmlns:a16="http://schemas.microsoft.com/office/drawing/2014/main" id="{C9ECDD5C-152A-4CC7-8333-0F367B3A62EA}"/>
               </a:ext>
             </a:extLst>
           </p:cNvPr>
@@ -8739,7 +9908,7 @@
           <p:cNvPr id="11" name="Picture 10">
             <a:extLst>
               <a:ext uri="{FF2B5EF4-FFF2-40B4-BE49-F238E27FC236}">
-                <a16:creationId xmlns:a16="http://schemas.microsoft.com/office/drawing/2014/main" xmlns="" id="{7F5C92A3-369B-43F3-BDCE-E560B1B0EC89}"/>
+                <a16:creationId xmlns="" xmlns:a16="http://schemas.microsoft.com/office/drawing/2014/main" id="{7F5C92A3-369B-43F3-BDCE-E560B1B0EC89}"/>
               </a:ext>
             </a:extLst>
           </p:cNvPr>
@@ -8780,7 +9949,7 @@
           <p:cNvPr id="13" name="Oval 12">
             <a:extLst>
               <a:ext uri="{FF2B5EF4-FFF2-40B4-BE49-F238E27FC236}">
-                <a16:creationId xmlns:a16="http://schemas.microsoft.com/office/drawing/2014/main" xmlns="" id="{AEBE9F1A-B38D-446E-83AE-14B17CE77FF2}"/>
+                <a16:creationId xmlns="" xmlns:a16="http://schemas.microsoft.com/office/drawing/2014/main" id="{AEBE9F1A-B38D-446E-83AE-14B17CE77FF2}"/>
               </a:ext>
             </a:extLst>
           </p:cNvPr>
@@ -8857,7 +10026,7 @@
           <p:cNvPr id="15" name="Picture 14">
             <a:extLst>
               <a:ext uri="{FF2B5EF4-FFF2-40B4-BE49-F238E27FC236}">
-                <a16:creationId xmlns:a16="http://schemas.microsoft.com/office/drawing/2014/main" xmlns="" id="{915B5014-A7EC-4BA6-9C83-8840CF81DB28}"/>
+                <a16:creationId xmlns="" xmlns:a16="http://schemas.microsoft.com/office/drawing/2014/main" id="{915B5014-A7EC-4BA6-9C83-8840CF81DB28}"/>
               </a:ext>
             </a:extLst>
           </p:cNvPr>
@@ -8898,7 +10067,7 @@
           <p:cNvPr id="17" name="Picture 16">
             <a:extLst>
               <a:ext uri="{FF2B5EF4-FFF2-40B4-BE49-F238E27FC236}">
-                <a16:creationId xmlns:a16="http://schemas.microsoft.com/office/drawing/2014/main" xmlns="" id="{022C43AB-86D7-420D-8AD7-DC0A15FDD0AF}"/>
+                <a16:creationId xmlns="" xmlns:a16="http://schemas.microsoft.com/office/drawing/2014/main" id="{022C43AB-86D7-420D-8AD7-DC0A15FDD0AF}"/>
               </a:ext>
             </a:extLst>
           </p:cNvPr>
@@ -8939,7 +10108,7 @@
           <p:cNvPr id="19" name="Rectangle 18">
             <a:extLst>
               <a:ext uri="{FF2B5EF4-FFF2-40B4-BE49-F238E27FC236}">
-                <a16:creationId xmlns:a16="http://schemas.microsoft.com/office/drawing/2014/main" xmlns="" id="{5E3EB826-A471-488F-9E8A-D65528A3C0CA}"/>
+                <a16:creationId xmlns="" xmlns:a16="http://schemas.microsoft.com/office/drawing/2014/main" id="{5E3EB826-A471-488F-9E8A-D65528A3C0CA}"/>
               </a:ext>
             </a:extLst>
           </p:cNvPr>
@@ -8989,7 +10158,7 @@
           <p:cNvPr id="21" name="Rectangle 20">
             <a:extLst>
               <a:ext uri="{FF2B5EF4-FFF2-40B4-BE49-F238E27FC236}">
-                <a16:creationId xmlns:a16="http://schemas.microsoft.com/office/drawing/2014/main" xmlns="" id="{4159E445-83D7-4F7C-8B6B-79EDEFA5F788}"/>
+                <a16:creationId xmlns="" xmlns:a16="http://schemas.microsoft.com/office/drawing/2014/main" id="{4159E445-83D7-4F7C-8B6B-79EDEFA5F788}"/>
               </a:ext>
             </a:extLst>
           </p:cNvPr>
@@ -9044,9 +10213,59 @@
           </a:p>
         </p:txBody>
       </p:sp>
+      <p:sp>
+        <p:nvSpPr>
+          <p:cNvPr id="23" name="Rectangle 22">
+            <a:extLst>
+              <a:ext uri="{FF2B5EF4-FFF2-40B4-BE49-F238E27FC236}">
+                <a16:creationId xmlns="" xmlns:a16="http://schemas.microsoft.com/office/drawing/2014/main" id="{E1E43DD8-7DEF-4A83-A303-10947F34B086}"/>
+              </a:ext>
+            </a:extLst>
+          </p:cNvPr>
+          <p:cNvSpPr>
+            <a:spLocks noGrp="1" noRot="1" noChangeAspect="1" noMove="1" noResize="1" noEditPoints="1" noAdjustHandles="1" noChangeArrowheads="1" noChangeShapeType="1" noTextEdit="1"/>
+          </p:cNvSpPr>
+          <p:nvPr>
+            <p:extLst>
+              <p:ext uri="{386F3935-93C4-4BCD-93E2-E3B085C9AB24}">
+                <p16:designElem xmlns:p16="http://schemas.microsoft.com/office/powerpoint/2015/main" val="1"/>
+              </p:ext>
+            </p:extLst>
+          </p:nvPr>
+        </p:nvSpPr>
+        <p:spPr>
+          <a:xfrm>
+            <a:off x="10437812" y="0"/>
+            <a:ext cx="685800" cy="1143000"/>
+          </a:xfrm>
+          <a:prstGeom prst="rect">
+            <a:avLst/>
+          </a:prstGeom>
+          <a:solidFill>
+            <a:schemeClr val="accent1"/>
+          </a:solidFill>
+          <a:ln>
+            <a:noFill/>
+          </a:ln>
+        </p:spPr>
+        <p:style>
+          <a:lnRef idx="1">
+            <a:schemeClr val="accent1"/>
+          </a:lnRef>
+          <a:fillRef idx="3">
+            <a:schemeClr val="accent1"/>
+          </a:fillRef>
+          <a:effectRef idx="2">
+            <a:schemeClr val="accent1"/>
+          </a:effectRef>
+          <a:fontRef idx="minor">
+            <a:schemeClr val="lt1"/>
+          </a:fontRef>
+        </p:style>
+      </p:sp>
       <p:pic>
         <p:nvPicPr>
-          <p:cNvPr id="4" name="Content Placeholder 3"/>
+          <p:cNvPr id="3" name="Content Placeholder 2"/>
           <p:cNvPicPr>
             <a:picLocks noGrp="1" noChangeAspect="1"/>
           </p:cNvPicPr>
@@ -9068,64 +10287,11 @@
         </p:blipFill>
         <p:spPr>
           <a:xfrm>
-            <a:off x="1930401" y="1226795"/>
-            <a:ext cx="8349592" cy="4404409"/>
-          </a:xfrm>
-          <a:prstGeom prst="rect">
-            <a:avLst/>
-          </a:prstGeom>
+            <a:off x="1103312" y="533400"/>
+            <a:ext cx="9334499" cy="5387139"/>
+          </a:xfrm>
         </p:spPr>
       </p:pic>
-      <p:sp>
-        <p:nvSpPr>
-          <p:cNvPr id="23" name="Rectangle 22">
-            <a:extLst>
-              <a:ext uri="{FF2B5EF4-FFF2-40B4-BE49-F238E27FC236}">
-                <a16:creationId xmlns:a16="http://schemas.microsoft.com/office/drawing/2014/main" xmlns="" id="{E1E43DD8-7DEF-4A83-A303-10947F34B086}"/>
-              </a:ext>
-            </a:extLst>
-          </p:cNvPr>
-          <p:cNvSpPr>
-            <a:spLocks noGrp="1" noRot="1" noChangeAspect="1" noMove="1" noResize="1" noEditPoints="1" noAdjustHandles="1" noChangeArrowheads="1" noChangeShapeType="1" noTextEdit="1"/>
-          </p:cNvSpPr>
-          <p:nvPr>
-            <p:extLst>
-              <p:ext uri="{386F3935-93C4-4BCD-93E2-E3B085C9AB24}">
-                <p16:designElem xmlns:p16="http://schemas.microsoft.com/office/powerpoint/2015/main" val="1"/>
-              </p:ext>
-            </p:extLst>
-          </p:nvPr>
-        </p:nvSpPr>
-        <p:spPr>
-          <a:xfrm>
-            <a:off x="10437812" y="0"/>
-            <a:ext cx="685800" cy="1143000"/>
-          </a:xfrm>
-          <a:prstGeom prst="rect">
-            <a:avLst/>
-          </a:prstGeom>
-          <a:solidFill>
-            <a:schemeClr val="accent1"/>
-          </a:solidFill>
-          <a:ln>
-            <a:noFill/>
-          </a:ln>
-        </p:spPr>
-        <p:style>
-          <a:lnRef idx="1">
-            <a:schemeClr val="accent1"/>
-          </a:lnRef>
-          <a:fillRef idx="3">
-            <a:schemeClr val="accent1"/>
-          </a:fillRef>
-          <a:effectRef idx="2">
-            <a:schemeClr val="accent1"/>
-          </a:effectRef>
-          <a:fontRef idx="minor">
-            <a:schemeClr val="lt1"/>
-          </a:fontRef>
-        </p:style>
-      </p:sp>
     </p:spTree>
     <p:extLst>
       <p:ext uri="{BB962C8B-B14F-4D97-AF65-F5344CB8AC3E}">
@@ -9185,7 +10351,7 @@
           <p:cNvPr id="9" name="Picture 8">
             <a:extLst>
               <a:ext uri="{FF2B5EF4-FFF2-40B4-BE49-F238E27FC236}">
-                <a16:creationId xmlns:a16="http://schemas.microsoft.com/office/drawing/2014/main" xmlns="" id="{C9ECDD5C-152A-4CC7-8333-0F367B3A62EA}"/>
+                <a16:creationId xmlns="" xmlns:a16="http://schemas.microsoft.com/office/drawing/2014/main" id="{C9ECDD5C-152A-4CC7-8333-0F367B3A62EA}"/>
               </a:ext>
             </a:extLst>
           </p:cNvPr>
@@ -9226,7 +10392,7 @@
           <p:cNvPr id="11" name="Picture 10">
             <a:extLst>
               <a:ext uri="{FF2B5EF4-FFF2-40B4-BE49-F238E27FC236}">
-                <a16:creationId xmlns:a16="http://schemas.microsoft.com/office/drawing/2014/main" xmlns="" id="{7F5C92A3-369B-43F3-BDCE-E560B1B0EC89}"/>
+                <a16:creationId xmlns="" xmlns:a16="http://schemas.microsoft.com/office/drawing/2014/main" id="{7F5C92A3-369B-43F3-BDCE-E560B1B0EC89}"/>
               </a:ext>
             </a:extLst>
           </p:cNvPr>
@@ -9267,7 +10433,7 @@
           <p:cNvPr id="13" name="Oval 12">
             <a:extLst>
               <a:ext uri="{FF2B5EF4-FFF2-40B4-BE49-F238E27FC236}">
-                <a16:creationId xmlns:a16="http://schemas.microsoft.com/office/drawing/2014/main" xmlns="" id="{AEBE9F1A-B38D-446E-83AE-14B17CE77FF2}"/>
+                <a16:creationId xmlns="" xmlns:a16="http://schemas.microsoft.com/office/drawing/2014/main" id="{AEBE9F1A-B38D-446E-83AE-14B17CE77FF2}"/>
               </a:ext>
             </a:extLst>
           </p:cNvPr>
@@ -9344,7 +10510,7 @@
           <p:cNvPr id="15" name="Picture 14">
             <a:extLst>
               <a:ext uri="{FF2B5EF4-FFF2-40B4-BE49-F238E27FC236}">
-                <a16:creationId xmlns:a16="http://schemas.microsoft.com/office/drawing/2014/main" xmlns="" id="{915B5014-A7EC-4BA6-9C83-8840CF81DB28}"/>
+                <a16:creationId xmlns="" xmlns:a16="http://schemas.microsoft.com/office/drawing/2014/main" id="{915B5014-A7EC-4BA6-9C83-8840CF81DB28}"/>
               </a:ext>
             </a:extLst>
           </p:cNvPr>
@@ -9385,7 +10551,7 @@
           <p:cNvPr id="17" name="Picture 16">
             <a:extLst>
               <a:ext uri="{FF2B5EF4-FFF2-40B4-BE49-F238E27FC236}">
-                <a16:creationId xmlns:a16="http://schemas.microsoft.com/office/drawing/2014/main" xmlns="" id="{022C43AB-86D7-420D-8AD7-DC0A15FDD0AF}"/>
+                <a16:creationId xmlns="" xmlns:a16="http://schemas.microsoft.com/office/drawing/2014/main" id="{022C43AB-86D7-420D-8AD7-DC0A15FDD0AF}"/>
               </a:ext>
             </a:extLst>
           </p:cNvPr>
@@ -9426,7 +10592,7 @@
           <p:cNvPr id="19" name="Rectangle 18">
             <a:extLst>
               <a:ext uri="{FF2B5EF4-FFF2-40B4-BE49-F238E27FC236}">
-                <a16:creationId xmlns:a16="http://schemas.microsoft.com/office/drawing/2014/main" xmlns="" id="{5E3EB826-A471-488F-9E8A-D65528A3C0CA}"/>
+                <a16:creationId xmlns="" xmlns:a16="http://schemas.microsoft.com/office/drawing/2014/main" id="{5E3EB826-A471-488F-9E8A-D65528A3C0CA}"/>
               </a:ext>
             </a:extLst>
           </p:cNvPr>
@@ -9476,7 +10642,7 @@
           <p:cNvPr id="21" name="Rectangle 20">
             <a:extLst>
               <a:ext uri="{FF2B5EF4-FFF2-40B4-BE49-F238E27FC236}">
-                <a16:creationId xmlns:a16="http://schemas.microsoft.com/office/drawing/2014/main" xmlns="" id="{4159E445-83D7-4F7C-8B6B-79EDEFA5F788}"/>
+                <a16:creationId xmlns="" xmlns:a16="http://schemas.microsoft.com/office/drawing/2014/main" id="{4159E445-83D7-4F7C-8B6B-79EDEFA5F788}"/>
               </a:ext>
             </a:extLst>
           </p:cNvPr>
@@ -9531,9 +10697,59 @@
           </a:p>
         </p:txBody>
       </p:sp>
+      <p:sp>
+        <p:nvSpPr>
+          <p:cNvPr id="23" name="Rectangle 22">
+            <a:extLst>
+              <a:ext uri="{FF2B5EF4-FFF2-40B4-BE49-F238E27FC236}">
+                <a16:creationId xmlns="" xmlns:a16="http://schemas.microsoft.com/office/drawing/2014/main" id="{E1E43DD8-7DEF-4A83-A303-10947F34B086}"/>
+              </a:ext>
+            </a:extLst>
+          </p:cNvPr>
+          <p:cNvSpPr>
+            <a:spLocks noGrp="1" noRot="1" noChangeAspect="1" noMove="1" noResize="1" noEditPoints="1" noAdjustHandles="1" noChangeArrowheads="1" noChangeShapeType="1" noTextEdit="1"/>
+          </p:cNvSpPr>
+          <p:nvPr>
+            <p:extLst>
+              <p:ext uri="{386F3935-93C4-4BCD-93E2-E3B085C9AB24}">
+                <p16:designElem xmlns:p16="http://schemas.microsoft.com/office/powerpoint/2015/main" val="1"/>
+              </p:ext>
+            </p:extLst>
+          </p:nvPr>
+        </p:nvSpPr>
+        <p:spPr>
+          <a:xfrm>
+            <a:off x="10437812" y="0"/>
+            <a:ext cx="685800" cy="1143000"/>
+          </a:xfrm>
+          <a:prstGeom prst="rect">
+            <a:avLst/>
+          </a:prstGeom>
+          <a:solidFill>
+            <a:schemeClr val="accent1"/>
+          </a:solidFill>
+          <a:ln>
+            <a:noFill/>
+          </a:ln>
+        </p:spPr>
+        <p:style>
+          <a:lnRef idx="1">
+            <a:schemeClr val="accent1"/>
+          </a:lnRef>
+          <a:fillRef idx="3">
+            <a:schemeClr val="accent1"/>
+          </a:fillRef>
+          <a:effectRef idx="2">
+            <a:schemeClr val="accent1"/>
+          </a:effectRef>
+          <a:fontRef idx="minor">
+            <a:schemeClr val="lt1"/>
+          </a:fontRef>
+        </p:style>
+      </p:sp>
       <p:pic>
         <p:nvPicPr>
-          <p:cNvPr id="4" name="Content Placeholder 3"/>
+          <p:cNvPr id="3" name="Content Placeholder 2"/>
           <p:cNvPicPr>
             <a:picLocks noGrp="1" noChangeAspect="1"/>
           </p:cNvPicPr>
@@ -9555,64 +10771,11 @@
         </p:blipFill>
         <p:spPr>
           <a:xfrm>
-            <a:off x="2534000" y="643466"/>
-            <a:ext cx="7142393" cy="5571067"/>
-          </a:xfrm>
-          <a:prstGeom prst="rect">
-            <a:avLst/>
-          </a:prstGeom>
+            <a:off x="1333500" y="457200"/>
+            <a:ext cx="9104311" cy="5791200"/>
+          </a:xfrm>
         </p:spPr>
       </p:pic>
-      <p:sp>
-        <p:nvSpPr>
-          <p:cNvPr id="23" name="Rectangle 22">
-            <a:extLst>
-              <a:ext uri="{FF2B5EF4-FFF2-40B4-BE49-F238E27FC236}">
-                <a16:creationId xmlns:a16="http://schemas.microsoft.com/office/drawing/2014/main" xmlns="" id="{E1E43DD8-7DEF-4A83-A303-10947F34B086}"/>
-              </a:ext>
-            </a:extLst>
-          </p:cNvPr>
-          <p:cNvSpPr>
-            <a:spLocks noGrp="1" noRot="1" noChangeAspect="1" noMove="1" noResize="1" noEditPoints="1" noAdjustHandles="1" noChangeArrowheads="1" noChangeShapeType="1" noTextEdit="1"/>
-          </p:cNvSpPr>
-          <p:nvPr>
-            <p:extLst>
-              <p:ext uri="{386F3935-93C4-4BCD-93E2-E3B085C9AB24}">
-                <p16:designElem xmlns:p16="http://schemas.microsoft.com/office/powerpoint/2015/main" val="1"/>
-              </p:ext>
-            </p:extLst>
-          </p:nvPr>
-        </p:nvSpPr>
-        <p:spPr>
-          <a:xfrm>
-            <a:off x="10437812" y="0"/>
-            <a:ext cx="685800" cy="1143000"/>
-          </a:xfrm>
-          <a:prstGeom prst="rect">
-            <a:avLst/>
-          </a:prstGeom>
-          <a:solidFill>
-            <a:schemeClr val="accent1"/>
-          </a:solidFill>
-          <a:ln>
-            <a:noFill/>
-          </a:ln>
-        </p:spPr>
-        <p:style>
-          <a:lnRef idx="1">
-            <a:schemeClr val="accent1"/>
-          </a:lnRef>
-          <a:fillRef idx="3">
-            <a:schemeClr val="accent1"/>
-          </a:fillRef>
-          <a:effectRef idx="2">
-            <a:schemeClr val="accent1"/>
-          </a:effectRef>
-          <a:fontRef idx="minor">
-            <a:schemeClr val="lt1"/>
-          </a:fontRef>
-        </p:style>
-      </p:sp>
     </p:spTree>
     <p:extLst>
       <p:ext uri="{BB962C8B-B14F-4D97-AF65-F5344CB8AC3E}">
@@ -9701,14 +10864,12 @@
               <a:rPr lang="en-US" dirty="0"/>
               <a:t>The design goal of Slice is to create a new language which is easy to learn and implement. </a:t>
             </a:r>
-            <a:endParaRPr lang="en-US" dirty="0"/>
           </a:p>
           <a:p>
             <a:r>
               <a:rPr lang="en-US" dirty="0"/>
               <a:t>Slice is a user-friendly language which is written in Java and Python.</a:t>
             </a:r>
-            <a:endParaRPr lang="en-US" dirty="0"/>
           </a:p>
           <a:p>
             <a:r>
@@ -9772,14 +10933,12 @@
               <a:rPr lang="en-US" dirty="0"/>
               <a:t>else</a:t>
             </a:r>
-            <a:endParaRPr lang="en-US" dirty="0"/>
           </a:p>
           <a:p>
             <a:r>
               <a:rPr lang="en-US" dirty="0"/>
               <a:t>Looping Construct: While </a:t>
             </a:r>
-            <a:endParaRPr lang="en-US" dirty="0"/>
           </a:p>
           <a:p>
             <a:r>
@@ -9788,7 +10947,11 @@
             </a:r>
             <a:r>
               <a:rPr lang="en-US" dirty="0" err="1"/>
-              <a:t>Num,Bool,Identifier</a:t>
+              <a:t>Num</a:t>
+            </a:r>
+            <a:r>
+              <a:rPr lang="en-US" dirty="0" smtClean="0"/>
+              <a:t>, Bool, Identifier</a:t>
             </a:r>
             <a:endParaRPr lang="en-US" dirty="0"/>
           </a:p>
@@ -9875,7 +11038,7 @@
           <p:cNvPr id="9" name="Picture 8">
             <a:extLst>
               <a:ext uri="{FF2B5EF4-FFF2-40B4-BE49-F238E27FC236}">
-                <a16:creationId xmlns:a16="http://schemas.microsoft.com/office/drawing/2014/main" xmlns="" id="{C9ECDD5C-152A-4CC7-8333-0F367B3A62EA}"/>
+                <a16:creationId xmlns="" xmlns:a16="http://schemas.microsoft.com/office/drawing/2014/main" id="{C9ECDD5C-152A-4CC7-8333-0F367B3A62EA}"/>
               </a:ext>
             </a:extLst>
           </p:cNvPr>
@@ -9916,7 +11079,7 @@
           <p:cNvPr id="11" name="Picture 10">
             <a:extLst>
               <a:ext uri="{FF2B5EF4-FFF2-40B4-BE49-F238E27FC236}">
-                <a16:creationId xmlns:a16="http://schemas.microsoft.com/office/drawing/2014/main" xmlns="" id="{7F5C92A3-369B-43F3-BDCE-E560B1B0EC89}"/>
+                <a16:creationId xmlns="" xmlns:a16="http://schemas.microsoft.com/office/drawing/2014/main" id="{7F5C92A3-369B-43F3-BDCE-E560B1B0EC89}"/>
               </a:ext>
             </a:extLst>
           </p:cNvPr>
@@ -9957,7 +11120,7 @@
           <p:cNvPr id="13" name="Oval 12">
             <a:extLst>
               <a:ext uri="{FF2B5EF4-FFF2-40B4-BE49-F238E27FC236}">
-                <a16:creationId xmlns:a16="http://schemas.microsoft.com/office/drawing/2014/main" xmlns="" id="{AEBE9F1A-B38D-446E-83AE-14B17CE77FF2}"/>
+                <a16:creationId xmlns="" xmlns:a16="http://schemas.microsoft.com/office/drawing/2014/main" id="{AEBE9F1A-B38D-446E-83AE-14B17CE77FF2}"/>
               </a:ext>
             </a:extLst>
           </p:cNvPr>
@@ -10034,7 +11197,7 @@
           <p:cNvPr id="15" name="Picture 14">
             <a:extLst>
               <a:ext uri="{FF2B5EF4-FFF2-40B4-BE49-F238E27FC236}">
-                <a16:creationId xmlns:a16="http://schemas.microsoft.com/office/drawing/2014/main" xmlns="" id="{915B5014-A7EC-4BA6-9C83-8840CF81DB28}"/>
+                <a16:creationId xmlns="" xmlns:a16="http://schemas.microsoft.com/office/drawing/2014/main" id="{915B5014-A7EC-4BA6-9C83-8840CF81DB28}"/>
               </a:ext>
             </a:extLst>
           </p:cNvPr>
@@ -10075,7 +11238,7 @@
           <p:cNvPr id="17" name="Picture 16">
             <a:extLst>
               <a:ext uri="{FF2B5EF4-FFF2-40B4-BE49-F238E27FC236}">
-                <a16:creationId xmlns:a16="http://schemas.microsoft.com/office/drawing/2014/main" xmlns="" id="{022C43AB-86D7-420D-8AD7-DC0A15FDD0AF}"/>
+                <a16:creationId xmlns="" xmlns:a16="http://schemas.microsoft.com/office/drawing/2014/main" id="{022C43AB-86D7-420D-8AD7-DC0A15FDD0AF}"/>
               </a:ext>
             </a:extLst>
           </p:cNvPr>
@@ -10116,7 +11279,7 @@
           <p:cNvPr id="19" name="Rectangle 18">
             <a:extLst>
               <a:ext uri="{FF2B5EF4-FFF2-40B4-BE49-F238E27FC236}">
-                <a16:creationId xmlns:a16="http://schemas.microsoft.com/office/drawing/2014/main" xmlns="" id="{5E3EB826-A471-488F-9E8A-D65528A3C0CA}"/>
+                <a16:creationId xmlns="" xmlns:a16="http://schemas.microsoft.com/office/drawing/2014/main" id="{5E3EB826-A471-488F-9E8A-D65528A3C0CA}"/>
               </a:ext>
             </a:extLst>
           </p:cNvPr>
@@ -10166,7 +11329,7 @@
           <p:cNvPr id="21" name="Rectangle 20">
             <a:extLst>
               <a:ext uri="{FF2B5EF4-FFF2-40B4-BE49-F238E27FC236}">
-                <a16:creationId xmlns:a16="http://schemas.microsoft.com/office/drawing/2014/main" xmlns="" id="{4159E445-83D7-4F7C-8B6B-79EDEFA5F788}"/>
+                <a16:creationId xmlns="" xmlns:a16="http://schemas.microsoft.com/office/drawing/2014/main" id="{4159E445-83D7-4F7C-8B6B-79EDEFA5F788}"/>
               </a:ext>
             </a:extLst>
           </p:cNvPr>
@@ -10258,7 +11421,7 @@
           <p:cNvPr id="23" name="Rectangle 22">
             <a:extLst>
               <a:ext uri="{FF2B5EF4-FFF2-40B4-BE49-F238E27FC236}">
-                <a16:creationId xmlns:a16="http://schemas.microsoft.com/office/drawing/2014/main" xmlns="" id="{E1E43DD8-7DEF-4A83-A303-10947F34B086}"/>
+                <a16:creationId xmlns="" xmlns:a16="http://schemas.microsoft.com/office/drawing/2014/main" id="{E1E43DD8-7DEF-4A83-A303-10947F34B086}"/>
               </a:ext>
             </a:extLst>
           </p:cNvPr>
@@ -10373,7 +11536,7 @@
         </p:spPr>
         <p:txBody>
           <a:bodyPr>
-            <a:normAutofit fontScale="92500" lnSpcReduction="20000"/>
+            <a:normAutofit fontScale="92500" lnSpcReduction="10000"/>
           </a:bodyPr>
           <a:lstStyle/>
           <a:p>
@@ -10383,35 +11546,33 @@
             </a:r>
             <a:r>
               <a:rPr lang="en-US" dirty="0" smtClean="0"/>
-              <a:t>Generation Keywords used are:</a:t>
+              <a:t>Generation Keywords used are</a:t>
+            </a:r>
+            <a:r>
+              <a:rPr lang="en-US" dirty="0" smtClean="0"/>
+              <a:t>:</a:t>
             </a:r>
             <a:endParaRPr lang="en-US" dirty="0"/>
           </a:p>
           <a:p>
             <a:r>
-              <a:rPr lang="en-US" dirty="0" err="1"/>
-              <a:t>giveout</a:t>
+              <a:rPr lang="en-US" dirty="0" smtClean="0"/>
+              <a:t>GIVEOUT</a:t>
+            </a:r>
+          </a:p>
+          <a:p>
+            <a:r>
+              <a:rPr lang="en-US" dirty="0" smtClean="0"/>
+              <a:t>PUSH</a:t>
             </a:r>
             <a:endParaRPr lang="en-US" dirty="0"/>
           </a:p>
           <a:p>
             <a:r>
-              <a:rPr lang="en-US" dirty="0" err="1"/>
-              <a:t>takein</a:t>
+              <a:rPr lang="en-US" dirty="0" smtClean="0"/>
+              <a:t>STACK</a:t>
             </a:r>
             <a:endParaRPr lang="en-US" dirty="0"/>
-          </a:p>
-          <a:p>
-            <a:r>
-              <a:rPr lang="en-US" dirty="0"/>
-              <a:t>PUSH</a:t>
-            </a:r>
-          </a:p>
-          <a:p>
-            <a:r>
-              <a:rPr lang="en-US" dirty="0"/>
-              <a:t>stack</a:t>
-            </a:r>
           </a:p>
           <a:p>
             <a:r>
@@ -10421,21 +11582,30 @@
           </a:p>
           <a:p>
             <a:r>
+              <a:rPr lang="en-US" dirty="0" smtClean="0"/>
+              <a:t>IF ENDIF, ELSE ENDELSE , WHILE ENDWHILE</a:t>
+            </a:r>
+          </a:p>
+          <a:p>
+            <a:r>
+              <a:rPr lang="en-US" dirty="0" smtClean="0"/>
+              <a:t>PUSH </a:t>
+            </a:r>
+            <a:r>
               <a:rPr lang="en-US" dirty="0"/>
-              <a:t>TESTFGOTO, TESTTGOTO</a:t>
+              <a:t>true</a:t>
             </a:r>
           </a:p>
           <a:p>
             <a:r>
               <a:rPr lang="en-US" dirty="0"/>
-              <a:t>PUSH true</a:t>
-            </a:r>
-          </a:p>
-          <a:p>
-            <a:r>
-              <a:rPr lang="en-US" dirty="0"/>
-              <a:t>GREATER,LESSER, GREATEREQUAL,LESSEREQUAL,EQUALS,NOTQUALTO</a:t>
-            </a:r>
+              <a:t>GREATER,LESSER, </a:t>
+            </a:r>
+            <a:r>
+              <a:rPr lang="en-US" dirty="0" smtClean="0"/>
+              <a:t>GREATEREQUAL,LESSEREQUAL,EQUALS,NOTEQUALTO</a:t>
+            </a:r>
+            <a:endParaRPr lang="en-US" dirty="0"/>
           </a:p>
           <a:p>
             <a:r>
@@ -10446,16 +11616,22 @@
           <a:p>
             <a:r>
               <a:rPr lang="en-US" dirty="0" smtClean="0"/>
-              <a:t>ADDITION,SUBTRACT,MULTIPLY,DIVIDE,MODULUS</a:t>
-            </a:r>
-            <a:endParaRPr lang="en-US" dirty="0"/>
-          </a:p>
-          <a:p>
+              <a:t>ADDITION,SUBTRACTION,MULTIPLICATION,DIVISION,MODULUS</a:t>
+            </a:r>
+          </a:p>
+          <a:p>
+            <a:r>
+              <a:rPr lang="en-US" dirty="0"/>
+              <a:t>We now present two code snippets of sample input program and the intermediate code </a:t>
+            </a:r>
             <a:r>
               <a:rPr lang="en-US" dirty="0" smtClean="0"/>
-              <a:t>OR,AND</a:t>
-            </a:r>
-            <a:endParaRPr lang="en-US" dirty="0"/>
+              <a:t>generated</a:t>
+            </a:r>
+            <a:r>
+              <a:rPr lang="en-US" dirty="0"/>
+              <a:t>.</a:t>
+            </a:r>
           </a:p>
         </p:txBody>
       </p:sp>
@@ -10475,6 +11651,30 @@
 <file path=ppt/slides/slide22.xml><?xml version="1.0" encoding="utf-8"?>
 <p:sld xmlns:a="http://schemas.openxmlformats.org/drawingml/2006/main" xmlns:r="http://schemas.openxmlformats.org/officeDocument/2006/relationships" xmlns:p="http://schemas.openxmlformats.org/presentationml/2006/main">
   <p:cSld>
+    <p:bg>
+      <p:bgPr>
+        <a:blipFill rotWithShape="1">
+          <a:blip r:embed="rId2">
+            <a:duotone>
+              <a:schemeClr val="bg2">
+                <a:shade val="69000"/>
+                <a:hueMod val="108000"/>
+                <a:satMod val="164000"/>
+                <a:lumMod val="74000"/>
+              </a:schemeClr>
+              <a:schemeClr val="bg2">
+                <a:tint val="96000"/>
+                <a:hueMod val="88000"/>
+                <a:satMod val="140000"/>
+                <a:lumMod val="132000"/>
+              </a:schemeClr>
+            </a:duotone>
+          </a:blip>
+          <a:stretch/>
+        </a:blipFill>
+        <a:effectLst/>
+      </p:bgPr>
+    </p:bg>
     <p:spTree>
       <p:nvGrpSpPr>
         <p:cNvPr id="1" name=""/>
@@ -10489,106 +11689,470 @@
           <a:chExt cx="0" cy="0"/>
         </a:xfrm>
       </p:grpSpPr>
-      <p:sp>
-        <p:nvSpPr>
-          <p:cNvPr id="2" name="Title 1"/>
-          <p:cNvSpPr>
-            <a:spLocks noGrp="1"/>
-          </p:cNvSpPr>
-          <p:nvPr>
-            <p:ph type="title"/>
-          </p:nvPr>
-        </p:nvSpPr>
-        <p:spPr/>
+      <p:pic>
+        <p:nvPicPr>
+          <p:cNvPr id="10" name="Picture 9">
+            <a:extLst>
+              <a:ext uri="{FF2B5EF4-FFF2-40B4-BE49-F238E27FC236}">
+                <a16:creationId xmlns="" xmlns:a16="http://schemas.microsoft.com/office/drawing/2014/main" id="{C9ECDD5C-152A-4CC7-8333-0F367B3A62EA}"/>
+              </a:ext>
+            </a:extLst>
+          </p:cNvPr>
+          <p:cNvPicPr>
+            <a:picLocks noGrp="1" noRot="1" noChangeAspect="1" noMove="1" noResize="1" noEditPoints="1" noAdjustHandles="1" noChangeArrowheads="1" noChangeShapeType="1" noCrop="1"/>
+          </p:cNvPicPr>
+          <p:nvPr>
+            <p:extLst>
+              <p:ext uri="{386F3935-93C4-4BCD-93E2-E3B085C9AB24}">
+                <p16:designElem xmlns:p16="http://schemas.microsoft.com/office/powerpoint/2015/main" val="1"/>
+              </p:ext>
+            </p:extLst>
+          </p:nvPr>
+        </p:nvPicPr>
+        <p:blipFill rotWithShape="1">
+          <a:blip r:embed="rId3">
+            <a:extLst>
+              <a:ext uri="{28A0092B-C50C-407E-A947-70E740481C1C}">
+                <a14:useLocalDpi xmlns:a14="http://schemas.microsoft.com/office/drawing/2010/main" val="0"/>
+              </a:ext>
+            </a:extLst>
+          </a:blip>
+          <a:srcRect l="3613"/>
+          <a:stretch/>
+        </p:blipFill>
+        <p:spPr>
+          <a:xfrm>
+            <a:off x="0" y="2669685"/>
+            <a:ext cx="4037012" cy="4188315"/>
+          </a:xfrm>
+          <a:prstGeom prst="rect">
+            <a:avLst/>
+          </a:prstGeom>
+        </p:spPr>
+      </p:pic>
+      <p:pic>
+        <p:nvPicPr>
+          <p:cNvPr id="12" name="Picture 11">
+            <a:extLst>
+              <a:ext uri="{FF2B5EF4-FFF2-40B4-BE49-F238E27FC236}">
+                <a16:creationId xmlns="" xmlns:a16="http://schemas.microsoft.com/office/drawing/2014/main" id="{7F5C92A3-369B-43F3-BDCE-E560B1B0EC89}"/>
+              </a:ext>
+            </a:extLst>
+          </p:cNvPr>
+          <p:cNvPicPr>
+            <a:picLocks noGrp="1" noRot="1" noChangeAspect="1" noMove="1" noResize="1" noEditPoints="1" noAdjustHandles="1" noChangeArrowheads="1" noChangeShapeType="1" noCrop="1"/>
+          </p:cNvPicPr>
+          <p:nvPr>
+            <p:extLst>
+              <p:ext uri="{386F3935-93C4-4BCD-93E2-E3B085C9AB24}">
+                <p16:designElem xmlns:p16="http://schemas.microsoft.com/office/powerpoint/2015/main" val="1"/>
+              </p:ext>
+            </p:extLst>
+          </p:nvPr>
+        </p:nvPicPr>
+        <p:blipFill rotWithShape="1">
+          <a:blip r:embed="rId4">
+            <a:extLst>
+              <a:ext uri="{28A0092B-C50C-407E-A947-70E740481C1C}">
+                <a14:useLocalDpi xmlns:a14="http://schemas.microsoft.com/office/drawing/2010/main" val="0"/>
+              </a:ext>
+            </a:extLst>
+          </a:blip>
+          <a:srcRect l="35640"/>
+          <a:stretch/>
+        </p:blipFill>
+        <p:spPr>
+          <a:xfrm>
+            <a:off x="0" y="2892347"/>
+            <a:ext cx="1522412" cy="2365453"/>
+          </a:xfrm>
+          <a:prstGeom prst="rect">
+            <a:avLst/>
+          </a:prstGeom>
+        </p:spPr>
+      </p:pic>
+      <p:sp>
+        <p:nvSpPr>
+          <p:cNvPr id="14" name="Oval 13">
+            <a:extLst>
+              <a:ext uri="{FF2B5EF4-FFF2-40B4-BE49-F238E27FC236}">
+                <a16:creationId xmlns="" xmlns:a16="http://schemas.microsoft.com/office/drawing/2014/main" id="{AEBE9F1A-B38D-446E-83AE-14B17CE77FF2}"/>
+              </a:ext>
+            </a:extLst>
+          </p:cNvPr>
+          <p:cNvSpPr>
+            <a:spLocks noGrp="1" noRot="1" noChangeAspect="1" noMove="1" noResize="1" noEditPoints="1" noAdjustHandles="1" noChangeArrowheads="1" noChangeShapeType="1" noTextEdit="1"/>
+          </p:cNvSpPr>
+          <p:nvPr>
+            <p:extLst>
+              <p:ext uri="{386F3935-93C4-4BCD-93E2-E3B085C9AB24}">
+                <p16:designElem xmlns:p16="http://schemas.microsoft.com/office/powerpoint/2015/main" val="1"/>
+              </p:ext>
+            </p:extLst>
+          </p:nvPr>
+        </p:nvSpPr>
+        <p:spPr>
+          <a:xfrm>
+            <a:off x="8609012" y="1676400"/>
+            <a:ext cx="2819400" cy="2819400"/>
+          </a:xfrm>
+          <a:prstGeom prst="ellipse">
+            <a:avLst/>
+          </a:prstGeom>
+          <a:gradFill flip="none" rotWithShape="1">
+            <a:gsLst>
+              <a:gs pos="0">
+                <a:schemeClr val="bg2">
+                  <a:lumMod val="60000"/>
+                  <a:lumOff val="40000"/>
+                  <a:alpha val="7000"/>
+                </a:schemeClr>
+              </a:gs>
+              <a:gs pos="69000">
+                <a:schemeClr val="bg2">
+                  <a:lumMod val="60000"/>
+                  <a:lumOff val="40000"/>
+                  <a:alpha val="0"/>
+                </a:schemeClr>
+              </a:gs>
+              <a:gs pos="36000">
+                <a:schemeClr val="bg2">
+                  <a:lumMod val="60000"/>
+                  <a:lumOff val="40000"/>
+                  <a:alpha val="6000"/>
+                </a:schemeClr>
+              </a:gs>
+            </a:gsLst>
+            <a:path path="circle">
+              <a:fillToRect l="50000" t="50000" r="50000" b="50000"/>
+            </a:path>
+            <a:tileRect/>
+          </a:gradFill>
+          <a:ln>
+            <a:noFill/>
+          </a:ln>
+          <a:effectLst/>
+        </p:spPr>
+        <p:style>
+          <a:lnRef idx="1">
+            <a:schemeClr val="accent1"/>
+          </a:lnRef>
+          <a:fillRef idx="3">
+            <a:schemeClr val="accent1"/>
+          </a:fillRef>
+          <a:effectRef idx="2">
+            <a:schemeClr val="accent1"/>
+          </a:effectRef>
+          <a:fontRef idx="minor">
+            <a:schemeClr val="lt1"/>
+          </a:fontRef>
+        </p:style>
+      </p:sp>
+      <p:pic>
+        <p:nvPicPr>
+          <p:cNvPr id="16" name="Picture 15">
+            <a:extLst>
+              <a:ext uri="{FF2B5EF4-FFF2-40B4-BE49-F238E27FC236}">
+                <a16:creationId xmlns="" xmlns:a16="http://schemas.microsoft.com/office/drawing/2014/main" id="{915B5014-A7EC-4BA6-9C83-8840CF81DB28}"/>
+              </a:ext>
+            </a:extLst>
+          </p:cNvPr>
+          <p:cNvPicPr>
+            <a:picLocks noGrp="1" noRot="1" noChangeAspect="1" noMove="1" noResize="1" noEditPoints="1" noAdjustHandles="1" noChangeArrowheads="1" noChangeShapeType="1" noCrop="1"/>
+          </p:cNvPicPr>
+          <p:nvPr>
+            <p:extLst>
+              <p:ext uri="{386F3935-93C4-4BCD-93E2-E3B085C9AB24}">
+                <p16:designElem xmlns:p16="http://schemas.microsoft.com/office/powerpoint/2015/main" val="1"/>
+              </p:ext>
+            </p:extLst>
+          </p:nvPr>
+        </p:nvPicPr>
+        <p:blipFill rotWithShape="1">
+          <a:blip r:embed="rId5">
+            <a:extLst>
+              <a:ext uri="{28A0092B-C50C-407E-A947-70E740481C1C}">
+                <a14:useLocalDpi xmlns:a14="http://schemas.microsoft.com/office/drawing/2010/main" val="0"/>
+              </a:ext>
+            </a:extLst>
+          </a:blip>
+          <a:srcRect t="28813"/>
+          <a:stretch/>
+        </p:blipFill>
+        <p:spPr>
+          <a:xfrm>
+            <a:off x="7999412" y="0"/>
+            <a:ext cx="1603387" cy="1141407"/>
+          </a:xfrm>
+          <a:prstGeom prst="rect">
+            <a:avLst/>
+          </a:prstGeom>
+        </p:spPr>
+      </p:pic>
+      <p:pic>
+        <p:nvPicPr>
+          <p:cNvPr id="18" name="Picture 17">
+            <a:extLst>
+              <a:ext uri="{FF2B5EF4-FFF2-40B4-BE49-F238E27FC236}">
+                <a16:creationId xmlns="" xmlns:a16="http://schemas.microsoft.com/office/drawing/2014/main" id="{022C43AB-86D7-420D-8AD7-DC0A15FDD0AF}"/>
+              </a:ext>
+            </a:extLst>
+          </p:cNvPr>
+          <p:cNvPicPr>
+            <a:picLocks noGrp="1" noRot="1" noChangeAspect="1" noMove="1" noResize="1" noEditPoints="1" noAdjustHandles="1" noChangeArrowheads="1" noChangeShapeType="1" noCrop="1"/>
+          </p:cNvPicPr>
+          <p:nvPr>
+            <p:extLst>
+              <p:ext uri="{386F3935-93C4-4BCD-93E2-E3B085C9AB24}">
+                <p16:designElem xmlns:p16="http://schemas.microsoft.com/office/powerpoint/2015/main" val="1"/>
+              </p:ext>
+            </p:extLst>
+          </p:nvPr>
+        </p:nvPicPr>
+        <p:blipFill rotWithShape="1">
+          <a:blip r:embed="rId6">
+            <a:extLst>
+              <a:ext uri="{28A0092B-C50C-407E-A947-70E740481C1C}">
+                <a14:useLocalDpi xmlns:a14="http://schemas.microsoft.com/office/drawing/2010/main" val="0"/>
+              </a:ext>
+            </a:extLst>
+          </a:blip>
+          <a:srcRect b="23320"/>
+          <a:stretch/>
+        </p:blipFill>
+        <p:spPr>
+          <a:xfrm>
+            <a:off x="8605878" y="6096000"/>
+            <a:ext cx="993734" cy="762000"/>
+          </a:xfrm>
+          <a:prstGeom prst="rect">
+            <a:avLst/>
+          </a:prstGeom>
+        </p:spPr>
+      </p:pic>
+      <p:sp>
+        <p:nvSpPr>
+          <p:cNvPr id="20" name="Rectangle 19">
+            <a:extLst>
+              <a:ext uri="{FF2B5EF4-FFF2-40B4-BE49-F238E27FC236}">
+                <a16:creationId xmlns="" xmlns:a16="http://schemas.microsoft.com/office/drawing/2014/main" id="{5E3EB826-A471-488F-9E8A-D65528A3C0CA}"/>
+              </a:ext>
+            </a:extLst>
+          </p:cNvPr>
+          <p:cNvSpPr>
+            <a:spLocks noGrp="1" noRot="1" noChangeAspect="1" noMove="1" noResize="1" noEditPoints="1" noAdjustHandles="1" noChangeArrowheads="1" noChangeShapeType="1" noTextEdit="1"/>
+          </p:cNvSpPr>
+          <p:nvPr>
+            <p:extLst>
+              <p:ext uri="{386F3935-93C4-4BCD-93E2-E3B085C9AB24}">
+                <p16:designElem xmlns:p16="http://schemas.microsoft.com/office/powerpoint/2015/main" val="1"/>
+              </p:ext>
+            </p:extLst>
+          </p:nvPr>
+        </p:nvSpPr>
+        <p:spPr>
+          <a:xfrm>
+            <a:off x="10437812" y="0"/>
+            <a:ext cx="685800" cy="1143000"/>
+          </a:xfrm>
+          <a:prstGeom prst="rect">
+            <a:avLst/>
+          </a:prstGeom>
+          <a:solidFill>
+            <a:schemeClr val="accent1"/>
+          </a:solidFill>
+          <a:ln>
+            <a:noFill/>
+          </a:ln>
+        </p:spPr>
+        <p:style>
+          <a:lnRef idx="1">
+            <a:schemeClr val="accent1"/>
+          </a:lnRef>
+          <a:fillRef idx="3">
+            <a:schemeClr val="accent1"/>
+          </a:fillRef>
+          <a:effectRef idx="2">
+            <a:schemeClr val="accent1"/>
+          </a:effectRef>
+          <a:fontRef idx="minor">
+            <a:schemeClr val="lt1"/>
+          </a:fontRef>
+        </p:style>
+      </p:sp>
+      <p:sp>
+        <p:nvSpPr>
+          <p:cNvPr id="22" name="Rectangle 21">
+            <a:extLst>
+              <a:ext uri="{FF2B5EF4-FFF2-40B4-BE49-F238E27FC236}">
+                <a16:creationId xmlns="" xmlns:a16="http://schemas.microsoft.com/office/drawing/2014/main" id="{4159E445-83D7-4F7C-8B6B-79EDEFA5F788}"/>
+              </a:ext>
+            </a:extLst>
+          </p:cNvPr>
+          <p:cNvSpPr>
+            <a:spLocks noGrp="1" noRot="1" noChangeAspect="1" noMove="1" noResize="1" noEditPoints="1" noAdjustHandles="1" noChangeArrowheads="1" noChangeShapeType="1" noTextEdit="1"/>
+          </p:cNvSpPr>
+          <p:nvPr>
+            <p:extLst>
+              <p:ext uri="{386F3935-93C4-4BCD-93E2-E3B085C9AB24}">
+                <p16:designElem xmlns:p16="http://schemas.microsoft.com/office/powerpoint/2015/main" val="1"/>
+              </p:ext>
+            </p:extLst>
+          </p:nvPr>
+        </p:nvSpPr>
+        <p:spPr>
+          <a:xfrm>
+            <a:off x="0" y="0"/>
+            <a:ext cx="12192000" cy="6858000"/>
+          </a:xfrm>
+          <a:prstGeom prst="rect">
+            <a:avLst/>
+          </a:prstGeom>
+          <a:solidFill>
+            <a:srgbClr val="FFFFFF"/>
+          </a:solidFill>
+          <a:ln>
+            <a:noFill/>
+          </a:ln>
+        </p:spPr>
+        <p:style>
+          <a:lnRef idx="2">
+            <a:schemeClr val="accent1">
+              <a:shade val="50000"/>
+            </a:schemeClr>
+          </a:lnRef>
+          <a:fillRef idx="1">
+            <a:schemeClr val="accent1"/>
+          </a:fillRef>
+          <a:effectRef idx="0">
+            <a:schemeClr val="accent1"/>
+          </a:effectRef>
+          <a:fontRef idx="minor">
+            <a:schemeClr val="lt1"/>
+          </a:fontRef>
+        </p:style>
         <p:txBody>
-          <a:bodyPr/>
+          <a:bodyPr rtlCol="0" anchor="ctr"/>
           <a:lstStyle/>
           <a:p>
-            <a:r>
-              <a:rPr lang="en-US" dirty="0" smtClean="0"/>
-              <a:t>Intermediate Code Generation</a:t>
-            </a:r>
-            <a:endParaRPr lang="en-US" dirty="0"/>
+            <a:pPr algn="ctr"/>
+            <a:endParaRPr lang="en-US"/>
           </a:p>
         </p:txBody>
       </p:sp>
       <p:sp>
         <p:nvSpPr>
+          <p:cNvPr id="24" name="Rectangle 23">
+            <a:extLst>
+              <a:ext uri="{FF2B5EF4-FFF2-40B4-BE49-F238E27FC236}">
+                <a16:creationId xmlns="" xmlns:a16="http://schemas.microsoft.com/office/drawing/2014/main" id="{E1E43DD8-7DEF-4A83-A303-10947F34B086}"/>
+              </a:ext>
+            </a:extLst>
+          </p:cNvPr>
+          <p:cNvSpPr>
+            <a:spLocks noGrp="1" noRot="1" noChangeAspect="1" noMove="1" noResize="1" noEditPoints="1" noAdjustHandles="1" noChangeArrowheads="1" noChangeShapeType="1" noTextEdit="1"/>
+          </p:cNvSpPr>
+          <p:nvPr>
+            <p:extLst>
+              <p:ext uri="{386F3935-93C4-4BCD-93E2-E3B085C9AB24}">
+                <p16:designElem xmlns:p16="http://schemas.microsoft.com/office/powerpoint/2015/main" val="1"/>
+              </p:ext>
+            </p:extLst>
+          </p:nvPr>
+        </p:nvSpPr>
+        <p:spPr>
+          <a:xfrm>
+            <a:off x="10437812" y="0"/>
+            <a:ext cx="685800" cy="1143000"/>
+          </a:xfrm>
+          <a:prstGeom prst="rect">
+            <a:avLst/>
+          </a:prstGeom>
+          <a:solidFill>
+            <a:schemeClr val="accent1"/>
+          </a:solidFill>
+          <a:ln>
+            <a:noFill/>
+          </a:ln>
+        </p:spPr>
+        <p:style>
+          <a:lnRef idx="1">
+            <a:schemeClr val="accent1"/>
+          </a:lnRef>
+          <a:fillRef idx="3">
+            <a:schemeClr val="accent1"/>
+          </a:fillRef>
+          <a:effectRef idx="2">
+            <a:schemeClr val="accent1"/>
+          </a:effectRef>
+          <a:fontRef idx="minor">
+            <a:schemeClr val="lt1"/>
+          </a:fontRef>
+        </p:style>
+      </p:sp>
+      <p:pic>
+        <p:nvPicPr>
           <p:cNvPr id="3" name="Content Placeholder 2"/>
-          <p:cNvSpPr>
-            <a:spLocks noGrp="1"/>
-          </p:cNvSpPr>
+          <p:cNvPicPr>
+            <a:picLocks noGrp="1" noChangeAspect="1"/>
+          </p:cNvPicPr>
           <p:nvPr>
             <p:ph idx="1"/>
           </p:nvPr>
-        </p:nvSpPr>
-        <p:spPr>
-          <a:xfrm>
-            <a:off x="1103312" y="1334814"/>
-            <a:ext cx="10310922" cy="4913585"/>
-          </a:xfrm>
-        </p:spPr>
-        <p:txBody>
-          <a:bodyPr>
-            <a:normAutofit/>
-          </a:bodyPr>
-          <a:lstStyle/>
-          <a:p>
-            <a:r>
-              <a:rPr lang="en-US" dirty="0" smtClean="0"/>
-              <a:t>Now, we run the </a:t>
-            </a:r>
-            <a:r>
-              <a:rPr lang="en-US" dirty="0" err="1" smtClean="0"/>
-              <a:t>sliceRunner</a:t>
-            </a:r>
-            <a:r>
-              <a:rPr lang="en-US" dirty="0" smtClean="0"/>
-              <a:t> file which has the main method in it. </a:t>
-            </a:r>
-          </a:p>
-          <a:p>
-            <a:r>
-              <a:rPr lang="en-US" dirty="0" smtClean="0"/>
-              <a:t>First the </a:t>
-            </a:r>
-            <a:r>
-              <a:rPr lang="en-US" dirty="0" err="1" smtClean="0"/>
-              <a:t>sliceRunner</a:t>
-            </a:r>
-            <a:r>
-              <a:rPr lang="en-US" dirty="0" smtClean="0"/>
-              <a:t> will generate the tokens by calling the  </a:t>
-            </a:r>
-            <a:r>
-              <a:rPr lang="en-US" dirty="0" err="1" smtClean="0"/>
-              <a:t>lexer</a:t>
-            </a:r>
-            <a:r>
-              <a:rPr lang="en-US" dirty="0" smtClean="0"/>
-              <a:t> and the parser. These tokens using the </a:t>
-            </a:r>
-            <a:r>
-              <a:rPr lang="en-US" dirty="0" err="1" smtClean="0"/>
-              <a:t>sliceBaseListener</a:t>
-            </a:r>
-            <a:r>
-              <a:rPr lang="en-US" dirty="0" smtClean="0"/>
-              <a:t> generate the parse tree and the intermediate code.</a:t>
-            </a:r>
-          </a:p>
-          <a:p>
-            <a:r>
-              <a:rPr lang="en-US" dirty="0" smtClean="0"/>
-              <a:t>A intermediate code is now generated. We now present two code snippets of sample input program and the intermediate code generated.</a:t>
-            </a:r>
-          </a:p>
-        </p:txBody>
-      </p:sp>
+        </p:nvPicPr>
+        <p:blipFill>
+          <a:blip r:embed="rId7">
+            <a:extLst>
+              <a:ext uri="{28A0092B-C50C-407E-A947-70E740481C1C}">
+                <a14:useLocalDpi xmlns:a14="http://schemas.microsoft.com/office/drawing/2010/main" val="0"/>
+              </a:ext>
+            </a:extLst>
+          </a:blip>
+          <a:stretch>
+            <a:fillRect/>
+          </a:stretch>
+        </p:blipFill>
+        <p:spPr>
+          <a:xfrm>
+            <a:off x="1388962" y="1481559"/>
+            <a:ext cx="3414532" cy="3437682"/>
+          </a:xfrm>
+        </p:spPr>
+      </p:pic>
+      <p:pic>
+        <p:nvPicPr>
+          <p:cNvPr id="4" name="Picture 3"/>
+          <p:cNvPicPr>
+            <a:picLocks noChangeAspect="1"/>
+          </p:cNvPicPr>
+          <p:nvPr/>
+        </p:nvPicPr>
+        <p:blipFill>
+          <a:blip r:embed="rId8">
+            <a:extLst>
+              <a:ext uri="{28A0092B-C50C-407E-A947-70E740481C1C}">
+                <a14:useLocalDpi xmlns:a14="http://schemas.microsoft.com/office/drawing/2010/main" val="0"/>
+              </a:ext>
+            </a:extLst>
+          </a:blip>
+          <a:stretch>
+            <a:fillRect/>
+          </a:stretch>
+        </p:blipFill>
+        <p:spPr>
+          <a:xfrm>
+            <a:off x="6318431" y="874371"/>
+            <a:ext cx="2526949" cy="4421529"/>
+          </a:xfrm>
+          <a:prstGeom prst="rect">
+            <a:avLst/>
+          </a:prstGeom>
+        </p:spPr>
+      </p:pic>
     </p:spTree>
     <p:extLst>
       <p:ext uri="{BB962C8B-B14F-4D97-AF65-F5344CB8AC3E}">
-        <p14:creationId xmlns:p14="http://schemas.microsoft.com/office/powerpoint/2010/main" val="1067663207"/>
+        <p14:creationId xmlns:p14="http://schemas.microsoft.com/office/powerpoint/2010/main" val="520782978"/>
       </p:ext>
     </p:extLst>
   </p:cSld>
@@ -10644,7 +12208,7 @@
           <p:cNvPr id="10" name="Picture 9">
             <a:extLst>
               <a:ext uri="{FF2B5EF4-FFF2-40B4-BE49-F238E27FC236}">
-                <a16:creationId xmlns:a16="http://schemas.microsoft.com/office/drawing/2014/main" xmlns="" id="{C9ECDD5C-152A-4CC7-8333-0F367B3A62EA}"/>
+                <a16:creationId xmlns="" xmlns:a16="http://schemas.microsoft.com/office/drawing/2014/main" id="{C9ECDD5C-152A-4CC7-8333-0F367B3A62EA}"/>
               </a:ext>
             </a:extLst>
           </p:cNvPr>
@@ -10685,7 +12249,7 @@
           <p:cNvPr id="12" name="Picture 11">
             <a:extLst>
               <a:ext uri="{FF2B5EF4-FFF2-40B4-BE49-F238E27FC236}">
-                <a16:creationId xmlns:a16="http://schemas.microsoft.com/office/drawing/2014/main" xmlns="" id="{7F5C92A3-369B-43F3-BDCE-E560B1B0EC89}"/>
+                <a16:creationId xmlns="" xmlns:a16="http://schemas.microsoft.com/office/drawing/2014/main" id="{7F5C92A3-369B-43F3-BDCE-E560B1B0EC89}"/>
               </a:ext>
             </a:extLst>
           </p:cNvPr>
@@ -10726,7 +12290,7 @@
           <p:cNvPr id="14" name="Oval 13">
             <a:extLst>
               <a:ext uri="{FF2B5EF4-FFF2-40B4-BE49-F238E27FC236}">
-                <a16:creationId xmlns:a16="http://schemas.microsoft.com/office/drawing/2014/main" xmlns="" id="{AEBE9F1A-B38D-446E-83AE-14B17CE77FF2}"/>
+                <a16:creationId xmlns="" xmlns:a16="http://schemas.microsoft.com/office/drawing/2014/main" id="{AEBE9F1A-B38D-446E-83AE-14B17CE77FF2}"/>
               </a:ext>
             </a:extLst>
           </p:cNvPr>
@@ -10803,7 +12367,7 @@
           <p:cNvPr id="16" name="Picture 15">
             <a:extLst>
               <a:ext uri="{FF2B5EF4-FFF2-40B4-BE49-F238E27FC236}">
-                <a16:creationId xmlns:a16="http://schemas.microsoft.com/office/drawing/2014/main" xmlns="" id="{915B5014-A7EC-4BA6-9C83-8840CF81DB28}"/>
+                <a16:creationId xmlns="" xmlns:a16="http://schemas.microsoft.com/office/drawing/2014/main" id="{915B5014-A7EC-4BA6-9C83-8840CF81DB28}"/>
               </a:ext>
             </a:extLst>
           </p:cNvPr>
@@ -10844,7 +12408,7 @@
           <p:cNvPr id="18" name="Picture 17">
             <a:extLst>
               <a:ext uri="{FF2B5EF4-FFF2-40B4-BE49-F238E27FC236}">
-                <a16:creationId xmlns:a16="http://schemas.microsoft.com/office/drawing/2014/main" xmlns="" id="{022C43AB-86D7-420D-8AD7-DC0A15FDD0AF}"/>
+                <a16:creationId xmlns="" xmlns:a16="http://schemas.microsoft.com/office/drawing/2014/main" id="{022C43AB-86D7-420D-8AD7-DC0A15FDD0AF}"/>
               </a:ext>
             </a:extLst>
           </p:cNvPr>
@@ -10885,7 +12449,7 @@
           <p:cNvPr id="20" name="Rectangle 19">
             <a:extLst>
               <a:ext uri="{FF2B5EF4-FFF2-40B4-BE49-F238E27FC236}">
-                <a16:creationId xmlns:a16="http://schemas.microsoft.com/office/drawing/2014/main" xmlns="" id="{5E3EB826-A471-488F-9E8A-D65528A3C0CA}"/>
+                <a16:creationId xmlns="" xmlns:a16="http://schemas.microsoft.com/office/drawing/2014/main" id="{5E3EB826-A471-488F-9E8A-D65528A3C0CA}"/>
               </a:ext>
             </a:extLst>
           </p:cNvPr>
@@ -10935,7 +12499,7 @@
           <p:cNvPr id="22" name="Rectangle 21">
             <a:extLst>
               <a:ext uri="{FF2B5EF4-FFF2-40B4-BE49-F238E27FC236}">
-                <a16:creationId xmlns:a16="http://schemas.microsoft.com/office/drawing/2014/main" xmlns="" id="{4159E445-83D7-4F7C-8B6B-79EDEFA5F788}"/>
+                <a16:creationId xmlns="" xmlns:a16="http://schemas.microsoft.com/office/drawing/2014/main" id="{4159E445-83D7-4F7C-8B6B-79EDEFA5F788}"/>
               </a:ext>
             </a:extLst>
           </p:cNvPr>
@@ -10995,7 +12559,7 @@
           <p:cNvPr id="24" name="Rectangle 23">
             <a:extLst>
               <a:ext uri="{FF2B5EF4-FFF2-40B4-BE49-F238E27FC236}">
-                <a16:creationId xmlns:a16="http://schemas.microsoft.com/office/drawing/2014/main" xmlns="" id="{E1E43DD8-7DEF-4A83-A303-10947F34B086}"/>
+                <a16:creationId xmlns="" xmlns:a16="http://schemas.microsoft.com/office/drawing/2014/main" id="{E1E43DD8-7DEF-4A83-A303-10947F34B086}"/>
               </a:ext>
             </a:extLst>
           </p:cNvPr>
@@ -11042,7 +12606,7 @@
       </p:sp>
       <p:pic>
         <p:nvPicPr>
-          <p:cNvPr id="15" name="Content Placeholder 2"/>
+          <p:cNvPr id="13" name="Content Placeholder 12"/>
           <p:cNvPicPr>
             <a:picLocks noGrp="1" noChangeAspect="1"/>
           </p:cNvPicPr>
@@ -11064,18 +12628,17 @@
         </p:blipFill>
         <p:spPr>
           <a:xfrm>
-            <a:off x="1393823" y="1613395"/>
-            <a:ext cx="3412645" cy="3291844"/>
+            <a:off x="784014" y="1141407"/>
+            <a:ext cx="3657954" cy="4699321"/>
           </a:xfrm>
           <a:prstGeom prst="rect">
             <a:avLst/>
           </a:prstGeom>
-          <a:effectLst/>
         </p:spPr>
       </p:pic>
       <p:pic>
         <p:nvPicPr>
-          <p:cNvPr id="17" name="Content Placeholder 3"/>
+          <p:cNvPr id="19" name="Content Placeholder 3"/>
           <p:cNvPicPr>
             <a:picLocks noChangeAspect="1"/>
           </p:cNvPicPr>
@@ -11095,19 +12658,18 @@
         </p:blipFill>
         <p:spPr>
           <a:xfrm>
-            <a:off x="6549288" y="1613395"/>
-            <a:ext cx="1949945" cy="3291844"/>
+            <a:off x="5590989" y="157223"/>
+            <a:ext cx="2862789" cy="6319777"/>
           </a:xfrm>
           <a:prstGeom prst="rect">
             <a:avLst/>
           </a:prstGeom>
-          <a:effectLst/>
         </p:spPr>
       </p:pic>
     </p:spTree>
     <p:extLst>
       <p:ext uri="{BB962C8B-B14F-4D97-AF65-F5344CB8AC3E}">
-        <p14:creationId xmlns:p14="http://schemas.microsoft.com/office/powerpoint/2010/main" val="520782978"/>
+        <p14:creationId xmlns:p14="http://schemas.microsoft.com/office/powerpoint/2010/main" val="226000622"/>
       </p:ext>
     </p:extLst>
   </p:cSld>
@@ -11120,30 +12682,6 @@
 <file path=ppt/slides/slide24.xml><?xml version="1.0" encoding="utf-8"?>
 <p:sld xmlns:a="http://schemas.openxmlformats.org/drawingml/2006/main" xmlns:r="http://schemas.openxmlformats.org/officeDocument/2006/relationships" xmlns:p="http://schemas.openxmlformats.org/presentationml/2006/main">
   <p:cSld>
-    <p:bg>
-      <p:bgPr>
-        <a:blipFill rotWithShape="1">
-          <a:blip r:embed="rId2">
-            <a:duotone>
-              <a:schemeClr val="bg2">
-                <a:shade val="69000"/>
-                <a:hueMod val="108000"/>
-                <a:satMod val="164000"/>
-                <a:lumMod val="74000"/>
-              </a:schemeClr>
-              <a:schemeClr val="bg2">
-                <a:tint val="96000"/>
-                <a:hueMod val="88000"/>
-                <a:satMod val="140000"/>
-                <a:lumMod val="132000"/>
-              </a:schemeClr>
-            </a:duotone>
-          </a:blip>
-          <a:stretch/>
-        </a:blipFill>
-        <a:effectLst/>
-      </p:bgPr>
-    </p:bg>
     <p:spTree>
       <p:nvGrpSpPr>
         <p:cNvPr id="1" name=""/>
@@ -11158,503 +12696,52 @@
           <a:chExt cx="0" cy="0"/>
         </a:xfrm>
       </p:grpSpPr>
-      <p:pic>
-        <p:nvPicPr>
-          <p:cNvPr id="10" name="Picture 9">
-            <a:extLst>
-              <a:ext uri="{FF2B5EF4-FFF2-40B4-BE49-F238E27FC236}">
-                <a16:creationId xmlns:a16="http://schemas.microsoft.com/office/drawing/2014/main" xmlns="" id="{C9ECDD5C-152A-4CC7-8333-0F367B3A62EA}"/>
-              </a:ext>
-            </a:extLst>
-          </p:cNvPr>
-          <p:cNvPicPr>
-            <a:picLocks noGrp="1" noRot="1" noChangeAspect="1" noMove="1" noResize="1" noEditPoints="1" noAdjustHandles="1" noChangeArrowheads="1" noChangeShapeType="1" noCrop="1"/>
-          </p:cNvPicPr>
-          <p:nvPr>
-            <p:extLst>
-              <p:ext uri="{386F3935-93C4-4BCD-93E2-E3B085C9AB24}">
-                <p16:designElem xmlns:p16="http://schemas.microsoft.com/office/powerpoint/2015/main" val="1"/>
-              </p:ext>
-            </p:extLst>
-          </p:nvPr>
-        </p:nvPicPr>
-        <p:blipFill rotWithShape="1">
-          <a:blip r:embed="rId3">
-            <a:extLst>
-              <a:ext uri="{28A0092B-C50C-407E-A947-70E740481C1C}">
-                <a14:useLocalDpi xmlns:a14="http://schemas.microsoft.com/office/drawing/2010/main" val="0"/>
-              </a:ext>
-            </a:extLst>
-          </a:blip>
-          <a:srcRect l="3613"/>
-          <a:stretch/>
-        </p:blipFill>
-        <p:spPr>
-          <a:xfrm>
-            <a:off x="0" y="2669685"/>
-            <a:ext cx="4037012" cy="4188315"/>
-          </a:xfrm>
-          <a:prstGeom prst="rect">
-            <a:avLst/>
-          </a:prstGeom>
-        </p:spPr>
-      </p:pic>
-      <p:pic>
-        <p:nvPicPr>
-          <p:cNvPr id="12" name="Picture 11">
-            <a:extLst>
-              <a:ext uri="{FF2B5EF4-FFF2-40B4-BE49-F238E27FC236}">
-                <a16:creationId xmlns:a16="http://schemas.microsoft.com/office/drawing/2014/main" xmlns="" id="{7F5C92A3-369B-43F3-BDCE-E560B1B0EC89}"/>
-              </a:ext>
-            </a:extLst>
-          </p:cNvPr>
-          <p:cNvPicPr>
-            <a:picLocks noGrp="1" noRot="1" noChangeAspect="1" noMove="1" noResize="1" noEditPoints="1" noAdjustHandles="1" noChangeArrowheads="1" noChangeShapeType="1" noCrop="1"/>
-          </p:cNvPicPr>
-          <p:nvPr>
-            <p:extLst>
-              <p:ext uri="{386F3935-93C4-4BCD-93E2-E3B085C9AB24}">
-                <p16:designElem xmlns:p16="http://schemas.microsoft.com/office/powerpoint/2015/main" val="1"/>
-              </p:ext>
-            </p:extLst>
-          </p:nvPr>
-        </p:nvPicPr>
-        <p:blipFill rotWithShape="1">
-          <a:blip r:embed="rId4">
-            <a:extLst>
-              <a:ext uri="{28A0092B-C50C-407E-A947-70E740481C1C}">
-                <a14:useLocalDpi xmlns:a14="http://schemas.microsoft.com/office/drawing/2010/main" val="0"/>
-              </a:ext>
-            </a:extLst>
-          </a:blip>
-          <a:srcRect l="35640"/>
-          <a:stretch/>
-        </p:blipFill>
-        <p:spPr>
-          <a:xfrm>
-            <a:off x="0" y="2892347"/>
-            <a:ext cx="1522412" cy="2365453"/>
-          </a:xfrm>
-          <a:prstGeom prst="rect">
-            <a:avLst/>
-          </a:prstGeom>
-        </p:spPr>
-      </p:pic>
-      <p:sp>
-        <p:nvSpPr>
-          <p:cNvPr id="14" name="Oval 13">
-            <a:extLst>
-              <a:ext uri="{FF2B5EF4-FFF2-40B4-BE49-F238E27FC236}">
-                <a16:creationId xmlns:a16="http://schemas.microsoft.com/office/drawing/2014/main" xmlns="" id="{AEBE9F1A-B38D-446E-83AE-14B17CE77FF2}"/>
-              </a:ext>
-            </a:extLst>
-          </p:cNvPr>
-          <p:cNvSpPr>
-            <a:spLocks noGrp="1" noRot="1" noChangeAspect="1" noMove="1" noResize="1" noEditPoints="1" noAdjustHandles="1" noChangeArrowheads="1" noChangeShapeType="1" noTextEdit="1"/>
-          </p:cNvSpPr>
-          <p:nvPr>
-            <p:extLst>
-              <p:ext uri="{386F3935-93C4-4BCD-93E2-E3B085C9AB24}">
-                <p16:designElem xmlns:p16="http://schemas.microsoft.com/office/powerpoint/2015/main" val="1"/>
-              </p:ext>
-            </p:extLst>
-          </p:nvPr>
-        </p:nvSpPr>
-        <p:spPr>
-          <a:xfrm>
-            <a:off x="8609012" y="1676400"/>
-            <a:ext cx="2819400" cy="2819400"/>
-          </a:xfrm>
-          <a:prstGeom prst="ellipse">
-            <a:avLst/>
-          </a:prstGeom>
-          <a:gradFill flip="none" rotWithShape="1">
-            <a:gsLst>
-              <a:gs pos="0">
-                <a:schemeClr val="bg2">
-                  <a:lumMod val="60000"/>
-                  <a:lumOff val="40000"/>
-                  <a:alpha val="7000"/>
-                </a:schemeClr>
-              </a:gs>
-              <a:gs pos="69000">
-                <a:schemeClr val="bg2">
-                  <a:lumMod val="60000"/>
-                  <a:lumOff val="40000"/>
-                  <a:alpha val="0"/>
-                </a:schemeClr>
-              </a:gs>
-              <a:gs pos="36000">
-                <a:schemeClr val="bg2">
-                  <a:lumMod val="60000"/>
-                  <a:lumOff val="40000"/>
-                  <a:alpha val="6000"/>
-                </a:schemeClr>
-              </a:gs>
-            </a:gsLst>
-            <a:path path="circle">
-              <a:fillToRect l="50000" t="50000" r="50000" b="50000"/>
-            </a:path>
-            <a:tileRect/>
-          </a:gradFill>
-          <a:ln>
-            <a:noFill/>
-          </a:ln>
-          <a:effectLst/>
-        </p:spPr>
-        <p:style>
-          <a:lnRef idx="1">
-            <a:schemeClr val="accent1"/>
-          </a:lnRef>
-          <a:fillRef idx="3">
-            <a:schemeClr val="accent1"/>
-          </a:fillRef>
-          <a:effectRef idx="2">
-            <a:schemeClr val="accent1"/>
-          </a:effectRef>
-          <a:fontRef idx="minor">
-            <a:schemeClr val="lt1"/>
-          </a:fontRef>
-        </p:style>
-      </p:sp>
-      <p:pic>
-        <p:nvPicPr>
-          <p:cNvPr id="16" name="Picture 15">
-            <a:extLst>
-              <a:ext uri="{FF2B5EF4-FFF2-40B4-BE49-F238E27FC236}">
-                <a16:creationId xmlns:a16="http://schemas.microsoft.com/office/drawing/2014/main" xmlns="" id="{915B5014-A7EC-4BA6-9C83-8840CF81DB28}"/>
-              </a:ext>
-            </a:extLst>
-          </p:cNvPr>
-          <p:cNvPicPr>
-            <a:picLocks noGrp="1" noRot="1" noChangeAspect="1" noMove="1" noResize="1" noEditPoints="1" noAdjustHandles="1" noChangeArrowheads="1" noChangeShapeType="1" noCrop="1"/>
-          </p:cNvPicPr>
-          <p:nvPr>
-            <p:extLst>
-              <p:ext uri="{386F3935-93C4-4BCD-93E2-E3B085C9AB24}">
-                <p16:designElem xmlns:p16="http://schemas.microsoft.com/office/powerpoint/2015/main" val="1"/>
-              </p:ext>
-            </p:extLst>
-          </p:nvPr>
-        </p:nvPicPr>
-        <p:blipFill rotWithShape="1">
-          <a:blip r:embed="rId5">
-            <a:extLst>
-              <a:ext uri="{28A0092B-C50C-407E-A947-70E740481C1C}">
-                <a14:useLocalDpi xmlns:a14="http://schemas.microsoft.com/office/drawing/2010/main" val="0"/>
-              </a:ext>
-            </a:extLst>
-          </a:blip>
-          <a:srcRect t="28813"/>
-          <a:stretch/>
-        </p:blipFill>
-        <p:spPr>
-          <a:xfrm>
-            <a:off x="7999412" y="0"/>
-            <a:ext cx="1603387" cy="1141407"/>
-          </a:xfrm>
-          <a:prstGeom prst="rect">
-            <a:avLst/>
-          </a:prstGeom>
-        </p:spPr>
-      </p:pic>
-      <p:pic>
-        <p:nvPicPr>
-          <p:cNvPr id="18" name="Picture 17">
-            <a:extLst>
-              <a:ext uri="{FF2B5EF4-FFF2-40B4-BE49-F238E27FC236}">
-                <a16:creationId xmlns:a16="http://schemas.microsoft.com/office/drawing/2014/main" xmlns="" id="{022C43AB-86D7-420D-8AD7-DC0A15FDD0AF}"/>
-              </a:ext>
-            </a:extLst>
-          </p:cNvPr>
-          <p:cNvPicPr>
-            <a:picLocks noGrp="1" noRot="1" noChangeAspect="1" noMove="1" noResize="1" noEditPoints="1" noAdjustHandles="1" noChangeArrowheads="1" noChangeShapeType="1" noCrop="1"/>
-          </p:cNvPicPr>
-          <p:nvPr>
-            <p:extLst>
-              <p:ext uri="{386F3935-93C4-4BCD-93E2-E3B085C9AB24}">
-                <p16:designElem xmlns:p16="http://schemas.microsoft.com/office/powerpoint/2015/main" val="1"/>
-              </p:ext>
-            </p:extLst>
-          </p:nvPr>
-        </p:nvPicPr>
-        <p:blipFill rotWithShape="1">
-          <a:blip r:embed="rId6">
-            <a:extLst>
-              <a:ext uri="{28A0092B-C50C-407E-A947-70E740481C1C}">
-                <a14:useLocalDpi xmlns:a14="http://schemas.microsoft.com/office/drawing/2010/main" val="0"/>
-              </a:ext>
-            </a:extLst>
-          </a:blip>
-          <a:srcRect b="23320"/>
-          <a:stretch/>
-        </p:blipFill>
-        <p:spPr>
-          <a:xfrm>
-            <a:off x="8605878" y="6096000"/>
-            <a:ext cx="993734" cy="762000"/>
-          </a:xfrm>
-          <a:prstGeom prst="rect">
-            <a:avLst/>
-          </a:prstGeom>
-        </p:spPr>
-      </p:pic>
-      <p:sp>
-        <p:nvSpPr>
-          <p:cNvPr id="20" name="Rectangle 19">
-            <a:extLst>
-              <a:ext uri="{FF2B5EF4-FFF2-40B4-BE49-F238E27FC236}">
-                <a16:creationId xmlns:a16="http://schemas.microsoft.com/office/drawing/2014/main" xmlns="" id="{5E3EB826-A471-488F-9E8A-D65528A3C0CA}"/>
-              </a:ext>
-            </a:extLst>
-          </p:cNvPr>
-          <p:cNvSpPr>
-            <a:spLocks noGrp="1" noRot="1" noChangeAspect="1" noMove="1" noResize="1" noEditPoints="1" noAdjustHandles="1" noChangeArrowheads="1" noChangeShapeType="1" noTextEdit="1"/>
-          </p:cNvSpPr>
-          <p:nvPr>
-            <p:extLst>
-              <p:ext uri="{386F3935-93C4-4BCD-93E2-E3B085C9AB24}">
-                <p16:designElem xmlns:p16="http://schemas.microsoft.com/office/powerpoint/2015/main" val="1"/>
-              </p:ext>
-            </p:extLst>
-          </p:nvPr>
-        </p:nvSpPr>
-        <p:spPr>
-          <a:xfrm>
-            <a:off x="10437812" y="0"/>
-            <a:ext cx="685800" cy="1143000"/>
-          </a:xfrm>
-          <a:prstGeom prst="rect">
-            <a:avLst/>
-          </a:prstGeom>
-          <a:solidFill>
-            <a:schemeClr val="accent1"/>
-          </a:solidFill>
-          <a:ln>
-            <a:noFill/>
-          </a:ln>
-        </p:spPr>
-        <p:style>
-          <a:lnRef idx="1">
-            <a:schemeClr val="accent1"/>
-          </a:lnRef>
-          <a:fillRef idx="3">
-            <a:schemeClr val="accent1"/>
-          </a:fillRef>
-          <a:effectRef idx="2">
-            <a:schemeClr val="accent1"/>
-          </a:effectRef>
-          <a:fontRef idx="minor">
-            <a:schemeClr val="lt1"/>
-          </a:fontRef>
-        </p:style>
-      </p:sp>
-      <p:sp>
-        <p:nvSpPr>
-          <p:cNvPr id="22" name="Rectangle 21">
-            <a:extLst>
-              <a:ext uri="{FF2B5EF4-FFF2-40B4-BE49-F238E27FC236}">
-                <a16:creationId xmlns:a16="http://schemas.microsoft.com/office/drawing/2014/main" xmlns="" id="{4159E445-83D7-4F7C-8B6B-79EDEFA5F788}"/>
-              </a:ext>
-            </a:extLst>
-          </p:cNvPr>
-          <p:cNvSpPr>
-            <a:spLocks noGrp="1" noRot="1" noChangeAspect="1" noMove="1" noResize="1" noEditPoints="1" noAdjustHandles="1" noChangeArrowheads="1" noChangeShapeType="1" noTextEdit="1"/>
-          </p:cNvSpPr>
-          <p:nvPr>
-            <p:extLst>
-              <p:ext uri="{386F3935-93C4-4BCD-93E2-E3B085C9AB24}">
-                <p16:designElem xmlns:p16="http://schemas.microsoft.com/office/powerpoint/2015/main" val="1"/>
-              </p:ext>
-            </p:extLst>
-          </p:nvPr>
-        </p:nvSpPr>
-        <p:spPr>
-          <a:xfrm>
-            <a:off x="0" y="0"/>
-            <a:ext cx="12192000" cy="6858000"/>
-          </a:xfrm>
-          <a:prstGeom prst="rect">
-            <a:avLst/>
-          </a:prstGeom>
-          <a:solidFill>
-            <a:srgbClr val="FFFFFF"/>
-          </a:solidFill>
-          <a:ln>
-            <a:noFill/>
-          </a:ln>
-        </p:spPr>
-        <p:style>
-          <a:lnRef idx="2">
-            <a:schemeClr val="accent1">
-              <a:shade val="50000"/>
-            </a:schemeClr>
-          </a:lnRef>
-          <a:fillRef idx="1">
-            <a:schemeClr val="accent1"/>
-          </a:fillRef>
-          <a:effectRef idx="0">
-            <a:schemeClr val="accent1"/>
-          </a:effectRef>
-          <a:fontRef idx="minor">
-            <a:schemeClr val="lt1"/>
-          </a:fontRef>
-        </p:style>
+      <p:sp>
+        <p:nvSpPr>
+          <p:cNvPr id="2" name="Title 1"/>
+          <p:cNvSpPr>
+            <a:spLocks noGrp="1"/>
+          </p:cNvSpPr>
+          <p:nvPr>
+            <p:ph type="title"/>
+          </p:nvPr>
+        </p:nvSpPr>
+        <p:spPr/>
         <p:txBody>
-          <a:bodyPr rtlCol="0" anchor="ctr"/>
+          <a:bodyPr/>
           <a:lstStyle/>
           <a:p>
-            <a:pPr algn="ctr"/>
+            <a:r>
+              <a:rPr lang="en-US" smtClean="0"/>
+              <a:t>RUNTIME </a:t>
+            </a:r>
+            <a:endParaRPr lang="en-US" dirty="0"/>
+          </a:p>
+        </p:txBody>
+      </p:sp>
+      <p:sp>
+        <p:nvSpPr>
+          <p:cNvPr id="6" name="Content Placeholder 5"/>
+          <p:cNvSpPr>
+            <a:spLocks noGrp="1"/>
+          </p:cNvSpPr>
+          <p:nvPr>
+            <p:ph idx="1"/>
+          </p:nvPr>
+        </p:nvSpPr>
+        <p:spPr/>
+        <p:txBody>
+          <a:bodyPr/>
+          <a:lstStyle/>
+          <a:p>
             <a:endParaRPr lang="en-US"/>
           </a:p>
         </p:txBody>
       </p:sp>
-      <p:pic>
-        <p:nvPicPr>
-          <p:cNvPr id="5" name="Content Placeholder 4"/>
-          <p:cNvPicPr>
-            <a:picLocks noGrp="1" noChangeAspect="1"/>
-          </p:cNvPicPr>
-          <p:nvPr>
-            <p:ph idx="1"/>
-          </p:nvPr>
-        </p:nvPicPr>
-        <p:blipFill>
-          <a:blip r:embed="rId7">
-            <a:extLst>
-              <a:ext uri="{28A0092B-C50C-407E-A947-70E740481C1C}">
-                <a14:useLocalDpi xmlns:a14="http://schemas.microsoft.com/office/drawing/2010/main" val="0"/>
-              </a:ext>
-            </a:extLst>
-          </a:blip>
-          <a:stretch>
-            <a:fillRect/>
-          </a:stretch>
-        </p:blipFill>
-        <p:spPr>
-          <a:xfrm>
-            <a:off x="1296999" y="977088"/>
-            <a:ext cx="3349613" cy="4604279"/>
-          </a:xfrm>
-          <a:prstGeom prst="rect">
-            <a:avLst/>
-          </a:prstGeom>
-        </p:spPr>
-      </p:pic>
-      <p:sp>
-        <p:nvSpPr>
-          <p:cNvPr id="24" name="Rectangle 23">
-            <a:extLst>
-              <a:ext uri="{FF2B5EF4-FFF2-40B4-BE49-F238E27FC236}">
-                <a16:creationId xmlns:a16="http://schemas.microsoft.com/office/drawing/2014/main" xmlns="" id="{E1E43DD8-7DEF-4A83-A303-10947F34B086}"/>
-              </a:ext>
-            </a:extLst>
-          </p:cNvPr>
-          <p:cNvSpPr>
-            <a:spLocks noGrp="1" noRot="1" noChangeAspect="1" noMove="1" noResize="1" noEditPoints="1" noAdjustHandles="1" noChangeArrowheads="1" noChangeShapeType="1" noTextEdit="1"/>
-          </p:cNvSpPr>
-          <p:nvPr>
-            <p:extLst>
-              <p:ext uri="{386F3935-93C4-4BCD-93E2-E3B085C9AB24}">
-                <p16:designElem xmlns:p16="http://schemas.microsoft.com/office/powerpoint/2015/main" val="1"/>
-              </p:ext>
-            </p:extLst>
-          </p:nvPr>
-        </p:nvSpPr>
-        <p:spPr>
-          <a:xfrm>
-            <a:off x="10437812" y="0"/>
-            <a:ext cx="685800" cy="1143000"/>
-          </a:xfrm>
-          <a:prstGeom prst="rect">
-            <a:avLst/>
-          </a:prstGeom>
-          <a:solidFill>
-            <a:schemeClr val="accent1"/>
-          </a:solidFill>
-          <a:ln>
-            <a:noFill/>
-          </a:ln>
-        </p:spPr>
-        <p:style>
-          <a:lnRef idx="1">
-            <a:schemeClr val="accent1"/>
-          </a:lnRef>
-          <a:fillRef idx="3">
-            <a:schemeClr val="accent1"/>
-          </a:fillRef>
-          <a:effectRef idx="2">
-            <a:schemeClr val="accent1"/>
-          </a:effectRef>
-          <a:fontRef idx="minor">
-            <a:schemeClr val="lt1"/>
-          </a:fontRef>
-        </p:style>
-      </p:sp>
-      <p:pic>
-        <p:nvPicPr>
-          <p:cNvPr id="6" name="Picture 5"/>
-          <p:cNvPicPr>
-            <a:picLocks noChangeAspect="1"/>
-          </p:cNvPicPr>
-          <p:nvPr/>
-        </p:nvPicPr>
-        <p:blipFill>
-          <a:blip r:embed="rId8">
-            <a:extLst>
-              <a:ext uri="{28A0092B-C50C-407E-A947-70E740481C1C}">
-                <a14:useLocalDpi xmlns:a14="http://schemas.microsoft.com/office/drawing/2010/main" val="0"/>
-              </a:ext>
-            </a:extLst>
-          </a:blip>
-          <a:stretch>
-            <a:fillRect/>
-          </a:stretch>
-        </p:blipFill>
-        <p:spPr>
-          <a:xfrm>
-            <a:off x="5414041" y="977088"/>
-            <a:ext cx="2086910" cy="4650828"/>
-          </a:xfrm>
-          <a:prstGeom prst="rect">
-            <a:avLst/>
-          </a:prstGeom>
-        </p:spPr>
-      </p:pic>
-      <p:pic>
-        <p:nvPicPr>
-          <p:cNvPr id="7" name="Picture 6"/>
-          <p:cNvPicPr>
-            <a:picLocks noChangeAspect="1"/>
-          </p:cNvPicPr>
-          <p:nvPr/>
-        </p:nvPicPr>
-        <p:blipFill>
-          <a:blip r:embed="rId9">
-            <a:extLst>
-              <a:ext uri="{28A0092B-C50C-407E-A947-70E740481C1C}">
-                <a14:useLocalDpi xmlns:a14="http://schemas.microsoft.com/office/drawing/2010/main" val="0"/>
-              </a:ext>
-            </a:extLst>
-          </a:blip>
-          <a:stretch>
-            <a:fillRect/>
-          </a:stretch>
-        </p:blipFill>
-        <p:spPr>
-          <a:xfrm>
-            <a:off x="8021778" y="977088"/>
-            <a:ext cx="2161934" cy="2518542"/>
-          </a:xfrm>
-          <a:prstGeom prst="rect">
-            <a:avLst/>
-          </a:prstGeom>
-        </p:spPr>
-      </p:pic>
     </p:spTree>
     <p:extLst>
       <p:ext uri="{BB962C8B-B14F-4D97-AF65-F5344CB8AC3E}">
-        <p14:creationId xmlns:p14="http://schemas.microsoft.com/office/powerpoint/2010/main" val="3703595462"/>
+        <p14:creationId xmlns:p14="http://schemas.microsoft.com/office/powerpoint/2010/main" val="771763386"/>
       </p:ext>
     </p:extLst>
   </p:cSld>
@@ -11762,11 +12849,7 @@
             <a:pPr fontAlgn="base"/>
             <a:r>
               <a:rPr lang="en-US" dirty="0"/>
-              <a:t>Grammar : </a:t>
-            </a:r>
-            <a:r>
-              <a:rPr lang="en-US" dirty="0"/>
-              <a:t>A</a:t>
+              <a:t>Grammar : A</a:t>
             </a:r>
             <a:r>
               <a:rPr lang="en-US" dirty="0" smtClean="0"/>
@@ -11786,15 +12869,26 @@
             </a:r>
             <a:r>
               <a:rPr lang="en-US" dirty="0" smtClean="0"/>
-              <a:t>as an input to ANTLR.</a:t>
-            </a:r>
-            <a:endParaRPr lang="en-US" dirty="0"/>
+              <a:t>used as </a:t>
+            </a:r>
+            <a:r>
+              <a:rPr lang="en-US" dirty="0" smtClean="0"/>
+              <a:t>an input to ANTLR</a:t>
+            </a:r>
+            <a:r>
+              <a:rPr lang="en-US" dirty="0" smtClean="0"/>
+              <a:t>.</a:t>
+            </a:r>
           </a:p>
           <a:p>
             <a:pPr fontAlgn="base"/>
             <a:r>
+              <a:rPr lang="en-US" dirty="0" smtClean="0"/>
+              <a:t>Runtime </a:t>
+            </a:r>
+            <a:r>
               <a:rPr lang="en-US" dirty="0"/>
-              <a:t>Runtime : Built using PYTHON</a:t>
+              <a:t>: Built using PYTHON</a:t>
             </a:r>
           </a:p>
           <a:p>
@@ -11854,7 +12948,7 @@
           <p:cNvPr id="10" name="Picture 9">
             <a:extLst>
               <a:ext uri="{FF2B5EF4-FFF2-40B4-BE49-F238E27FC236}">
-                <a16:creationId xmlns:a16="http://schemas.microsoft.com/office/drawing/2014/main" xmlns="" id="{41B68C77-138E-4BF7-A276-BD0C78A4219F}"/>
+                <a16:creationId xmlns="" xmlns:a16="http://schemas.microsoft.com/office/drawing/2014/main" id="{41B68C77-138E-4BF7-A276-BD0C78A4219F}"/>
               </a:ext>
             </a:extLst>
           </p:cNvPr>
@@ -11895,7 +12989,7 @@
           <p:cNvPr id="12" name="Picture 11">
             <a:extLst>
               <a:ext uri="{FF2B5EF4-FFF2-40B4-BE49-F238E27FC236}">
-                <a16:creationId xmlns:a16="http://schemas.microsoft.com/office/drawing/2014/main" xmlns="" id="{7C268552-D473-46ED-B1B8-422042C4DEF1}"/>
+                <a16:creationId xmlns="" xmlns:a16="http://schemas.microsoft.com/office/drawing/2014/main" id="{7C268552-D473-46ED-B1B8-422042C4DEF1}"/>
               </a:ext>
             </a:extLst>
           </p:cNvPr>
@@ -11936,7 +13030,7 @@
           <p:cNvPr id="14" name="Oval 13">
             <a:extLst>
               <a:ext uri="{FF2B5EF4-FFF2-40B4-BE49-F238E27FC236}">
-                <a16:creationId xmlns:a16="http://schemas.microsoft.com/office/drawing/2014/main" xmlns="" id="{4AC0CD9D-7610-4620-93B4-798CCD9AB581}"/>
+                <a16:creationId xmlns="" xmlns:a16="http://schemas.microsoft.com/office/drawing/2014/main" id="{4AC0CD9D-7610-4620-93B4-798CCD9AB581}"/>
               </a:ext>
             </a:extLst>
           </p:cNvPr>
@@ -12013,7 +13107,7 @@
           <p:cNvPr id="16" name="Picture 15">
             <a:extLst>
               <a:ext uri="{FF2B5EF4-FFF2-40B4-BE49-F238E27FC236}">
-                <a16:creationId xmlns:a16="http://schemas.microsoft.com/office/drawing/2014/main" xmlns="" id="{B9238B3E-24AA-439A-B527-6C5DF6D72145}"/>
+                <a16:creationId xmlns="" xmlns:a16="http://schemas.microsoft.com/office/drawing/2014/main" id="{B9238B3E-24AA-439A-B527-6C5DF6D72145}"/>
               </a:ext>
             </a:extLst>
           </p:cNvPr>
@@ -12054,7 +13148,7 @@
           <p:cNvPr id="18" name="Picture 17">
             <a:extLst>
               <a:ext uri="{FF2B5EF4-FFF2-40B4-BE49-F238E27FC236}">
-                <a16:creationId xmlns:a16="http://schemas.microsoft.com/office/drawing/2014/main" xmlns="" id="{69F01145-BEA3-4CBF-AA21-10077B948CA8}"/>
+                <a16:creationId xmlns="" xmlns:a16="http://schemas.microsoft.com/office/drawing/2014/main" id="{69F01145-BEA3-4CBF-AA21-10077B948CA8}"/>
               </a:ext>
             </a:extLst>
           </p:cNvPr>
@@ -12095,7 +13189,7 @@
           <p:cNvPr id="20" name="Rectangle 19">
             <a:extLst>
               <a:ext uri="{FF2B5EF4-FFF2-40B4-BE49-F238E27FC236}">
-                <a16:creationId xmlns:a16="http://schemas.microsoft.com/office/drawing/2014/main" xmlns="" id="{DE4D62F9-188E-4530-84C2-24BDEE4BEB82}"/>
+                <a16:creationId xmlns="" xmlns:a16="http://schemas.microsoft.com/office/drawing/2014/main" id="{DE4D62F9-188E-4530-84C2-24BDEE4BEB82}"/>
               </a:ext>
             </a:extLst>
           </p:cNvPr>
@@ -12145,7 +13239,7 @@
           <p:cNvPr id="22" name="Rectangle 21">
             <a:extLst>
               <a:ext uri="{FF2B5EF4-FFF2-40B4-BE49-F238E27FC236}">
-                <a16:creationId xmlns:a16="http://schemas.microsoft.com/office/drawing/2014/main" xmlns="" id="{D27CF008-4B18-436D-B2D5-C1346C12438E}"/>
+                <a16:creationId xmlns="" xmlns:a16="http://schemas.microsoft.com/office/drawing/2014/main" id="{D27CF008-4B18-436D-B2D5-C1346C12438E}"/>
               </a:ext>
             </a:extLst>
           </p:cNvPr>
@@ -12202,7 +13296,7 @@
           <p:cNvPr id="24" name="Rectangle 23">
             <a:extLst>
               <a:ext uri="{FF2B5EF4-FFF2-40B4-BE49-F238E27FC236}">
-                <a16:creationId xmlns:a16="http://schemas.microsoft.com/office/drawing/2014/main" xmlns="" id="{CE22DAD8-5F67-4B73-ADA9-06EF381F7AD6}"/>
+                <a16:creationId xmlns="" xmlns:a16="http://schemas.microsoft.com/office/drawing/2014/main" id="{CE22DAD8-5F67-4B73-ADA9-06EF381F7AD6}"/>
               </a:ext>
             </a:extLst>
           </p:cNvPr>
@@ -12252,7 +13346,7 @@
           <p:cNvPr id="26" name="Freeform 16">
             <a:extLst>
               <a:ext uri="{FF2B5EF4-FFF2-40B4-BE49-F238E27FC236}">
-                <a16:creationId xmlns:a16="http://schemas.microsoft.com/office/drawing/2014/main" xmlns="" id="{E4F17063-EDA4-417B-946F-BA357F3B390D}"/>
+                <a16:creationId xmlns="" xmlns:a16="http://schemas.microsoft.com/office/drawing/2014/main" id="{E4F17063-EDA4-417B-946F-BA357F3B390D}"/>
               </a:ext>
             </a:extLst>
           </p:cNvPr>
@@ -12646,7 +13740,7 @@
           <p:cNvPr id="28" name="Freeform: Shape 27">
             <a:extLst>
               <a:ext uri="{FF2B5EF4-FFF2-40B4-BE49-F238E27FC236}">
-                <a16:creationId xmlns:a16="http://schemas.microsoft.com/office/drawing/2014/main" xmlns="" id="{D36F3EEA-55D4-4677-80E7-92D00B8F343B}"/>
+                <a16:creationId xmlns="" xmlns:a16="http://schemas.microsoft.com/office/drawing/2014/main" id="{D36F3EEA-55D4-4677-80E7-92D00B8F343B}"/>
               </a:ext>
             </a:extLst>
           </p:cNvPr>
@@ -13333,7 +14427,7 @@
           <p:cNvPr id="9" name="Picture 8">
             <a:extLst>
               <a:ext uri="{FF2B5EF4-FFF2-40B4-BE49-F238E27FC236}">
-                <a16:creationId xmlns:a16="http://schemas.microsoft.com/office/drawing/2014/main" xmlns="" id="{C9ECDD5C-152A-4CC7-8333-0F367B3A62EA}"/>
+                <a16:creationId xmlns="" xmlns:a16="http://schemas.microsoft.com/office/drawing/2014/main" id="{C9ECDD5C-152A-4CC7-8333-0F367B3A62EA}"/>
               </a:ext>
             </a:extLst>
           </p:cNvPr>
@@ -13374,7 +14468,7 @@
           <p:cNvPr id="11" name="Picture 10">
             <a:extLst>
               <a:ext uri="{FF2B5EF4-FFF2-40B4-BE49-F238E27FC236}">
-                <a16:creationId xmlns:a16="http://schemas.microsoft.com/office/drawing/2014/main" xmlns="" id="{7F5C92A3-369B-43F3-BDCE-E560B1B0EC89}"/>
+                <a16:creationId xmlns="" xmlns:a16="http://schemas.microsoft.com/office/drawing/2014/main" id="{7F5C92A3-369B-43F3-BDCE-E560B1B0EC89}"/>
               </a:ext>
             </a:extLst>
           </p:cNvPr>
@@ -13415,7 +14509,7 @@
           <p:cNvPr id="13" name="Oval 12">
             <a:extLst>
               <a:ext uri="{FF2B5EF4-FFF2-40B4-BE49-F238E27FC236}">
-                <a16:creationId xmlns:a16="http://schemas.microsoft.com/office/drawing/2014/main" xmlns="" id="{AEBE9F1A-B38D-446E-83AE-14B17CE77FF2}"/>
+                <a16:creationId xmlns="" xmlns:a16="http://schemas.microsoft.com/office/drawing/2014/main" id="{AEBE9F1A-B38D-446E-83AE-14B17CE77FF2}"/>
               </a:ext>
             </a:extLst>
           </p:cNvPr>
@@ -13492,7 +14586,7 @@
           <p:cNvPr id="15" name="Picture 14">
             <a:extLst>
               <a:ext uri="{FF2B5EF4-FFF2-40B4-BE49-F238E27FC236}">
-                <a16:creationId xmlns:a16="http://schemas.microsoft.com/office/drawing/2014/main" xmlns="" id="{915B5014-A7EC-4BA6-9C83-8840CF81DB28}"/>
+                <a16:creationId xmlns="" xmlns:a16="http://schemas.microsoft.com/office/drawing/2014/main" id="{915B5014-A7EC-4BA6-9C83-8840CF81DB28}"/>
               </a:ext>
             </a:extLst>
           </p:cNvPr>
@@ -13533,7 +14627,7 @@
           <p:cNvPr id="17" name="Picture 16">
             <a:extLst>
               <a:ext uri="{FF2B5EF4-FFF2-40B4-BE49-F238E27FC236}">
-                <a16:creationId xmlns:a16="http://schemas.microsoft.com/office/drawing/2014/main" xmlns="" id="{022C43AB-86D7-420D-8AD7-DC0A15FDD0AF}"/>
+                <a16:creationId xmlns="" xmlns:a16="http://schemas.microsoft.com/office/drawing/2014/main" id="{022C43AB-86D7-420D-8AD7-DC0A15FDD0AF}"/>
               </a:ext>
             </a:extLst>
           </p:cNvPr>
@@ -13574,7 +14668,7 @@
           <p:cNvPr id="19" name="Rectangle 18">
             <a:extLst>
               <a:ext uri="{FF2B5EF4-FFF2-40B4-BE49-F238E27FC236}">
-                <a16:creationId xmlns:a16="http://schemas.microsoft.com/office/drawing/2014/main" xmlns="" id="{5E3EB826-A471-488F-9E8A-D65528A3C0CA}"/>
+                <a16:creationId xmlns="" xmlns:a16="http://schemas.microsoft.com/office/drawing/2014/main" id="{5E3EB826-A471-488F-9E8A-D65528A3C0CA}"/>
               </a:ext>
             </a:extLst>
           </p:cNvPr>
@@ -13624,7 +14718,7 @@
           <p:cNvPr id="21" name="Rectangle 20">
             <a:extLst>
               <a:ext uri="{FF2B5EF4-FFF2-40B4-BE49-F238E27FC236}">
-                <a16:creationId xmlns:a16="http://schemas.microsoft.com/office/drawing/2014/main" xmlns="" id="{4159E445-83D7-4F7C-8B6B-79EDEFA5F788}"/>
+                <a16:creationId xmlns="" xmlns:a16="http://schemas.microsoft.com/office/drawing/2014/main" id="{4159E445-83D7-4F7C-8B6B-79EDEFA5F788}"/>
               </a:ext>
             </a:extLst>
           </p:cNvPr>
@@ -13716,7 +14810,7 @@
           <p:cNvPr id="23" name="Rectangle 22">
             <a:extLst>
               <a:ext uri="{FF2B5EF4-FFF2-40B4-BE49-F238E27FC236}">
-                <a16:creationId xmlns:a16="http://schemas.microsoft.com/office/drawing/2014/main" xmlns="" id="{E1E43DD8-7DEF-4A83-A303-10947F34B086}"/>
+                <a16:creationId xmlns="" xmlns:a16="http://schemas.microsoft.com/office/drawing/2014/main" id="{E1E43DD8-7DEF-4A83-A303-10947F34B086}"/>
               </a:ext>
             </a:extLst>
           </p:cNvPr>
@@ -13820,7 +14914,7 @@
           <p:cNvPr id="9" name="Picture 8">
             <a:extLst>
               <a:ext uri="{FF2B5EF4-FFF2-40B4-BE49-F238E27FC236}">
-                <a16:creationId xmlns:a16="http://schemas.microsoft.com/office/drawing/2014/main" xmlns="" id="{C9ECDD5C-152A-4CC7-8333-0F367B3A62EA}"/>
+                <a16:creationId xmlns="" xmlns:a16="http://schemas.microsoft.com/office/drawing/2014/main" id="{C9ECDD5C-152A-4CC7-8333-0F367B3A62EA}"/>
               </a:ext>
             </a:extLst>
           </p:cNvPr>
@@ -13861,7 +14955,7 @@
           <p:cNvPr id="11" name="Picture 10">
             <a:extLst>
               <a:ext uri="{FF2B5EF4-FFF2-40B4-BE49-F238E27FC236}">
-                <a16:creationId xmlns:a16="http://schemas.microsoft.com/office/drawing/2014/main" xmlns="" id="{7F5C92A3-369B-43F3-BDCE-E560B1B0EC89}"/>
+                <a16:creationId xmlns="" xmlns:a16="http://schemas.microsoft.com/office/drawing/2014/main" id="{7F5C92A3-369B-43F3-BDCE-E560B1B0EC89}"/>
               </a:ext>
             </a:extLst>
           </p:cNvPr>
@@ -13902,7 +14996,7 @@
           <p:cNvPr id="13" name="Oval 12">
             <a:extLst>
               <a:ext uri="{FF2B5EF4-FFF2-40B4-BE49-F238E27FC236}">
-                <a16:creationId xmlns:a16="http://schemas.microsoft.com/office/drawing/2014/main" xmlns="" id="{AEBE9F1A-B38D-446E-83AE-14B17CE77FF2}"/>
+                <a16:creationId xmlns="" xmlns:a16="http://schemas.microsoft.com/office/drawing/2014/main" id="{AEBE9F1A-B38D-446E-83AE-14B17CE77FF2}"/>
               </a:ext>
             </a:extLst>
           </p:cNvPr>
@@ -13979,7 +15073,7 @@
           <p:cNvPr id="15" name="Picture 14">
             <a:extLst>
               <a:ext uri="{FF2B5EF4-FFF2-40B4-BE49-F238E27FC236}">
-                <a16:creationId xmlns:a16="http://schemas.microsoft.com/office/drawing/2014/main" xmlns="" id="{915B5014-A7EC-4BA6-9C83-8840CF81DB28}"/>
+                <a16:creationId xmlns="" xmlns:a16="http://schemas.microsoft.com/office/drawing/2014/main" id="{915B5014-A7EC-4BA6-9C83-8840CF81DB28}"/>
               </a:ext>
             </a:extLst>
           </p:cNvPr>
@@ -14020,7 +15114,7 @@
           <p:cNvPr id="17" name="Picture 16">
             <a:extLst>
               <a:ext uri="{FF2B5EF4-FFF2-40B4-BE49-F238E27FC236}">
-                <a16:creationId xmlns:a16="http://schemas.microsoft.com/office/drawing/2014/main" xmlns="" id="{022C43AB-86D7-420D-8AD7-DC0A15FDD0AF}"/>
+                <a16:creationId xmlns="" xmlns:a16="http://schemas.microsoft.com/office/drawing/2014/main" id="{022C43AB-86D7-420D-8AD7-DC0A15FDD0AF}"/>
               </a:ext>
             </a:extLst>
           </p:cNvPr>
@@ -14061,7 +15155,7 @@
           <p:cNvPr id="19" name="Rectangle 18">
             <a:extLst>
               <a:ext uri="{FF2B5EF4-FFF2-40B4-BE49-F238E27FC236}">
-                <a16:creationId xmlns:a16="http://schemas.microsoft.com/office/drawing/2014/main" xmlns="" id="{5E3EB826-A471-488F-9E8A-D65528A3C0CA}"/>
+                <a16:creationId xmlns="" xmlns:a16="http://schemas.microsoft.com/office/drawing/2014/main" id="{5E3EB826-A471-488F-9E8A-D65528A3C0CA}"/>
               </a:ext>
             </a:extLst>
           </p:cNvPr>
@@ -14111,7 +15205,7 @@
           <p:cNvPr id="21" name="Rectangle 20">
             <a:extLst>
               <a:ext uri="{FF2B5EF4-FFF2-40B4-BE49-F238E27FC236}">
-                <a16:creationId xmlns:a16="http://schemas.microsoft.com/office/drawing/2014/main" xmlns="" id="{4159E445-83D7-4F7C-8B6B-79EDEFA5F788}"/>
+                <a16:creationId xmlns="" xmlns:a16="http://schemas.microsoft.com/office/drawing/2014/main" id="{4159E445-83D7-4F7C-8B6B-79EDEFA5F788}"/>
               </a:ext>
             </a:extLst>
           </p:cNvPr>
@@ -14203,7 +15297,7 @@
           <p:cNvPr id="23" name="Rectangle 22">
             <a:extLst>
               <a:ext uri="{FF2B5EF4-FFF2-40B4-BE49-F238E27FC236}">
-                <a16:creationId xmlns:a16="http://schemas.microsoft.com/office/drawing/2014/main" xmlns="" id="{E1E43DD8-7DEF-4A83-A303-10947F34B086}"/>
+                <a16:creationId xmlns="" xmlns:a16="http://schemas.microsoft.com/office/drawing/2014/main" id="{E1E43DD8-7DEF-4A83-A303-10947F34B086}"/>
               </a:ext>
             </a:extLst>
           </p:cNvPr>
@@ -14307,7 +15401,7 @@
           <p:cNvPr id="9" name="Picture 8">
             <a:extLst>
               <a:ext uri="{FF2B5EF4-FFF2-40B4-BE49-F238E27FC236}">
-                <a16:creationId xmlns:a16="http://schemas.microsoft.com/office/drawing/2014/main" xmlns="" id="{C9ECDD5C-152A-4CC7-8333-0F367B3A62EA}"/>
+                <a16:creationId xmlns="" xmlns:a16="http://schemas.microsoft.com/office/drawing/2014/main" id="{C9ECDD5C-152A-4CC7-8333-0F367B3A62EA}"/>
               </a:ext>
             </a:extLst>
           </p:cNvPr>
@@ -14348,7 +15442,7 @@
           <p:cNvPr id="11" name="Picture 10">
             <a:extLst>
               <a:ext uri="{FF2B5EF4-FFF2-40B4-BE49-F238E27FC236}">
-                <a16:creationId xmlns:a16="http://schemas.microsoft.com/office/drawing/2014/main" xmlns="" id="{7F5C92A3-369B-43F3-BDCE-E560B1B0EC89}"/>
+                <a16:creationId xmlns="" xmlns:a16="http://schemas.microsoft.com/office/drawing/2014/main" id="{7F5C92A3-369B-43F3-BDCE-E560B1B0EC89}"/>
               </a:ext>
             </a:extLst>
           </p:cNvPr>
@@ -14389,7 +15483,7 @@
           <p:cNvPr id="13" name="Oval 12">
             <a:extLst>
               <a:ext uri="{FF2B5EF4-FFF2-40B4-BE49-F238E27FC236}">
-                <a16:creationId xmlns:a16="http://schemas.microsoft.com/office/drawing/2014/main" xmlns="" id="{AEBE9F1A-B38D-446E-83AE-14B17CE77FF2}"/>
+                <a16:creationId xmlns="" xmlns:a16="http://schemas.microsoft.com/office/drawing/2014/main" id="{AEBE9F1A-B38D-446E-83AE-14B17CE77FF2}"/>
               </a:ext>
             </a:extLst>
           </p:cNvPr>
@@ -14466,7 +15560,7 @@
           <p:cNvPr id="15" name="Picture 14">
             <a:extLst>
               <a:ext uri="{FF2B5EF4-FFF2-40B4-BE49-F238E27FC236}">
-                <a16:creationId xmlns:a16="http://schemas.microsoft.com/office/drawing/2014/main" xmlns="" id="{915B5014-A7EC-4BA6-9C83-8840CF81DB28}"/>
+                <a16:creationId xmlns="" xmlns:a16="http://schemas.microsoft.com/office/drawing/2014/main" id="{915B5014-A7EC-4BA6-9C83-8840CF81DB28}"/>
               </a:ext>
             </a:extLst>
           </p:cNvPr>
@@ -14507,7 +15601,7 @@
           <p:cNvPr id="17" name="Picture 16">
             <a:extLst>
               <a:ext uri="{FF2B5EF4-FFF2-40B4-BE49-F238E27FC236}">
-                <a16:creationId xmlns:a16="http://schemas.microsoft.com/office/drawing/2014/main" xmlns="" id="{022C43AB-86D7-420D-8AD7-DC0A15FDD0AF}"/>
+                <a16:creationId xmlns="" xmlns:a16="http://schemas.microsoft.com/office/drawing/2014/main" id="{022C43AB-86D7-420D-8AD7-DC0A15FDD0AF}"/>
               </a:ext>
             </a:extLst>
           </p:cNvPr>
@@ -14548,7 +15642,7 @@
           <p:cNvPr id="19" name="Rectangle 18">
             <a:extLst>
               <a:ext uri="{FF2B5EF4-FFF2-40B4-BE49-F238E27FC236}">
-                <a16:creationId xmlns:a16="http://schemas.microsoft.com/office/drawing/2014/main" xmlns="" id="{5E3EB826-A471-488F-9E8A-D65528A3C0CA}"/>
+                <a16:creationId xmlns="" xmlns:a16="http://schemas.microsoft.com/office/drawing/2014/main" id="{5E3EB826-A471-488F-9E8A-D65528A3C0CA}"/>
               </a:ext>
             </a:extLst>
           </p:cNvPr>
@@ -14598,7 +15692,7 @@
           <p:cNvPr id="21" name="Rectangle 20">
             <a:extLst>
               <a:ext uri="{FF2B5EF4-FFF2-40B4-BE49-F238E27FC236}">
-                <a16:creationId xmlns:a16="http://schemas.microsoft.com/office/drawing/2014/main" xmlns="" id="{4159E445-83D7-4F7C-8B6B-79EDEFA5F788}"/>
+                <a16:creationId xmlns="" xmlns:a16="http://schemas.microsoft.com/office/drawing/2014/main" id="{4159E445-83D7-4F7C-8B6B-79EDEFA5F788}"/>
               </a:ext>
             </a:extLst>
           </p:cNvPr>
@@ -14690,7 +15784,7 @@
           <p:cNvPr id="23" name="Rectangle 22">
             <a:extLst>
               <a:ext uri="{FF2B5EF4-FFF2-40B4-BE49-F238E27FC236}">
-                <a16:creationId xmlns:a16="http://schemas.microsoft.com/office/drawing/2014/main" xmlns="" id="{E1E43DD8-7DEF-4A83-A303-10947F34B086}"/>
+                <a16:creationId xmlns="" xmlns:a16="http://schemas.microsoft.com/office/drawing/2014/main" id="{E1E43DD8-7DEF-4A83-A303-10947F34B086}"/>
               </a:ext>
             </a:extLst>
           </p:cNvPr>
@@ -14794,7 +15888,7 @@
           <p:cNvPr id="9" name="Picture 8">
             <a:extLst>
               <a:ext uri="{FF2B5EF4-FFF2-40B4-BE49-F238E27FC236}">
-                <a16:creationId xmlns:a16="http://schemas.microsoft.com/office/drawing/2014/main" xmlns="" id="{C9ECDD5C-152A-4CC7-8333-0F367B3A62EA}"/>
+                <a16:creationId xmlns="" xmlns:a16="http://schemas.microsoft.com/office/drawing/2014/main" id="{C9ECDD5C-152A-4CC7-8333-0F367B3A62EA}"/>
               </a:ext>
             </a:extLst>
           </p:cNvPr>
@@ -14835,7 +15929,7 @@
           <p:cNvPr id="11" name="Picture 10">
             <a:extLst>
               <a:ext uri="{FF2B5EF4-FFF2-40B4-BE49-F238E27FC236}">
-                <a16:creationId xmlns:a16="http://schemas.microsoft.com/office/drawing/2014/main" xmlns="" id="{7F5C92A3-369B-43F3-BDCE-E560B1B0EC89}"/>
+                <a16:creationId xmlns="" xmlns:a16="http://schemas.microsoft.com/office/drawing/2014/main" id="{7F5C92A3-369B-43F3-BDCE-E560B1B0EC89}"/>
               </a:ext>
             </a:extLst>
           </p:cNvPr>
@@ -14876,7 +15970,7 @@
           <p:cNvPr id="13" name="Oval 12">
             <a:extLst>
               <a:ext uri="{FF2B5EF4-FFF2-40B4-BE49-F238E27FC236}">
-                <a16:creationId xmlns:a16="http://schemas.microsoft.com/office/drawing/2014/main" xmlns="" id="{AEBE9F1A-B38D-446E-83AE-14B17CE77FF2}"/>
+                <a16:creationId xmlns="" xmlns:a16="http://schemas.microsoft.com/office/drawing/2014/main" id="{AEBE9F1A-B38D-446E-83AE-14B17CE77FF2}"/>
               </a:ext>
             </a:extLst>
           </p:cNvPr>
@@ -14953,7 +16047,7 @@
           <p:cNvPr id="15" name="Picture 14">
             <a:extLst>
               <a:ext uri="{FF2B5EF4-FFF2-40B4-BE49-F238E27FC236}">
-                <a16:creationId xmlns:a16="http://schemas.microsoft.com/office/drawing/2014/main" xmlns="" id="{915B5014-A7EC-4BA6-9C83-8840CF81DB28}"/>
+                <a16:creationId xmlns="" xmlns:a16="http://schemas.microsoft.com/office/drawing/2014/main" id="{915B5014-A7EC-4BA6-9C83-8840CF81DB28}"/>
               </a:ext>
             </a:extLst>
           </p:cNvPr>
@@ -14994,7 +16088,7 @@
           <p:cNvPr id="17" name="Picture 16">
             <a:extLst>
               <a:ext uri="{FF2B5EF4-FFF2-40B4-BE49-F238E27FC236}">
-                <a16:creationId xmlns:a16="http://schemas.microsoft.com/office/drawing/2014/main" xmlns="" id="{022C43AB-86D7-420D-8AD7-DC0A15FDD0AF}"/>
+                <a16:creationId xmlns="" xmlns:a16="http://schemas.microsoft.com/office/drawing/2014/main" id="{022C43AB-86D7-420D-8AD7-DC0A15FDD0AF}"/>
               </a:ext>
             </a:extLst>
           </p:cNvPr>
@@ -15035,7 +16129,7 @@
           <p:cNvPr id="19" name="Rectangle 18">
             <a:extLst>
               <a:ext uri="{FF2B5EF4-FFF2-40B4-BE49-F238E27FC236}">
-                <a16:creationId xmlns:a16="http://schemas.microsoft.com/office/drawing/2014/main" xmlns="" id="{5E3EB826-A471-488F-9E8A-D65528A3C0CA}"/>
+                <a16:creationId xmlns="" xmlns:a16="http://schemas.microsoft.com/office/drawing/2014/main" id="{5E3EB826-A471-488F-9E8A-D65528A3C0CA}"/>
               </a:ext>
             </a:extLst>
           </p:cNvPr>
@@ -15085,7 +16179,7 @@
           <p:cNvPr id="21" name="Rectangle 20">
             <a:extLst>
               <a:ext uri="{FF2B5EF4-FFF2-40B4-BE49-F238E27FC236}">
-                <a16:creationId xmlns:a16="http://schemas.microsoft.com/office/drawing/2014/main" xmlns="" id="{4159E445-83D7-4F7C-8B6B-79EDEFA5F788}"/>
+                <a16:creationId xmlns="" xmlns:a16="http://schemas.microsoft.com/office/drawing/2014/main" id="{4159E445-83D7-4F7C-8B6B-79EDEFA5F788}"/>
               </a:ext>
             </a:extLst>
           </p:cNvPr>
@@ -15177,7 +16271,7 @@
           <p:cNvPr id="23" name="Rectangle 22">
             <a:extLst>
               <a:ext uri="{FF2B5EF4-FFF2-40B4-BE49-F238E27FC236}">
-                <a16:creationId xmlns:a16="http://schemas.microsoft.com/office/drawing/2014/main" xmlns="" id="{E1E43DD8-7DEF-4A83-A303-10947F34B086}"/>
+                <a16:creationId xmlns="" xmlns:a16="http://schemas.microsoft.com/office/drawing/2014/main" id="{E1E43DD8-7DEF-4A83-A303-10947F34B086}"/>
               </a:ext>
             </a:extLst>
           </p:cNvPr>

--- a/doc/Sliceppt.pptx
+++ b/doc/Sliceppt.pptx
@@ -5,7 +5,7 @@
     <p:sldMasterId id="2147483714" r:id="rId1"/>
   </p:sldMasterIdLst>
   <p:notesMasterIdLst>
-    <p:notesMasterId r:id="rId26"/>
+    <p:notesMasterId r:id="rId31"/>
   </p:notesMasterIdLst>
   <p:sldIdLst>
     <p:sldId id="256" r:id="rId2"/>
@@ -32,6 +32,11 @@
     <p:sldId id="282" r:id="rId23"/>
     <p:sldId id="285" r:id="rId24"/>
     <p:sldId id="284" r:id="rId25"/>
+    <p:sldId id="287" r:id="rId26"/>
+    <p:sldId id="289" r:id="rId27"/>
+    <p:sldId id="291" r:id="rId28"/>
+    <p:sldId id="286" r:id="rId29"/>
+    <p:sldId id="288" r:id="rId30"/>
   </p:sldIdLst>
   <p:sldSz cx="12192000" cy="6858000"/>
   <p:notesSz cx="6858000" cy="9144000"/>
@@ -7391,12 +7396,20 @@
               </a:rPr>
             </a:br>
             <a:r>
+              <a:rPr lang="en-US" sz="5400" b="1" i="1" dirty="0">
+                <a:solidFill>
+                  <a:srgbClr val="EBEBEB"/>
+                </a:solidFill>
+              </a:rPr>
+              <a:t>Slice</a:t>
+            </a:r>
+            <a:r>
               <a:rPr lang="en-US" sz="5400" i="1" dirty="0">
                 <a:solidFill>
                   <a:srgbClr val="EBEBEB"/>
                 </a:solidFill>
               </a:rPr>
-              <a:t>Slice</a:t>
+              <a:t/>
             </a:r>
             <a:br>
               <a:rPr lang="en-US" sz="5400" i="1" dirty="0">
@@ -12682,6 +12695,14 @@
 <file path=ppt/slides/slide24.xml><?xml version="1.0" encoding="utf-8"?>
 <p:sld xmlns:a="http://schemas.openxmlformats.org/drawingml/2006/main" xmlns:r="http://schemas.openxmlformats.org/officeDocument/2006/relationships" xmlns:p="http://schemas.openxmlformats.org/presentationml/2006/main">
   <p:cSld>
+    <p:bg>
+      <p:bgPr>
+        <a:solidFill>
+          <a:schemeClr val="bg1"/>
+        </a:solidFill>
+        <a:effectLst/>
+      </p:bgPr>
+    </p:bg>
     <p:spTree>
       <p:nvGrpSpPr>
         <p:cNvPr id="1" name=""/>
@@ -12696,6 +12717,1356 @@
           <a:chExt cx="0" cy="0"/>
         </a:xfrm>
       </p:grpSpPr>
+      <p:pic>
+        <p:nvPicPr>
+          <p:cNvPr id="14" name="Picture 13">
+            <a:extLst>
+              <a:ext uri="{FF2B5EF4-FFF2-40B4-BE49-F238E27FC236}">
+                <a16:creationId xmlns:a16="http://schemas.microsoft.com/office/drawing/2014/main" xmlns="" id="{41B68C77-138E-4BF7-A276-BD0C78A4219F}"/>
+              </a:ext>
+            </a:extLst>
+          </p:cNvPr>
+          <p:cNvPicPr>
+            <a:picLocks noGrp="1" noRot="1" noChangeAspect="1" noMove="1" noResize="1" noEditPoints="1" noAdjustHandles="1" noChangeArrowheads="1" noChangeShapeType="1" noCrop="1"/>
+          </p:cNvPicPr>
+          <p:nvPr>
+            <p:extLst>
+              <p:ext uri="{386F3935-93C4-4BCD-93E2-E3B085C9AB24}">
+                <p16:designElem xmlns:p16="http://schemas.microsoft.com/office/powerpoint/2015/main" val="1"/>
+              </p:ext>
+            </p:extLst>
+          </p:nvPr>
+        </p:nvPicPr>
+        <p:blipFill rotWithShape="1">
+          <a:blip r:embed="rId2">
+            <a:extLst>
+              <a:ext uri="{28A0092B-C50C-407E-A947-70E740481C1C}">
+                <a14:useLocalDpi xmlns:a14="http://schemas.microsoft.com/office/drawing/2010/main" val="0"/>
+              </a:ext>
+            </a:extLst>
+          </a:blip>
+          <a:srcRect l="3613"/>
+          <a:stretch/>
+        </p:blipFill>
+        <p:spPr>
+          <a:xfrm>
+            <a:off x="0" y="2669685"/>
+            <a:ext cx="4037012" cy="4188315"/>
+          </a:xfrm>
+          <a:prstGeom prst="rect">
+            <a:avLst/>
+          </a:prstGeom>
+        </p:spPr>
+      </p:pic>
+      <p:pic>
+        <p:nvPicPr>
+          <p:cNvPr id="16" name="Picture 15">
+            <a:extLst>
+              <a:ext uri="{FF2B5EF4-FFF2-40B4-BE49-F238E27FC236}">
+                <a16:creationId xmlns:a16="http://schemas.microsoft.com/office/drawing/2014/main" xmlns="" id="{7C268552-D473-46ED-B1B8-422042C4DEF1}"/>
+              </a:ext>
+            </a:extLst>
+          </p:cNvPr>
+          <p:cNvPicPr>
+            <a:picLocks noGrp="1" noRot="1" noChangeAspect="1" noMove="1" noResize="1" noEditPoints="1" noAdjustHandles="1" noChangeArrowheads="1" noChangeShapeType="1" noCrop="1"/>
+          </p:cNvPicPr>
+          <p:nvPr>
+            <p:extLst>
+              <p:ext uri="{386F3935-93C4-4BCD-93E2-E3B085C9AB24}">
+                <p16:designElem xmlns:p16="http://schemas.microsoft.com/office/powerpoint/2015/main" val="1"/>
+              </p:ext>
+            </p:extLst>
+          </p:nvPr>
+        </p:nvPicPr>
+        <p:blipFill rotWithShape="1">
+          <a:blip r:embed="rId3">
+            <a:extLst>
+              <a:ext uri="{28A0092B-C50C-407E-A947-70E740481C1C}">
+                <a14:useLocalDpi xmlns:a14="http://schemas.microsoft.com/office/drawing/2010/main" val="0"/>
+              </a:ext>
+            </a:extLst>
+          </a:blip>
+          <a:srcRect l="35640"/>
+          <a:stretch/>
+        </p:blipFill>
+        <p:spPr>
+          <a:xfrm>
+            <a:off x="0" y="2892347"/>
+            <a:ext cx="1522412" cy="2365453"/>
+          </a:xfrm>
+          <a:prstGeom prst="rect">
+            <a:avLst/>
+          </a:prstGeom>
+        </p:spPr>
+      </p:pic>
+      <p:sp>
+        <p:nvSpPr>
+          <p:cNvPr id="18" name="Oval 17">
+            <a:extLst>
+              <a:ext uri="{FF2B5EF4-FFF2-40B4-BE49-F238E27FC236}">
+                <a16:creationId xmlns:a16="http://schemas.microsoft.com/office/drawing/2014/main" xmlns="" id="{4AC0CD9D-7610-4620-93B4-798CCD9AB581}"/>
+              </a:ext>
+            </a:extLst>
+          </p:cNvPr>
+          <p:cNvSpPr>
+            <a:spLocks noGrp="1" noRot="1" noChangeAspect="1" noMove="1" noResize="1" noEditPoints="1" noAdjustHandles="1" noChangeArrowheads="1" noChangeShapeType="1" noTextEdit="1"/>
+          </p:cNvSpPr>
+          <p:nvPr>
+            <p:extLst>
+              <p:ext uri="{386F3935-93C4-4BCD-93E2-E3B085C9AB24}">
+                <p16:designElem xmlns:p16="http://schemas.microsoft.com/office/powerpoint/2015/main" val="1"/>
+              </p:ext>
+            </p:extLst>
+          </p:nvPr>
+        </p:nvSpPr>
+        <p:spPr>
+          <a:xfrm>
+            <a:off x="8609012" y="1676400"/>
+            <a:ext cx="2819400" cy="2819400"/>
+          </a:xfrm>
+          <a:prstGeom prst="ellipse">
+            <a:avLst/>
+          </a:prstGeom>
+          <a:gradFill flip="none" rotWithShape="1">
+            <a:gsLst>
+              <a:gs pos="0">
+                <a:schemeClr val="bg2">
+                  <a:lumMod val="60000"/>
+                  <a:lumOff val="40000"/>
+                  <a:alpha val="7000"/>
+                </a:schemeClr>
+              </a:gs>
+              <a:gs pos="69000">
+                <a:schemeClr val="bg2">
+                  <a:lumMod val="60000"/>
+                  <a:lumOff val="40000"/>
+                  <a:alpha val="0"/>
+                </a:schemeClr>
+              </a:gs>
+              <a:gs pos="36000">
+                <a:schemeClr val="bg2">
+                  <a:lumMod val="60000"/>
+                  <a:lumOff val="40000"/>
+                  <a:alpha val="6000"/>
+                </a:schemeClr>
+              </a:gs>
+            </a:gsLst>
+            <a:path path="circle">
+              <a:fillToRect l="50000" t="50000" r="50000" b="50000"/>
+            </a:path>
+            <a:tileRect/>
+          </a:gradFill>
+          <a:ln>
+            <a:noFill/>
+          </a:ln>
+          <a:effectLst/>
+        </p:spPr>
+        <p:style>
+          <a:lnRef idx="1">
+            <a:schemeClr val="accent1"/>
+          </a:lnRef>
+          <a:fillRef idx="3">
+            <a:schemeClr val="accent1"/>
+          </a:fillRef>
+          <a:effectRef idx="2">
+            <a:schemeClr val="accent1"/>
+          </a:effectRef>
+          <a:fontRef idx="minor">
+            <a:schemeClr val="lt1"/>
+          </a:fontRef>
+        </p:style>
+      </p:sp>
+      <p:pic>
+        <p:nvPicPr>
+          <p:cNvPr id="20" name="Picture 19">
+            <a:extLst>
+              <a:ext uri="{FF2B5EF4-FFF2-40B4-BE49-F238E27FC236}">
+                <a16:creationId xmlns:a16="http://schemas.microsoft.com/office/drawing/2014/main" xmlns="" id="{B9238B3E-24AA-439A-B527-6C5DF6D72145}"/>
+              </a:ext>
+            </a:extLst>
+          </p:cNvPr>
+          <p:cNvPicPr>
+            <a:picLocks noGrp="1" noRot="1" noChangeAspect="1" noMove="1" noResize="1" noEditPoints="1" noAdjustHandles="1" noChangeArrowheads="1" noChangeShapeType="1" noCrop="1"/>
+          </p:cNvPicPr>
+          <p:nvPr>
+            <p:extLst>
+              <p:ext uri="{386F3935-93C4-4BCD-93E2-E3B085C9AB24}">
+                <p16:designElem xmlns:p16="http://schemas.microsoft.com/office/powerpoint/2015/main" val="1"/>
+              </p:ext>
+            </p:extLst>
+          </p:nvPr>
+        </p:nvPicPr>
+        <p:blipFill rotWithShape="1">
+          <a:blip r:embed="rId4">
+            <a:extLst>
+              <a:ext uri="{28A0092B-C50C-407E-A947-70E740481C1C}">
+                <a14:useLocalDpi xmlns:a14="http://schemas.microsoft.com/office/drawing/2010/main" val="0"/>
+              </a:ext>
+            </a:extLst>
+          </a:blip>
+          <a:srcRect t="28813"/>
+          <a:stretch/>
+        </p:blipFill>
+        <p:spPr>
+          <a:xfrm>
+            <a:off x="7999412" y="0"/>
+            <a:ext cx="1603387" cy="1141407"/>
+          </a:xfrm>
+          <a:prstGeom prst="rect">
+            <a:avLst/>
+          </a:prstGeom>
+        </p:spPr>
+      </p:pic>
+      <p:pic>
+        <p:nvPicPr>
+          <p:cNvPr id="22" name="Picture 21">
+            <a:extLst>
+              <a:ext uri="{FF2B5EF4-FFF2-40B4-BE49-F238E27FC236}">
+                <a16:creationId xmlns:a16="http://schemas.microsoft.com/office/drawing/2014/main" xmlns="" id="{69F01145-BEA3-4CBF-AA21-10077B948CA8}"/>
+              </a:ext>
+            </a:extLst>
+          </p:cNvPr>
+          <p:cNvPicPr>
+            <a:picLocks noGrp="1" noRot="1" noChangeAspect="1" noMove="1" noResize="1" noEditPoints="1" noAdjustHandles="1" noChangeArrowheads="1" noChangeShapeType="1" noCrop="1"/>
+          </p:cNvPicPr>
+          <p:nvPr>
+            <p:extLst>
+              <p:ext uri="{386F3935-93C4-4BCD-93E2-E3B085C9AB24}">
+                <p16:designElem xmlns:p16="http://schemas.microsoft.com/office/powerpoint/2015/main" val="1"/>
+              </p:ext>
+            </p:extLst>
+          </p:nvPr>
+        </p:nvPicPr>
+        <p:blipFill rotWithShape="1">
+          <a:blip r:embed="rId5">
+            <a:extLst>
+              <a:ext uri="{28A0092B-C50C-407E-A947-70E740481C1C}">
+                <a14:useLocalDpi xmlns:a14="http://schemas.microsoft.com/office/drawing/2010/main" val="0"/>
+              </a:ext>
+            </a:extLst>
+          </a:blip>
+          <a:srcRect b="23320"/>
+          <a:stretch/>
+        </p:blipFill>
+        <p:spPr>
+          <a:xfrm>
+            <a:off x="8605878" y="6096000"/>
+            <a:ext cx="993734" cy="762000"/>
+          </a:xfrm>
+          <a:prstGeom prst="rect">
+            <a:avLst/>
+          </a:prstGeom>
+        </p:spPr>
+      </p:pic>
+      <p:sp>
+        <p:nvSpPr>
+          <p:cNvPr id="24" name="Rectangle 23">
+            <a:extLst>
+              <a:ext uri="{FF2B5EF4-FFF2-40B4-BE49-F238E27FC236}">
+                <a16:creationId xmlns:a16="http://schemas.microsoft.com/office/drawing/2014/main" xmlns="" id="{DE4D62F9-188E-4530-84C2-24BDEE4BEB82}"/>
+              </a:ext>
+            </a:extLst>
+          </p:cNvPr>
+          <p:cNvSpPr>
+            <a:spLocks noGrp="1" noRot="1" noChangeAspect="1" noMove="1" noResize="1" noEditPoints="1" noAdjustHandles="1" noChangeArrowheads="1" noChangeShapeType="1" noTextEdit="1"/>
+          </p:cNvSpPr>
+          <p:nvPr>
+            <p:extLst>
+              <p:ext uri="{386F3935-93C4-4BCD-93E2-E3B085C9AB24}">
+                <p16:designElem xmlns:p16="http://schemas.microsoft.com/office/powerpoint/2015/main" val="1"/>
+              </p:ext>
+            </p:extLst>
+          </p:nvPr>
+        </p:nvSpPr>
+        <p:spPr>
+          <a:xfrm>
+            <a:off x="10437812" y="0"/>
+            <a:ext cx="685800" cy="1143000"/>
+          </a:xfrm>
+          <a:prstGeom prst="rect">
+            <a:avLst/>
+          </a:prstGeom>
+          <a:solidFill>
+            <a:schemeClr val="accent1"/>
+          </a:solidFill>
+          <a:ln>
+            <a:noFill/>
+          </a:ln>
+        </p:spPr>
+        <p:style>
+          <a:lnRef idx="1">
+            <a:schemeClr val="accent1"/>
+          </a:lnRef>
+          <a:fillRef idx="3">
+            <a:schemeClr val="accent1"/>
+          </a:fillRef>
+          <a:effectRef idx="2">
+            <a:schemeClr val="accent1"/>
+          </a:effectRef>
+          <a:fontRef idx="minor">
+            <a:schemeClr val="lt1"/>
+          </a:fontRef>
+        </p:style>
+      </p:sp>
+      <p:sp useBgFill="1">
+        <p:nvSpPr>
+          <p:cNvPr id="26" name="Rectangle 25">
+            <a:extLst>
+              <a:ext uri="{FF2B5EF4-FFF2-40B4-BE49-F238E27FC236}">
+                <a16:creationId xmlns:a16="http://schemas.microsoft.com/office/drawing/2014/main" xmlns="" id="{D27CF008-4B18-436D-B2D5-C1346C12438E}"/>
+              </a:ext>
+            </a:extLst>
+          </p:cNvPr>
+          <p:cNvSpPr>
+            <a:spLocks noGrp="1" noRot="1" noChangeAspect="1" noMove="1" noResize="1" noEditPoints="1" noAdjustHandles="1" noChangeArrowheads="1" noChangeShapeType="1" noTextEdit="1"/>
+          </p:cNvSpPr>
+          <p:nvPr>
+            <p:extLst>
+              <p:ext uri="{386F3935-93C4-4BCD-93E2-E3B085C9AB24}">
+                <p16:designElem xmlns:p16="http://schemas.microsoft.com/office/powerpoint/2015/main" val="1"/>
+              </p:ext>
+            </p:extLst>
+          </p:nvPr>
+        </p:nvSpPr>
+        <p:spPr>
+          <a:xfrm>
+            <a:off x="0" y="-5"/>
+            <a:ext cx="12191695" cy="4730744"/>
+          </a:xfrm>
+          <a:prstGeom prst="rect">
+            <a:avLst/>
+          </a:prstGeom>
+          <a:ln>
+            <a:noFill/>
+          </a:ln>
+        </p:spPr>
+        <p:style>
+          <a:lnRef idx="2">
+            <a:schemeClr val="accent1">
+              <a:shade val="50000"/>
+            </a:schemeClr>
+          </a:lnRef>
+          <a:fillRef idx="1">
+            <a:schemeClr val="accent1"/>
+          </a:fillRef>
+          <a:effectRef idx="0">
+            <a:schemeClr val="accent1"/>
+          </a:effectRef>
+          <a:fontRef idx="minor">
+            <a:schemeClr val="lt1"/>
+          </a:fontRef>
+        </p:style>
+        <p:txBody>
+          <a:bodyPr rtlCol="0" anchor="ctr"/>
+          <a:lstStyle/>
+          <a:p>
+            <a:pPr algn="ctr"/>
+            <a:endParaRPr lang="en-US"/>
+          </a:p>
+        </p:txBody>
+      </p:sp>
+      <p:sp>
+        <p:nvSpPr>
+          <p:cNvPr id="28" name="Rectangle 27">
+            <a:extLst>
+              <a:ext uri="{FF2B5EF4-FFF2-40B4-BE49-F238E27FC236}">
+                <a16:creationId xmlns:a16="http://schemas.microsoft.com/office/drawing/2014/main" xmlns="" id="{CE22DAD8-5F67-4B73-ADA9-06EF381F7AD6}"/>
+              </a:ext>
+            </a:extLst>
+          </p:cNvPr>
+          <p:cNvSpPr>
+            <a:spLocks noGrp="1" noRot="1" noChangeAspect="1" noMove="1" noResize="1" noEditPoints="1" noAdjustHandles="1" noChangeArrowheads="1" noChangeShapeType="1" noTextEdit="1"/>
+          </p:cNvSpPr>
+          <p:nvPr>
+            <p:extLst>
+              <p:ext uri="{386F3935-93C4-4BCD-93E2-E3B085C9AB24}">
+                <p16:designElem xmlns:p16="http://schemas.microsoft.com/office/powerpoint/2015/main" val="1"/>
+              </p:ext>
+            </p:extLst>
+          </p:nvPr>
+        </p:nvSpPr>
+        <p:spPr>
+          <a:xfrm>
+            <a:off x="10437812" y="0"/>
+            <a:ext cx="685800" cy="1143000"/>
+          </a:xfrm>
+          <a:prstGeom prst="rect">
+            <a:avLst/>
+          </a:prstGeom>
+          <a:solidFill>
+            <a:schemeClr val="accent1"/>
+          </a:solidFill>
+          <a:ln>
+            <a:noFill/>
+          </a:ln>
+        </p:spPr>
+        <p:style>
+          <a:lnRef idx="1">
+            <a:schemeClr val="accent1"/>
+          </a:lnRef>
+          <a:fillRef idx="3">
+            <a:schemeClr val="accent1"/>
+          </a:fillRef>
+          <a:effectRef idx="2">
+            <a:schemeClr val="accent1"/>
+          </a:effectRef>
+          <a:fontRef idx="minor">
+            <a:schemeClr val="lt1"/>
+          </a:fontRef>
+        </p:style>
+      </p:sp>
+      <p:sp>
+        <p:nvSpPr>
+          <p:cNvPr id="30" name="Freeform 16">
+            <a:extLst>
+              <a:ext uri="{FF2B5EF4-FFF2-40B4-BE49-F238E27FC236}">
+                <a16:creationId xmlns:a16="http://schemas.microsoft.com/office/drawing/2014/main" xmlns="" id="{E4F17063-EDA4-417B-946F-BA357F3B390D}"/>
+              </a:ext>
+            </a:extLst>
+          </p:cNvPr>
+          <p:cNvSpPr>
+            <a:spLocks noGrp="1" noRot="1" noChangeAspect="1" noMove="1" noResize="1" noEditPoints="1" noAdjustHandles="1" noChangeArrowheads="1" noChangeShapeType="1" noTextEdit="1"/>
+          </p:cNvSpPr>
+          <p:nvPr>
+            <p:extLst>
+              <p:ext uri="{386F3935-93C4-4BCD-93E2-E3B085C9AB24}">
+                <p16:designElem xmlns:p16="http://schemas.microsoft.com/office/powerpoint/2015/main" val="1"/>
+              </p:ext>
+            </p:extLst>
+          </p:nvPr>
+        </p:nvSpPr>
+        <p:spPr>
+          <a:xfrm>
+            <a:off x="8719939" y="3753695"/>
+            <a:ext cx="3472060" cy="825932"/>
+          </a:xfrm>
+          <a:custGeom>
+            <a:avLst/>
+            <a:gdLst>
+              <a:gd name="connsiteX0" fmla="*/ 3470310 w 3472060"/>
+              <a:gd name="connsiteY0" fmla="*/ 0 h 825932"/>
+              <a:gd name="connsiteX1" fmla="*/ 3472060 w 3472060"/>
+              <a:gd name="connsiteY1" fmla="*/ 12850 h 825932"/>
+              <a:gd name="connsiteX2" fmla="*/ 3472060 w 3472060"/>
+              <a:gd name="connsiteY2" fmla="*/ 480529 h 825932"/>
+              <a:gd name="connsiteX3" fmla="*/ 3363699 w 3472060"/>
+              <a:gd name="connsiteY3" fmla="*/ 498471 h 825932"/>
+              <a:gd name="connsiteX4" fmla="*/ 42060 w 3472060"/>
+              <a:gd name="connsiteY4" fmla="*/ 824486 h 825932"/>
+              <a:gd name="connsiteX5" fmla="*/ 0 w 3472060"/>
+              <a:gd name="connsiteY5" fmla="*/ 758452 h 825932"/>
+              <a:gd name="connsiteX6" fmla="*/ 188014 w 3472060"/>
+              <a:gd name="connsiteY6" fmla="*/ 735602 h 825932"/>
+              <a:gd name="connsiteX7" fmla="*/ 284087 w 3472060"/>
+              <a:gd name="connsiteY7" fmla="*/ 722590 h 825932"/>
+              <a:gd name="connsiteX8" fmla="*/ 382288 w 3472060"/>
+              <a:gd name="connsiteY8" fmla="*/ 709392 h 825932"/>
+              <a:gd name="connsiteX9" fmla="*/ 481858 w 3472060"/>
+              <a:gd name="connsiteY9" fmla="*/ 695774 h 825932"/>
+              <a:gd name="connsiteX10" fmla="*/ 581897 w 3472060"/>
+              <a:gd name="connsiteY10" fmla="*/ 680711 h 825932"/>
+              <a:gd name="connsiteX11" fmla="*/ 683670 w 3472060"/>
+              <a:gd name="connsiteY11" fmla="*/ 665256 h 825932"/>
+              <a:gd name="connsiteX12" fmla="*/ 787206 w 3472060"/>
+              <a:gd name="connsiteY12" fmla="*/ 649587 h 825932"/>
+              <a:gd name="connsiteX13" fmla="*/ 892019 w 3472060"/>
+              <a:gd name="connsiteY13" fmla="*/ 632968 h 825932"/>
+              <a:gd name="connsiteX14" fmla="*/ 997620 w 3472060"/>
+              <a:gd name="connsiteY14" fmla="*/ 614667 h 825932"/>
+              <a:gd name="connsiteX15" fmla="*/ 1104727 w 3472060"/>
+              <a:gd name="connsiteY15" fmla="*/ 596741 h 825932"/>
+              <a:gd name="connsiteX16" fmla="*/ 1212669 w 3472060"/>
+              <a:gd name="connsiteY16" fmla="*/ 577397 h 825932"/>
+              <a:gd name="connsiteX17" fmla="*/ 1321506 w 3472060"/>
+              <a:gd name="connsiteY17" fmla="*/ 556988 h 825932"/>
+              <a:gd name="connsiteX18" fmla="*/ 1430709 w 3472060"/>
+              <a:gd name="connsiteY18" fmla="*/ 536607 h 825932"/>
+              <a:gd name="connsiteX19" fmla="*/ 1541050 w 3472060"/>
+              <a:gd name="connsiteY19" fmla="*/ 514481 h 825932"/>
+              <a:gd name="connsiteX20" fmla="*/ 1652805 w 3472060"/>
+              <a:gd name="connsiteY20" fmla="*/ 492202 h 825932"/>
+              <a:gd name="connsiteX21" fmla="*/ 1763708 w 3472060"/>
+              <a:gd name="connsiteY21" fmla="*/ 469161 h 825932"/>
+              <a:gd name="connsiteX22" fmla="*/ 1875795 w 3472060"/>
+              <a:gd name="connsiteY22" fmla="*/ 444641 h 825932"/>
+              <a:gd name="connsiteX23" fmla="*/ 1989128 w 3472060"/>
+              <a:gd name="connsiteY23" fmla="*/ 418995 h 825932"/>
+              <a:gd name="connsiteX24" fmla="*/ 2102476 w 3472060"/>
+              <a:gd name="connsiteY24" fmla="*/ 393438 h 825932"/>
+              <a:gd name="connsiteX25" fmla="*/ 2215549 w 3472060"/>
+              <a:gd name="connsiteY25" fmla="*/ 366291 h 825932"/>
+              <a:gd name="connsiteX26" fmla="*/ 2330490 w 3472060"/>
+              <a:gd name="connsiteY26" fmla="*/ 337455 h 825932"/>
+              <a:gd name="connsiteX27" fmla="*/ 2443333 w 3472060"/>
+              <a:gd name="connsiteY27" fmla="*/ 308983 h 825932"/>
+              <a:gd name="connsiteX28" fmla="*/ 2558014 w 3472060"/>
+              <a:gd name="connsiteY28" fmla="*/ 278646 h 825932"/>
+              <a:gd name="connsiteX29" fmla="*/ 2673621 w 3472060"/>
+              <a:gd name="connsiteY29" fmla="*/ 247421 h 825932"/>
+              <a:gd name="connsiteX30" fmla="*/ 2787008 w 3472060"/>
+              <a:gd name="connsiteY30" fmla="*/ 215853 h 825932"/>
+              <a:gd name="connsiteX31" fmla="*/ 2901442 w 3472060"/>
+              <a:gd name="connsiteY31" fmla="*/ 182011 h 825932"/>
+              <a:gd name="connsiteX32" fmla="*/ 3015722 w 3472060"/>
+              <a:gd name="connsiteY32" fmla="*/ 147286 h 825932"/>
+              <a:gd name="connsiteX33" fmla="*/ 3130018 w 3472060"/>
+              <a:gd name="connsiteY33" fmla="*/ 112649 h 825932"/>
+              <a:gd name="connsiteX34" fmla="*/ 3243551 w 3472060"/>
+              <a:gd name="connsiteY34" fmla="*/ 75688 h 825932"/>
+              <a:gd name="connsiteX35" fmla="*/ 3356992 w 3472060"/>
+              <a:gd name="connsiteY35" fmla="*/ 38197 h 825932"/>
+              <a:gd name="connsiteX36" fmla="*/ 3470310 w 3472060"/>
+              <a:gd name="connsiteY36" fmla="*/ 0 h 825932"/>
+            </a:gdLst>
+            <a:ahLst/>
+            <a:cxnLst>
+              <a:cxn ang="0">
+                <a:pos x="connsiteX0" y="connsiteY0"/>
+              </a:cxn>
+              <a:cxn ang="0">
+                <a:pos x="connsiteX1" y="connsiteY1"/>
+              </a:cxn>
+              <a:cxn ang="0">
+                <a:pos x="connsiteX2" y="connsiteY2"/>
+              </a:cxn>
+              <a:cxn ang="0">
+                <a:pos x="connsiteX3" y="connsiteY3"/>
+              </a:cxn>
+              <a:cxn ang="0">
+                <a:pos x="connsiteX4" y="connsiteY4"/>
+              </a:cxn>
+              <a:cxn ang="0">
+                <a:pos x="connsiteX5" y="connsiteY5"/>
+              </a:cxn>
+              <a:cxn ang="0">
+                <a:pos x="connsiteX6" y="connsiteY6"/>
+              </a:cxn>
+              <a:cxn ang="0">
+                <a:pos x="connsiteX7" y="connsiteY7"/>
+              </a:cxn>
+              <a:cxn ang="0">
+                <a:pos x="connsiteX8" y="connsiteY8"/>
+              </a:cxn>
+              <a:cxn ang="0">
+                <a:pos x="connsiteX9" y="connsiteY9"/>
+              </a:cxn>
+              <a:cxn ang="0">
+                <a:pos x="connsiteX10" y="connsiteY10"/>
+              </a:cxn>
+              <a:cxn ang="0">
+                <a:pos x="connsiteX11" y="connsiteY11"/>
+              </a:cxn>
+              <a:cxn ang="0">
+                <a:pos x="connsiteX12" y="connsiteY12"/>
+              </a:cxn>
+              <a:cxn ang="0">
+                <a:pos x="connsiteX13" y="connsiteY13"/>
+              </a:cxn>
+              <a:cxn ang="0">
+                <a:pos x="connsiteX14" y="connsiteY14"/>
+              </a:cxn>
+              <a:cxn ang="0">
+                <a:pos x="connsiteX15" y="connsiteY15"/>
+              </a:cxn>
+              <a:cxn ang="0">
+                <a:pos x="connsiteX16" y="connsiteY16"/>
+              </a:cxn>
+              <a:cxn ang="0">
+                <a:pos x="connsiteX17" y="connsiteY17"/>
+              </a:cxn>
+              <a:cxn ang="0">
+                <a:pos x="connsiteX18" y="connsiteY18"/>
+              </a:cxn>
+              <a:cxn ang="0">
+                <a:pos x="connsiteX19" y="connsiteY19"/>
+              </a:cxn>
+              <a:cxn ang="0">
+                <a:pos x="connsiteX20" y="connsiteY20"/>
+              </a:cxn>
+              <a:cxn ang="0">
+                <a:pos x="connsiteX21" y="connsiteY21"/>
+              </a:cxn>
+              <a:cxn ang="0">
+                <a:pos x="connsiteX22" y="connsiteY22"/>
+              </a:cxn>
+              <a:cxn ang="0">
+                <a:pos x="connsiteX23" y="connsiteY23"/>
+              </a:cxn>
+              <a:cxn ang="0">
+                <a:pos x="connsiteX24" y="connsiteY24"/>
+              </a:cxn>
+              <a:cxn ang="0">
+                <a:pos x="connsiteX25" y="connsiteY25"/>
+              </a:cxn>
+              <a:cxn ang="0">
+                <a:pos x="connsiteX26" y="connsiteY26"/>
+              </a:cxn>
+              <a:cxn ang="0">
+                <a:pos x="connsiteX27" y="connsiteY27"/>
+              </a:cxn>
+              <a:cxn ang="0">
+                <a:pos x="connsiteX28" y="connsiteY28"/>
+              </a:cxn>
+              <a:cxn ang="0">
+                <a:pos x="connsiteX29" y="connsiteY29"/>
+              </a:cxn>
+              <a:cxn ang="0">
+                <a:pos x="connsiteX30" y="connsiteY30"/>
+              </a:cxn>
+              <a:cxn ang="0">
+                <a:pos x="connsiteX31" y="connsiteY31"/>
+              </a:cxn>
+              <a:cxn ang="0">
+                <a:pos x="connsiteX32" y="connsiteY32"/>
+              </a:cxn>
+              <a:cxn ang="0">
+                <a:pos x="connsiteX33" y="connsiteY33"/>
+              </a:cxn>
+              <a:cxn ang="0">
+                <a:pos x="connsiteX34" y="connsiteY34"/>
+              </a:cxn>
+              <a:cxn ang="0">
+                <a:pos x="connsiteX35" y="connsiteY35"/>
+              </a:cxn>
+              <a:cxn ang="0">
+                <a:pos x="connsiteX36" y="connsiteY36"/>
+              </a:cxn>
+            </a:cxnLst>
+            <a:rect l="l" t="t" r="r" b="b"/>
+            <a:pathLst>
+              <a:path w="3472060" h="825932">
+                <a:moveTo>
+                  <a:pt x="3470310" y="0"/>
+                </a:moveTo>
+                <a:lnTo>
+                  <a:pt x="3472060" y="12850"/>
+                </a:lnTo>
+                <a:lnTo>
+                  <a:pt x="3472060" y="480529"/>
+                </a:lnTo>
+                <a:lnTo>
+                  <a:pt x="3363699" y="498471"/>
+                </a:lnTo>
+                <a:cubicBezTo>
+                  <a:pt x="2435623" y="645518"/>
+                  <a:pt x="603076" y="844866"/>
+                  <a:pt x="42060" y="824486"/>
+                </a:cubicBezTo>
+                <a:cubicBezTo>
+                  <a:pt x="28151" y="802425"/>
+                  <a:pt x="13909" y="780513"/>
+                  <a:pt x="0" y="758452"/>
+                </a:cubicBezTo>
+                <a:lnTo>
+                  <a:pt x="188014" y="735602"/>
+                </a:lnTo>
+                <a:lnTo>
+                  <a:pt x="284087" y="722590"/>
+                </a:lnTo>
+                <a:lnTo>
+                  <a:pt x="382288" y="709392"/>
+                </a:lnTo>
+                <a:lnTo>
+                  <a:pt x="481858" y="695774"/>
+                </a:lnTo>
+                <a:lnTo>
+                  <a:pt x="581897" y="680711"/>
+                </a:lnTo>
+                <a:lnTo>
+                  <a:pt x="683670" y="665256"/>
+                </a:lnTo>
+                <a:lnTo>
+                  <a:pt x="787206" y="649587"/>
+                </a:lnTo>
+                <a:lnTo>
+                  <a:pt x="892019" y="632968"/>
+                </a:lnTo>
+                <a:lnTo>
+                  <a:pt x="997620" y="614667"/>
+                </a:lnTo>
+                <a:lnTo>
+                  <a:pt x="1104727" y="596741"/>
+                </a:lnTo>
+                <a:lnTo>
+                  <a:pt x="1212669" y="577397"/>
+                </a:lnTo>
+                <a:lnTo>
+                  <a:pt x="1321506" y="556988"/>
+                </a:lnTo>
+                <a:lnTo>
+                  <a:pt x="1430709" y="536607"/>
+                </a:lnTo>
+                <a:lnTo>
+                  <a:pt x="1541050" y="514481"/>
+                </a:lnTo>
+                <a:lnTo>
+                  <a:pt x="1652805" y="492202"/>
+                </a:lnTo>
+                <a:lnTo>
+                  <a:pt x="1763708" y="469161"/>
+                </a:lnTo>
+                <a:lnTo>
+                  <a:pt x="1875795" y="444641"/>
+                </a:lnTo>
+                <a:lnTo>
+                  <a:pt x="1989128" y="418995"/>
+                </a:lnTo>
+                <a:lnTo>
+                  <a:pt x="2102476" y="393438"/>
+                </a:lnTo>
+                <a:lnTo>
+                  <a:pt x="2215549" y="366291"/>
+                </a:lnTo>
+                <a:lnTo>
+                  <a:pt x="2330490" y="337455"/>
+                </a:lnTo>
+                <a:lnTo>
+                  <a:pt x="2443333" y="308983"/>
+                </a:lnTo>
+                <a:lnTo>
+                  <a:pt x="2558014" y="278646"/>
+                </a:lnTo>
+                <a:lnTo>
+                  <a:pt x="2673621" y="247421"/>
+                </a:lnTo>
+                <a:lnTo>
+                  <a:pt x="2787008" y="215853"/>
+                </a:lnTo>
+                <a:lnTo>
+                  <a:pt x="2901442" y="182011"/>
+                </a:lnTo>
+                <a:lnTo>
+                  <a:pt x="3015722" y="147286"/>
+                </a:lnTo>
+                <a:lnTo>
+                  <a:pt x="3130018" y="112649"/>
+                </a:lnTo>
+                <a:lnTo>
+                  <a:pt x="3243551" y="75688"/>
+                </a:lnTo>
+                <a:lnTo>
+                  <a:pt x="3356992" y="38197"/>
+                </a:lnTo>
+                <a:lnTo>
+                  <a:pt x="3470310" y="0"/>
+                </a:lnTo>
+                <a:close/>
+              </a:path>
+            </a:pathLst>
+          </a:custGeom>
+          <a:solidFill>
+            <a:schemeClr val="tx2">
+              <a:alpha val="20000"/>
+            </a:schemeClr>
+          </a:solidFill>
+          <a:ln>
+            <a:noFill/>
+          </a:ln>
+        </p:spPr>
+        <p:txBody>
+          <a:bodyPr rtlCol="0" anchor="ctr"/>
+          <a:lstStyle/>
+          <a:p>
+            <a:pPr algn="ctr"/>
+            <a:endParaRPr lang="en-US">
+              <a:solidFill>
+                <a:schemeClr val="tx1"/>
+              </a:solidFill>
+            </a:endParaRPr>
+          </a:p>
+        </p:txBody>
+      </p:sp>
+      <p:pic>
+        <p:nvPicPr>
+          <p:cNvPr id="9" name="Content Placeholder 8"/>
+          <p:cNvPicPr>
+            <a:picLocks noGrp="1" noChangeAspect="1"/>
+          </p:cNvPicPr>
+          <p:nvPr>
+            <p:ph idx="1"/>
+          </p:nvPr>
+        </p:nvPicPr>
+        <p:blipFill>
+          <a:blip r:embed="rId6">
+            <a:extLst>
+              <a:ext uri="{28A0092B-C50C-407E-A947-70E740481C1C}">
+                <a14:useLocalDpi xmlns:a14="http://schemas.microsoft.com/office/drawing/2010/main" val="0"/>
+              </a:ext>
+            </a:extLst>
+          </a:blip>
+          <a:stretch>
+            <a:fillRect/>
+          </a:stretch>
+        </p:blipFill>
+        <p:spPr>
+          <a:xfrm>
+            <a:off x="354808" y="254977"/>
+            <a:ext cx="10082699" cy="3642558"/>
+          </a:xfrm>
+          <a:prstGeom prst="rect">
+            <a:avLst/>
+          </a:prstGeom>
+          <a:effectLst/>
+        </p:spPr>
+      </p:pic>
+      <p:sp>
+        <p:nvSpPr>
+          <p:cNvPr id="32" name="Freeform: Shape 31">
+            <a:extLst>
+              <a:ext uri="{FF2B5EF4-FFF2-40B4-BE49-F238E27FC236}">
+                <a16:creationId xmlns:a16="http://schemas.microsoft.com/office/drawing/2014/main" xmlns="" id="{D36F3EEA-55D4-4677-80E7-92D00B8F343B}"/>
+              </a:ext>
+            </a:extLst>
+          </p:cNvPr>
+          <p:cNvSpPr>
+            <a:spLocks noGrp="1" noRot="1" noChangeAspect="1" noMove="1" noResize="1" noEditPoints="1" noAdjustHandles="1" noChangeArrowheads="1" noChangeShapeType="1" noTextEdit="1"/>
+          </p:cNvSpPr>
+          <p:nvPr>
+            <p:extLst>
+              <p:ext uri="{386F3935-93C4-4BCD-93E2-E3B085C9AB24}">
+                <p16:designElem xmlns:p16="http://schemas.microsoft.com/office/powerpoint/2015/main" val="1"/>
+              </p:ext>
+            </p:extLst>
+          </p:nvPr>
+        </p:nvSpPr>
+        <p:spPr>
+          <a:xfrm>
+            <a:off x="0" y="4055533"/>
+            <a:ext cx="12192000" cy="2802467"/>
+          </a:xfrm>
+          <a:custGeom>
+            <a:avLst/>
+            <a:gdLst>
+              <a:gd name="connsiteX0" fmla="*/ 1 w 12192000"/>
+              <a:gd name="connsiteY0" fmla="*/ 0 h 2802467"/>
+              <a:gd name="connsiteX1" fmla="*/ 71932 w 12192000"/>
+              <a:gd name="connsiteY1" fmla="*/ 12261 h 2802467"/>
+              <a:gd name="connsiteX2" fmla="*/ 282848 w 12192000"/>
+              <a:gd name="connsiteY2" fmla="*/ 48342 h 2802467"/>
+              <a:gd name="connsiteX3" fmla="*/ 436464 w 12192000"/>
+              <a:gd name="connsiteY3" fmla="*/ 73565 h 2802467"/>
+              <a:gd name="connsiteX4" fmla="*/ 619339 w 12192000"/>
+              <a:gd name="connsiteY4" fmla="*/ 100188 h 2802467"/>
+              <a:gd name="connsiteX5" fmla="*/ 836351 w 12192000"/>
+              <a:gd name="connsiteY5" fmla="*/ 132066 h 2802467"/>
+              <a:gd name="connsiteX6" fmla="*/ 1076528 w 12192000"/>
+              <a:gd name="connsiteY6" fmla="*/ 165696 h 2802467"/>
+              <a:gd name="connsiteX7" fmla="*/ 1347183 w 12192000"/>
+              <a:gd name="connsiteY7" fmla="*/ 201077 h 2802467"/>
+              <a:gd name="connsiteX8" fmla="*/ 1642223 w 12192000"/>
+              <a:gd name="connsiteY8" fmla="*/ 238560 h 2802467"/>
+              <a:gd name="connsiteX9" fmla="*/ 1962864 w 12192000"/>
+              <a:gd name="connsiteY9" fmla="*/ 276043 h 2802467"/>
+              <a:gd name="connsiteX10" fmla="*/ 2304232 w 12192000"/>
+              <a:gd name="connsiteY10" fmla="*/ 314226 h 2802467"/>
+              <a:gd name="connsiteX11" fmla="*/ 2672421 w 12192000"/>
+              <a:gd name="connsiteY11" fmla="*/ 349608 h 2802467"/>
+              <a:gd name="connsiteX12" fmla="*/ 3057678 w 12192000"/>
+              <a:gd name="connsiteY12" fmla="*/ 383587 h 2802467"/>
+              <a:gd name="connsiteX13" fmla="*/ 3464881 w 12192000"/>
+              <a:gd name="connsiteY13" fmla="*/ 414415 h 2802467"/>
+              <a:gd name="connsiteX14" fmla="*/ 3889152 w 12192000"/>
+              <a:gd name="connsiteY14" fmla="*/ 443840 h 2802467"/>
+              <a:gd name="connsiteX15" fmla="*/ 4331710 w 12192000"/>
+              <a:gd name="connsiteY15" fmla="*/ 471515 h 2802467"/>
+              <a:gd name="connsiteX16" fmla="*/ 4558476 w 12192000"/>
+              <a:gd name="connsiteY16" fmla="*/ 481323 h 2802467"/>
+              <a:gd name="connsiteX17" fmla="*/ 4790118 w 12192000"/>
+              <a:gd name="connsiteY17" fmla="*/ 492183 h 2802467"/>
+              <a:gd name="connsiteX18" fmla="*/ 5025418 w 12192000"/>
+              <a:gd name="connsiteY18" fmla="*/ 502342 h 2802467"/>
+              <a:gd name="connsiteX19" fmla="*/ 5261937 w 12192000"/>
+              <a:gd name="connsiteY19" fmla="*/ 508998 h 2802467"/>
+              <a:gd name="connsiteX20" fmla="*/ 5503332 w 12192000"/>
+              <a:gd name="connsiteY20" fmla="*/ 514953 h 2802467"/>
+              <a:gd name="connsiteX21" fmla="*/ 5747166 w 12192000"/>
+              <a:gd name="connsiteY21" fmla="*/ 521259 h 2802467"/>
+              <a:gd name="connsiteX22" fmla="*/ 5995877 w 12192000"/>
+              <a:gd name="connsiteY22" fmla="*/ 525462 h 2802467"/>
+              <a:gd name="connsiteX23" fmla="*/ 6247026 w 12192000"/>
+              <a:gd name="connsiteY23" fmla="*/ 525462 h 2802467"/>
+              <a:gd name="connsiteX24" fmla="*/ 6500613 w 12192000"/>
+              <a:gd name="connsiteY24" fmla="*/ 527564 h 2802467"/>
+              <a:gd name="connsiteX25" fmla="*/ 6756639 w 12192000"/>
+              <a:gd name="connsiteY25" fmla="*/ 525462 h 2802467"/>
+              <a:gd name="connsiteX26" fmla="*/ 7016322 w 12192000"/>
+              <a:gd name="connsiteY26" fmla="*/ 521259 h 2802467"/>
+              <a:gd name="connsiteX27" fmla="*/ 7276005 w 12192000"/>
+              <a:gd name="connsiteY27" fmla="*/ 517405 h 2802467"/>
+              <a:gd name="connsiteX28" fmla="*/ 7539345 w 12192000"/>
+              <a:gd name="connsiteY28" fmla="*/ 508998 h 2802467"/>
+              <a:gd name="connsiteX29" fmla="*/ 7805124 w 12192000"/>
+              <a:gd name="connsiteY29" fmla="*/ 500240 h 2802467"/>
+              <a:gd name="connsiteX30" fmla="*/ 8070903 w 12192000"/>
+              <a:gd name="connsiteY30" fmla="*/ 490081 h 2802467"/>
+              <a:gd name="connsiteX31" fmla="*/ 8339121 w 12192000"/>
+              <a:gd name="connsiteY31" fmla="*/ 475719 h 2802467"/>
+              <a:gd name="connsiteX32" fmla="*/ 8609776 w 12192000"/>
+              <a:gd name="connsiteY32" fmla="*/ 458553 h 2802467"/>
+              <a:gd name="connsiteX33" fmla="*/ 8881651 w 12192000"/>
+              <a:gd name="connsiteY33" fmla="*/ 442089 h 2802467"/>
+              <a:gd name="connsiteX34" fmla="*/ 9153526 w 12192000"/>
+              <a:gd name="connsiteY34" fmla="*/ 421070 h 2802467"/>
+              <a:gd name="connsiteX35" fmla="*/ 9429058 w 12192000"/>
+              <a:gd name="connsiteY35" fmla="*/ 395848 h 2802467"/>
+              <a:gd name="connsiteX36" fmla="*/ 9700933 w 12192000"/>
+              <a:gd name="connsiteY36" fmla="*/ 370626 h 2802467"/>
+              <a:gd name="connsiteX37" fmla="*/ 9977684 w 12192000"/>
+              <a:gd name="connsiteY37" fmla="*/ 341550 h 2802467"/>
+              <a:gd name="connsiteX38" fmla="*/ 10255655 w 12192000"/>
+              <a:gd name="connsiteY38" fmla="*/ 309672 h 2802467"/>
+              <a:gd name="connsiteX39" fmla="*/ 10529968 w 12192000"/>
+              <a:gd name="connsiteY39" fmla="*/ 276043 h 2802467"/>
+              <a:gd name="connsiteX40" fmla="*/ 10807939 w 12192000"/>
+              <a:gd name="connsiteY40" fmla="*/ 236808 h 2802467"/>
+              <a:gd name="connsiteX41" fmla="*/ 11084690 w 12192000"/>
+              <a:gd name="connsiteY41" fmla="*/ 194771 h 2802467"/>
+              <a:gd name="connsiteX42" fmla="*/ 11362661 w 12192000"/>
+              <a:gd name="connsiteY42" fmla="*/ 153085 h 2802467"/>
+              <a:gd name="connsiteX43" fmla="*/ 11639412 w 12192000"/>
+              <a:gd name="connsiteY43" fmla="*/ 104392 h 2802467"/>
+              <a:gd name="connsiteX44" fmla="*/ 11914945 w 12192000"/>
+              <a:gd name="connsiteY44" fmla="*/ 54648 h 2802467"/>
+              <a:gd name="connsiteX45" fmla="*/ 12191696 w 12192000"/>
+              <a:gd name="connsiteY45" fmla="*/ 2452 h 2802467"/>
+              <a:gd name="connsiteX46" fmla="*/ 12191696 w 12192000"/>
+              <a:gd name="connsiteY46" fmla="*/ 2236410 h 2802467"/>
+              <a:gd name="connsiteX47" fmla="*/ 12192000 w 12192000"/>
+              <a:gd name="connsiteY47" fmla="*/ 2236410 h 2802467"/>
+              <a:gd name="connsiteX48" fmla="*/ 12192000 w 12192000"/>
+              <a:gd name="connsiteY48" fmla="*/ 2802467 h 2802467"/>
+              <a:gd name="connsiteX49" fmla="*/ 12191696 w 12192000"/>
+              <a:gd name="connsiteY49" fmla="*/ 2802467 h 2802467"/>
+              <a:gd name="connsiteX50" fmla="*/ 0 w 12192000"/>
+              <a:gd name="connsiteY50" fmla="*/ 2802467 h 2802467"/>
+              <a:gd name="connsiteX51" fmla="*/ 0 w 12192000"/>
+              <a:gd name="connsiteY51" fmla="*/ 2236410 h 2802467"/>
+              <a:gd name="connsiteX52" fmla="*/ 1 w 12192000"/>
+              <a:gd name="connsiteY52" fmla="*/ 2236410 h 2802467"/>
+            </a:gdLst>
+            <a:ahLst/>
+            <a:cxnLst>
+              <a:cxn ang="0">
+                <a:pos x="connsiteX0" y="connsiteY0"/>
+              </a:cxn>
+              <a:cxn ang="0">
+                <a:pos x="connsiteX1" y="connsiteY1"/>
+              </a:cxn>
+              <a:cxn ang="0">
+                <a:pos x="connsiteX2" y="connsiteY2"/>
+              </a:cxn>
+              <a:cxn ang="0">
+                <a:pos x="connsiteX3" y="connsiteY3"/>
+              </a:cxn>
+              <a:cxn ang="0">
+                <a:pos x="connsiteX4" y="connsiteY4"/>
+              </a:cxn>
+              <a:cxn ang="0">
+                <a:pos x="connsiteX5" y="connsiteY5"/>
+              </a:cxn>
+              <a:cxn ang="0">
+                <a:pos x="connsiteX6" y="connsiteY6"/>
+              </a:cxn>
+              <a:cxn ang="0">
+                <a:pos x="connsiteX7" y="connsiteY7"/>
+              </a:cxn>
+              <a:cxn ang="0">
+                <a:pos x="connsiteX8" y="connsiteY8"/>
+              </a:cxn>
+              <a:cxn ang="0">
+                <a:pos x="connsiteX9" y="connsiteY9"/>
+              </a:cxn>
+              <a:cxn ang="0">
+                <a:pos x="connsiteX10" y="connsiteY10"/>
+              </a:cxn>
+              <a:cxn ang="0">
+                <a:pos x="connsiteX11" y="connsiteY11"/>
+              </a:cxn>
+              <a:cxn ang="0">
+                <a:pos x="connsiteX12" y="connsiteY12"/>
+              </a:cxn>
+              <a:cxn ang="0">
+                <a:pos x="connsiteX13" y="connsiteY13"/>
+              </a:cxn>
+              <a:cxn ang="0">
+                <a:pos x="connsiteX14" y="connsiteY14"/>
+              </a:cxn>
+              <a:cxn ang="0">
+                <a:pos x="connsiteX15" y="connsiteY15"/>
+              </a:cxn>
+              <a:cxn ang="0">
+                <a:pos x="connsiteX16" y="connsiteY16"/>
+              </a:cxn>
+              <a:cxn ang="0">
+                <a:pos x="connsiteX17" y="connsiteY17"/>
+              </a:cxn>
+              <a:cxn ang="0">
+                <a:pos x="connsiteX18" y="connsiteY18"/>
+              </a:cxn>
+              <a:cxn ang="0">
+                <a:pos x="connsiteX19" y="connsiteY19"/>
+              </a:cxn>
+              <a:cxn ang="0">
+                <a:pos x="connsiteX20" y="connsiteY20"/>
+              </a:cxn>
+              <a:cxn ang="0">
+                <a:pos x="connsiteX21" y="connsiteY21"/>
+              </a:cxn>
+              <a:cxn ang="0">
+                <a:pos x="connsiteX22" y="connsiteY22"/>
+              </a:cxn>
+              <a:cxn ang="0">
+                <a:pos x="connsiteX23" y="connsiteY23"/>
+              </a:cxn>
+              <a:cxn ang="0">
+                <a:pos x="connsiteX24" y="connsiteY24"/>
+              </a:cxn>
+              <a:cxn ang="0">
+                <a:pos x="connsiteX25" y="connsiteY25"/>
+              </a:cxn>
+              <a:cxn ang="0">
+                <a:pos x="connsiteX26" y="connsiteY26"/>
+              </a:cxn>
+              <a:cxn ang="0">
+                <a:pos x="connsiteX27" y="connsiteY27"/>
+              </a:cxn>
+              <a:cxn ang="0">
+                <a:pos x="connsiteX28" y="connsiteY28"/>
+              </a:cxn>
+              <a:cxn ang="0">
+                <a:pos x="connsiteX29" y="connsiteY29"/>
+              </a:cxn>
+              <a:cxn ang="0">
+                <a:pos x="connsiteX30" y="connsiteY30"/>
+              </a:cxn>
+              <a:cxn ang="0">
+                <a:pos x="connsiteX31" y="connsiteY31"/>
+              </a:cxn>
+              <a:cxn ang="0">
+                <a:pos x="connsiteX32" y="connsiteY32"/>
+              </a:cxn>
+              <a:cxn ang="0">
+                <a:pos x="connsiteX33" y="connsiteY33"/>
+              </a:cxn>
+              <a:cxn ang="0">
+                <a:pos x="connsiteX34" y="connsiteY34"/>
+              </a:cxn>
+              <a:cxn ang="0">
+                <a:pos x="connsiteX35" y="connsiteY35"/>
+              </a:cxn>
+              <a:cxn ang="0">
+                <a:pos x="connsiteX36" y="connsiteY36"/>
+              </a:cxn>
+              <a:cxn ang="0">
+                <a:pos x="connsiteX37" y="connsiteY37"/>
+              </a:cxn>
+              <a:cxn ang="0">
+                <a:pos x="connsiteX38" y="connsiteY38"/>
+              </a:cxn>
+              <a:cxn ang="0">
+                <a:pos x="connsiteX39" y="connsiteY39"/>
+              </a:cxn>
+              <a:cxn ang="0">
+                <a:pos x="connsiteX40" y="connsiteY40"/>
+              </a:cxn>
+              <a:cxn ang="0">
+                <a:pos x="connsiteX41" y="connsiteY41"/>
+              </a:cxn>
+              <a:cxn ang="0">
+                <a:pos x="connsiteX42" y="connsiteY42"/>
+              </a:cxn>
+              <a:cxn ang="0">
+                <a:pos x="connsiteX43" y="connsiteY43"/>
+              </a:cxn>
+              <a:cxn ang="0">
+                <a:pos x="connsiteX44" y="connsiteY44"/>
+              </a:cxn>
+              <a:cxn ang="0">
+                <a:pos x="connsiteX45" y="connsiteY45"/>
+              </a:cxn>
+              <a:cxn ang="0">
+                <a:pos x="connsiteX46" y="connsiteY46"/>
+              </a:cxn>
+              <a:cxn ang="0">
+                <a:pos x="connsiteX47" y="connsiteY47"/>
+              </a:cxn>
+              <a:cxn ang="0">
+                <a:pos x="connsiteX48" y="connsiteY48"/>
+              </a:cxn>
+              <a:cxn ang="0">
+                <a:pos x="connsiteX49" y="connsiteY49"/>
+              </a:cxn>
+              <a:cxn ang="0">
+                <a:pos x="connsiteX50" y="connsiteY50"/>
+              </a:cxn>
+              <a:cxn ang="0">
+                <a:pos x="connsiteX51" y="connsiteY51"/>
+              </a:cxn>
+              <a:cxn ang="0">
+                <a:pos x="connsiteX52" y="connsiteY52"/>
+              </a:cxn>
+            </a:cxnLst>
+            <a:rect l="l" t="t" r="r" b="b"/>
+            <a:pathLst>
+              <a:path w="12192000" h="2802467">
+                <a:moveTo>
+                  <a:pt x="1" y="0"/>
+                </a:moveTo>
+                <a:lnTo>
+                  <a:pt x="71932" y="12261"/>
+                </a:lnTo>
+                <a:lnTo>
+                  <a:pt x="282848" y="48342"/>
+                </a:lnTo>
+                <a:lnTo>
+                  <a:pt x="436464" y="73565"/>
+                </a:lnTo>
+                <a:lnTo>
+                  <a:pt x="619339" y="100188"/>
+                </a:lnTo>
+                <a:lnTo>
+                  <a:pt x="836351" y="132066"/>
+                </a:lnTo>
+                <a:lnTo>
+                  <a:pt x="1076528" y="165696"/>
+                </a:lnTo>
+                <a:lnTo>
+                  <a:pt x="1347183" y="201077"/>
+                </a:lnTo>
+                <a:lnTo>
+                  <a:pt x="1642223" y="238560"/>
+                </a:lnTo>
+                <a:lnTo>
+                  <a:pt x="1962864" y="276043"/>
+                </a:lnTo>
+                <a:lnTo>
+                  <a:pt x="2304232" y="314226"/>
+                </a:lnTo>
+                <a:lnTo>
+                  <a:pt x="2672421" y="349608"/>
+                </a:lnTo>
+                <a:lnTo>
+                  <a:pt x="3057678" y="383587"/>
+                </a:lnTo>
+                <a:lnTo>
+                  <a:pt x="3464881" y="414415"/>
+                </a:lnTo>
+                <a:lnTo>
+                  <a:pt x="3889152" y="443840"/>
+                </a:lnTo>
+                <a:lnTo>
+                  <a:pt x="4331710" y="471515"/>
+                </a:lnTo>
+                <a:lnTo>
+                  <a:pt x="4558476" y="481323"/>
+                </a:lnTo>
+                <a:lnTo>
+                  <a:pt x="4790118" y="492183"/>
+                </a:lnTo>
+                <a:lnTo>
+                  <a:pt x="5025418" y="502342"/>
+                </a:lnTo>
+                <a:lnTo>
+                  <a:pt x="5261937" y="508998"/>
+                </a:lnTo>
+                <a:lnTo>
+                  <a:pt x="5503332" y="514953"/>
+                </a:lnTo>
+                <a:lnTo>
+                  <a:pt x="5747166" y="521259"/>
+                </a:lnTo>
+                <a:lnTo>
+                  <a:pt x="5995877" y="525462"/>
+                </a:lnTo>
+                <a:lnTo>
+                  <a:pt x="6247026" y="525462"/>
+                </a:lnTo>
+                <a:lnTo>
+                  <a:pt x="6500613" y="527564"/>
+                </a:lnTo>
+                <a:lnTo>
+                  <a:pt x="6756639" y="525462"/>
+                </a:lnTo>
+                <a:lnTo>
+                  <a:pt x="7016322" y="521259"/>
+                </a:lnTo>
+                <a:lnTo>
+                  <a:pt x="7276005" y="517405"/>
+                </a:lnTo>
+                <a:lnTo>
+                  <a:pt x="7539345" y="508998"/>
+                </a:lnTo>
+                <a:lnTo>
+                  <a:pt x="7805124" y="500240"/>
+                </a:lnTo>
+                <a:lnTo>
+                  <a:pt x="8070903" y="490081"/>
+                </a:lnTo>
+                <a:lnTo>
+                  <a:pt x="8339121" y="475719"/>
+                </a:lnTo>
+                <a:lnTo>
+                  <a:pt x="8609776" y="458553"/>
+                </a:lnTo>
+                <a:lnTo>
+                  <a:pt x="8881651" y="442089"/>
+                </a:lnTo>
+                <a:lnTo>
+                  <a:pt x="9153526" y="421070"/>
+                </a:lnTo>
+                <a:lnTo>
+                  <a:pt x="9429058" y="395848"/>
+                </a:lnTo>
+                <a:lnTo>
+                  <a:pt x="9700933" y="370626"/>
+                </a:lnTo>
+                <a:lnTo>
+                  <a:pt x="9977684" y="341550"/>
+                </a:lnTo>
+                <a:lnTo>
+                  <a:pt x="10255655" y="309672"/>
+                </a:lnTo>
+                <a:lnTo>
+                  <a:pt x="10529968" y="276043"/>
+                </a:lnTo>
+                <a:lnTo>
+                  <a:pt x="10807939" y="236808"/>
+                </a:lnTo>
+                <a:lnTo>
+                  <a:pt x="11084690" y="194771"/>
+                </a:lnTo>
+                <a:lnTo>
+                  <a:pt x="11362661" y="153085"/>
+                </a:lnTo>
+                <a:lnTo>
+                  <a:pt x="11639412" y="104392"/>
+                </a:lnTo>
+                <a:lnTo>
+                  <a:pt x="11914945" y="54648"/>
+                </a:lnTo>
+                <a:lnTo>
+                  <a:pt x="12191696" y="2452"/>
+                </a:lnTo>
+                <a:lnTo>
+                  <a:pt x="12191696" y="2236410"/>
+                </a:lnTo>
+                <a:lnTo>
+                  <a:pt x="12192000" y="2236410"/>
+                </a:lnTo>
+                <a:lnTo>
+                  <a:pt x="12192000" y="2802467"/>
+                </a:lnTo>
+                <a:lnTo>
+                  <a:pt x="12191696" y="2802467"/>
+                </a:lnTo>
+                <a:lnTo>
+                  <a:pt x="0" y="2802467"/>
+                </a:lnTo>
+                <a:lnTo>
+                  <a:pt x="0" y="2236410"/>
+                </a:lnTo>
+                <a:lnTo>
+                  <a:pt x="1" y="2236410"/>
+                </a:lnTo>
+                <a:close/>
+              </a:path>
+            </a:pathLst>
+          </a:custGeom>
+          <a:ln>
+            <a:noFill/>
+          </a:ln>
+        </p:spPr>
+        <p:style>
+          <a:lnRef idx="2">
+            <a:schemeClr val="accent1">
+              <a:shade val="50000"/>
+            </a:schemeClr>
+          </a:lnRef>
+          <a:fillRef idx="1003">
+            <a:schemeClr val="dk2"/>
+          </a:fillRef>
+          <a:effectRef idx="0">
+            <a:schemeClr val="accent1"/>
+          </a:effectRef>
+          <a:fontRef idx="minor">
+            <a:schemeClr val="lt1"/>
+          </a:fontRef>
+        </p:style>
+        <p:txBody>
+          <a:bodyPr rtlCol="0" anchor="ctr"/>
+          <a:lstStyle/>
+          <a:p>
+            <a:pPr algn="ctr"/>
+            <a:endParaRPr lang="en-US"/>
+          </a:p>
+        </p:txBody>
+      </p:sp>
+      <p:sp>
+        <p:nvSpPr>
+          <p:cNvPr id="2" name="Title 1"/>
+          <p:cNvSpPr>
+            <a:spLocks noGrp="1"/>
+          </p:cNvSpPr>
+          <p:nvPr>
+            <p:ph type="title"/>
+          </p:nvPr>
+        </p:nvSpPr>
+        <p:spPr>
+          <a:xfrm>
+            <a:off x="636916" y="4854346"/>
+            <a:ext cx="9149350" cy="868026"/>
+          </a:xfrm>
+        </p:spPr>
+        <p:txBody>
+          <a:bodyPr vert="horz" lIns="91440" tIns="45720" rIns="91440" bIns="45720" rtlCol="0" anchor="b">
+            <a:normAutofit/>
+          </a:bodyPr>
+          <a:lstStyle/>
+          <a:p>
+            <a:r>
+              <a:rPr lang="en-US" sz="4800" b="0" i="0" kern="1200">
+                <a:solidFill>
+                  <a:srgbClr val="EBEBEB"/>
+                </a:solidFill>
+                <a:latin typeface="+mj-lt"/>
+                <a:ea typeface="+mj-ea"/>
+                <a:cs typeface="+mj-cs"/>
+              </a:rPr>
+              <a:t>RUNTIME </a:t>
+            </a:r>
+          </a:p>
+        </p:txBody>
+      </p:sp>
+    </p:spTree>
+    <p:extLst>
+      <p:ext uri="{BB962C8B-B14F-4D97-AF65-F5344CB8AC3E}">
+        <p14:creationId xmlns:p14="http://schemas.microsoft.com/office/powerpoint/2010/main" val="2540123138"/>
+      </p:ext>
+    </p:extLst>
+  </p:cSld>
+  <p:clrMapOvr>
+    <a:overrideClrMapping bg1="lt1" tx1="dk1" bg2="lt2" tx2="dk2" accent1="accent1" accent2="accent2" accent3="accent3" accent4="accent4" accent5="accent5" accent6="accent6" hlink="hlink" folHlink="folHlink"/>
+  </p:clrMapOvr>
+</p:sld>
+</file>
+
+<file path=ppt/slides/slide25.xml><?xml version="1.0" encoding="utf-8"?>
+<p:sld xmlns:a="http://schemas.openxmlformats.org/drawingml/2006/main" xmlns:r="http://schemas.openxmlformats.org/officeDocument/2006/relationships" xmlns:p="http://schemas.openxmlformats.org/presentationml/2006/main">
+  <p:cSld>
+    <p:spTree>
+      <p:nvGrpSpPr>
+        <p:cNvPr id="1" name=""/>
+        <p:cNvGrpSpPr/>
+        <p:nvPr/>
+      </p:nvGrpSpPr>
+      <p:grpSpPr>
+        <a:xfrm>
+          <a:off x="0" y="0"/>
+          <a:ext cx="0" cy="0"/>
+          <a:chOff x="0" y="0"/>
+          <a:chExt cx="0" cy="0"/>
+        </a:xfrm>
+      </p:grpSpPr>
       <p:sp>
         <p:nvSpPr>
           <p:cNvPr id="2" name="Title 1"/>
@@ -12712,8 +14083,8 @@
           <a:lstStyle/>
           <a:p>
             <a:r>
-              <a:rPr lang="en-US" smtClean="0"/>
-              <a:t>RUNTIME </a:t>
+              <a:rPr lang="en-US" dirty="0" smtClean="0"/>
+              <a:t>							 RUNTIME</a:t>
             </a:r>
             <a:endParaRPr lang="en-US" dirty="0"/>
           </a:p>
@@ -12721,7 +14092,7 @@
       </p:sp>
       <p:sp>
         <p:nvSpPr>
-          <p:cNvPr id="6" name="Content Placeholder 5"/>
+          <p:cNvPr id="3" name="Content Placeholder 2"/>
           <p:cNvSpPr>
             <a:spLocks noGrp="1"/>
           </p:cNvSpPr>
@@ -12734,14 +14105,1544 @@
           <a:bodyPr/>
           <a:lstStyle/>
           <a:p>
-            <a:endParaRPr lang="en-US"/>
+            <a:r>
+              <a:rPr lang="en-US" dirty="0" smtClean="0"/>
+              <a:t>The Runtime was designed using Python.</a:t>
+            </a:r>
+          </a:p>
+          <a:p>
+            <a:r>
+              <a:rPr lang="en-US" dirty="0" smtClean="0"/>
+              <a:t>Why Python ? </a:t>
+            </a:r>
+          </a:p>
+          <a:p>
+            <a:endParaRPr lang="en-US" dirty="0"/>
           </a:p>
         </p:txBody>
       </p:sp>
     </p:spTree>
     <p:extLst>
       <p:ext uri="{BB962C8B-B14F-4D97-AF65-F5344CB8AC3E}">
-        <p14:creationId xmlns:p14="http://schemas.microsoft.com/office/powerpoint/2010/main" val="771763386"/>
+        <p14:creationId xmlns:p14="http://schemas.microsoft.com/office/powerpoint/2010/main" val="1989038678"/>
+      </p:ext>
+    </p:extLst>
+  </p:cSld>
+  <p:clrMapOvr>
+    <a:masterClrMapping/>
+  </p:clrMapOvr>
+</p:sld>
+</file>
+
+<file path=ppt/slides/slide26.xml><?xml version="1.0" encoding="utf-8"?>
+<p:sld xmlns:a="http://schemas.openxmlformats.org/drawingml/2006/main" xmlns:r="http://schemas.openxmlformats.org/officeDocument/2006/relationships" xmlns:p="http://schemas.openxmlformats.org/presentationml/2006/main">
+  <p:cSld>
+    <p:bg>
+      <p:bgPr>
+        <a:blipFill rotWithShape="1">
+          <a:blip r:embed="rId2">
+            <a:duotone>
+              <a:schemeClr val="bg2">
+                <a:shade val="69000"/>
+                <a:hueMod val="108000"/>
+                <a:satMod val="164000"/>
+                <a:lumMod val="74000"/>
+              </a:schemeClr>
+              <a:schemeClr val="bg2">
+                <a:tint val="96000"/>
+                <a:hueMod val="88000"/>
+                <a:satMod val="140000"/>
+                <a:lumMod val="132000"/>
+              </a:schemeClr>
+            </a:duotone>
+          </a:blip>
+          <a:stretch/>
+        </a:blipFill>
+        <a:effectLst/>
+      </p:bgPr>
+    </p:bg>
+    <p:spTree>
+      <p:nvGrpSpPr>
+        <p:cNvPr id="1" name=""/>
+        <p:cNvGrpSpPr/>
+        <p:nvPr/>
+      </p:nvGrpSpPr>
+      <p:grpSpPr>
+        <a:xfrm>
+          <a:off x="0" y="0"/>
+          <a:ext cx="0" cy="0"/>
+          <a:chOff x="0" y="0"/>
+          <a:chExt cx="0" cy="0"/>
+        </a:xfrm>
+      </p:grpSpPr>
+      <p:sp>
+        <p:nvSpPr>
+          <p:cNvPr id="18" name="Rectangle 17">
+            <a:extLst>
+              <a:ext uri="{FF2B5EF4-FFF2-40B4-BE49-F238E27FC236}">
+                <a16:creationId xmlns:a16="http://schemas.microsoft.com/office/drawing/2014/main" xmlns="" id="{EC7348AF-7602-4B76-9997-03F0F432DA7F}"/>
+              </a:ext>
+            </a:extLst>
+          </p:cNvPr>
+          <p:cNvSpPr>
+            <a:spLocks noGrp="1" noRot="1" noChangeAspect="1" noMove="1" noResize="1" noEditPoints="1" noAdjustHandles="1" noChangeArrowheads="1" noChangeShapeType="1" noTextEdit="1"/>
+          </p:cNvSpPr>
+          <p:nvPr>
+            <p:extLst>
+              <p:ext uri="{386F3935-93C4-4BCD-93E2-E3B085C9AB24}">
+                <p16:designElem xmlns:p16="http://schemas.microsoft.com/office/powerpoint/2015/main" val="1"/>
+              </p:ext>
+            </p:extLst>
+          </p:nvPr>
+        </p:nvSpPr>
+        <p:spPr>
+          <a:xfrm>
+            <a:off x="4639056" y="0"/>
+            <a:ext cx="7552944" cy="6858000"/>
+          </a:xfrm>
+          <a:prstGeom prst="rect">
+            <a:avLst/>
+          </a:prstGeom>
+          <a:solidFill>
+            <a:srgbClr val="FFFFFF"/>
+          </a:solidFill>
+          <a:ln>
+            <a:noFill/>
+          </a:ln>
+        </p:spPr>
+        <p:style>
+          <a:lnRef idx="2">
+            <a:schemeClr val="accent1">
+              <a:shade val="50000"/>
+            </a:schemeClr>
+          </a:lnRef>
+          <a:fillRef idx="1">
+            <a:schemeClr val="accent1"/>
+          </a:fillRef>
+          <a:effectRef idx="0">
+            <a:schemeClr val="accent1"/>
+          </a:effectRef>
+          <a:fontRef idx="minor">
+            <a:schemeClr val="lt1"/>
+          </a:fontRef>
+        </p:style>
+        <p:txBody>
+          <a:bodyPr rtlCol="0" anchor="ctr"/>
+          <a:lstStyle/>
+          <a:p>
+            <a:pPr algn="ctr"/>
+            <a:endParaRPr lang="en-US"/>
+          </a:p>
+        </p:txBody>
+      </p:sp>
+      <p:sp>
+        <p:nvSpPr>
+          <p:cNvPr id="20" name="Rectangle 19">
+            <a:extLst>
+              <a:ext uri="{FF2B5EF4-FFF2-40B4-BE49-F238E27FC236}">
+                <a16:creationId xmlns:a16="http://schemas.microsoft.com/office/drawing/2014/main" xmlns="" id="{080DD7D4-CD57-4577-ACCC-43E1C72F77B9}"/>
+              </a:ext>
+            </a:extLst>
+          </p:cNvPr>
+          <p:cNvSpPr>
+            <a:spLocks noGrp="1" noRot="1" noChangeAspect="1" noMove="1" noResize="1" noEditPoints="1" noAdjustHandles="1" noChangeArrowheads="1" noChangeShapeType="1" noTextEdit="1"/>
+          </p:cNvSpPr>
+          <p:nvPr>
+            <p:extLst>
+              <p:ext uri="{386F3935-93C4-4BCD-93E2-E3B085C9AB24}">
+                <p16:designElem xmlns:p16="http://schemas.microsoft.com/office/powerpoint/2015/main" val="1"/>
+              </p:ext>
+            </p:extLst>
+          </p:nvPr>
+        </p:nvSpPr>
+        <p:spPr>
+          <a:xfrm>
+            <a:off x="10437812" y="0"/>
+            <a:ext cx="685800" cy="1143000"/>
+          </a:xfrm>
+          <a:prstGeom prst="rect">
+            <a:avLst/>
+          </a:prstGeom>
+          <a:solidFill>
+            <a:schemeClr val="accent1"/>
+          </a:solidFill>
+          <a:ln>
+            <a:noFill/>
+          </a:ln>
+        </p:spPr>
+        <p:style>
+          <a:lnRef idx="1">
+            <a:schemeClr val="accent1"/>
+          </a:lnRef>
+          <a:fillRef idx="3">
+            <a:schemeClr val="accent1"/>
+          </a:fillRef>
+          <a:effectRef idx="2">
+            <a:schemeClr val="accent1"/>
+          </a:effectRef>
+          <a:fontRef idx="minor">
+            <a:schemeClr val="lt1"/>
+          </a:fontRef>
+        </p:style>
+      </p:sp>
+      <p:sp>
+        <p:nvSpPr>
+          <p:cNvPr id="22" name="Freeform 23">
+            <a:extLst>
+              <a:ext uri="{FF2B5EF4-FFF2-40B4-BE49-F238E27FC236}">
+                <a16:creationId xmlns:a16="http://schemas.microsoft.com/office/drawing/2014/main" xmlns="" id="{0E38218E-B21F-433A-BB44-F15DE7DC66E9}"/>
+              </a:ext>
+            </a:extLst>
+          </p:cNvPr>
+          <p:cNvSpPr>
+            <a:spLocks noGrp="1" noRot="1" noChangeAspect="1" noMove="1" noResize="1" noEditPoints="1" noAdjustHandles="1" noChangeArrowheads="1" noChangeShapeType="1" noTextEdit="1"/>
+          </p:cNvSpPr>
+          <p:nvPr>
+            <p:extLst>
+              <p:ext uri="{386F3935-93C4-4BCD-93E2-E3B085C9AB24}">
+                <p16:designElem xmlns:p16="http://schemas.microsoft.com/office/powerpoint/2015/main" val="1"/>
+              </p:ext>
+            </p:extLst>
+          </p:nvPr>
+        </p:nvSpPr>
+        <p:spPr>
+          <a:xfrm>
+            <a:off x="3948110" y="-1"/>
+            <a:ext cx="559472" cy="3709642"/>
+          </a:xfrm>
+          <a:custGeom>
+            <a:avLst/>
+            <a:gdLst>
+              <a:gd name="connsiteX0" fmla="*/ 0 w 559472"/>
+              <a:gd name="connsiteY0" fmla="*/ 0 h 3709642"/>
+              <a:gd name="connsiteX1" fmla="*/ 473952 w 559472"/>
+              <a:gd name="connsiteY1" fmla="*/ 0 h 3709642"/>
+              <a:gd name="connsiteX2" fmla="*/ 485840 w 559472"/>
+              <a:gd name="connsiteY2" fmla="*/ 161194 h 3709642"/>
+              <a:gd name="connsiteX3" fmla="*/ 523949 w 559472"/>
+              <a:gd name="connsiteY3" fmla="*/ 3672197 h 3709642"/>
+              <a:gd name="connsiteX4" fmla="*/ 454748 w 559472"/>
+              <a:gd name="connsiteY4" fmla="*/ 3709642 h 3709642"/>
+              <a:gd name="connsiteX5" fmla="*/ 448224 w 559472"/>
+              <a:gd name="connsiteY5" fmla="*/ 3510471 h 3709642"/>
+              <a:gd name="connsiteX6" fmla="*/ 443564 w 559472"/>
+              <a:gd name="connsiteY6" fmla="*/ 3408563 h 3709642"/>
+              <a:gd name="connsiteX7" fmla="*/ 438902 w 559472"/>
+              <a:gd name="connsiteY7" fmla="*/ 3304407 h 3709642"/>
+              <a:gd name="connsiteX8" fmla="*/ 433941 w 559472"/>
+              <a:gd name="connsiteY8" fmla="*/ 3198777 h 3709642"/>
+              <a:gd name="connsiteX9" fmla="*/ 427584 w 559472"/>
+              <a:gd name="connsiteY9" fmla="*/ 3092510 h 3709642"/>
+              <a:gd name="connsiteX10" fmla="*/ 420988 w 559472"/>
+              <a:gd name="connsiteY10" fmla="*/ 2984390 h 3709642"/>
+              <a:gd name="connsiteX11" fmla="*/ 414330 w 559472"/>
+              <a:gd name="connsiteY11" fmla="*/ 2874401 h 3709642"/>
+              <a:gd name="connsiteX12" fmla="*/ 406840 w 559472"/>
+              <a:gd name="connsiteY12" fmla="*/ 2762980 h 3709642"/>
+              <a:gd name="connsiteX13" fmla="*/ 397745 w 559472"/>
+              <a:gd name="connsiteY13" fmla="*/ 2650566 h 3709642"/>
+              <a:gd name="connsiteX14" fmla="*/ 389154 w 559472"/>
+              <a:gd name="connsiteY14" fmla="*/ 2536612 h 3709642"/>
+              <a:gd name="connsiteX15" fmla="*/ 379225 w 559472"/>
+              <a:gd name="connsiteY15" fmla="*/ 2421642 h 3709642"/>
+              <a:gd name="connsiteX16" fmla="*/ 368316 w 559472"/>
+              <a:gd name="connsiteY16" fmla="*/ 2305627 h 3709642"/>
+              <a:gd name="connsiteX17" fmla="*/ 357466 w 559472"/>
+              <a:gd name="connsiteY17" fmla="*/ 2189233 h 3709642"/>
+              <a:gd name="connsiteX18" fmla="*/ 344982 w 559472"/>
+              <a:gd name="connsiteY18" fmla="*/ 2071473 h 3709642"/>
+              <a:gd name="connsiteX19" fmla="*/ 332466 w 559472"/>
+              <a:gd name="connsiteY19" fmla="*/ 1952216 h 3709642"/>
+              <a:gd name="connsiteX20" fmla="*/ 319121 w 559472"/>
+              <a:gd name="connsiteY20" fmla="*/ 1833776 h 3709642"/>
+              <a:gd name="connsiteX21" fmla="*/ 304408 w 559472"/>
+              <a:gd name="connsiteY21" fmla="*/ 1713948 h 3709642"/>
+              <a:gd name="connsiteX22" fmla="*/ 288685 w 559472"/>
+              <a:gd name="connsiteY22" fmla="*/ 1592703 h 3709642"/>
+              <a:gd name="connsiteX23" fmla="*/ 273050 w 559472"/>
+              <a:gd name="connsiteY23" fmla="*/ 1471451 h 3709642"/>
+              <a:gd name="connsiteX24" fmla="*/ 255813 w 559472"/>
+              <a:gd name="connsiteY24" fmla="*/ 1350328 h 3709642"/>
+              <a:gd name="connsiteX25" fmla="*/ 237060 w 559472"/>
+              <a:gd name="connsiteY25" fmla="*/ 1227080 h 3709642"/>
+              <a:gd name="connsiteX26" fmla="*/ 218488 w 559472"/>
+              <a:gd name="connsiteY26" fmla="*/ 1106065 h 3709642"/>
+              <a:gd name="connsiteX27" fmla="*/ 198221 w 559472"/>
+              <a:gd name="connsiteY27" fmla="*/ 982940 h 3709642"/>
+              <a:gd name="connsiteX28" fmla="*/ 177152 w 559472"/>
+              <a:gd name="connsiteY28" fmla="*/ 858755 h 3709642"/>
+              <a:gd name="connsiteX29" fmla="*/ 155551 w 559472"/>
+              <a:gd name="connsiteY29" fmla="*/ 736861 h 3709642"/>
+              <a:gd name="connsiteX30" fmla="*/ 131782 w 559472"/>
+              <a:gd name="connsiteY30" fmla="*/ 613645 h 3709642"/>
+              <a:gd name="connsiteX31" fmla="*/ 107123 w 559472"/>
+              <a:gd name="connsiteY31" fmla="*/ 490500 h 3709642"/>
+              <a:gd name="connsiteX32" fmla="*/ 82552 w 559472"/>
+              <a:gd name="connsiteY32" fmla="*/ 367348 h 3709642"/>
+              <a:gd name="connsiteX33" fmla="*/ 55608 w 559472"/>
+              <a:gd name="connsiteY33" fmla="*/ 244762 h 3709642"/>
+              <a:gd name="connsiteX34" fmla="*/ 28130 w 559472"/>
+              <a:gd name="connsiteY34" fmla="*/ 122220 h 3709642"/>
+              <a:gd name="connsiteX35" fmla="*/ 0 w 559472"/>
+              <a:gd name="connsiteY35" fmla="*/ 0 h 3709642"/>
+            </a:gdLst>
+            <a:ahLst/>
+            <a:cxnLst>
+              <a:cxn ang="0">
+                <a:pos x="connsiteX0" y="connsiteY0"/>
+              </a:cxn>
+              <a:cxn ang="0">
+                <a:pos x="connsiteX1" y="connsiteY1"/>
+              </a:cxn>
+              <a:cxn ang="0">
+                <a:pos x="connsiteX2" y="connsiteY2"/>
+              </a:cxn>
+              <a:cxn ang="0">
+                <a:pos x="connsiteX3" y="connsiteY3"/>
+              </a:cxn>
+              <a:cxn ang="0">
+                <a:pos x="connsiteX4" y="connsiteY4"/>
+              </a:cxn>
+              <a:cxn ang="0">
+                <a:pos x="connsiteX5" y="connsiteY5"/>
+              </a:cxn>
+              <a:cxn ang="0">
+                <a:pos x="connsiteX6" y="connsiteY6"/>
+              </a:cxn>
+              <a:cxn ang="0">
+                <a:pos x="connsiteX7" y="connsiteY7"/>
+              </a:cxn>
+              <a:cxn ang="0">
+                <a:pos x="connsiteX8" y="connsiteY8"/>
+              </a:cxn>
+              <a:cxn ang="0">
+                <a:pos x="connsiteX9" y="connsiteY9"/>
+              </a:cxn>
+              <a:cxn ang="0">
+                <a:pos x="connsiteX10" y="connsiteY10"/>
+              </a:cxn>
+              <a:cxn ang="0">
+                <a:pos x="connsiteX11" y="connsiteY11"/>
+              </a:cxn>
+              <a:cxn ang="0">
+                <a:pos x="connsiteX12" y="connsiteY12"/>
+              </a:cxn>
+              <a:cxn ang="0">
+                <a:pos x="connsiteX13" y="connsiteY13"/>
+              </a:cxn>
+              <a:cxn ang="0">
+                <a:pos x="connsiteX14" y="connsiteY14"/>
+              </a:cxn>
+              <a:cxn ang="0">
+                <a:pos x="connsiteX15" y="connsiteY15"/>
+              </a:cxn>
+              <a:cxn ang="0">
+                <a:pos x="connsiteX16" y="connsiteY16"/>
+              </a:cxn>
+              <a:cxn ang="0">
+                <a:pos x="connsiteX17" y="connsiteY17"/>
+              </a:cxn>
+              <a:cxn ang="0">
+                <a:pos x="connsiteX18" y="connsiteY18"/>
+              </a:cxn>
+              <a:cxn ang="0">
+                <a:pos x="connsiteX19" y="connsiteY19"/>
+              </a:cxn>
+              <a:cxn ang="0">
+                <a:pos x="connsiteX20" y="connsiteY20"/>
+              </a:cxn>
+              <a:cxn ang="0">
+                <a:pos x="connsiteX21" y="connsiteY21"/>
+              </a:cxn>
+              <a:cxn ang="0">
+                <a:pos x="connsiteX22" y="connsiteY22"/>
+              </a:cxn>
+              <a:cxn ang="0">
+                <a:pos x="connsiteX23" y="connsiteY23"/>
+              </a:cxn>
+              <a:cxn ang="0">
+                <a:pos x="connsiteX24" y="connsiteY24"/>
+              </a:cxn>
+              <a:cxn ang="0">
+                <a:pos x="connsiteX25" y="connsiteY25"/>
+              </a:cxn>
+              <a:cxn ang="0">
+                <a:pos x="connsiteX26" y="connsiteY26"/>
+              </a:cxn>
+              <a:cxn ang="0">
+                <a:pos x="connsiteX27" y="connsiteY27"/>
+              </a:cxn>
+              <a:cxn ang="0">
+                <a:pos x="connsiteX28" y="connsiteY28"/>
+              </a:cxn>
+              <a:cxn ang="0">
+                <a:pos x="connsiteX29" y="connsiteY29"/>
+              </a:cxn>
+              <a:cxn ang="0">
+                <a:pos x="connsiteX30" y="connsiteY30"/>
+              </a:cxn>
+              <a:cxn ang="0">
+                <a:pos x="connsiteX31" y="connsiteY31"/>
+              </a:cxn>
+              <a:cxn ang="0">
+                <a:pos x="connsiteX32" y="connsiteY32"/>
+              </a:cxn>
+              <a:cxn ang="0">
+                <a:pos x="connsiteX33" y="connsiteY33"/>
+              </a:cxn>
+              <a:cxn ang="0">
+                <a:pos x="connsiteX34" y="connsiteY34"/>
+              </a:cxn>
+              <a:cxn ang="0">
+                <a:pos x="connsiteX35" y="connsiteY35"/>
+              </a:cxn>
+            </a:cxnLst>
+            <a:rect l="l" t="t" r="r" b="b"/>
+            <a:pathLst>
+              <a:path w="559472" h="3709642">
+                <a:moveTo>
+                  <a:pt x="0" y="0"/>
+                </a:moveTo>
+                <a:lnTo>
+                  <a:pt x="473952" y="0"/>
+                </a:lnTo>
+                <a:lnTo>
+                  <a:pt x="485840" y="161194"/>
+                </a:lnTo>
+                <a:cubicBezTo>
+                  <a:pt x="552063" y="1147770"/>
+                  <a:pt x="592441" y="3086737"/>
+                  <a:pt x="523949" y="3672197"/>
+                </a:cubicBezTo>
+                <a:cubicBezTo>
+                  <a:pt x="500842" y="3684557"/>
+                  <a:pt x="477855" y="3697282"/>
+                  <a:pt x="454748" y="3709642"/>
+                </a:cubicBezTo>
+                <a:lnTo>
+                  <a:pt x="448224" y="3510471"/>
+                </a:lnTo>
+                <a:lnTo>
+                  <a:pt x="443564" y="3408563"/>
+                </a:lnTo>
+                <a:lnTo>
+                  <a:pt x="438902" y="3304407"/>
+                </a:lnTo>
+                <a:lnTo>
+                  <a:pt x="433941" y="3198777"/>
+                </a:lnTo>
+                <a:lnTo>
+                  <a:pt x="427584" y="3092510"/>
+                </a:lnTo>
+                <a:lnTo>
+                  <a:pt x="420988" y="2984390"/>
+                </a:lnTo>
+                <a:lnTo>
+                  <a:pt x="414330" y="2874401"/>
+                </a:lnTo>
+                <a:lnTo>
+                  <a:pt x="406840" y="2762980"/>
+                </a:lnTo>
+                <a:lnTo>
+                  <a:pt x="397745" y="2650566"/>
+                </a:lnTo>
+                <a:lnTo>
+                  <a:pt x="389154" y="2536612"/>
+                </a:lnTo>
+                <a:lnTo>
+                  <a:pt x="379225" y="2421642"/>
+                </a:lnTo>
+                <a:lnTo>
+                  <a:pt x="368316" y="2305627"/>
+                </a:lnTo>
+                <a:lnTo>
+                  <a:pt x="357466" y="2189233"/>
+                </a:lnTo>
+                <a:lnTo>
+                  <a:pt x="344982" y="2071473"/>
+                </a:lnTo>
+                <a:lnTo>
+                  <a:pt x="332466" y="1952216"/>
+                </a:lnTo>
+                <a:lnTo>
+                  <a:pt x="319121" y="1833776"/>
+                </a:lnTo>
+                <a:lnTo>
+                  <a:pt x="304408" y="1713948"/>
+                </a:lnTo>
+                <a:lnTo>
+                  <a:pt x="288685" y="1592703"/>
+                </a:lnTo>
+                <a:lnTo>
+                  <a:pt x="273050" y="1471451"/>
+                </a:lnTo>
+                <a:lnTo>
+                  <a:pt x="255813" y="1350328"/>
+                </a:lnTo>
+                <a:lnTo>
+                  <a:pt x="237060" y="1227080"/>
+                </a:lnTo>
+                <a:lnTo>
+                  <a:pt x="218488" y="1106065"/>
+                </a:lnTo>
+                <a:lnTo>
+                  <a:pt x="198221" y="982940"/>
+                </a:lnTo>
+                <a:lnTo>
+                  <a:pt x="177152" y="858755"/>
+                </a:lnTo>
+                <a:lnTo>
+                  <a:pt x="155551" y="736861"/>
+                </a:lnTo>
+                <a:lnTo>
+                  <a:pt x="131782" y="613645"/>
+                </a:lnTo>
+                <a:lnTo>
+                  <a:pt x="107123" y="490500"/>
+                </a:lnTo>
+                <a:lnTo>
+                  <a:pt x="82552" y="367348"/>
+                </a:lnTo>
+                <a:lnTo>
+                  <a:pt x="55608" y="244762"/>
+                </a:lnTo>
+                <a:lnTo>
+                  <a:pt x="28130" y="122220"/>
+                </a:lnTo>
+                <a:lnTo>
+                  <a:pt x="0" y="0"/>
+                </a:lnTo>
+                <a:close/>
+              </a:path>
+            </a:pathLst>
+          </a:custGeom>
+          <a:solidFill>
+            <a:schemeClr val="tx1">
+              <a:alpha val="20000"/>
+            </a:schemeClr>
+          </a:solidFill>
+          <a:ln>
+            <a:noFill/>
+          </a:ln>
+        </p:spPr>
+        <p:txBody>
+          <a:bodyPr rtlCol="0" anchor="ctr"/>
+          <a:lstStyle/>
+          <a:p>
+            <a:pPr algn="ctr"/>
+            <a:endParaRPr lang="en-US"/>
+          </a:p>
+        </p:txBody>
+      </p:sp>
+      <p:sp>
+        <p:nvSpPr>
+          <p:cNvPr id="24" name="Freeform 5">
+            <a:extLst>
+              <a:ext uri="{FF2B5EF4-FFF2-40B4-BE49-F238E27FC236}">
+                <a16:creationId xmlns:a16="http://schemas.microsoft.com/office/drawing/2014/main" xmlns="" id="{1CC539E7-2A7D-4261-A502-1C2FA9C1B207}"/>
+              </a:ext>
+            </a:extLst>
+          </p:cNvPr>
+          <p:cNvSpPr>
+            <a:spLocks noGrp="1" noRot="1" noChangeAspect="1" noMove="1" noResize="1" noEditPoints="1" noAdjustHandles="1" noChangeArrowheads="1" noChangeShapeType="1" noTextEdit="1"/>
+          </p:cNvSpPr>
+          <p:nvPr>
+            <p:extLst>
+              <p:ext uri="{386F3935-93C4-4BCD-93E2-E3B085C9AB24}">
+                <p16:designElem xmlns:p16="http://schemas.microsoft.com/office/powerpoint/2015/main" val="1"/>
+              </p:ext>
+            </p:extLst>
+          </p:nvPr>
+        </p:nvSpPr>
+        <p:spPr bwMode="gray">
+          <a:xfrm rot="16200000">
+            <a:off x="1404667" y="2756642"/>
+            <a:ext cx="6858000" cy="1344715"/>
+          </a:xfrm>
+          <a:custGeom>
+            <a:avLst/>
+            <a:gdLst/>
+            <a:ahLst/>
+            <a:cxnLst/>
+            <a:rect l="l" t="t" r="r" b="b"/>
+            <a:pathLst>
+              <a:path w="10000" h="8000">
+                <a:moveTo>
+                  <a:pt x="0" y="0"/>
+                </a:moveTo>
+                <a:lnTo>
+                  <a:pt x="0" y="7970"/>
+                </a:lnTo>
+                <a:lnTo>
+                  <a:pt x="10000" y="8000"/>
+                </a:lnTo>
+                <a:lnTo>
+                  <a:pt x="10000" y="7"/>
+                </a:lnTo>
+                <a:lnTo>
+                  <a:pt x="10000" y="7"/>
+                </a:lnTo>
+                <a:lnTo>
+                  <a:pt x="9773" y="156"/>
+                </a:lnTo>
+                <a:lnTo>
+                  <a:pt x="9547" y="298"/>
+                </a:lnTo>
+                <a:lnTo>
+                  <a:pt x="9320" y="437"/>
+                </a:lnTo>
+                <a:lnTo>
+                  <a:pt x="9092" y="556"/>
+                </a:lnTo>
+                <a:lnTo>
+                  <a:pt x="8865" y="676"/>
+                </a:lnTo>
+                <a:lnTo>
+                  <a:pt x="8637" y="788"/>
+                </a:lnTo>
+                <a:lnTo>
+                  <a:pt x="8412" y="884"/>
+                </a:lnTo>
+                <a:lnTo>
+                  <a:pt x="8184" y="975"/>
+                </a:lnTo>
+                <a:lnTo>
+                  <a:pt x="7957" y="1058"/>
+                </a:lnTo>
+                <a:lnTo>
+                  <a:pt x="7734" y="1130"/>
+                </a:lnTo>
+                <a:lnTo>
+                  <a:pt x="7508" y="1202"/>
+                </a:lnTo>
+                <a:lnTo>
+                  <a:pt x="7285" y="1262"/>
+                </a:lnTo>
+                <a:lnTo>
+                  <a:pt x="7062" y="1309"/>
+                </a:lnTo>
+                <a:lnTo>
+                  <a:pt x="6840" y="1358"/>
+                </a:lnTo>
+                <a:lnTo>
+                  <a:pt x="6620" y="1399"/>
+                </a:lnTo>
+                <a:lnTo>
+                  <a:pt x="6402" y="1428"/>
+                </a:lnTo>
+                <a:lnTo>
+                  <a:pt x="6184" y="1453"/>
+                </a:lnTo>
+                <a:lnTo>
+                  <a:pt x="5968" y="1477"/>
+                </a:lnTo>
+                <a:lnTo>
+                  <a:pt x="5755" y="1488"/>
+                </a:lnTo>
+                <a:lnTo>
+                  <a:pt x="5542" y="1500"/>
+                </a:lnTo>
+                <a:lnTo>
+                  <a:pt x="5332" y="1506"/>
+                </a:lnTo>
+                <a:lnTo>
+                  <a:pt x="5124" y="1500"/>
+                </a:lnTo>
+                <a:lnTo>
+                  <a:pt x="4918" y="1500"/>
+                </a:lnTo>
+                <a:lnTo>
+                  <a:pt x="4714" y="1488"/>
+                </a:lnTo>
+                <a:lnTo>
+                  <a:pt x="4514" y="1470"/>
+                </a:lnTo>
+                <a:lnTo>
+                  <a:pt x="4316" y="1453"/>
+                </a:lnTo>
+                <a:lnTo>
+                  <a:pt x="4122" y="1434"/>
+                </a:lnTo>
+                <a:lnTo>
+                  <a:pt x="3929" y="1405"/>
+                </a:lnTo>
+                <a:lnTo>
+                  <a:pt x="3739" y="1374"/>
+                </a:lnTo>
+                <a:lnTo>
+                  <a:pt x="3553" y="1346"/>
+                </a:lnTo>
+                <a:lnTo>
+                  <a:pt x="3190" y="1267"/>
+                </a:lnTo>
+                <a:lnTo>
+                  <a:pt x="2842" y="1183"/>
+                </a:lnTo>
+                <a:lnTo>
+                  <a:pt x="2508" y="1095"/>
+                </a:lnTo>
+                <a:lnTo>
+                  <a:pt x="2192" y="998"/>
+                </a:lnTo>
+                <a:lnTo>
+                  <a:pt x="1890" y="897"/>
+                </a:lnTo>
+                <a:lnTo>
+                  <a:pt x="1610" y="788"/>
+                </a:lnTo>
+                <a:lnTo>
+                  <a:pt x="1347" y="681"/>
+                </a:lnTo>
+                <a:lnTo>
+                  <a:pt x="1105" y="574"/>
+                </a:lnTo>
+                <a:lnTo>
+                  <a:pt x="883" y="473"/>
+                </a:lnTo>
+                <a:lnTo>
+                  <a:pt x="686" y="377"/>
+                </a:lnTo>
+                <a:lnTo>
+                  <a:pt x="508" y="286"/>
+                </a:lnTo>
+                <a:lnTo>
+                  <a:pt x="358" y="210"/>
+                </a:lnTo>
+                <a:lnTo>
+                  <a:pt x="232" y="138"/>
+                </a:lnTo>
+                <a:lnTo>
+                  <a:pt x="59" y="35"/>
+                </a:lnTo>
+                <a:lnTo>
+                  <a:pt x="0" y="0"/>
+                </a:lnTo>
+                <a:lnTo>
+                  <a:pt x="0" y="0"/>
+                </a:lnTo>
+                <a:close/>
+              </a:path>
+            </a:pathLst>
+          </a:custGeom>
+          <a:solidFill>
+            <a:srgbClr val="FFFFFF"/>
+          </a:solidFill>
+          <a:ln>
+            <a:noFill/>
+          </a:ln>
+        </p:spPr>
+      </p:sp>
+      <p:pic>
+        <p:nvPicPr>
+          <p:cNvPr id="5" name="Picture 4"/>
+          <p:cNvPicPr>
+            <a:picLocks noChangeAspect="1"/>
+          </p:cNvPicPr>
+          <p:nvPr/>
+        </p:nvPicPr>
+        <p:blipFill rotWithShape="1">
+          <a:blip r:embed="rId3">
+            <a:extLst>
+              <a:ext uri="{28A0092B-C50C-407E-A947-70E740481C1C}">
+                <a14:useLocalDpi xmlns:a14="http://schemas.microsoft.com/office/drawing/2010/main" val="0"/>
+              </a:ext>
+            </a:extLst>
+          </a:blip>
+          <a:srcRect r="42717" b="-1"/>
+          <a:stretch/>
+        </p:blipFill>
+        <p:spPr>
+          <a:xfrm>
+            <a:off x="4791257" y="1054260"/>
+            <a:ext cx="3056377" cy="4965540"/>
+          </a:xfrm>
+          <a:prstGeom prst="rect">
+            <a:avLst/>
+          </a:prstGeom>
+          <a:effectLst/>
+        </p:spPr>
+      </p:pic>
+      <p:pic>
+        <p:nvPicPr>
+          <p:cNvPr id="8" name="Content Placeholder 3"/>
+          <p:cNvPicPr>
+            <a:picLocks noChangeAspect="1"/>
+          </p:cNvPicPr>
+          <p:nvPr/>
+        </p:nvPicPr>
+        <p:blipFill rotWithShape="1">
+          <a:blip r:embed="rId4">
+            <a:extLst>
+              <a:ext uri="{28A0092B-C50C-407E-A947-70E740481C1C}">
+                <a14:useLocalDpi xmlns:a14="http://schemas.microsoft.com/office/drawing/2010/main" val="0"/>
+              </a:ext>
+            </a:extLst>
+          </a:blip>
+          <a:srcRect l="1581" r="55646"/>
+          <a:stretch/>
+        </p:blipFill>
+        <p:spPr>
+          <a:xfrm>
+            <a:off x="8033071" y="1143001"/>
+            <a:ext cx="2858706" cy="4876800"/>
+          </a:xfrm>
+          <a:prstGeom prst="rect">
+            <a:avLst/>
+          </a:prstGeom>
+          <a:effectLst/>
+        </p:spPr>
+      </p:pic>
+      <p:sp>
+        <p:nvSpPr>
+          <p:cNvPr id="2" name="Title 1"/>
+          <p:cNvSpPr>
+            <a:spLocks noGrp="1"/>
+          </p:cNvSpPr>
+          <p:nvPr>
+            <p:ph type="title"/>
+          </p:nvPr>
+        </p:nvSpPr>
+        <p:spPr>
+          <a:xfrm>
+            <a:off x="711561" y="2836761"/>
+            <a:ext cx="3105075" cy="1444750"/>
+          </a:xfrm>
+        </p:spPr>
+        <p:txBody>
+          <a:bodyPr anchor="b">
+            <a:normAutofit fontScale="90000"/>
+          </a:bodyPr>
+          <a:lstStyle/>
+          <a:p>
+            <a:r>
+              <a:rPr lang="en-US" sz="4000" dirty="0" smtClean="0"/>
+              <a:t>Code Snippets For Runtime</a:t>
+            </a:r>
+            <a:r>
+              <a:rPr lang="en-US" sz="3200" dirty="0" smtClean="0"/>
+              <a:t/>
+            </a:r>
+            <a:br>
+              <a:rPr lang="en-US" sz="3200" dirty="0" smtClean="0"/>
+            </a:br>
+            <a:endParaRPr lang="en-US" sz="3200" dirty="0"/>
+          </a:p>
+        </p:txBody>
+      </p:sp>
+    </p:spTree>
+    <p:extLst>
+      <p:ext uri="{BB962C8B-B14F-4D97-AF65-F5344CB8AC3E}">
+        <p14:creationId xmlns:p14="http://schemas.microsoft.com/office/powerpoint/2010/main" val="1617127194"/>
+      </p:ext>
+    </p:extLst>
+  </p:cSld>
+  <p:clrMapOvr>
+    <a:masterClrMapping/>
+  </p:clrMapOvr>
+</p:sld>
+</file>
+
+<file path=ppt/slides/slide27.xml><?xml version="1.0" encoding="utf-8"?>
+<p:sld xmlns:a="http://schemas.openxmlformats.org/drawingml/2006/main" xmlns:r="http://schemas.openxmlformats.org/officeDocument/2006/relationships" xmlns:p="http://schemas.openxmlformats.org/presentationml/2006/main">
+  <p:cSld>
+    <p:bg>
+      <p:bgPr>
+        <a:blipFill rotWithShape="1">
+          <a:blip r:embed="rId2">
+            <a:duotone>
+              <a:schemeClr val="bg2">
+                <a:shade val="69000"/>
+                <a:hueMod val="108000"/>
+                <a:satMod val="164000"/>
+                <a:lumMod val="74000"/>
+              </a:schemeClr>
+              <a:schemeClr val="bg2">
+                <a:tint val="96000"/>
+                <a:hueMod val="88000"/>
+                <a:satMod val="140000"/>
+                <a:lumMod val="132000"/>
+              </a:schemeClr>
+            </a:duotone>
+          </a:blip>
+          <a:stretch/>
+        </a:blipFill>
+        <a:effectLst/>
+      </p:bgPr>
+    </p:bg>
+    <p:spTree>
+      <p:nvGrpSpPr>
+        <p:cNvPr id="1" name=""/>
+        <p:cNvGrpSpPr/>
+        <p:nvPr/>
+      </p:nvGrpSpPr>
+      <p:grpSpPr>
+        <a:xfrm>
+          <a:off x="0" y="0"/>
+          <a:ext cx="0" cy="0"/>
+          <a:chOff x="0" y="0"/>
+          <a:chExt cx="0" cy="0"/>
+        </a:xfrm>
+      </p:grpSpPr>
+      <p:pic>
+        <p:nvPicPr>
+          <p:cNvPr id="10" name="Picture 9">
+            <a:extLst>
+              <a:ext uri="{FF2B5EF4-FFF2-40B4-BE49-F238E27FC236}">
+                <a16:creationId xmlns="" xmlns:a16="http://schemas.microsoft.com/office/drawing/2014/main" id="{C9ECDD5C-152A-4CC7-8333-0F367B3A62EA}"/>
+              </a:ext>
+            </a:extLst>
+          </p:cNvPr>
+          <p:cNvPicPr>
+            <a:picLocks noGrp="1" noRot="1" noChangeAspect="1" noMove="1" noResize="1" noEditPoints="1" noAdjustHandles="1" noChangeArrowheads="1" noChangeShapeType="1" noCrop="1"/>
+          </p:cNvPicPr>
+          <p:nvPr>
+            <p:extLst>
+              <p:ext uri="{386F3935-93C4-4BCD-93E2-E3B085C9AB24}">
+                <p16:designElem xmlns:p16="http://schemas.microsoft.com/office/powerpoint/2015/main" val="1"/>
+              </p:ext>
+            </p:extLst>
+          </p:nvPr>
+        </p:nvPicPr>
+        <p:blipFill rotWithShape="1">
+          <a:blip r:embed="rId3">
+            <a:extLst>
+              <a:ext uri="{28A0092B-C50C-407E-A947-70E740481C1C}">
+                <a14:useLocalDpi xmlns:a14="http://schemas.microsoft.com/office/drawing/2010/main" val="0"/>
+              </a:ext>
+            </a:extLst>
+          </a:blip>
+          <a:srcRect l="3613"/>
+          <a:stretch/>
+        </p:blipFill>
+        <p:spPr>
+          <a:xfrm>
+            <a:off x="0" y="2669685"/>
+            <a:ext cx="4037012" cy="4188315"/>
+          </a:xfrm>
+          <a:prstGeom prst="rect">
+            <a:avLst/>
+          </a:prstGeom>
+        </p:spPr>
+      </p:pic>
+      <p:pic>
+        <p:nvPicPr>
+          <p:cNvPr id="12" name="Picture 11">
+            <a:extLst>
+              <a:ext uri="{FF2B5EF4-FFF2-40B4-BE49-F238E27FC236}">
+                <a16:creationId xmlns="" xmlns:a16="http://schemas.microsoft.com/office/drawing/2014/main" id="{7F5C92A3-369B-43F3-BDCE-E560B1B0EC89}"/>
+              </a:ext>
+            </a:extLst>
+          </p:cNvPr>
+          <p:cNvPicPr>
+            <a:picLocks noGrp="1" noRot="1" noChangeAspect="1" noMove="1" noResize="1" noEditPoints="1" noAdjustHandles="1" noChangeArrowheads="1" noChangeShapeType="1" noCrop="1"/>
+          </p:cNvPicPr>
+          <p:nvPr>
+            <p:extLst>
+              <p:ext uri="{386F3935-93C4-4BCD-93E2-E3B085C9AB24}">
+                <p16:designElem xmlns:p16="http://schemas.microsoft.com/office/powerpoint/2015/main" val="1"/>
+              </p:ext>
+            </p:extLst>
+          </p:nvPr>
+        </p:nvPicPr>
+        <p:blipFill rotWithShape="1">
+          <a:blip r:embed="rId4">
+            <a:extLst>
+              <a:ext uri="{28A0092B-C50C-407E-A947-70E740481C1C}">
+                <a14:useLocalDpi xmlns:a14="http://schemas.microsoft.com/office/drawing/2010/main" val="0"/>
+              </a:ext>
+            </a:extLst>
+          </a:blip>
+          <a:srcRect l="35640"/>
+          <a:stretch/>
+        </p:blipFill>
+        <p:spPr>
+          <a:xfrm>
+            <a:off x="0" y="2892347"/>
+            <a:ext cx="1522412" cy="2365453"/>
+          </a:xfrm>
+          <a:prstGeom prst="rect">
+            <a:avLst/>
+          </a:prstGeom>
+        </p:spPr>
+      </p:pic>
+      <p:sp>
+        <p:nvSpPr>
+          <p:cNvPr id="14" name="Oval 13">
+            <a:extLst>
+              <a:ext uri="{FF2B5EF4-FFF2-40B4-BE49-F238E27FC236}">
+                <a16:creationId xmlns="" xmlns:a16="http://schemas.microsoft.com/office/drawing/2014/main" id="{AEBE9F1A-B38D-446E-83AE-14B17CE77FF2}"/>
+              </a:ext>
+            </a:extLst>
+          </p:cNvPr>
+          <p:cNvSpPr>
+            <a:spLocks noGrp="1" noRot="1" noChangeAspect="1" noMove="1" noResize="1" noEditPoints="1" noAdjustHandles="1" noChangeArrowheads="1" noChangeShapeType="1" noTextEdit="1"/>
+          </p:cNvSpPr>
+          <p:nvPr>
+            <p:extLst>
+              <p:ext uri="{386F3935-93C4-4BCD-93E2-E3B085C9AB24}">
+                <p16:designElem xmlns:p16="http://schemas.microsoft.com/office/powerpoint/2015/main" val="1"/>
+              </p:ext>
+            </p:extLst>
+          </p:nvPr>
+        </p:nvSpPr>
+        <p:spPr>
+          <a:xfrm>
+            <a:off x="8609012" y="1676400"/>
+            <a:ext cx="2819400" cy="2819400"/>
+          </a:xfrm>
+          <a:prstGeom prst="ellipse">
+            <a:avLst/>
+          </a:prstGeom>
+          <a:gradFill flip="none" rotWithShape="1">
+            <a:gsLst>
+              <a:gs pos="0">
+                <a:schemeClr val="bg2">
+                  <a:lumMod val="60000"/>
+                  <a:lumOff val="40000"/>
+                  <a:alpha val="7000"/>
+                </a:schemeClr>
+              </a:gs>
+              <a:gs pos="69000">
+                <a:schemeClr val="bg2">
+                  <a:lumMod val="60000"/>
+                  <a:lumOff val="40000"/>
+                  <a:alpha val="0"/>
+                </a:schemeClr>
+              </a:gs>
+              <a:gs pos="36000">
+                <a:schemeClr val="bg2">
+                  <a:lumMod val="60000"/>
+                  <a:lumOff val="40000"/>
+                  <a:alpha val="6000"/>
+                </a:schemeClr>
+              </a:gs>
+            </a:gsLst>
+            <a:path path="circle">
+              <a:fillToRect l="50000" t="50000" r="50000" b="50000"/>
+            </a:path>
+            <a:tileRect/>
+          </a:gradFill>
+          <a:ln>
+            <a:noFill/>
+          </a:ln>
+          <a:effectLst/>
+        </p:spPr>
+        <p:style>
+          <a:lnRef idx="1">
+            <a:schemeClr val="accent1"/>
+          </a:lnRef>
+          <a:fillRef idx="3">
+            <a:schemeClr val="accent1"/>
+          </a:fillRef>
+          <a:effectRef idx="2">
+            <a:schemeClr val="accent1"/>
+          </a:effectRef>
+          <a:fontRef idx="minor">
+            <a:schemeClr val="lt1"/>
+          </a:fontRef>
+        </p:style>
+      </p:sp>
+      <p:pic>
+        <p:nvPicPr>
+          <p:cNvPr id="16" name="Picture 15">
+            <a:extLst>
+              <a:ext uri="{FF2B5EF4-FFF2-40B4-BE49-F238E27FC236}">
+                <a16:creationId xmlns="" xmlns:a16="http://schemas.microsoft.com/office/drawing/2014/main" id="{915B5014-A7EC-4BA6-9C83-8840CF81DB28}"/>
+              </a:ext>
+            </a:extLst>
+          </p:cNvPr>
+          <p:cNvPicPr>
+            <a:picLocks noGrp="1" noRot="1" noChangeAspect="1" noMove="1" noResize="1" noEditPoints="1" noAdjustHandles="1" noChangeArrowheads="1" noChangeShapeType="1" noCrop="1"/>
+          </p:cNvPicPr>
+          <p:nvPr>
+            <p:extLst>
+              <p:ext uri="{386F3935-93C4-4BCD-93E2-E3B085C9AB24}">
+                <p16:designElem xmlns:p16="http://schemas.microsoft.com/office/powerpoint/2015/main" val="1"/>
+              </p:ext>
+            </p:extLst>
+          </p:nvPr>
+        </p:nvPicPr>
+        <p:blipFill rotWithShape="1">
+          <a:blip r:embed="rId5">
+            <a:extLst>
+              <a:ext uri="{28A0092B-C50C-407E-A947-70E740481C1C}">
+                <a14:useLocalDpi xmlns:a14="http://schemas.microsoft.com/office/drawing/2010/main" val="0"/>
+              </a:ext>
+            </a:extLst>
+          </a:blip>
+          <a:srcRect t="28813"/>
+          <a:stretch/>
+        </p:blipFill>
+        <p:spPr>
+          <a:xfrm>
+            <a:off x="7999412" y="0"/>
+            <a:ext cx="1603387" cy="1141407"/>
+          </a:xfrm>
+          <a:prstGeom prst="rect">
+            <a:avLst/>
+          </a:prstGeom>
+        </p:spPr>
+      </p:pic>
+      <p:pic>
+        <p:nvPicPr>
+          <p:cNvPr id="18" name="Picture 17">
+            <a:extLst>
+              <a:ext uri="{FF2B5EF4-FFF2-40B4-BE49-F238E27FC236}">
+                <a16:creationId xmlns="" xmlns:a16="http://schemas.microsoft.com/office/drawing/2014/main" id="{022C43AB-86D7-420D-8AD7-DC0A15FDD0AF}"/>
+              </a:ext>
+            </a:extLst>
+          </p:cNvPr>
+          <p:cNvPicPr>
+            <a:picLocks noGrp="1" noRot="1" noChangeAspect="1" noMove="1" noResize="1" noEditPoints="1" noAdjustHandles="1" noChangeArrowheads="1" noChangeShapeType="1" noCrop="1"/>
+          </p:cNvPicPr>
+          <p:nvPr>
+            <p:extLst>
+              <p:ext uri="{386F3935-93C4-4BCD-93E2-E3B085C9AB24}">
+                <p16:designElem xmlns:p16="http://schemas.microsoft.com/office/powerpoint/2015/main" val="1"/>
+              </p:ext>
+            </p:extLst>
+          </p:nvPr>
+        </p:nvPicPr>
+        <p:blipFill rotWithShape="1">
+          <a:blip r:embed="rId6">
+            <a:extLst>
+              <a:ext uri="{28A0092B-C50C-407E-A947-70E740481C1C}">
+                <a14:useLocalDpi xmlns:a14="http://schemas.microsoft.com/office/drawing/2010/main" val="0"/>
+              </a:ext>
+            </a:extLst>
+          </a:blip>
+          <a:srcRect b="23320"/>
+          <a:stretch/>
+        </p:blipFill>
+        <p:spPr>
+          <a:xfrm>
+            <a:off x="8605878" y="6096000"/>
+            <a:ext cx="993734" cy="762000"/>
+          </a:xfrm>
+          <a:prstGeom prst="rect">
+            <a:avLst/>
+          </a:prstGeom>
+        </p:spPr>
+      </p:pic>
+      <p:sp>
+        <p:nvSpPr>
+          <p:cNvPr id="20" name="Rectangle 19">
+            <a:extLst>
+              <a:ext uri="{FF2B5EF4-FFF2-40B4-BE49-F238E27FC236}">
+                <a16:creationId xmlns="" xmlns:a16="http://schemas.microsoft.com/office/drawing/2014/main" id="{5E3EB826-A471-488F-9E8A-D65528A3C0CA}"/>
+              </a:ext>
+            </a:extLst>
+          </p:cNvPr>
+          <p:cNvSpPr>
+            <a:spLocks noGrp="1" noRot="1" noChangeAspect="1" noMove="1" noResize="1" noEditPoints="1" noAdjustHandles="1" noChangeArrowheads="1" noChangeShapeType="1" noTextEdit="1"/>
+          </p:cNvSpPr>
+          <p:nvPr>
+            <p:extLst>
+              <p:ext uri="{386F3935-93C4-4BCD-93E2-E3B085C9AB24}">
+                <p16:designElem xmlns:p16="http://schemas.microsoft.com/office/powerpoint/2015/main" val="1"/>
+              </p:ext>
+            </p:extLst>
+          </p:nvPr>
+        </p:nvSpPr>
+        <p:spPr>
+          <a:xfrm>
+            <a:off x="10437812" y="0"/>
+            <a:ext cx="685800" cy="1143000"/>
+          </a:xfrm>
+          <a:prstGeom prst="rect">
+            <a:avLst/>
+          </a:prstGeom>
+          <a:solidFill>
+            <a:schemeClr val="accent1"/>
+          </a:solidFill>
+          <a:ln>
+            <a:noFill/>
+          </a:ln>
+        </p:spPr>
+        <p:style>
+          <a:lnRef idx="1">
+            <a:schemeClr val="accent1"/>
+          </a:lnRef>
+          <a:fillRef idx="3">
+            <a:schemeClr val="accent1"/>
+          </a:fillRef>
+          <a:effectRef idx="2">
+            <a:schemeClr val="accent1"/>
+          </a:effectRef>
+          <a:fontRef idx="minor">
+            <a:schemeClr val="lt1"/>
+          </a:fontRef>
+        </p:style>
+      </p:sp>
+      <p:sp>
+        <p:nvSpPr>
+          <p:cNvPr id="22" name="Rectangle 21">
+            <a:extLst>
+              <a:ext uri="{FF2B5EF4-FFF2-40B4-BE49-F238E27FC236}">
+                <a16:creationId xmlns="" xmlns:a16="http://schemas.microsoft.com/office/drawing/2014/main" id="{4159E445-83D7-4F7C-8B6B-79EDEFA5F788}"/>
+              </a:ext>
+            </a:extLst>
+          </p:cNvPr>
+          <p:cNvSpPr>
+            <a:spLocks noGrp="1" noRot="1" noChangeAspect="1" noMove="1" noResize="1" noEditPoints="1" noAdjustHandles="1" noChangeArrowheads="1" noChangeShapeType="1" noTextEdit="1"/>
+          </p:cNvSpPr>
+          <p:nvPr>
+            <p:extLst>
+              <p:ext uri="{386F3935-93C4-4BCD-93E2-E3B085C9AB24}">
+                <p16:designElem xmlns:p16="http://schemas.microsoft.com/office/powerpoint/2015/main" val="1"/>
+              </p:ext>
+            </p:extLst>
+          </p:nvPr>
+        </p:nvSpPr>
+        <p:spPr>
+          <a:xfrm>
+            <a:off x="0" y="0"/>
+            <a:ext cx="12192000" cy="6858000"/>
+          </a:xfrm>
+          <a:prstGeom prst="rect">
+            <a:avLst/>
+          </a:prstGeom>
+          <a:solidFill>
+            <a:srgbClr val="FFFFFF"/>
+          </a:solidFill>
+          <a:ln>
+            <a:noFill/>
+          </a:ln>
+        </p:spPr>
+        <p:style>
+          <a:lnRef idx="2">
+            <a:schemeClr val="accent1">
+              <a:shade val="50000"/>
+            </a:schemeClr>
+          </a:lnRef>
+          <a:fillRef idx="1">
+            <a:schemeClr val="accent1"/>
+          </a:fillRef>
+          <a:effectRef idx="0">
+            <a:schemeClr val="accent1"/>
+          </a:effectRef>
+          <a:fontRef idx="minor">
+            <a:schemeClr val="lt1"/>
+          </a:fontRef>
+        </p:style>
+        <p:txBody>
+          <a:bodyPr rtlCol="0" anchor="ctr"/>
+          <a:lstStyle/>
+          <a:p>
+            <a:pPr algn="ctr"/>
+            <a:endParaRPr lang="en-US"/>
+          </a:p>
+        </p:txBody>
+      </p:sp>
+      <p:sp>
+        <p:nvSpPr>
+          <p:cNvPr id="24" name="Rectangle 23">
+            <a:extLst>
+              <a:ext uri="{FF2B5EF4-FFF2-40B4-BE49-F238E27FC236}">
+                <a16:creationId xmlns="" xmlns:a16="http://schemas.microsoft.com/office/drawing/2014/main" id="{E1E43DD8-7DEF-4A83-A303-10947F34B086}"/>
+              </a:ext>
+            </a:extLst>
+          </p:cNvPr>
+          <p:cNvSpPr>
+            <a:spLocks noGrp="1" noRot="1" noChangeAspect="1" noMove="1" noResize="1" noEditPoints="1" noAdjustHandles="1" noChangeArrowheads="1" noChangeShapeType="1" noTextEdit="1"/>
+          </p:cNvSpPr>
+          <p:nvPr>
+            <p:extLst>
+              <p:ext uri="{386F3935-93C4-4BCD-93E2-E3B085C9AB24}">
+                <p16:designElem xmlns:p16="http://schemas.microsoft.com/office/powerpoint/2015/main" val="1"/>
+              </p:ext>
+            </p:extLst>
+          </p:nvPr>
+        </p:nvSpPr>
+        <p:spPr>
+          <a:xfrm>
+            <a:off x="10437812" y="0"/>
+            <a:ext cx="685800" cy="1143000"/>
+          </a:xfrm>
+          <a:prstGeom prst="rect">
+            <a:avLst/>
+          </a:prstGeom>
+          <a:solidFill>
+            <a:schemeClr val="accent1"/>
+          </a:solidFill>
+          <a:ln>
+            <a:noFill/>
+          </a:ln>
+        </p:spPr>
+        <p:style>
+          <a:lnRef idx="1">
+            <a:schemeClr val="accent1"/>
+          </a:lnRef>
+          <a:fillRef idx="3">
+            <a:schemeClr val="accent1"/>
+          </a:fillRef>
+          <a:effectRef idx="2">
+            <a:schemeClr val="accent1"/>
+          </a:effectRef>
+          <a:fontRef idx="minor">
+            <a:schemeClr val="lt1"/>
+          </a:fontRef>
+        </p:style>
+      </p:sp>
+      <p:pic>
+        <p:nvPicPr>
+          <p:cNvPr id="13" name="Picture 12"/>
+          <p:cNvPicPr>
+            <a:picLocks noChangeAspect="1"/>
+          </p:cNvPicPr>
+          <p:nvPr/>
+        </p:nvPicPr>
+        <p:blipFill>
+          <a:blip r:embed="rId7">
+            <a:extLst>
+              <a:ext uri="{28A0092B-C50C-407E-A947-70E740481C1C}">
+                <a14:useLocalDpi xmlns:a14="http://schemas.microsoft.com/office/drawing/2010/main" val="0"/>
+              </a:ext>
+            </a:extLst>
+          </a:blip>
+          <a:stretch>
+            <a:fillRect/>
+          </a:stretch>
+        </p:blipFill>
+        <p:spPr>
+          <a:xfrm>
+            <a:off x="241020" y="497711"/>
+            <a:ext cx="4607691" cy="5370654"/>
+          </a:xfrm>
+          <a:prstGeom prst="rect">
+            <a:avLst/>
+          </a:prstGeom>
+          <a:effectLst/>
+        </p:spPr>
+      </p:pic>
+      <p:pic>
+        <p:nvPicPr>
+          <p:cNvPr id="15" name="Picture 14"/>
+          <p:cNvPicPr>
+            <a:picLocks noChangeAspect="1"/>
+          </p:cNvPicPr>
+          <p:nvPr/>
+        </p:nvPicPr>
+        <p:blipFill>
+          <a:blip r:embed="rId8">
+            <a:extLst>
+              <a:ext uri="{28A0092B-C50C-407E-A947-70E740481C1C}">
+                <a14:useLocalDpi xmlns:a14="http://schemas.microsoft.com/office/drawing/2010/main" val="0"/>
+              </a:ext>
+            </a:extLst>
+          </a:blip>
+          <a:stretch>
+            <a:fillRect/>
+          </a:stretch>
+        </p:blipFill>
+        <p:spPr>
+          <a:xfrm>
+            <a:off x="5089730" y="921511"/>
+            <a:ext cx="2974077" cy="4545627"/>
+          </a:xfrm>
+          <a:prstGeom prst="rect">
+            <a:avLst/>
+          </a:prstGeom>
+          <a:effectLst/>
+        </p:spPr>
+      </p:pic>
+      <p:pic>
+        <p:nvPicPr>
+          <p:cNvPr id="17" name="Content Placeholder 3"/>
+          <p:cNvPicPr>
+            <a:picLocks noChangeAspect="1"/>
+          </p:cNvPicPr>
+          <p:nvPr/>
+        </p:nvPicPr>
+        <p:blipFill>
+          <a:blip r:embed="rId9">
+            <a:extLst>
+              <a:ext uri="{28A0092B-C50C-407E-A947-70E740481C1C}">
+                <a14:useLocalDpi xmlns:a14="http://schemas.microsoft.com/office/drawing/2010/main" val="0"/>
+              </a:ext>
+            </a:extLst>
+          </a:blip>
+          <a:stretch>
+            <a:fillRect/>
+          </a:stretch>
+        </p:blipFill>
+        <p:spPr>
+          <a:xfrm>
+            <a:off x="8171727" y="1291042"/>
+            <a:ext cx="2981438" cy="3966757"/>
+          </a:xfrm>
+          <a:prstGeom prst="rect">
+            <a:avLst/>
+          </a:prstGeom>
+          <a:effectLst/>
+        </p:spPr>
+      </p:pic>
+    </p:spTree>
+    <p:extLst>
+      <p:ext uri="{BB962C8B-B14F-4D97-AF65-F5344CB8AC3E}">
+        <p14:creationId xmlns:p14="http://schemas.microsoft.com/office/powerpoint/2010/main" val="666227588"/>
+      </p:ext>
+    </p:extLst>
+  </p:cSld>
+  <p:clrMapOvr>
+    <a:masterClrMapping/>
+  </p:clrMapOvr>
+</p:sld>
+</file>
+
+<file path=ppt/slides/slide28.xml><?xml version="1.0" encoding="utf-8"?>
+<p:sld xmlns:a="http://schemas.openxmlformats.org/drawingml/2006/main" xmlns:r="http://schemas.openxmlformats.org/officeDocument/2006/relationships" xmlns:p="http://schemas.openxmlformats.org/presentationml/2006/main">
+  <p:cSld>
+    <p:spTree>
+      <p:nvGrpSpPr>
+        <p:cNvPr id="1" name=""/>
+        <p:cNvGrpSpPr/>
+        <p:nvPr/>
+      </p:nvGrpSpPr>
+      <p:grpSpPr>
+        <a:xfrm>
+          <a:off x="0" y="0"/>
+          <a:ext cx="0" cy="0"/>
+          <a:chOff x="0" y="0"/>
+          <a:chExt cx="0" cy="0"/>
+        </a:xfrm>
+      </p:grpSpPr>
+      <p:sp>
+        <p:nvSpPr>
+          <p:cNvPr id="2" name="Title 1"/>
+          <p:cNvSpPr>
+            <a:spLocks noGrp="1"/>
+          </p:cNvSpPr>
+          <p:nvPr>
+            <p:ph type="title"/>
+          </p:nvPr>
+        </p:nvSpPr>
+        <p:spPr/>
+        <p:txBody>
+          <a:bodyPr/>
+          <a:lstStyle/>
+          <a:p>
+            <a:r>
+              <a:rPr lang="en-US" dirty="0" smtClean="0"/>
+              <a:t>CHALLENGES FACED</a:t>
+            </a:r>
+            <a:endParaRPr lang="en-US" dirty="0"/>
+          </a:p>
+        </p:txBody>
+      </p:sp>
+      <p:sp>
+        <p:nvSpPr>
+          <p:cNvPr id="3" name="Content Placeholder 2"/>
+          <p:cNvSpPr>
+            <a:spLocks noGrp="1"/>
+          </p:cNvSpPr>
+          <p:nvPr>
+            <p:ph idx="1"/>
+          </p:nvPr>
+        </p:nvSpPr>
+        <p:spPr/>
+        <p:txBody>
+          <a:bodyPr/>
+          <a:lstStyle/>
+          <a:p>
+            <a:endParaRPr lang="en-US" dirty="0"/>
+          </a:p>
+        </p:txBody>
+      </p:sp>
+    </p:spTree>
+    <p:extLst>
+      <p:ext uri="{BB962C8B-B14F-4D97-AF65-F5344CB8AC3E}">
+        <p14:creationId xmlns:p14="http://schemas.microsoft.com/office/powerpoint/2010/main" val="1299473600"/>
+      </p:ext>
+    </p:extLst>
+  </p:cSld>
+  <p:clrMapOvr>
+    <a:masterClrMapping/>
+  </p:clrMapOvr>
+</p:sld>
+</file>
+
+<file path=ppt/slides/slide29.xml><?xml version="1.0" encoding="utf-8"?>
+<p:sld xmlns:a="http://schemas.openxmlformats.org/drawingml/2006/main" xmlns:r="http://schemas.openxmlformats.org/officeDocument/2006/relationships" xmlns:p="http://schemas.openxmlformats.org/presentationml/2006/main">
+  <p:cSld>
+    <p:spTree>
+      <p:nvGrpSpPr>
+        <p:cNvPr id="1" name=""/>
+        <p:cNvGrpSpPr/>
+        <p:nvPr/>
+      </p:nvGrpSpPr>
+      <p:grpSpPr>
+        <a:xfrm>
+          <a:off x="0" y="0"/>
+          <a:ext cx="0" cy="0"/>
+          <a:chOff x="0" y="0"/>
+          <a:chExt cx="0" cy="0"/>
+        </a:xfrm>
+      </p:grpSpPr>
+      <p:sp>
+        <p:nvSpPr>
+          <p:cNvPr id="2" name="Title 1"/>
+          <p:cNvSpPr>
+            <a:spLocks noGrp="1"/>
+          </p:cNvSpPr>
+          <p:nvPr>
+            <p:ph type="title"/>
+          </p:nvPr>
+        </p:nvSpPr>
+        <p:spPr/>
+        <p:txBody>
+          <a:bodyPr/>
+          <a:lstStyle/>
+          <a:p>
+            <a:r>
+              <a:rPr lang="en-US" dirty="0" smtClean="0"/>
+              <a:t>                       CONCLUSION</a:t>
+            </a:r>
+            <a:endParaRPr lang="en-US" dirty="0"/>
+          </a:p>
+        </p:txBody>
+      </p:sp>
+      <p:sp>
+        <p:nvSpPr>
+          <p:cNvPr id="3" name="Content Placeholder 2"/>
+          <p:cNvSpPr>
+            <a:spLocks noGrp="1"/>
+          </p:cNvSpPr>
+          <p:nvPr>
+            <p:ph idx="1"/>
+          </p:nvPr>
+        </p:nvSpPr>
+        <p:spPr/>
+        <p:txBody>
+          <a:bodyPr/>
+          <a:lstStyle/>
+          <a:p>
+            <a:r>
+              <a:rPr lang="en-US" dirty="0" smtClean="0"/>
+              <a:t>In the end, we would like to thank </a:t>
+            </a:r>
+            <a:r>
+              <a:rPr lang="en-US" dirty="0" err="1" smtClean="0"/>
+              <a:t>Dr</a:t>
+            </a:r>
+            <a:r>
+              <a:rPr lang="en-US" dirty="0" smtClean="0"/>
+              <a:t> Ajay Bansal for giving us this opportunity to create our own programming language. </a:t>
+            </a:r>
+          </a:p>
+          <a:p>
+            <a:r>
+              <a:rPr lang="en-US" dirty="0" smtClean="0"/>
+              <a:t>By doing this project we understood the basics of every programming language and hope to add more additional complexity in the upcoming months.</a:t>
+            </a:r>
+            <a:endParaRPr lang="en-US" dirty="0"/>
+          </a:p>
+        </p:txBody>
+      </p:sp>
+    </p:spTree>
+    <p:extLst>
+      <p:ext uri="{BB962C8B-B14F-4D97-AF65-F5344CB8AC3E}">
+        <p14:creationId xmlns:p14="http://schemas.microsoft.com/office/powerpoint/2010/main" val="2042611944"/>
       </p:ext>
     </p:extLst>
   </p:cSld>

--- a/doc/Sliceppt.pptx
+++ b/doc/Sliceppt.pptx
@@ -5,7 +5,7 @@
     <p:sldMasterId id="2147483714" r:id="rId1"/>
   </p:sldMasterIdLst>
   <p:notesMasterIdLst>
-    <p:notesMasterId r:id="rId31"/>
+    <p:notesMasterId r:id="rId34"/>
   </p:notesMasterIdLst>
   <p:sldIdLst>
     <p:sldId id="256" r:id="rId2"/>
@@ -23,20 +23,23 @@
     <p:sldId id="269" r:id="rId14"/>
     <p:sldId id="270" r:id="rId15"/>
     <p:sldId id="271" r:id="rId16"/>
-    <p:sldId id="272" r:id="rId17"/>
-    <p:sldId id="283" r:id="rId18"/>
-    <p:sldId id="275" r:id="rId19"/>
-    <p:sldId id="276" r:id="rId20"/>
-    <p:sldId id="277" r:id="rId21"/>
-    <p:sldId id="280" r:id="rId22"/>
-    <p:sldId id="282" r:id="rId23"/>
-    <p:sldId id="285" r:id="rId24"/>
-    <p:sldId id="284" r:id="rId25"/>
-    <p:sldId id="287" r:id="rId26"/>
-    <p:sldId id="289" r:id="rId27"/>
-    <p:sldId id="291" r:id="rId28"/>
-    <p:sldId id="286" r:id="rId29"/>
-    <p:sldId id="288" r:id="rId30"/>
+    <p:sldId id="283" r:id="rId17"/>
+    <p:sldId id="276" r:id="rId18"/>
+    <p:sldId id="277" r:id="rId19"/>
+    <p:sldId id="298" r:id="rId20"/>
+    <p:sldId id="282" r:id="rId21"/>
+    <p:sldId id="285" r:id="rId22"/>
+    <p:sldId id="284" r:id="rId23"/>
+    <p:sldId id="287" r:id="rId24"/>
+    <p:sldId id="289" r:id="rId25"/>
+    <p:sldId id="291" r:id="rId26"/>
+    <p:sldId id="292" r:id="rId27"/>
+    <p:sldId id="293" r:id="rId28"/>
+    <p:sldId id="294" r:id="rId29"/>
+    <p:sldId id="295" r:id="rId30"/>
+    <p:sldId id="296" r:id="rId31"/>
+    <p:sldId id="297" r:id="rId32"/>
+    <p:sldId id="288" r:id="rId33"/>
   </p:sldIdLst>
   <p:sldSz cx="12192000" cy="6858000"/>
   <p:notesSz cx="6858000" cy="9144000"/>
@@ -289,38 +292,37 @@
           <a:p>
             <a:pPr lvl="0"/>
             <a:r>
-              <a:rPr lang="en-US" smtClean="0"/>
+              <a:rPr lang="en-US"/>
               <a:t>Click to edit Master text styles</a:t>
             </a:r>
           </a:p>
           <a:p>
             <a:pPr lvl="1"/>
             <a:r>
-              <a:rPr lang="en-US" smtClean="0"/>
+              <a:rPr lang="en-US"/>
               <a:t>Second level</a:t>
             </a:r>
           </a:p>
           <a:p>
             <a:pPr lvl="2"/>
             <a:r>
-              <a:rPr lang="en-US" smtClean="0"/>
+              <a:rPr lang="en-US"/>
               <a:t>Third level</a:t>
             </a:r>
           </a:p>
           <a:p>
             <a:pPr lvl="3"/>
             <a:r>
-              <a:rPr lang="en-US" smtClean="0"/>
+              <a:rPr lang="en-US"/>
               <a:t>Fourth level</a:t>
             </a:r>
           </a:p>
           <a:p>
             <a:pPr lvl="4"/>
             <a:r>
-              <a:rPr lang="en-US" smtClean="0"/>
+              <a:rPr lang="en-US"/>
               <a:t>Fifth level</a:t>
             </a:r>
-            <a:endParaRPr lang="en-US"/>
           </a:p>
         </p:txBody>
       </p:sp>
@@ -535,7 +537,7 @@
           </a:lstStyle>
           <a:p>
             <a:r>
-              <a:rPr lang="en-US" smtClean="0"/>
+              <a:rPr lang="en-US"/>
               <a:t>Click to edit Master title style</a:t>
             </a:r>
             <a:endParaRPr lang="en-US" dirty="0"/>
@@ -655,7 +657,7 @@
           </a:lstStyle>
           <a:p>
             <a:r>
-              <a:rPr lang="en-US" smtClean="0"/>
+              <a:rPr lang="en-US"/>
               <a:t>Click to edit Master subtitle style</a:t>
             </a:r>
             <a:endParaRPr lang="en-US" dirty="0"/>
@@ -779,7 +781,7 @@
           </a:lstStyle>
           <a:p>
             <a:r>
-              <a:rPr lang="en-US" smtClean="0"/>
+              <a:rPr lang="en-US"/>
               <a:t>Click to edit Master title style</a:t>
             </a:r>
             <a:endParaRPr lang="en-US" dirty="0"/>
@@ -858,7 +860,7 @@
           </a:lstStyle>
           <a:p>
             <a:r>
-              <a:rPr lang="en-US" smtClean="0"/>
+              <a:rPr lang="en-US"/>
               <a:t>Drag picture to placeholder or click icon to add</a:t>
             </a:r>
             <a:endParaRPr lang="en-US" dirty="0"/>
@@ -926,7 +928,7 @@
           <a:p>
             <a:pPr lvl="0"/>
             <a:r>
-              <a:rPr lang="en-US" smtClean="0"/>
+              <a:rPr lang="en-US"/>
               <a:t>Click to edit Master text styles</a:t>
             </a:r>
           </a:p>
@@ -1047,7 +1049,7 @@
           </a:lstStyle>
           <a:p>
             <a:r>
-              <a:rPr lang="en-US" smtClean="0"/>
+              <a:rPr lang="en-US"/>
               <a:t>Click to edit Master title style</a:t>
             </a:r>
             <a:endParaRPr lang="en-US" dirty="0"/>
@@ -1115,7 +1117,7 @@
           <a:p>
             <a:pPr lvl="0"/>
             <a:r>
-              <a:rPr lang="en-US" smtClean="0"/>
+              <a:rPr lang="en-US"/>
               <a:t>Click to edit Master text styles</a:t>
             </a:r>
           </a:p>
@@ -1236,7 +1238,7 @@
           </a:lstStyle>
           <a:p>
             <a:r>
-              <a:rPr lang="en-US" smtClean="0"/>
+              <a:rPr lang="en-US"/>
               <a:t>Click to edit Master title style</a:t>
             </a:r>
             <a:endParaRPr lang="en-US" dirty="0"/>
@@ -1316,7 +1318,7 @@
               <a:buNone/>
             </a:pPr>
             <a:r>
-              <a:rPr lang="en-US" smtClean="0"/>
+              <a:rPr lang="en-US"/>
               <a:t>Click to edit Master text styles</a:t>
             </a:r>
           </a:p>
@@ -1383,7 +1385,7 @@
           <a:p>
             <a:pPr lvl="0"/>
             <a:r>
-              <a:rPr lang="en-US" smtClean="0"/>
+              <a:rPr lang="en-US"/>
               <a:t>Click to edit Master text styles</a:t>
             </a:r>
           </a:p>
@@ -1598,7 +1600,7 @@
           </a:lstStyle>
           <a:p>
             <a:r>
-              <a:rPr lang="en-US" smtClean="0"/>
+              <a:rPr lang="en-US"/>
               <a:t>Click to edit Master title style</a:t>
             </a:r>
             <a:endParaRPr lang="en-US" dirty="0"/>
@@ -1719,7 +1721,7 @@
           <a:p>
             <a:pPr lvl="0"/>
             <a:r>
-              <a:rPr lang="en-US" smtClean="0"/>
+              <a:rPr lang="en-US"/>
               <a:t>Click to edit Master text styles</a:t>
             </a:r>
           </a:p>
@@ -1835,7 +1837,7 @@
           </a:lstStyle>
           <a:p>
             <a:r>
-              <a:rPr lang="en-US" smtClean="0"/>
+              <a:rPr lang="en-US"/>
               <a:t>Click to edit Master title style</a:t>
             </a:r>
             <a:endParaRPr lang="en-US" dirty="0"/>
@@ -1910,7 +1912,7 @@
           <a:p>
             <a:pPr lvl="0"/>
             <a:r>
-              <a:rPr lang="en-US" smtClean="0"/>
+              <a:rPr lang="en-US"/>
               <a:t>Click to edit Master text styles</a:t>
             </a:r>
           </a:p>
@@ -1977,7 +1979,7 @@
           <a:p>
             <a:pPr lvl="0"/>
             <a:r>
-              <a:rPr lang="en-US" smtClean="0"/>
+              <a:rPr lang="en-US"/>
               <a:t>Click to edit Master text styles</a:t>
             </a:r>
           </a:p>
@@ -2051,7 +2053,7 @@
           <a:p>
             <a:pPr lvl="0"/>
             <a:r>
-              <a:rPr lang="en-US" smtClean="0"/>
+              <a:rPr lang="en-US"/>
               <a:t>Click to edit Master text styles</a:t>
             </a:r>
           </a:p>
@@ -2118,7 +2120,7 @@
           <a:p>
             <a:pPr lvl="0"/>
             <a:r>
-              <a:rPr lang="en-US" smtClean="0"/>
+              <a:rPr lang="en-US"/>
               <a:t>Click to edit Master text styles</a:t>
             </a:r>
           </a:p>
@@ -2192,7 +2194,7 @@
           <a:p>
             <a:pPr lvl="0"/>
             <a:r>
-              <a:rPr lang="en-US" smtClean="0"/>
+              <a:rPr lang="en-US"/>
               <a:t>Click to edit Master text styles</a:t>
             </a:r>
           </a:p>
@@ -2259,7 +2261,7 @@
           <a:p>
             <a:pPr lvl="0"/>
             <a:r>
-              <a:rPr lang="en-US" smtClean="0"/>
+              <a:rPr lang="en-US"/>
               <a:t>Click to edit Master text styles</a:t>
             </a:r>
           </a:p>
@@ -2453,7 +2455,7 @@
           </a:lstStyle>
           <a:p>
             <a:r>
-              <a:rPr lang="en-US" smtClean="0"/>
+              <a:rPr lang="en-US"/>
               <a:t>Click to edit Master title style</a:t>
             </a:r>
             <a:endParaRPr lang="en-US" dirty="0"/>
@@ -2528,7 +2530,7 @@
           <a:p>
             <a:pPr lvl="0"/>
             <a:r>
-              <a:rPr lang="en-US" smtClean="0"/>
+              <a:rPr lang="en-US"/>
               <a:t>Click to edit Master text styles</a:t>
             </a:r>
           </a:p>
@@ -2606,7 +2608,7 @@
           </a:lstStyle>
           <a:p>
             <a:r>
-              <a:rPr lang="en-US" smtClean="0"/>
+              <a:rPr lang="en-US"/>
               <a:t>Drag picture to placeholder or click icon to add</a:t>
             </a:r>
             <a:endParaRPr lang="en-US" dirty="0"/>
@@ -2674,7 +2676,7 @@
           <a:p>
             <a:pPr lvl="0"/>
             <a:r>
-              <a:rPr lang="en-US" smtClean="0"/>
+              <a:rPr lang="en-US"/>
               <a:t>Click to edit Master text styles</a:t>
             </a:r>
           </a:p>
@@ -2748,7 +2750,7 @@
           <a:p>
             <a:pPr lvl="0"/>
             <a:r>
-              <a:rPr lang="en-US" smtClean="0"/>
+              <a:rPr lang="en-US"/>
               <a:t>Click to edit Master text styles</a:t>
             </a:r>
           </a:p>
@@ -2826,7 +2828,7 @@
           </a:lstStyle>
           <a:p>
             <a:r>
-              <a:rPr lang="en-US" smtClean="0"/>
+              <a:rPr lang="en-US"/>
               <a:t>Drag picture to placeholder or click icon to add</a:t>
             </a:r>
             <a:endParaRPr lang="en-US" dirty="0"/>
@@ -2894,7 +2896,7 @@
           <a:p>
             <a:pPr lvl="0"/>
             <a:r>
-              <a:rPr lang="en-US" smtClean="0"/>
+              <a:rPr lang="en-US"/>
               <a:t>Click to edit Master text styles</a:t>
             </a:r>
           </a:p>
@@ -2968,7 +2970,7 @@
           <a:p>
             <a:pPr lvl="0"/>
             <a:r>
-              <a:rPr lang="en-US" smtClean="0"/>
+              <a:rPr lang="en-US"/>
               <a:t>Click to edit Master text styles</a:t>
             </a:r>
           </a:p>
@@ -3046,7 +3048,7 @@
           </a:lstStyle>
           <a:p>
             <a:r>
-              <a:rPr lang="en-US" smtClean="0"/>
+              <a:rPr lang="en-US"/>
               <a:t>Drag picture to placeholder or click icon to add</a:t>
             </a:r>
             <a:endParaRPr lang="en-US" dirty="0"/>
@@ -3114,7 +3116,7 @@
           <a:p>
             <a:pPr lvl="0"/>
             <a:r>
-              <a:rPr lang="en-US" smtClean="0"/>
+              <a:rPr lang="en-US"/>
               <a:t>Click to edit Master text styles</a:t>
             </a:r>
           </a:p>
@@ -3304,7 +3306,7 @@
           <a:lstStyle/>
           <a:p>
             <a:r>
-              <a:rPr lang="en-US" smtClean="0"/>
+              <a:rPr lang="en-US"/>
               <a:t>Click to edit Master title style</a:t>
             </a:r>
             <a:endParaRPr lang="en-US" dirty="0"/>
@@ -3328,35 +3330,35 @@
           <a:p>
             <a:pPr lvl="0"/>
             <a:r>
-              <a:rPr lang="en-US" smtClean="0"/>
+              <a:rPr lang="en-US"/>
               <a:t>Click to edit Master text styles</a:t>
             </a:r>
           </a:p>
           <a:p>
             <a:pPr lvl="1"/>
             <a:r>
-              <a:rPr lang="en-US" smtClean="0"/>
+              <a:rPr lang="en-US"/>
               <a:t>Second level</a:t>
             </a:r>
           </a:p>
           <a:p>
             <a:pPr lvl="2"/>
             <a:r>
-              <a:rPr lang="en-US" smtClean="0"/>
+              <a:rPr lang="en-US"/>
               <a:t>Third level</a:t>
             </a:r>
           </a:p>
           <a:p>
             <a:pPr lvl="3"/>
             <a:r>
-              <a:rPr lang="en-US" smtClean="0"/>
+              <a:rPr lang="en-US"/>
               <a:t>Fourth level</a:t>
             </a:r>
           </a:p>
           <a:p>
             <a:pPr lvl="4"/>
             <a:r>
-              <a:rPr lang="en-US" smtClean="0"/>
+              <a:rPr lang="en-US"/>
               <a:t>Fifth level</a:t>
             </a:r>
             <a:endParaRPr lang="en-US" dirty="0"/>
@@ -3474,7 +3476,7 @@
           <a:lstStyle/>
           <a:p>
             <a:r>
-              <a:rPr lang="en-US" smtClean="0"/>
+              <a:rPr lang="en-US"/>
               <a:t>Click to edit Master title style</a:t>
             </a:r>
             <a:endParaRPr lang="en-US" dirty="0"/>
@@ -3503,35 +3505,35 @@
           <a:p>
             <a:pPr lvl="0"/>
             <a:r>
-              <a:rPr lang="en-US" smtClean="0"/>
+              <a:rPr lang="en-US"/>
               <a:t>Click to edit Master text styles</a:t>
             </a:r>
           </a:p>
           <a:p>
             <a:pPr lvl="1"/>
             <a:r>
-              <a:rPr lang="en-US" smtClean="0"/>
+              <a:rPr lang="en-US"/>
               <a:t>Second level</a:t>
             </a:r>
           </a:p>
           <a:p>
             <a:pPr lvl="2"/>
             <a:r>
-              <a:rPr lang="en-US" smtClean="0"/>
+              <a:rPr lang="en-US"/>
               <a:t>Third level</a:t>
             </a:r>
           </a:p>
           <a:p>
             <a:pPr lvl="3"/>
             <a:r>
-              <a:rPr lang="en-US" smtClean="0"/>
+              <a:rPr lang="en-US"/>
               <a:t>Fourth level</a:t>
             </a:r>
           </a:p>
           <a:p>
             <a:pPr lvl="4"/>
             <a:r>
-              <a:rPr lang="en-US" smtClean="0"/>
+              <a:rPr lang="en-US"/>
               <a:t>Fifth level</a:t>
             </a:r>
             <a:endParaRPr lang="en-US" dirty="0"/>
@@ -3644,7 +3646,7 @@
           <a:lstStyle/>
           <a:p>
             <a:r>
-              <a:rPr lang="en-US" smtClean="0"/>
+              <a:rPr lang="en-US"/>
               <a:t>Click to edit Master title style</a:t>
             </a:r>
             <a:endParaRPr lang="en-US" dirty="0"/>
@@ -3668,35 +3670,35 @@
           <a:p>
             <a:pPr lvl="0"/>
             <a:r>
-              <a:rPr lang="en-US" smtClean="0"/>
+              <a:rPr lang="en-US"/>
               <a:t>Click to edit Master text styles</a:t>
             </a:r>
           </a:p>
           <a:p>
             <a:pPr lvl="1"/>
             <a:r>
-              <a:rPr lang="en-US" smtClean="0"/>
+              <a:rPr lang="en-US"/>
               <a:t>Second level</a:t>
             </a:r>
           </a:p>
           <a:p>
             <a:pPr lvl="2"/>
             <a:r>
-              <a:rPr lang="en-US" smtClean="0"/>
+              <a:rPr lang="en-US"/>
               <a:t>Third level</a:t>
             </a:r>
           </a:p>
           <a:p>
             <a:pPr lvl="3"/>
             <a:r>
-              <a:rPr lang="en-US" smtClean="0"/>
+              <a:rPr lang="en-US"/>
               <a:t>Fourth level</a:t>
             </a:r>
           </a:p>
           <a:p>
             <a:pPr lvl="4"/>
             <a:r>
-              <a:rPr lang="en-US" smtClean="0"/>
+              <a:rPr lang="en-US"/>
               <a:t>Fifth level</a:t>
             </a:r>
             <a:endParaRPr lang="en-US" dirty="0"/>
@@ -3818,7 +3820,7 @@
           </a:lstStyle>
           <a:p>
             <a:r>
-              <a:rPr lang="en-US" smtClean="0"/>
+              <a:rPr lang="en-US"/>
               <a:t>Click to edit Master title style</a:t>
             </a:r>
             <a:endParaRPr lang="en-US" dirty="0"/>
@@ -3939,7 +3941,7 @@
           <a:p>
             <a:pPr lvl="0"/>
             <a:r>
-              <a:rPr lang="en-US" smtClean="0"/>
+              <a:rPr lang="en-US"/>
               <a:t>Click to edit Master text styles</a:t>
             </a:r>
           </a:p>
@@ -4051,7 +4053,7 @@
           <a:lstStyle/>
           <a:p>
             <a:r>
-              <a:rPr lang="en-US" smtClean="0"/>
+              <a:rPr lang="en-US"/>
               <a:t>Click to edit Master title style</a:t>
             </a:r>
             <a:endParaRPr lang="en-US" dirty="0"/>
@@ -4110,35 +4112,35 @@
           <a:p>
             <a:pPr lvl="0"/>
             <a:r>
-              <a:rPr lang="en-US" smtClean="0"/>
+              <a:rPr lang="en-US"/>
               <a:t>Click to edit Master text styles</a:t>
             </a:r>
           </a:p>
           <a:p>
             <a:pPr lvl="1"/>
             <a:r>
-              <a:rPr lang="en-US" smtClean="0"/>
+              <a:rPr lang="en-US"/>
               <a:t>Second level</a:t>
             </a:r>
           </a:p>
           <a:p>
             <a:pPr lvl="2"/>
             <a:r>
-              <a:rPr lang="en-US" smtClean="0"/>
+              <a:rPr lang="en-US"/>
               <a:t>Third level</a:t>
             </a:r>
           </a:p>
           <a:p>
             <a:pPr lvl="3"/>
             <a:r>
-              <a:rPr lang="en-US" smtClean="0"/>
+              <a:rPr lang="en-US"/>
               <a:t>Fourth level</a:t>
             </a:r>
           </a:p>
           <a:p>
             <a:pPr lvl="4"/>
             <a:r>
-              <a:rPr lang="en-US" smtClean="0"/>
+              <a:rPr lang="en-US"/>
               <a:t>Fifth level</a:t>
             </a:r>
             <a:endParaRPr lang="en-US" dirty="0"/>
@@ -4197,35 +4199,35 @@
           <a:p>
             <a:pPr lvl="0"/>
             <a:r>
-              <a:rPr lang="en-US" smtClean="0"/>
+              <a:rPr lang="en-US"/>
               <a:t>Click to edit Master text styles</a:t>
             </a:r>
           </a:p>
           <a:p>
             <a:pPr lvl="1"/>
             <a:r>
-              <a:rPr lang="en-US" smtClean="0"/>
+              <a:rPr lang="en-US"/>
               <a:t>Second level</a:t>
             </a:r>
           </a:p>
           <a:p>
             <a:pPr lvl="2"/>
             <a:r>
-              <a:rPr lang="en-US" smtClean="0"/>
+              <a:rPr lang="en-US"/>
               <a:t>Third level</a:t>
             </a:r>
           </a:p>
           <a:p>
             <a:pPr lvl="3"/>
             <a:r>
-              <a:rPr lang="en-US" smtClean="0"/>
+              <a:rPr lang="en-US"/>
               <a:t>Fourth level</a:t>
             </a:r>
           </a:p>
           <a:p>
             <a:pPr lvl="4"/>
             <a:r>
-              <a:rPr lang="en-US" smtClean="0"/>
+              <a:rPr lang="en-US"/>
               <a:t>Fifth level</a:t>
             </a:r>
             <a:endParaRPr lang="en-US" dirty="0"/>
@@ -4342,7 +4344,7 @@
           </a:lstStyle>
           <a:p>
             <a:r>
-              <a:rPr lang="en-US" smtClean="0"/>
+              <a:rPr lang="en-US"/>
               <a:t>Click to edit Master title style</a:t>
             </a:r>
             <a:endParaRPr lang="en-US" dirty="0"/>
@@ -4417,7 +4419,7 @@
           <a:p>
             <a:pPr lvl="0"/>
             <a:r>
-              <a:rPr lang="en-US" smtClean="0"/>
+              <a:rPr lang="en-US"/>
               <a:t>Click to edit Master text styles</a:t>
             </a:r>
           </a:p>
@@ -4475,35 +4477,35 @@
           <a:p>
             <a:pPr lvl="0"/>
             <a:r>
-              <a:rPr lang="en-US" smtClean="0"/>
+              <a:rPr lang="en-US"/>
               <a:t>Click to edit Master text styles</a:t>
             </a:r>
           </a:p>
           <a:p>
             <a:pPr lvl="1"/>
             <a:r>
-              <a:rPr lang="en-US" smtClean="0"/>
+              <a:rPr lang="en-US"/>
               <a:t>Second level</a:t>
             </a:r>
           </a:p>
           <a:p>
             <a:pPr lvl="2"/>
             <a:r>
-              <a:rPr lang="en-US" smtClean="0"/>
+              <a:rPr lang="en-US"/>
               <a:t>Third level</a:t>
             </a:r>
           </a:p>
           <a:p>
             <a:pPr lvl="3"/>
             <a:r>
-              <a:rPr lang="en-US" smtClean="0"/>
+              <a:rPr lang="en-US"/>
               <a:t>Fourth level</a:t>
             </a:r>
           </a:p>
           <a:p>
             <a:pPr lvl="4"/>
             <a:r>
-              <a:rPr lang="en-US" smtClean="0"/>
+              <a:rPr lang="en-US"/>
               <a:t>Fifth level</a:t>
             </a:r>
             <a:endParaRPr lang="en-US" dirty="0"/>
@@ -4578,7 +4580,7 @@
           <a:p>
             <a:pPr lvl="0"/>
             <a:r>
-              <a:rPr lang="en-US" smtClean="0"/>
+              <a:rPr lang="en-US"/>
               <a:t>Click to edit Master text styles</a:t>
             </a:r>
           </a:p>
@@ -4636,35 +4638,35 @@
           <a:p>
             <a:pPr lvl="0"/>
             <a:r>
-              <a:rPr lang="en-US" smtClean="0"/>
+              <a:rPr lang="en-US"/>
               <a:t>Click to edit Master text styles</a:t>
             </a:r>
           </a:p>
           <a:p>
             <a:pPr lvl="1"/>
             <a:r>
-              <a:rPr lang="en-US" smtClean="0"/>
+              <a:rPr lang="en-US"/>
               <a:t>Second level</a:t>
             </a:r>
           </a:p>
           <a:p>
             <a:pPr lvl="2"/>
             <a:r>
-              <a:rPr lang="en-US" smtClean="0"/>
+              <a:rPr lang="en-US"/>
               <a:t>Third level</a:t>
             </a:r>
           </a:p>
           <a:p>
             <a:pPr lvl="3"/>
             <a:r>
-              <a:rPr lang="en-US" smtClean="0"/>
+              <a:rPr lang="en-US"/>
               <a:t>Fourth level</a:t>
             </a:r>
           </a:p>
           <a:p>
             <a:pPr lvl="4"/>
             <a:r>
-              <a:rPr lang="en-US" smtClean="0"/>
+              <a:rPr lang="en-US"/>
               <a:t>Fifth level</a:t>
             </a:r>
             <a:endParaRPr lang="en-US" dirty="0"/>
@@ -4777,7 +4779,7 @@
           <a:lstStyle/>
           <a:p>
             <a:r>
-              <a:rPr lang="en-US" smtClean="0"/>
+              <a:rPr lang="en-US"/>
               <a:t>Click to edit Master title style</a:t>
             </a:r>
             <a:endParaRPr lang="en-US" dirty="0"/>
@@ -4989,7 +4991,7 @@
           </a:lstStyle>
           <a:p>
             <a:r>
-              <a:rPr lang="en-US" smtClean="0"/>
+              <a:rPr lang="en-US"/>
               <a:t>Click to edit Master title style</a:t>
             </a:r>
             <a:endParaRPr lang="en-US" dirty="0"/>
@@ -5048,35 +5050,35 @@
           <a:p>
             <a:pPr lvl="0"/>
             <a:r>
-              <a:rPr lang="en-US" smtClean="0"/>
+              <a:rPr lang="en-US"/>
               <a:t>Click to edit Master text styles</a:t>
             </a:r>
           </a:p>
           <a:p>
             <a:pPr lvl="1"/>
             <a:r>
-              <a:rPr lang="en-US" smtClean="0"/>
+              <a:rPr lang="en-US"/>
               <a:t>Second level</a:t>
             </a:r>
           </a:p>
           <a:p>
             <a:pPr lvl="2"/>
             <a:r>
-              <a:rPr lang="en-US" smtClean="0"/>
+              <a:rPr lang="en-US"/>
               <a:t>Third level</a:t>
             </a:r>
           </a:p>
           <a:p>
             <a:pPr lvl="3"/>
             <a:r>
-              <a:rPr lang="en-US" smtClean="0"/>
+              <a:rPr lang="en-US"/>
               <a:t>Fourth level</a:t>
             </a:r>
           </a:p>
           <a:p>
             <a:pPr lvl="4"/>
             <a:r>
-              <a:rPr lang="en-US" smtClean="0"/>
+              <a:rPr lang="en-US"/>
               <a:t>Fifth level</a:t>
             </a:r>
             <a:endParaRPr lang="en-US" dirty="0"/>
@@ -5142,7 +5144,7 @@
           <a:p>
             <a:pPr lvl="0"/>
             <a:r>
-              <a:rPr lang="en-US" smtClean="0"/>
+              <a:rPr lang="en-US"/>
               <a:t>Click to edit Master text styles</a:t>
             </a:r>
           </a:p>
@@ -5265,7 +5267,7 @@
           </a:lstStyle>
           <a:p>
             <a:r>
-              <a:rPr lang="en-US" smtClean="0"/>
+              <a:rPr lang="en-US"/>
               <a:t>Click to edit Master title style</a:t>
             </a:r>
             <a:endParaRPr lang="en-US" dirty="0"/>
@@ -5344,7 +5346,7 @@
           </a:lstStyle>
           <a:p>
             <a:r>
-              <a:rPr lang="en-US" smtClean="0"/>
+              <a:rPr lang="en-US"/>
               <a:t>Drag picture to placeholder or click icon to add</a:t>
             </a:r>
             <a:endParaRPr lang="en-US" dirty="0"/>
@@ -5412,7 +5414,7 @@
           <a:p>
             <a:pPr lvl="0"/>
             <a:r>
-              <a:rPr lang="en-US" smtClean="0"/>
+              <a:rPr lang="en-US"/>
               <a:t>Click to edit Master text styles</a:t>
             </a:r>
           </a:p>
@@ -5754,7 +5756,7 @@
           <a:lstStyle/>
           <a:p>
             <a:r>
-              <a:rPr lang="en-US" smtClean="0"/>
+              <a:rPr lang="en-US"/>
               <a:t>Click to edit Master title style</a:t>
             </a:r>
             <a:endParaRPr lang="en-US" dirty="0"/>
@@ -5788,35 +5790,35 @@
           <a:p>
             <a:pPr lvl="0"/>
             <a:r>
-              <a:rPr lang="en-US" smtClean="0"/>
+              <a:rPr lang="en-US"/>
               <a:t>Click to edit Master text styles</a:t>
             </a:r>
           </a:p>
           <a:p>
             <a:pPr lvl="1"/>
             <a:r>
-              <a:rPr lang="en-US" smtClean="0"/>
+              <a:rPr lang="en-US"/>
               <a:t>Second level</a:t>
             </a:r>
           </a:p>
           <a:p>
             <a:pPr lvl="2"/>
             <a:r>
-              <a:rPr lang="en-US" smtClean="0"/>
+              <a:rPr lang="en-US"/>
               <a:t>Third level</a:t>
             </a:r>
           </a:p>
           <a:p>
             <a:pPr lvl="3"/>
             <a:r>
-              <a:rPr lang="en-US" smtClean="0"/>
+              <a:rPr lang="en-US"/>
               <a:t>Fourth level</a:t>
             </a:r>
           </a:p>
           <a:p>
             <a:pPr lvl="4"/>
             <a:r>
-              <a:rPr lang="en-US" smtClean="0"/>
+              <a:rPr lang="en-US"/>
               <a:t>Fifth level</a:t>
             </a:r>
             <a:endParaRPr lang="en-US" dirty="0"/>
@@ -6400,7 +6402,7 @@
           <p:cNvPr id="70" name="Rectangle 69">
             <a:extLst>
               <a:ext uri="{FF2B5EF4-FFF2-40B4-BE49-F238E27FC236}">
-                <a16:creationId xmlns:a16="http://schemas.microsoft.com/office/drawing/2014/main" xmlns="" id="{F3F4807A-5068-4492-8025-D75F320E908D}"/>
+                <a16:creationId xmlns:a16="http://schemas.microsoft.com/office/drawing/2014/main" id="{F3F4807A-5068-4492-8025-D75F320E908D}"/>
               </a:ext>
             </a:extLst>
           </p:cNvPr>
@@ -6457,7 +6459,7 @@
           <p:cNvPr id="72" name="Freeform 36">
             <a:extLst>
               <a:ext uri="{FF2B5EF4-FFF2-40B4-BE49-F238E27FC236}">
-                <a16:creationId xmlns:a16="http://schemas.microsoft.com/office/drawing/2014/main" xmlns="" id="{B24996F8-180C-4DCB-8A26-DFA336CDEFBC}"/>
+                <a16:creationId xmlns:a16="http://schemas.microsoft.com/office/drawing/2014/main" id="{B24996F8-180C-4DCB-8A26-DFA336CDEFBC}"/>
               </a:ext>
             </a:extLst>
           </p:cNvPr>
@@ -6806,7 +6808,7 @@
           <p:cNvPr id="74" name="Rectangle 73">
             <a:extLst>
               <a:ext uri="{FF2B5EF4-FFF2-40B4-BE49-F238E27FC236}">
-                <a16:creationId xmlns:a16="http://schemas.microsoft.com/office/drawing/2014/main" xmlns="" id="{630182B0-3559-41D5-9EBC-0BD86BEDAD09}"/>
+                <a16:creationId xmlns:a16="http://schemas.microsoft.com/office/drawing/2014/main" id="{630182B0-3559-41D5-9EBC-0BD86BEDAD09}"/>
               </a:ext>
             </a:extLst>
           </p:cNvPr>
@@ -6856,7 +6858,7 @@
           <p:cNvPr id="76" name="Freeform: Shape 75">
             <a:extLst>
               <a:ext uri="{FF2B5EF4-FFF2-40B4-BE49-F238E27FC236}">
-                <a16:creationId xmlns:a16="http://schemas.microsoft.com/office/drawing/2014/main" xmlns="" id="{D8B22DE2-C518-4F77-BE90-E1B6B1909D91}"/>
+                <a16:creationId xmlns:a16="http://schemas.microsoft.com/office/drawing/2014/main" id="{D8B22DE2-C518-4F77-BE90-E1B6B1909D91}"/>
               </a:ext>
             </a:extLst>
           </p:cNvPr>
@@ -7380,14 +7382,6 @@
                 <a:spcPct val="90000"/>
               </a:lnSpc>
             </a:pPr>
-            <a:r>
-              <a:rPr lang="en-US" sz="5400" b="1" dirty="0">
-                <a:solidFill>
-                  <a:srgbClr val="EBEBEB"/>
-                </a:solidFill>
-              </a:rPr>
-              <a:t/>
-            </a:r>
             <a:br>
               <a:rPr lang="en-US" sz="5400" b="1" dirty="0">
                 <a:solidFill>
@@ -7403,14 +7397,6 @@
               </a:rPr>
               <a:t>Slice</a:t>
             </a:r>
-            <a:r>
-              <a:rPr lang="en-US" sz="5400" i="1" dirty="0">
-                <a:solidFill>
-                  <a:srgbClr val="EBEBEB"/>
-                </a:solidFill>
-              </a:rPr>
-              <a:t/>
-            </a:r>
             <a:br>
               <a:rPr lang="en-US" sz="5400" i="1" dirty="0">
                 <a:solidFill>
@@ -7418,14 +7404,6 @@
                 </a:solidFill>
               </a:rPr>
             </a:br>
-            <a:r>
-              <a:rPr lang="en-US" sz="5400" dirty="0">
-                <a:solidFill>
-                  <a:srgbClr val="EBEBEB"/>
-                </a:solidFill>
-              </a:rPr>
-              <a:t/>
-            </a:r>
             <a:br>
               <a:rPr lang="en-US" sz="5400" dirty="0">
                 <a:solidFill>
@@ -7577,17 +7555,6 @@
               <a:buChar char="Ø"/>
             </a:pPr>
             <a:r>
-              <a:rPr lang="en-US" sz="2800" b="1" dirty="0" err="1">
-                <a:solidFill>
-                  <a:schemeClr val="tx2">
-                    <a:lumMod val="40000"/>
-                    <a:lumOff val="60000"/>
-                  </a:schemeClr>
-                </a:solidFill>
-              </a:rPr>
-              <a:t>Avinash</a:t>
-            </a:r>
-            <a:r>
               <a:rPr lang="en-US" sz="2800" b="1" dirty="0">
                 <a:solidFill>
                   <a:schemeClr val="tx2">
@@ -7596,29 +7563,7 @@
                   </a:schemeClr>
                 </a:solidFill>
               </a:rPr>
-              <a:t> </a:t>
-            </a:r>
-            <a:r>
-              <a:rPr lang="en-US" sz="2800" b="1" dirty="0" err="1">
-                <a:solidFill>
-                  <a:schemeClr val="tx2">
-                    <a:lumMod val="40000"/>
-                    <a:lumOff val="60000"/>
-                  </a:schemeClr>
-                </a:solidFill>
-              </a:rPr>
-              <a:t>Mathad</a:t>
-            </a:r>
-            <a:r>
-              <a:rPr lang="en-US" sz="2800" b="1" dirty="0">
-                <a:solidFill>
-                  <a:schemeClr val="tx2">
-                    <a:lumMod val="40000"/>
-                    <a:lumOff val="60000"/>
-                  </a:schemeClr>
-                </a:solidFill>
-              </a:rPr>
-              <a:t> </a:t>
+              <a:t>Avinash </a:t>
             </a:r>
             <a:r>
               <a:rPr lang="en-US" sz="2800" b="1" dirty="0" err="1">
@@ -7680,17 +7625,6 @@
                 <a:spcPct val="90000"/>
               </a:lnSpc>
             </a:pPr>
-            <a:r>
-              <a:rPr lang="en-US" sz="2800" b="1" dirty="0">
-                <a:solidFill>
-                  <a:schemeClr val="tx2">
-                    <a:lumMod val="40000"/>
-                    <a:lumOff val="60000"/>
-                  </a:schemeClr>
-                </a:solidFill>
-              </a:rPr>
-              <a:t/>
-            </a:r>
             <a:br>
               <a:rPr lang="en-US" sz="2800" b="1" dirty="0">
                 <a:solidFill>
@@ -7771,7 +7705,7 @@
           <p:cNvPr id="9" name="Picture 8">
             <a:extLst>
               <a:ext uri="{FF2B5EF4-FFF2-40B4-BE49-F238E27FC236}">
-                <a16:creationId xmlns="" xmlns:a16="http://schemas.microsoft.com/office/drawing/2014/main" id="{C9ECDD5C-152A-4CC7-8333-0F367B3A62EA}"/>
+                <a16:creationId xmlns:a16="http://schemas.microsoft.com/office/drawing/2014/main" id="{C9ECDD5C-152A-4CC7-8333-0F367B3A62EA}"/>
               </a:ext>
             </a:extLst>
           </p:cNvPr>
@@ -7812,7 +7746,7 @@
           <p:cNvPr id="11" name="Picture 10">
             <a:extLst>
               <a:ext uri="{FF2B5EF4-FFF2-40B4-BE49-F238E27FC236}">
-                <a16:creationId xmlns="" xmlns:a16="http://schemas.microsoft.com/office/drawing/2014/main" id="{7F5C92A3-369B-43F3-BDCE-E560B1B0EC89}"/>
+                <a16:creationId xmlns:a16="http://schemas.microsoft.com/office/drawing/2014/main" id="{7F5C92A3-369B-43F3-BDCE-E560B1B0EC89}"/>
               </a:ext>
             </a:extLst>
           </p:cNvPr>
@@ -7853,7 +7787,7 @@
           <p:cNvPr id="13" name="Oval 12">
             <a:extLst>
               <a:ext uri="{FF2B5EF4-FFF2-40B4-BE49-F238E27FC236}">
-                <a16:creationId xmlns="" xmlns:a16="http://schemas.microsoft.com/office/drawing/2014/main" id="{AEBE9F1A-B38D-446E-83AE-14B17CE77FF2}"/>
+                <a16:creationId xmlns:a16="http://schemas.microsoft.com/office/drawing/2014/main" id="{AEBE9F1A-B38D-446E-83AE-14B17CE77FF2}"/>
               </a:ext>
             </a:extLst>
           </p:cNvPr>
@@ -7930,7 +7864,7 @@
           <p:cNvPr id="15" name="Picture 14">
             <a:extLst>
               <a:ext uri="{FF2B5EF4-FFF2-40B4-BE49-F238E27FC236}">
-                <a16:creationId xmlns="" xmlns:a16="http://schemas.microsoft.com/office/drawing/2014/main" id="{915B5014-A7EC-4BA6-9C83-8840CF81DB28}"/>
+                <a16:creationId xmlns:a16="http://schemas.microsoft.com/office/drawing/2014/main" id="{915B5014-A7EC-4BA6-9C83-8840CF81DB28}"/>
               </a:ext>
             </a:extLst>
           </p:cNvPr>
@@ -7971,7 +7905,7 @@
           <p:cNvPr id="17" name="Picture 16">
             <a:extLst>
               <a:ext uri="{FF2B5EF4-FFF2-40B4-BE49-F238E27FC236}">
-                <a16:creationId xmlns="" xmlns:a16="http://schemas.microsoft.com/office/drawing/2014/main" id="{022C43AB-86D7-420D-8AD7-DC0A15FDD0AF}"/>
+                <a16:creationId xmlns:a16="http://schemas.microsoft.com/office/drawing/2014/main" id="{022C43AB-86D7-420D-8AD7-DC0A15FDD0AF}"/>
               </a:ext>
             </a:extLst>
           </p:cNvPr>
@@ -8012,7 +7946,7 @@
           <p:cNvPr id="19" name="Rectangle 18">
             <a:extLst>
               <a:ext uri="{FF2B5EF4-FFF2-40B4-BE49-F238E27FC236}">
-                <a16:creationId xmlns="" xmlns:a16="http://schemas.microsoft.com/office/drawing/2014/main" id="{5E3EB826-A471-488F-9E8A-D65528A3C0CA}"/>
+                <a16:creationId xmlns:a16="http://schemas.microsoft.com/office/drawing/2014/main" id="{5E3EB826-A471-488F-9E8A-D65528A3C0CA}"/>
               </a:ext>
             </a:extLst>
           </p:cNvPr>
@@ -8062,7 +7996,7 @@
           <p:cNvPr id="21" name="Rectangle 20">
             <a:extLst>
               <a:ext uri="{FF2B5EF4-FFF2-40B4-BE49-F238E27FC236}">
-                <a16:creationId xmlns="" xmlns:a16="http://schemas.microsoft.com/office/drawing/2014/main" id="{4159E445-83D7-4F7C-8B6B-79EDEFA5F788}"/>
+                <a16:creationId xmlns:a16="http://schemas.microsoft.com/office/drawing/2014/main" id="{4159E445-83D7-4F7C-8B6B-79EDEFA5F788}"/>
               </a:ext>
             </a:extLst>
           </p:cNvPr>
@@ -8154,7 +8088,7 @@
           <p:cNvPr id="23" name="Rectangle 22">
             <a:extLst>
               <a:ext uri="{FF2B5EF4-FFF2-40B4-BE49-F238E27FC236}">
-                <a16:creationId xmlns="" xmlns:a16="http://schemas.microsoft.com/office/drawing/2014/main" id="{E1E43DD8-7DEF-4A83-A303-10947F34B086}"/>
+                <a16:creationId xmlns:a16="http://schemas.microsoft.com/office/drawing/2014/main" id="{E1E43DD8-7DEF-4A83-A303-10947F34B086}"/>
               </a:ext>
             </a:extLst>
           </p:cNvPr>
@@ -8245,22 +8179,13 @@
           <a:lstStyle/>
           <a:p>
             <a:r>
-              <a:rPr lang="en-US" dirty="0" err="1" smtClean="0"/>
+              <a:rPr lang="en-US" dirty="0" err="1"/>
               <a:t>ANother</a:t>
             </a:r>
             <a:r>
-              <a:rPr lang="en-US" dirty="0" smtClean="0"/>
-              <a:t> </a:t>
+              <a:rPr lang="en-US" dirty="0"/>
+              <a:t> Tool for Language Recognition (ANTLR)</a:t>
             </a:r>
-            <a:r>
-              <a:rPr lang="en-US" dirty="0"/>
-              <a:t>Tool for Language </a:t>
-            </a:r>
-            <a:r>
-              <a:rPr lang="en-US" dirty="0" smtClean="0"/>
-              <a:t>Recognition (ANTLR)</a:t>
-            </a:r>
-            <a:endParaRPr lang="en-US" dirty="0"/>
           </a:p>
         </p:txBody>
       </p:sp>
@@ -8282,36 +8207,28 @@
           <a:lstStyle/>
           <a:p>
             <a:r>
-              <a:rPr lang="en-US" dirty="0" smtClean="0"/>
+              <a:rPr lang="en-US" dirty="0"/>
               <a:t>Now, the .g4 grammar file is run through ANTLR to generate parser and </a:t>
             </a:r>
             <a:r>
-              <a:rPr lang="en-US" dirty="0" err="1" smtClean="0"/>
+              <a:rPr lang="en-US" dirty="0" err="1"/>
               <a:t>lexer</a:t>
             </a:r>
             <a:r>
-              <a:rPr lang="en-US" dirty="0" smtClean="0"/>
+              <a:rPr lang="en-US" dirty="0"/>
               <a:t>.</a:t>
             </a:r>
           </a:p>
           <a:p>
             <a:r>
-              <a:rPr lang="en-US" dirty="0" smtClean="0"/>
-              <a:t>ANTLR </a:t>
+              <a:rPr lang="en-US" dirty="0"/>
+              <a:t>ANTLR is a powerful parser generator for reading, processing, executing or translating structured text.</a:t>
             </a:r>
+          </a:p>
+          <a:p>
             <a:r>
-              <a:rPr lang="en-US" dirty="0" smtClean="0"/>
-              <a:t>is a powerful parser generator for reading, processing, executing or translating structured text.</a:t>
-            </a:r>
-          </a:p>
-          <a:p>
-            <a:r>
-              <a:rPr lang="en-US" dirty="0" smtClean="0"/>
-              <a:t>For a grammar, ANTLR generates a parser that can build and walk parse trees</a:t>
-            </a:r>
-            <a:r>
-              <a:rPr lang="en-US" dirty="0" smtClean="0"/>
-              <a:t>.</a:t>
+              <a:rPr lang="en-US" dirty="0"/>
+              <a:t>For a grammar, ANTLR generates a parser that can build and walk parse trees.</a:t>
             </a:r>
           </a:p>
           <a:p>
@@ -8321,26 +8238,20 @@
             </a:r>
             <a:r>
               <a:rPr lang="en-US" dirty="0"/>
-              <a:t> tokens are generated which are used by the parser to generate the intermediate code and the parse tree</a:t>
+              <a:t> tokens are generated which are used by the parser to generate the intermediate code and the parse tree.</a:t>
             </a:r>
+          </a:p>
+          <a:p>
             <a:r>
-              <a:rPr lang="en-US" dirty="0" smtClean="0"/>
-              <a:t>.</a:t>
-            </a:r>
-            <a:endParaRPr lang="en-US" dirty="0" smtClean="0"/>
-          </a:p>
-          <a:p>
-            <a:r>
-              <a:rPr lang="en-US" dirty="0" smtClean="0"/>
+              <a:rPr lang="en-US" dirty="0"/>
               <a:t>This generated parse tree helped us analyze our grammar and check if it was defined properly.</a:t>
             </a:r>
           </a:p>
           <a:p>
             <a:r>
-              <a:rPr lang="en-US" dirty="0" smtClean="0"/>
+              <a:rPr lang="en-US" dirty="0"/>
               <a:t>Now we will see two parse tree examples generated by ANTLR</a:t>
             </a:r>
-            <a:endParaRPr lang="en-US" dirty="0"/>
           </a:p>
         </p:txBody>
       </p:sp>
@@ -8390,10 +8301,9 @@
           <a:lstStyle/>
           <a:p>
             <a:r>
-              <a:rPr lang="en-US" dirty="0" smtClean="0"/>
+              <a:rPr lang="en-US" dirty="0"/>
               <a:t>While Looping  Construct</a:t>
             </a:r>
-            <a:endParaRPr lang="en-US" dirty="0"/>
           </a:p>
         </p:txBody>
       </p:sp>
@@ -8503,10 +8413,9 @@
           <a:lstStyle/>
           <a:p>
             <a:r>
-              <a:rPr lang="en-US" dirty="0" smtClean="0"/>
+              <a:rPr lang="en-US" dirty="0"/>
               <a:t>Stack Operations</a:t>
             </a:r>
-            <a:endParaRPr lang="en-US" dirty="0"/>
           </a:p>
         </p:txBody>
       </p:sp>
@@ -8604,10 +8513,9 @@
           <a:lstStyle/>
           <a:p>
             <a:r>
-              <a:rPr lang="en-US" dirty="0" smtClean="0"/>
+              <a:rPr lang="en-US" dirty="0"/>
               <a:t>If along with While Construct</a:t>
             </a:r>
-            <a:endParaRPr lang="en-US" dirty="0"/>
           </a:p>
         </p:txBody>
       </p:sp>
@@ -8705,10 +8613,9 @@
           <a:lstStyle/>
           <a:p>
             <a:r>
-              <a:rPr lang="en-US" dirty="0" smtClean="0"/>
+              <a:rPr lang="en-US" dirty="0"/>
               <a:t>Intermediate Code Generation</a:t>
             </a:r>
-            <a:endParaRPr lang="en-US" dirty="0"/>
           </a:p>
         </p:txBody>
       </p:sp>
@@ -8730,71 +8637,59 @@
           <a:lstStyle/>
           <a:p>
             <a:r>
-              <a:rPr lang="en-US" dirty="0" smtClean="0"/>
+              <a:rPr lang="en-US" dirty="0"/>
               <a:t>The </a:t>
             </a:r>
             <a:r>
-              <a:rPr lang="en-US" dirty="0" err="1" smtClean="0"/>
+              <a:rPr lang="en-US" dirty="0" err="1"/>
               <a:t>sliceBaseListener</a:t>
             </a:r>
             <a:r>
-              <a:rPr lang="en-US" dirty="0" smtClean="0"/>
+              <a:rPr lang="en-US" dirty="0"/>
               <a:t> implements </a:t>
             </a:r>
             <a:r>
-              <a:rPr lang="en-US" dirty="0" err="1" smtClean="0"/>
+              <a:rPr lang="en-US" dirty="0" err="1"/>
               <a:t>sliceListener</a:t>
             </a:r>
             <a:r>
-              <a:rPr lang="en-US" dirty="0" smtClean="0"/>
-              <a:t> and now we define the </a:t>
+              <a:rPr lang="en-US" dirty="0"/>
+              <a:t> and now we define the semantics of the intermediate language.</a:t>
+            </a:r>
+          </a:p>
+          <a:p>
+            <a:r>
+              <a:rPr lang="en-US" dirty="0"/>
+              <a:t>So the </a:t>
             </a:r>
             <a:r>
-              <a:rPr lang="en-US" dirty="0" smtClean="0"/>
-              <a:t>semantics</a:t>
-            </a:r>
-            <a:r>
-              <a:rPr lang="en-US" dirty="0" smtClean="0"/>
-              <a:t> of the intermediate language.</a:t>
-            </a:r>
-          </a:p>
-          <a:p>
-            <a:r>
-              <a:rPr lang="en-US" dirty="0" smtClean="0"/>
-              <a:t>So </a:t>
-            </a:r>
-            <a:r>
-              <a:rPr lang="en-US" dirty="0" smtClean="0"/>
-              <a:t>the </a:t>
-            </a:r>
-            <a:r>
-              <a:rPr lang="en-US" dirty="0" err="1" smtClean="0"/>
+              <a:rPr lang="en-US" dirty="0" err="1"/>
               <a:t>sliceBaseListener</a:t>
             </a:r>
             <a:r>
-              <a:rPr lang="en-US" dirty="0" smtClean="0"/>
+              <a:rPr lang="en-US" dirty="0"/>
               <a:t> overrides the methods present in the </a:t>
             </a:r>
             <a:r>
-              <a:rPr lang="en-US" dirty="0" err="1" smtClean="0"/>
+              <a:rPr lang="en-US" dirty="0" err="1"/>
               <a:t>sliceListener</a:t>
             </a:r>
             <a:r>
-              <a:rPr lang="en-US" dirty="0" smtClean="0"/>
+              <a:rPr lang="en-US" dirty="0"/>
               <a:t>.</a:t>
             </a:r>
           </a:p>
           <a:p>
             <a:r>
-              <a:rPr lang="en-US" dirty="0" smtClean="0"/>
+              <a:rPr lang="en-US" dirty="0"/>
               <a:t>For example, in the input text when an ”IF” is encountered, the </a:t>
             </a:r>
             <a:r>
-              <a:rPr lang="en-US" dirty="0" err="1" smtClean="0"/>
+              <a:rPr lang="en-US" dirty="0" err="1"/>
               <a:t>enterIf</a:t>
             </a:r>
             <a:r>
-              <a:rPr lang="en-US" dirty="0" smtClean="0"/>
+              <a:rPr lang="en-US" dirty="0"/>
               <a:t> method gets called and certain specific operations are performed till the end of the loop is reached.</a:t>
             </a:r>
           </a:p>
@@ -8909,7 +8804,7 @@
           <p:cNvPr id="9" name="Picture 8">
             <a:extLst>
               <a:ext uri="{FF2B5EF4-FFF2-40B4-BE49-F238E27FC236}">
-                <a16:creationId xmlns="" xmlns:a16="http://schemas.microsoft.com/office/drawing/2014/main" id="{C9ECDD5C-152A-4CC7-8333-0F367B3A62EA}"/>
+                <a16:creationId xmlns:a16="http://schemas.microsoft.com/office/drawing/2014/main" id="{C9ECDD5C-152A-4CC7-8333-0F367B3A62EA}"/>
               </a:ext>
             </a:extLst>
           </p:cNvPr>
@@ -8950,7 +8845,7 @@
           <p:cNvPr id="11" name="Picture 10">
             <a:extLst>
               <a:ext uri="{FF2B5EF4-FFF2-40B4-BE49-F238E27FC236}">
-                <a16:creationId xmlns="" xmlns:a16="http://schemas.microsoft.com/office/drawing/2014/main" id="{7F5C92A3-369B-43F3-BDCE-E560B1B0EC89}"/>
+                <a16:creationId xmlns:a16="http://schemas.microsoft.com/office/drawing/2014/main" id="{7F5C92A3-369B-43F3-BDCE-E560B1B0EC89}"/>
               </a:ext>
             </a:extLst>
           </p:cNvPr>
@@ -8991,7 +8886,7 @@
           <p:cNvPr id="13" name="Oval 12">
             <a:extLst>
               <a:ext uri="{FF2B5EF4-FFF2-40B4-BE49-F238E27FC236}">
-                <a16:creationId xmlns="" xmlns:a16="http://schemas.microsoft.com/office/drawing/2014/main" id="{AEBE9F1A-B38D-446E-83AE-14B17CE77FF2}"/>
+                <a16:creationId xmlns:a16="http://schemas.microsoft.com/office/drawing/2014/main" id="{AEBE9F1A-B38D-446E-83AE-14B17CE77FF2}"/>
               </a:ext>
             </a:extLst>
           </p:cNvPr>
@@ -9068,7 +8963,7 @@
           <p:cNvPr id="15" name="Picture 14">
             <a:extLst>
               <a:ext uri="{FF2B5EF4-FFF2-40B4-BE49-F238E27FC236}">
-                <a16:creationId xmlns="" xmlns:a16="http://schemas.microsoft.com/office/drawing/2014/main" id="{915B5014-A7EC-4BA6-9C83-8840CF81DB28}"/>
+                <a16:creationId xmlns:a16="http://schemas.microsoft.com/office/drawing/2014/main" id="{915B5014-A7EC-4BA6-9C83-8840CF81DB28}"/>
               </a:ext>
             </a:extLst>
           </p:cNvPr>
@@ -9109,7 +9004,7 @@
           <p:cNvPr id="17" name="Picture 16">
             <a:extLst>
               <a:ext uri="{FF2B5EF4-FFF2-40B4-BE49-F238E27FC236}">
-                <a16:creationId xmlns="" xmlns:a16="http://schemas.microsoft.com/office/drawing/2014/main" id="{022C43AB-86D7-420D-8AD7-DC0A15FDD0AF}"/>
+                <a16:creationId xmlns:a16="http://schemas.microsoft.com/office/drawing/2014/main" id="{022C43AB-86D7-420D-8AD7-DC0A15FDD0AF}"/>
               </a:ext>
             </a:extLst>
           </p:cNvPr>
@@ -9150,7 +9045,7 @@
           <p:cNvPr id="19" name="Rectangle 18">
             <a:extLst>
               <a:ext uri="{FF2B5EF4-FFF2-40B4-BE49-F238E27FC236}">
-                <a16:creationId xmlns="" xmlns:a16="http://schemas.microsoft.com/office/drawing/2014/main" id="{5E3EB826-A471-488F-9E8A-D65528A3C0CA}"/>
+                <a16:creationId xmlns:a16="http://schemas.microsoft.com/office/drawing/2014/main" id="{5E3EB826-A471-488F-9E8A-D65528A3C0CA}"/>
               </a:ext>
             </a:extLst>
           </p:cNvPr>
@@ -9200,7 +9095,7 @@
           <p:cNvPr id="21" name="Rectangle 20">
             <a:extLst>
               <a:ext uri="{FF2B5EF4-FFF2-40B4-BE49-F238E27FC236}">
-                <a16:creationId xmlns="" xmlns:a16="http://schemas.microsoft.com/office/drawing/2014/main" id="{4159E445-83D7-4F7C-8B6B-79EDEFA5F788}"/>
+                <a16:creationId xmlns:a16="http://schemas.microsoft.com/office/drawing/2014/main" id="{4159E445-83D7-4F7C-8B6B-79EDEFA5F788}"/>
               </a:ext>
             </a:extLst>
           </p:cNvPr>
@@ -9255,9 +9150,59 @@
           </a:p>
         </p:txBody>
       </p:sp>
+      <p:sp>
+        <p:nvSpPr>
+          <p:cNvPr id="23" name="Rectangle 22">
+            <a:extLst>
+              <a:ext uri="{FF2B5EF4-FFF2-40B4-BE49-F238E27FC236}">
+                <a16:creationId xmlns:a16="http://schemas.microsoft.com/office/drawing/2014/main" id="{E1E43DD8-7DEF-4A83-A303-10947F34B086}"/>
+              </a:ext>
+            </a:extLst>
+          </p:cNvPr>
+          <p:cNvSpPr>
+            <a:spLocks noGrp="1" noRot="1" noChangeAspect="1" noMove="1" noResize="1" noEditPoints="1" noAdjustHandles="1" noChangeArrowheads="1" noChangeShapeType="1" noTextEdit="1"/>
+          </p:cNvSpPr>
+          <p:nvPr>
+            <p:extLst>
+              <p:ext uri="{386F3935-93C4-4BCD-93E2-E3B085C9AB24}">
+                <p16:designElem xmlns:p16="http://schemas.microsoft.com/office/powerpoint/2015/main" val="1"/>
+              </p:ext>
+            </p:extLst>
+          </p:nvPr>
+        </p:nvSpPr>
+        <p:spPr>
+          <a:xfrm>
+            <a:off x="10437812" y="0"/>
+            <a:ext cx="685800" cy="1143000"/>
+          </a:xfrm>
+          <a:prstGeom prst="rect">
+            <a:avLst/>
+          </a:prstGeom>
+          <a:solidFill>
+            <a:schemeClr val="accent1"/>
+          </a:solidFill>
+          <a:ln>
+            <a:noFill/>
+          </a:ln>
+        </p:spPr>
+        <p:style>
+          <a:lnRef idx="1">
+            <a:schemeClr val="accent1"/>
+          </a:lnRef>
+          <a:fillRef idx="3">
+            <a:schemeClr val="accent1"/>
+          </a:fillRef>
+          <a:effectRef idx="2">
+            <a:schemeClr val="accent1"/>
+          </a:effectRef>
+          <a:fontRef idx="minor">
+            <a:schemeClr val="lt1"/>
+          </a:fontRef>
+        </p:style>
+      </p:sp>
       <p:pic>
         <p:nvPicPr>
-          <p:cNvPr id="4" name="Content Placeholder 3"/>
+          <p:cNvPr id="3" name="Content Placeholder 2"/>
           <p:cNvPicPr>
             <a:picLocks noGrp="1" noChangeAspect="1"/>
           </p:cNvPicPr>
@@ -9279,68 +9224,15 @@
         </p:blipFill>
         <p:spPr>
           <a:xfrm>
-            <a:off x="2534000" y="643466"/>
-            <a:ext cx="7142393" cy="5571067"/>
-          </a:xfrm>
-          <a:prstGeom prst="rect">
-            <a:avLst/>
-          </a:prstGeom>
+            <a:off x="1856853" y="546653"/>
+            <a:ext cx="7893433" cy="5701748"/>
+          </a:xfrm>
         </p:spPr>
       </p:pic>
-      <p:sp>
-        <p:nvSpPr>
-          <p:cNvPr id="23" name="Rectangle 22">
-            <a:extLst>
-              <a:ext uri="{FF2B5EF4-FFF2-40B4-BE49-F238E27FC236}">
-                <a16:creationId xmlns="" xmlns:a16="http://schemas.microsoft.com/office/drawing/2014/main" id="{E1E43DD8-7DEF-4A83-A303-10947F34B086}"/>
-              </a:ext>
-            </a:extLst>
-          </p:cNvPr>
-          <p:cNvSpPr>
-            <a:spLocks noGrp="1" noRot="1" noChangeAspect="1" noMove="1" noResize="1" noEditPoints="1" noAdjustHandles="1" noChangeArrowheads="1" noChangeShapeType="1" noTextEdit="1"/>
-          </p:cNvSpPr>
-          <p:nvPr>
-            <p:extLst>
-              <p:ext uri="{386F3935-93C4-4BCD-93E2-E3B085C9AB24}">
-                <p16:designElem xmlns:p16="http://schemas.microsoft.com/office/powerpoint/2015/main" val="1"/>
-              </p:ext>
-            </p:extLst>
-          </p:nvPr>
-        </p:nvSpPr>
-        <p:spPr>
-          <a:xfrm>
-            <a:off x="10437812" y="0"/>
-            <a:ext cx="685800" cy="1143000"/>
-          </a:xfrm>
-          <a:prstGeom prst="rect">
-            <a:avLst/>
-          </a:prstGeom>
-          <a:solidFill>
-            <a:schemeClr val="accent1"/>
-          </a:solidFill>
-          <a:ln>
-            <a:noFill/>
-          </a:ln>
-        </p:spPr>
-        <p:style>
-          <a:lnRef idx="1">
-            <a:schemeClr val="accent1"/>
-          </a:lnRef>
-          <a:fillRef idx="3">
-            <a:schemeClr val="accent1"/>
-          </a:fillRef>
-          <a:effectRef idx="2">
-            <a:schemeClr val="accent1"/>
-          </a:effectRef>
-          <a:fontRef idx="minor">
-            <a:schemeClr val="lt1"/>
-          </a:fontRef>
-        </p:style>
-      </p:sp>
     </p:spTree>
     <p:extLst>
       <p:ext uri="{BB962C8B-B14F-4D97-AF65-F5344CB8AC3E}">
-        <p14:creationId xmlns:p14="http://schemas.microsoft.com/office/powerpoint/2010/main" val="1211959403"/>
+        <p14:creationId xmlns:p14="http://schemas.microsoft.com/office/powerpoint/2010/main" val="1564520077"/>
       </p:ext>
     </p:extLst>
   </p:cSld>
@@ -9396,7 +9288,7 @@
           <p:cNvPr id="9" name="Picture 8">
             <a:extLst>
               <a:ext uri="{FF2B5EF4-FFF2-40B4-BE49-F238E27FC236}">
-                <a16:creationId xmlns="" xmlns:a16="http://schemas.microsoft.com/office/drawing/2014/main" id="{C9ECDD5C-152A-4CC7-8333-0F367B3A62EA}"/>
+                <a16:creationId xmlns:a16="http://schemas.microsoft.com/office/drawing/2014/main" id="{C9ECDD5C-152A-4CC7-8333-0F367B3A62EA}"/>
               </a:ext>
             </a:extLst>
           </p:cNvPr>
@@ -9437,7 +9329,7 @@
           <p:cNvPr id="11" name="Picture 10">
             <a:extLst>
               <a:ext uri="{FF2B5EF4-FFF2-40B4-BE49-F238E27FC236}">
-                <a16:creationId xmlns="" xmlns:a16="http://schemas.microsoft.com/office/drawing/2014/main" id="{7F5C92A3-369B-43F3-BDCE-E560B1B0EC89}"/>
+                <a16:creationId xmlns:a16="http://schemas.microsoft.com/office/drawing/2014/main" id="{7F5C92A3-369B-43F3-BDCE-E560B1B0EC89}"/>
               </a:ext>
             </a:extLst>
           </p:cNvPr>
@@ -9478,7 +9370,7 @@
           <p:cNvPr id="13" name="Oval 12">
             <a:extLst>
               <a:ext uri="{FF2B5EF4-FFF2-40B4-BE49-F238E27FC236}">
-                <a16:creationId xmlns="" xmlns:a16="http://schemas.microsoft.com/office/drawing/2014/main" id="{AEBE9F1A-B38D-446E-83AE-14B17CE77FF2}"/>
+                <a16:creationId xmlns:a16="http://schemas.microsoft.com/office/drawing/2014/main" id="{AEBE9F1A-B38D-446E-83AE-14B17CE77FF2}"/>
               </a:ext>
             </a:extLst>
           </p:cNvPr>
@@ -9555,7 +9447,7 @@
           <p:cNvPr id="15" name="Picture 14">
             <a:extLst>
               <a:ext uri="{FF2B5EF4-FFF2-40B4-BE49-F238E27FC236}">
-                <a16:creationId xmlns="" xmlns:a16="http://schemas.microsoft.com/office/drawing/2014/main" id="{915B5014-A7EC-4BA6-9C83-8840CF81DB28}"/>
+                <a16:creationId xmlns:a16="http://schemas.microsoft.com/office/drawing/2014/main" id="{915B5014-A7EC-4BA6-9C83-8840CF81DB28}"/>
               </a:ext>
             </a:extLst>
           </p:cNvPr>
@@ -9596,7 +9488,7 @@
           <p:cNvPr id="17" name="Picture 16">
             <a:extLst>
               <a:ext uri="{FF2B5EF4-FFF2-40B4-BE49-F238E27FC236}">
-                <a16:creationId xmlns="" xmlns:a16="http://schemas.microsoft.com/office/drawing/2014/main" id="{022C43AB-86D7-420D-8AD7-DC0A15FDD0AF}"/>
+                <a16:creationId xmlns:a16="http://schemas.microsoft.com/office/drawing/2014/main" id="{022C43AB-86D7-420D-8AD7-DC0A15FDD0AF}"/>
               </a:ext>
             </a:extLst>
           </p:cNvPr>
@@ -9637,7 +9529,7 @@
           <p:cNvPr id="19" name="Rectangle 18">
             <a:extLst>
               <a:ext uri="{FF2B5EF4-FFF2-40B4-BE49-F238E27FC236}">
-                <a16:creationId xmlns="" xmlns:a16="http://schemas.microsoft.com/office/drawing/2014/main" id="{5E3EB826-A471-488F-9E8A-D65528A3C0CA}"/>
+                <a16:creationId xmlns:a16="http://schemas.microsoft.com/office/drawing/2014/main" id="{5E3EB826-A471-488F-9E8A-D65528A3C0CA}"/>
               </a:ext>
             </a:extLst>
           </p:cNvPr>
@@ -9687,7 +9579,7 @@
           <p:cNvPr id="21" name="Rectangle 20">
             <a:extLst>
               <a:ext uri="{FF2B5EF4-FFF2-40B4-BE49-F238E27FC236}">
-                <a16:creationId xmlns="" xmlns:a16="http://schemas.microsoft.com/office/drawing/2014/main" id="{4159E445-83D7-4F7C-8B6B-79EDEFA5F788}"/>
+                <a16:creationId xmlns:a16="http://schemas.microsoft.com/office/drawing/2014/main" id="{4159E445-83D7-4F7C-8B6B-79EDEFA5F788}"/>
               </a:ext>
             </a:extLst>
           </p:cNvPr>
@@ -9747,7 +9639,7 @@
           <p:cNvPr id="23" name="Rectangle 22">
             <a:extLst>
               <a:ext uri="{FF2B5EF4-FFF2-40B4-BE49-F238E27FC236}">
-                <a16:creationId xmlns="" xmlns:a16="http://schemas.microsoft.com/office/drawing/2014/main" id="{E1E43DD8-7DEF-4A83-A303-10947F34B086}"/>
+                <a16:creationId xmlns:a16="http://schemas.microsoft.com/office/drawing/2014/main" id="{E1E43DD8-7DEF-4A83-A303-10947F34B086}"/>
               </a:ext>
             </a:extLst>
           </p:cNvPr>
@@ -9816,15 +9708,15 @@
         </p:blipFill>
         <p:spPr>
           <a:xfrm>
-            <a:off x="1856853" y="546653"/>
-            <a:ext cx="7893433" cy="5701748"/>
+            <a:off x="1333500" y="457200"/>
+            <a:ext cx="9104311" cy="5791200"/>
           </a:xfrm>
         </p:spPr>
       </p:pic>
     </p:spTree>
     <p:extLst>
       <p:ext uri="{BB962C8B-B14F-4D97-AF65-F5344CB8AC3E}">
-        <p14:creationId xmlns:p14="http://schemas.microsoft.com/office/powerpoint/2010/main" val="1564520077"/>
+        <p14:creationId xmlns:p14="http://schemas.microsoft.com/office/powerpoint/2010/main" val="2014330676"/>
       </p:ext>
     </p:extLst>
   </p:cSld>
@@ -9880,7 +9772,7 @@
           <p:cNvPr id="9" name="Picture 8">
             <a:extLst>
               <a:ext uri="{FF2B5EF4-FFF2-40B4-BE49-F238E27FC236}">
-                <a16:creationId xmlns="" xmlns:a16="http://schemas.microsoft.com/office/drawing/2014/main" id="{C9ECDD5C-152A-4CC7-8333-0F367B3A62EA}"/>
+                <a16:creationId xmlns:a16="http://schemas.microsoft.com/office/drawing/2014/main" id="{C9ECDD5C-152A-4CC7-8333-0F367B3A62EA}"/>
               </a:ext>
             </a:extLst>
           </p:cNvPr>
@@ -9921,7 +9813,7 @@
           <p:cNvPr id="11" name="Picture 10">
             <a:extLst>
               <a:ext uri="{FF2B5EF4-FFF2-40B4-BE49-F238E27FC236}">
-                <a16:creationId xmlns="" xmlns:a16="http://schemas.microsoft.com/office/drawing/2014/main" id="{7F5C92A3-369B-43F3-BDCE-E560B1B0EC89}"/>
+                <a16:creationId xmlns:a16="http://schemas.microsoft.com/office/drawing/2014/main" id="{7F5C92A3-369B-43F3-BDCE-E560B1B0EC89}"/>
               </a:ext>
             </a:extLst>
           </p:cNvPr>
@@ -9962,7 +9854,7 @@
           <p:cNvPr id="13" name="Oval 12">
             <a:extLst>
               <a:ext uri="{FF2B5EF4-FFF2-40B4-BE49-F238E27FC236}">
-                <a16:creationId xmlns="" xmlns:a16="http://schemas.microsoft.com/office/drawing/2014/main" id="{AEBE9F1A-B38D-446E-83AE-14B17CE77FF2}"/>
+                <a16:creationId xmlns:a16="http://schemas.microsoft.com/office/drawing/2014/main" id="{AEBE9F1A-B38D-446E-83AE-14B17CE77FF2}"/>
               </a:ext>
             </a:extLst>
           </p:cNvPr>
@@ -10039,7 +9931,7 @@
           <p:cNvPr id="15" name="Picture 14">
             <a:extLst>
               <a:ext uri="{FF2B5EF4-FFF2-40B4-BE49-F238E27FC236}">
-                <a16:creationId xmlns="" xmlns:a16="http://schemas.microsoft.com/office/drawing/2014/main" id="{915B5014-A7EC-4BA6-9C83-8840CF81DB28}"/>
+                <a16:creationId xmlns:a16="http://schemas.microsoft.com/office/drawing/2014/main" id="{915B5014-A7EC-4BA6-9C83-8840CF81DB28}"/>
               </a:ext>
             </a:extLst>
           </p:cNvPr>
@@ -10080,7 +9972,7 @@
           <p:cNvPr id="17" name="Picture 16">
             <a:extLst>
               <a:ext uri="{FF2B5EF4-FFF2-40B4-BE49-F238E27FC236}">
-                <a16:creationId xmlns="" xmlns:a16="http://schemas.microsoft.com/office/drawing/2014/main" id="{022C43AB-86D7-420D-8AD7-DC0A15FDD0AF}"/>
+                <a16:creationId xmlns:a16="http://schemas.microsoft.com/office/drawing/2014/main" id="{022C43AB-86D7-420D-8AD7-DC0A15FDD0AF}"/>
               </a:ext>
             </a:extLst>
           </p:cNvPr>
@@ -10121,7 +10013,7 @@
           <p:cNvPr id="19" name="Rectangle 18">
             <a:extLst>
               <a:ext uri="{FF2B5EF4-FFF2-40B4-BE49-F238E27FC236}">
-                <a16:creationId xmlns="" xmlns:a16="http://schemas.microsoft.com/office/drawing/2014/main" id="{5E3EB826-A471-488F-9E8A-D65528A3C0CA}"/>
+                <a16:creationId xmlns:a16="http://schemas.microsoft.com/office/drawing/2014/main" id="{5E3EB826-A471-488F-9E8A-D65528A3C0CA}"/>
               </a:ext>
             </a:extLst>
           </p:cNvPr>
@@ -10171,7 +10063,7 @@
           <p:cNvPr id="21" name="Rectangle 20">
             <a:extLst>
               <a:ext uri="{FF2B5EF4-FFF2-40B4-BE49-F238E27FC236}">
-                <a16:creationId xmlns="" xmlns:a16="http://schemas.microsoft.com/office/drawing/2014/main" id="{4159E445-83D7-4F7C-8B6B-79EDEFA5F788}"/>
+                <a16:creationId xmlns:a16="http://schemas.microsoft.com/office/drawing/2014/main" id="{4159E445-83D7-4F7C-8B6B-79EDEFA5F788}"/>
               </a:ext>
             </a:extLst>
           </p:cNvPr>
@@ -10226,12 +10118,44 @@
           </a:p>
         </p:txBody>
       </p:sp>
+      <p:pic>
+        <p:nvPicPr>
+          <p:cNvPr id="4" name="Content Placeholder 3"/>
+          <p:cNvPicPr>
+            <a:picLocks noGrp="1" noChangeAspect="1"/>
+          </p:cNvPicPr>
+          <p:nvPr>
+            <p:ph idx="1"/>
+          </p:nvPr>
+        </p:nvPicPr>
+        <p:blipFill>
+          <a:blip r:embed="rId7">
+            <a:extLst>
+              <a:ext uri="{28A0092B-C50C-407E-A947-70E740481C1C}">
+                <a14:useLocalDpi xmlns:a14="http://schemas.microsoft.com/office/drawing/2010/main" val="0"/>
+              </a:ext>
+            </a:extLst>
+          </a:blip>
+          <a:stretch>
+            <a:fillRect/>
+          </a:stretch>
+        </p:blipFill>
+        <p:spPr>
+          <a:xfrm>
+            <a:off x="2687364" y="643466"/>
+            <a:ext cx="6835665" cy="5571067"/>
+          </a:xfrm>
+          <a:prstGeom prst="rect">
+            <a:avLst/>
+          </a:prstGeom>
+        </p:spPr>
+      </p:pic>
       <p:sp>
         <p:nvSpPr>
           <p:cNvPr id="23" name="Rectangle 22">
             <a:extLst>
               <a:ext uri="{FF2B5EF4-FFF2-40B4-BE49-F238E27FC236}">
-                <a16:creationId xmlns="" xmlns:a16="http://schemas.microsoft.com/office/drawing/2014/main" id="{E1E43DD8-7DEF-4A83-A303-10947F34B086}"/>
+                <a16:creationId xmlns:a16="http://schemas.microsoft.com/office/drawing/2014/main" id="{E1E43DD8-7DEF-4A83-A303-10947F34B086}"/>
               </a:ext>
             </a:extLst>
           </p:cNvPr>
@@ -10276,39 +10200,10 @@
           </a:fontRef>
         </p:style>
       </p:sp>
-      <p:pic>
-        <p:nvPicPr>
-          <p:cNvPr id="3" name="Content Placeholder 2"/>
-          <p:cNvPicPr>
-            <a:picLocks noGrp="1" noChangeAspect="1"/>
-          </p:cNvPicPr>
-          <p:nvPr>
-            <p:ph idx="1"/>
-          </p:nvPr>
-        </p:nvPicPr>
-        <p:blipFill>
-          <a:blip r:embed="rId7">
-            <a:extLst>
-              <a:ext uri="{28A0092B-C50C-407E-A947-70E740481C1C}">
-                <a14:useLocalDpi xmlns:a14="http://schemas.microsoft.com/office/drawing/2010/main" val="0"/>
-              </a:ext>
-            </a:extLst>
-          </a:blip>
-          <a:stretch>
-            <a:fillRect/>
-          </a:stretch>
-        </p:blipFill>
-        <p:spPr>
-          <a:xfrm>
-            <a:off x="1103312" y="533400"/>
-            <a:ext cx="9334499" cy="5387139"/>
-          </a:xfrm>
-        </p:spPr>
-      </p:pic>
     </p:spTree>
     <p:extLst>
       <p:ext uri="{BB962C8B-B14F-4D97-AF65-F5344CB8AC3E}">
-        <p14:creationId xmlns:p14="http://schemas.microsoft.com/office/powerpoint/2010/main" val="2250914282"/>
+        <p14:creationId xmlns:p14="http://schemas.microsoft.com/office/powerpoint/2010/main" val="3390766127"/>
       </p:ext>
     </p:extLst>
   </p:cSld>
@@ -10321,30 +10216,6 @@
 <file path=ppt/slides/slide19.xml><?xml version="1.0" encoding="utf-8"?>
 <p:sld xmlns:a="http://schemas.openxmlformats.org/drawingml/2006/main" xmlns:r="http://schemas.openxmlformats.org/officeDocument/2006/relationships" xmlns:p="http://schemas.openxmlformats.org/presentationml/2006/main">
   <p:cSld>
-    <p:bg>
-      <p:bgPr>
-        <a:blipFill rotWithShape="1">
-          <a:blip r:embed="rId2">
-            <a:duotone>
-              <a:schemeClr val="bg2">
-                <a:shade val="69000"/>
-                <a:hueMod val="108000"/>
-                <a:satMod val="164000"/>
-                <a:lumMod val="74000"/>
-              </a:schemeClr>
-              <a:schemeClr val="bg2">
-                <a:tint val="96000"/>
-                <a:hueMod val="88000"/>
-                <a:satMod val="140000"/>
-                <a:lumMod val="132000"/>
-              </a:schemeClr>
-            </a:duotone>
-          </a:blip>
-          <a:stretch/>
-        </a:blipFill>
-        <a:effectLst/>
-      </p:bgPr>
-    </p:bg>
     <p:spTree>
       <p:nvGrpSpPr>
         <p:cNvPr id="1" name=""/>
@@ -10359,440 +10230,121 @@
           <a:chExt cx="0" cy="0"/>
         </a:xfrm>
       </p:grpSpPr>
-      <p:pic>
-        <p:nvPicPr>
-          <p:cNvPr id="9" name="Picture 8">
-            <a:extLst>
-              <a:ext uri="{FF2B5EF4-FFF2-40B4-BE49-F238E27FC236}">
-                <a16:creationId xmlns="" xmlns:a16="http://schemas.microsoft.com/office/drawing/2014/main" id="{C9ECDD5C-152A-4CC7-8333-0F367B3A62EA}"/>
-              </a:ext>
-            </a:extLst>
-          </p:cNvPr>
-          <p:cNvPicPr>
-            <a:picLocks noGrp="1" noRot="1" noChangeAspect="1" noMove="1" noResize="1" noEditPoints="1" noAdjustHandles="1" noChangeArrowheads="1" noChangeShapeType="1" noCrop="1"/>
-          </p:cNvPicPr>
-          <p:nvPr>
-            <p:extLst>
-              <p:ext uri="{386F3935-93C4-4BCD-93E2-E3B085C9AB24}">
-                <p16:designElem xmlns:p16="http://schemas.microsoft.com/office/powerpoint/2015/main" val="1"/>
-              </p:ext>
-            </p:extLst>
-          </p:nvPr>
-        </p:nvPicPr>
-        <p:blipFill rotWithShape="1">
-          <a:blip r:embed="rId3">
-            <a:extLst>
-              <a:ext uri="{28A0092B-C50C-407E-A947-70E740481C1C}">
-                <a14:useLocalDpi xmlns:a14="http://schemas.microsoft.com/office/drawing/2010/main" val="0"/>
-              </a:ext>
-            </a:extLst>
-          </a:blip>
-          <a:srcRect l="3613"/>
-          <a:stretch/>
-        </p:blipFill>
-        <p:spPr>
-          <a:xfrm>
-            <a:off x="0" y="2669685"/>
-            <a:ext cx="4037012" cy="4188315"/>
-          </a:xfrm>
-          <a:prstGeom prst="rect">
-            <a:avLst/>
-          </a:prstGeom>
-        </p:spPr>
-      </p:pic>
-      <p:pic>
-        <p:nvPicPr>
-          <p:cNvPr id="11" name="Picture 10">
-            <a:extLst>
-              <a:ext uri="{FF2B5EF4-FFF2-40B4-BE49-F238E27FC236}">
-                <a16:creationId xmlns="" xmlns:a16="http://schemas.microsoft.com/office/drawing/2014/main" id="{7F5C92A3-369B-43F3-BDCE-E560B1B0EC89}"/>
-              </a:ext>
-            </a:extLst>
-          </p:cNvPr>
-          <p:cNvPicPr>
-            <a:picLocks noGrp="1" noRot="1" noChangeAspect="1" noMove="1" noResize="1" noEditPoints="1" noAdjustHandles="1" noChangeArrowheads="1" noChangeShapeType="1" noCrop="1"/>
-          </p:cNvPicPr>
-          <p:nvPr>
-            <p:extLst>
-              <p:ext uri="{386F3935-93C4-4BCD-93E2-E3B085C9AB24}">
-                <p16:designElem xmlns:p16="http://schemas.microsoft.com/office/powerpoint/2015/main" val="1"/>
-              </p:ext>
-            </p:extLst>
-          </p:nvPr>
-        </p:nvPicPr>
-        <p:blipFill rotWithShape="1">
-          <a:blip r:embed="rId4">
-            <a:extLst>
-              <a:ext uri="{28A0092B-C50C-407E-A947-70E740481C1C}">
-                <a14:useLocalDpi xmlns:a14="http://schemas.microsoft.com/office/drawing/2010/main" val="0"/>
-              </a:ext>
-            </a:extLst>
-          </a:blip>
-          <a:srcRect l="35640"/>
-          <a:stretch/>
-        </p:blipFill>
-        <p:spPr>
-          <a:xfrm>
-            <a:off x="0" y="2892347"/>
-            <a:ext cx="1522412" cy="2365453"/>
-          </a:xfrm>
-          <a:prstGeom prst="rect">
-            <a:avLst/>
-          </a:prstGeom>
-        </p:spPr>
-      </p:pic>
-      <p:sp>
-        <p:nvSpPr>
-          <p:cNvPr id="13" name="Oval 12">
-            <a:extLst>
-              <a:ext uri="{FF2B5EF4-FFF2-40B4-BE49-F238E27FC236}">
-                <a16:creationId xmlns="" xmlns:a16="http://schemas.microsoft.com/office/drawing/2014/main" id="{AEBE9F1A-B38D-446E-83AE-14B17CE77FF2}"/>
-              </a:ext>
-            </a:extLst>
-          </p:cNvPr>
-          <p:cNvSpPr>
-            <a:spLocks noGrp="1" noRot="1" noChangeAspect="1" noMove="1" noResize="1" noEditPoints="1" noAdjustHandles="1" noChangeArrowheads="1" noChangeShapeType="1" noTextEdit="1"/>
-          </p:cNvSpPr>
-          <p:nvPr>
-            <p:extLst>
-              <p:ext uri="{386F3935-93C4-4BCD-93E2-E3B085C9AB24}">
-                <p16:designElem xmlns:p16="http://schemas.microsoft.com/office/powerpoint/2015/main" val="1"/>
-              </p:ext>
-            </p:extLst>
-          </p:nvPr>
-        </p:nvSpPr>
-        <p:spPr>
-          <a:xfrm>
-            <a:off x="8609012" y="1676400"/>
-            <a:ext cx="2819400" cy="2819400"/>
-          </a:xfrm>
-          <a:prstGeom prst="ellipse">
-            <a:avLst/>
-          </a:prstGeom>
-          <a:gradFill flip="none" rotWithShape="1">
-            <a:gsLst>
-              <a:gs pos="0">
-                <a:schemeClr val="bg2">
-                  <a:lumMod val="60000"/>
-                  <a:lumOff val="40000"/>
-                  <a:alpha val="7000"/>
-                </a:schemeClr>
-              </a:gs>
-              <a:gs pos="69000">
-                <a:schemeClr val="bg2">
-                  <a:lumMod val="60000"/>
-                  <a:lumOff val="40000"/>
-                  <a:alpha val="0"/>
-                </a:schemeClr>
-              </a:gs>
-              <a:gs pos="36000">
-                <a:schemeClr val="bg2">
-                  <a:lumMod val="60000"/>
-                  <a:lumOff val="40000"/>
-                  <a:alpha val="6000"/>
-                </a:schemeClr>
-              </a:gs>
-            </a:gsLst>
-            <a:path path="circle">
-              <a:fillToRect l="50000" t="50000" r="50000" b="50000"/>
-            </a:path>
-            <a:tileRect/>
-          </a:gradFill>
-          <a:ln>
-            <a:noFill/>
-          </a:ln>
-          <a:effectLst/>
-        </p:spPr>
-        <p:style>
-          <a:lnRef idx="1">
-            <a:schemeClr val="accent1"/>
-          </a:lnRef>
-          <a:fillRef idx="3">
-            <a:schemeClr val="accent1"/>
-          </a:fillRef>
-          <a:effectRef idx="2">
-            <a:schemeClr val="accent1"/>
-          </a:effectRef>
-          <a:fontRef idx="minor">
-            <a:schemeClr val="lt1"/>
-          </a:fontRef>
-        </p:style>
-      </p:sp>
-      <p:pic>
-        <p:nvPicPr>
-          <p:cNvPr id="15" name="Picture 14">
-            <a:extLst>
-              <a:ext uri="{FF2B5EF4-FFF2-40B4-BE49-F238E27FC236}">
-                <a16:creationId xmlns="" xmlns:a16="http://schemas.microsoft.com/office/drawing/2014/main" id="{915B5014-A7EC-4BA6-9C83-8840CF81DB28}"/>
-              </a:ext>
-            </a:extLst>
-          </p:cNvPr>
-          <p:cNvPicPr>
-            <a:picLocks noGrp="1" noRot="1" noChangeAspect="1" noMove="1" noResize="1" noEditPoints="1" noAdjustHandles="1" noChangeArrowheads="1" noChangeShapeType="1" noCrop="1"/>
-          </p:cNvPicPr>
-          <p:nvPr>
-            <p:extLst>
-              <p:ext uri="{386F3935-93C4-4BCD-93E2-E3B085C9AB24}">
-                <p16:designElem xmlns:p16="http://schemas.microsoft.com/office/powerpoint/2015/main" val="1"/>
-              </p:ext>
-            </p:extLst>
-          </p:nvPr>
-        </p:nvPicPr>
-        <p:blipFill rotWithShape="1">
-          <a:blip r:embed="rId5">
-            <a:extLst>
-              <a:ext uri="{28A0092B-C50C-407E-A947-70E740481C1C}">
-                <a14:useLocalDpi xmlns:a14="http://schemas.microsoft.com/office/drawing/2010/main" val="0"/>
-              </a:ext>
-            </a:extLst>
-          </a:blip>
-          <a:srcRect t="28813"/>
-          <a:stretch/>
-        </p:blipFill>
-        <p:spPr>
-          <a:xfrm>
-            <a:off x="7999412" y="0"/>
-            <a:ext cx="1603387" cy="1141407"/>
-          </a:xfrm>
-          <a:prstGeom prst="rect">
-            <a:avLst/>
-          </a:prstGeom>
-        </p:spPr>
-      </p:pic>
-      <p:pic>
-        <p:nvPicPr>
-          <p:cNvPr id="17" name="Picture 16">
-            <a:extLst>
-              <a:ext uri="{FF2B5EF4-FFF2-40B4-BE49-F238E27FC236}">
-                <a16:creationId xmlns="" xmlns:a16="http://schemas.microsoft.com/office/drawing/2014/main" id="{022C43AB-86D7-420D-8AD7-DC0A15FDD0AF}"/>
-              </a:ext>
-            </a:extLst>
-          </p:cNvPr>
-          <p:cNvPicPr>
-            <a:picLocks noGrp="1" noRot="1" noChangeAspect="1" noMove="1" noResize="1" noEditPoints="1" noAdjustHandles="1" noChangeArrowheads="1" noChangeShapeType="1" noCrop="1"/>
-          </p:cNvPicPr>
-          <p:nvPr>
-            <p:extLst>
-              <p:ext uri="{386F3935-93C4-4BCD-93E2-E3B085C9AB24}">
-                <p16:designElem xmlns:p16="http://schemas.microsoft.com/office/powerpoint/2015/main" val="1"/>
-              </p:ext>
-            </p:extLst>
-          </p:nvPr>
-        </p:nvPicPr>
-        <p:blipFill rotWithShape="1">
-          <a:blip r:embed="rId6">
-            <a:extLst>
-              <a:ext uri="{28A0092B-C50C-407E-A947-70E740481C1C}">
-                <a14:useLocalDpi xmlns:a14="http://schemas.microsoft.com/office/drawing/2010/main" val="0"/>
-              </a:ext>
-            </a:extLst>
-          </a:blip>
-          <a:srcRect b="23320"/>
-          <a:stretch/>
-        </p:blipFill>
-        <p:spPr>
-          <a:xfrm>
-            <a:off x="8605878" y="6096000"/>
-            <a:ext cx="993734" cy="762000"/>
-          </a:xfrm>
-          <a:prstGeom prst="rect">
-            <a:avLst/>
-          </a:prstGeom>
-        </p:spPr>
-      </p:pic>
-      <p:sp>
-        <p:nvSpPr>
-          <p:cNvPr id="19" name="Rectangle 18">
-            <a:extLst>
-              <a:ext uri="{FF2B5EF4-FFF2-40B4-BE49-F238E27FC236}">
-                <a16:creationId xmlns="" xmlns:a16="http://schemas.microsoft.com/office/drawing/2014/main" id="{5E3EB826-A471-488F-9E8A-D65528A3C0CA}"/>
-              </a:ext>
-            </a:extLst>
-          </p:cNvPr>
-          <p:cNvSpPr>
-            <a:spLocks noGrp="1" noRot="1" noChangeAspect="1" noMove="1" noResize="1" noEditPoints="1" noAdjustHandles="1" noChangeArrowheads="1" noChangeShapeType="1" noTextEdit="1"/>
-          </p:cNvSpPr>
-          <p:nvPr>
-            <p:extLst>
-              <p:ext uri="{386F3935-93C4-4BCD-93E2-E3B085C9AB24}">
-                <p16:designElem xmlns:p16="http://schemas.microsoft.com/office/powerpoint/2015/main" val="1"/>
-              </p:ext>
-            </p:extLst>
-          </p:nvPr>
-        </p:nvSpPr>
-        <p:spPr>
-          <a:xfrm>
-            <a:off x="10437812" y="0"/>
-            <a:ext cx="685800" cy="1143000"/>
-          </a:xfrm>
-          <a:prstGeom prst="rect">
-            <a:avLst/>
-          </a:prstGeom>
-          <a:solidFill>
-            <a:schemeClr val="accent1"/>
-          </a:solidFill>
-          <a:ln>
-            <a:noFill/>
-          </a:ln>
-        </p:spPr>
-        <p:style>
-          <a:lnRef idx="1">
-            <a:schemeClr val="accent1"/>
-          </a:lnRef>
-          <a:fillRef idx="3">
-            <a:schemeClr val="accent1"/>
-          </a:fillRef>
-          <a:effectRef idx="2">
-            <a:schemeClr val="accent1"/>
-          </a:effectRef>
-          <a:fontRef idx="minor">
-            <a:schemeClr val="lt1"/>
-          </a:fontRef>
-        </p:style>
-      </p:sp>
-      <p:sp>
-        <p:nvSpPr>
-          <p:cNvPr id="21" name="Rectangle 20">
-            <a:extLst>
-              <a:ext uri="{FF2B5EF4-FFF2-40B4-BE49-F238E27FC236}">
-                <a16:creationId xmlns="" xmlns:a16="http://schemas.microsoft.com/office/drawing/2014/main" id="{4159E445-83D7-4F7C-8B6B-79EDEFA5F788}"/>
-              </a:ext>
-            </a:extLst>
-          </p:cNvPr>
-          <p:cNvSpPr>
-            <a:spLocks noGrp="1" noRot="1" noChangeAspect="1" noMove="1" noResize="1" noEditPoints="1" noAdjustHandles="1" noChangeArrowheads="1" noChangeShapeType="1" noTextEdit="1"/>
-          </p:cNvSpPr>
-          <p:nvPr>
-            <p:extLst>
-              <p:ext uri="{386F3935-93C4-4BCD-93E2-E3B085C9AB24}">
-                <p16:designElem xmlns:p16="http://schemas.microsoft.com/office/powerpoint/2015/main" val="1"/>
-              </p:ext>
-            </p:extLst>
-          </p:nvPr>
-        </p:nvSpPr>
-        <p:spPr>
-          <a:xfrm>
-            <a:off x="0" y="0"/>
-            <a:ext cx="12192000" cy="6858000"/>
-          </a:xfrm>
-          <a:prstGeom prst="rect">
-            <a:avLst/>
-          </a:prstGeom>
-          <a:solidFill>
-            <a:srgbClr val="FFFFFF"/>
-          </a:solidFill>
-          <a:ln>
-            <a:noFill/>
-          </a:ln>
-        </p:spPr>
-        <p:style>
-          <a:lnRef idx="2">
-            <a:schemeClr val="accent1">
-              <a:shade val="50000"/>
-            </a:schemeClr>
-          </a:lnRef>
-          <a:fillRef idx="1">
-            <a:schemeClr val="accent1"/>
-          </a:fillRef>
-          <a:effectRef idx="0">
-            <a:schemeClr val="accent1"/>
-          </a:effectRef>
-          <a:fontRef idx="minor">
-            <a:schemeClr val="lt1"/>
-          </a:fontRef>
-        </p:style>
+      <p:sp>
+        <p:nvSpPr>
+          <p:cNvPr id="2" name="Title 1"/>
+          <p:cNvSpPr>
+            <a:spLocks noGrp="1"/>
+          </p:cNvSpPr>
+          <p:nvPr>
+            <p:ph type="title"/>
+          </p:nvPr>
+        </p:nvSpPr>
+        <p:spPr/>
         <p:txBody>
-          <a:bodyPr rtlCol="0" anchor="ctr"/>
+          <a:bodyPr/>
           <a:lstStyle/>
           <a:p>
-            <a:pPr algn="ctr"/>
-            <a:endParaRPr lang="en-US"/>
+            <a:r>
+              <a:rPr lang="en-US" dirty="0"/>
+              <a:t>Intermediate Code Generation</a:t>
+            </a:r>
           </a:p>
         </p:txBody>
       </p:sp>
       <p:sp>
         <p:nvSpPr>
-          <p:cNvPr id="23" name="Rectangle 22">
-            <a:extLst>
-              <a:ext uri="{FF2B5EF4-FFF2-40B4-BE49-F238E27FC236}">
-                <a16:creationId xmlns="" xmlns:a16="http://schemas.microsoft.com/office/drawing/2014/main" id="{E1E43DD8-7DEF-4A83-A303-10947F34B086}"/>
-              </a:ext>
-            </a:extLst>
-          </p:cNvPr>
-          <p:cNvSpPr>
-            <a:spLocks noGrp="1" noRot="1" noChangeAspect="1" noMove="1" noResize="1" noEditPoints="1" noAdjustHandles="1" noChangeArrowheads="1" noChangeShapeType="1" noTextEdit="1"/>
-          </p:cNvSpPr>
-          <p:nvPr>
-            <p:extLst>
-              <p:ext uri="{386F3935-93C4-4BCD-93E2-E3B085C9AB24}">
-                <p16:designElem xmlns:p16="http://schemas.microsoft.com/office/powerpoint/2015/main" val="1"/>
-              </p:ext>
-            </p:extLst>
-          </p:nvPr>
-        </p:nvSpPr>
-        <p:spPr>
-          <a:xfrm>
-            <a:off x="10437812" y="0"/>
-            <a:ext cx="685800" cy="1143000"/>
-          </a:xfrm>
-          <a:prstGeom prst="rect">
-            <a:avLst/>
-          </a:prstGeom>
-          <a:solidFill>
-            <a:schemeClr val="accent1"/>
-          </a:solidFill>
-          <a:ln>
-            <a:noFill/>
-          </a:ln>
-        </p:spPr>
-        <p:style>
-          <a:lnRef idx="1">
-            <a:schemeClr val="accent1"/>
-          </a:lnRef>
-          <a:fillRef idx="3">
-            <a:schemeClr val="accent1"/>
-          </a:fillRef>
-          <a:effectRef idx="2">
-            <a:schemeClr val="accent1"/>
-          </a:effectRef>
-          <a:fontRef idx="minor">
-            <a:schemeClr val="lt1"/>
-          </a:fontRef>
-        </p:style>
-      </p:sp>
-      <p:pic>
-        <p:nvPicPr>
           <p:cNvPr id="3" name="Content Placeholder 2"/>
-          <p:cNvPicPr>
-            <a:picLocks noGrp="1" noChangeAspect="1"/>
-          </p:cNvPicPr>
+          <p:cNvSpPr>
+            <a:spLocks noGrp="1"/>
+          </p:cNvSpPr>
           <p:nvPr>
             <p:ph idx="1"/>
           </p:nvPr>
-        </p:nvPicPr>
-        <p:blipFill>
-          <a:blip r:embed="rId7">
-            <a:extLst>
-              <a:ext uri="{28A0092B-C50C-407E-A947-70E740481C1C}">
-                <a14:useLocalDpi xmlns:a14="http://schemas.microsoft.com/office/drawing/2010/main" val="0"/>
-              </a:ext>
-            </a:extLst>
-          </a:blip>
-          <a:stretch>
-            <a:fillRect/>
-          </a:stretch>
-        </p:blipFill>
-        <p:spPr>
-          <a:xfrm>
-            <a:off x="1333500" y="457200"/>
-            <a:ext cx="9104311" cy="5791200"/>
-          </a:xfrm>
-        </p:spPr>
-      </p:pic>
+        </p:nvSpPr>
+        <p:spPr>
+          <a:xfrm>
+            <a:off x="1103312" y="1660634"/>
+            <a:ext cx="9301929" cy="4587765"/>
+          </a:xfrm>
+        </p:spPr>
+        <p:txBody>
+          <a:bodyPr>
+            <a:normAutofit fontScale="92500" lnSpcReduction="10000"/>
+          </a:bodyPr>
+          <a:lstStyle/>
+          <a:p>
+            <a:r>
+              <a:rPr lang="en-US" dirty="0"/>
+              <a:t>The Intermediate Code Generation Keywords used are:</a:t>
+            </a:r>
+          </a:p>
+          <a:p>
+            <a:r>
+              <a:rPr lang="en-US" dirty="0"/>
+              <a:t>GIVEOUT</a:t>
+            </a:r>
+          </a:p>
+          <a:p>
+            <a:r>
+              <a:rPr lang="en-US" dirty="0"/>
+              <a:t>PUSH</a:t>
+            </a:r>
+          </a:p>
+          <a:p>
+            <a:r>
+              <a:rPr lang="en-US" dirty="0"/>
+              <a:t>STACK</a:t>
+            </a:r>
+          </a:p>
+          <a:p>
+            <a:r>
+              <a:rPr lang="en-US" dirty="0"/>
+              <a:t>STACKPOP, STACKPUSH, STACKISEMPTY</a:t>
+            </a:r>
+          </a:p>
+          <a:p>
+            <a:r>
+              <a:rPr lang="en-US" dirty="0"/>
+              <a:t>IF ENDIF, ELSE ENDELSE , WHILE ENDWHILE</a:t>
+            </a:r>
+          </a:p>
+          <a:p>
+            <a:r>
+              <a:rPr lang="en-US" dirty="0"/>
+              <a:t>PUSH true</a:t>
+            </a:r>
+          </a:p>
+          <a:p>
+            <a:r>
+              <a:rPr lang="en-US" dirty="0"/>
+              <a:t>GREATER,LESSER, GREATEREQUAL,LESSEREQUAL,EQUALS,NOTEQUALTO</a:t>
+            </a:r>
+          </a:p>
+          <a:p>
+            <a:r>
+              <a:rPr lang="en-US" dirty="0"/>
+              <a:t>STORE</a:t>
+            </a:r>
+          </a:p>
+          <a:p>
+            <a:r>
+              <a:rPr lang="en-US" dirty="0"/>
+              <a:t>ADDITION,SUBTRACTION,MULTIPLICATION,DIVISION,MODULUS</a:t>
+            </a:r>
+          </a:p>
+          <a:p>
+            <a:r>
+              <a:rPr lang="en-US" dirty="0"/>
+              <a:t>We now present two code snippets of sample input program and the intermediate code generated.</a:t>
+            </a:r>
+          </a:p>
+        </p:txBody>
+      </p:sp>
     </p:spTree>
     <p:extLst>
       <p:ext uri="{BB962C8B-B14F-4D97-AF65-F5344CB8AC3E}">
-        <p14:creationId xmlns:p14="http://schemas.microsoft.com/office/powerpoint/2010/main" val="2014330676"/>
+        <p14:creationId xmlns:p14="http://schemas.microsoft.com/office/powerpoint/2010/main" val="1978805437"/>
       </p:ext>
     </p:extLst>
   </p:cSld>
@@ -10838,17 +10390,9 @@
               <a:rPr lang="en-US" b="1" dirty="0"/>
               <a:t>Introduction &amp; Development Strategy</a:t>
             </a:r>
-            <a:r>
-              <a:rPr lang="en-US" dirty="0"/>
-              <a:t/>
-            </a:r>
             <a:br>
               <a:rPr lang="en-US" dirty="0"/>
             </a:br>
-            <a:r>
-              <a:rPr lang="en-US" dirty="0"/>
-              <a:t/>
-            </a:r>
             <a:br>
               <a:rPr lang="en-US" dirty="0"/>
             </a:br>
@@ -10889,62 +10433,23 @@
               <a:rPr lang="en-US" dirty="0"/>
               <a:t>Operators: </a:t>
             </a:r>
-            <a:endParaRPr lang="en-US" dirty="0" smtClean="0"/>
-          </a:p>
-          <a:p>
-            <a:r>
-              <a:rPr lang="en-US" dirty="0" smtClean="0"/>
-              <a:t>Arithmetic</a:t>
-            </a:r>
+          </a:p>
+          <a:p>
             <a:r>
               <a:rPr lang="en-US" dirty="0"/>
-              <a:t>: </a:t>
+              <a:t>Arithmetic: +, - , / , *, %                   </a:t>
             </a:r>
-            <a:r>
-              <a:rPr lang="en-US" dirty="0" smtClean="0"/>
-              <a:t>+, - , / , *, % </a:t>
-            </a:r>
+          </a:p>
+          <a:p>
             <a:r>
               <a:rPr lang="en-US" dirty="0"/>
-              <a:t>                </a:t>
+              <a:t>Relational: &gt;,&lt;,=&lt;,=&gt;,!=</a:t>
             </a:r>
-            <a:r>
-              <a:rPr lang="en-US" dirty="0" smtClean="0"/>
-              <a:t> </a:t>
-            </a:r>
+          </a:p>
+          <a:p>
             <a:r>
               <a:rPr lang="en-US" dirty="0"/>
-              <a:t> </a:t>
-            </a:r>
-            <a:endParaRPr lang="en-US" dirty="0" smtClean="0"/>
-          </a:p>
-          <a:p>
-            <a:r>
-              <a:rPr lang="en-US" dirty="0" smtClean="0"/>
-              <a:t>Relational</a:t>
-            </a:r>
-            <a:r>
-              <a:rPr lang="en-US" dirty="0"/>
-              <a:t>: </a:t>
-            </a:r>
-            <a:r>
-              <a:rPr lang="en-US" dirty="0" smtClean="0"/>
-              <a:t>&gt;,&lt;,=&lt;,=&gt;,!=</a:t>
-            </a:r>
-            <a:endParaRPr lang="en-US" dirty="0"/>
-          </a:p>
-          <a:p>
-            <a:r>
-              <a:rPr lang="en-US" dirty="0"/>
-              <a:t>Decision Control: </a:t>
-            </a:r>
-            <a:r>
-              <a:rPr lang="en-US" dirty="0" smtClean="0"/>
-              <a:t>If &amp; If </a:t>
-            </a:r>
-            <a:r>
-              <a:rPr lang="en-US" dirty="0"/>
-              <a:t>else</a:t>
+              <a:t>Decision Control: If &amp; If else</a:t>
             </a:r>
           </a:p>
           <a:p>
@@ -10963,27 +10468,14 @@
               <a:t>Num</a:t>
             </a:r>
             <a:r>
-              <a:rPr lang="en-US" dirty="0" smtClean="0"/>
+              <a:rPr lang="en-US" dirty="0"/>
               <a:t>, Bool, Identifier</a:t>
             </a:r>
-            <a:endParaRPr lang="en-US" dirty="0"/>
-          </a:p>
-          <a:p>
-            <a:r>
-              <a:rPr lang="en-US" dirty="0" smtClean="0"/>
-              <a:t>This </a:t>
-            </a:r>
+          </a:p>
+          <a:p>
             <a:r>
               <a:rPr lang="en-US" dirty="0"/>
-              <a:t>project was done following an Agile Development process with everyday Sprint meetings</a:t>
-            </a:r>
-            <a:r>
-              <a:rPr lang="en-US" dirty="0" smtClean="0"/>
-              <a:t>.</a:t>
-            </a:r>
-            <a:r>
-              <a:rPr lang="en-US" dirty="0"/>
-              <a:t/>
+              <a:t>This project was done following an Agile Development process with everyday Sprint meetings.</a:t>
             </a:r>
             <a:br>
               <a:rPr lang="en-US" dirty="0"/>
@@ -11048,10 +10540,10 @@
       </p:grpSpPr>
       <p:pic>
         <p:nvPicPr>
-          <p:cNvPr id="9" name="Picture 8">
+          <p:cNvPr id="10" name="Picture 9">
             <a:extLst>
               <a:ext uri="{FF2B5EF4-FFF2-40B4-BE49-F238E27FC236}">
-                <a16:creationId xmlns="" xmlns:a16="http://schemas.microsoft.com/office/drawing/2014/main" id="{C9ECDD5C-152A-4CC7-8333-0F367B3A62EA}"/>
+                <a16:creationId xmlns:a16="http://schemas.microsoft.com/office/drawing/2014/main" id="{C9ECDD5C-152A-4CC7-8333-0F367B3A62EA}"/>
               </a:ext>
             </a:extLst>
           </p:cNvPr>
@@ -11089,10 +10581,10 @@
       </p:pic>
       <p:pic>
         <p:nvPicPr>
-          <p:cNvPr id="11" name="Picture 10">
+          <p:cNvPr id="12" name="Picture 11">
             <a:extLst>
               <a:ext uri="{FF2B5EF4-FFF2-40B4-BE49-F238E27FC236}">
-                <a16:creationId xmlns="" xmlns:a16="http://schemas.microsoft.com/office/drawing/2014/main" id="{7F5C92A3-369B-43F3-BDCE-E560B1B0EC89}"/>
+                <a16:creationId xmlns:a16="http://schemas.microsoft.com/office/drawing/2014/main" id="{7F5C92A3-369B-43F3-BDCE-E560B1B0EC89}"/>
               </a:ext>
             </a:extLst>
           </p:cNvPr>
@@ -11130,10 +10622,10 @@
       </p:pic>
       <p:sp>
         <p:nvSpPr>
-          <p:cNvPr id="13" name="Oval 12">
+          <p:cNvPr id="14" name="Oval 13">
             <a:extLst>
               <a:ext uri="{FF2B5EF4-FFF2-40B4-BE49-F238E27FC236}">
-                <a16:creationId xmlns="" xmlns:a16="http://schemas.microsoft.com/office/drawing/2014/main" id="{AEBE9F1A-B38D-446E-83AE-14B17CE77FF2}"/>
+                <a16:creationId xmlns:a16="http://schemas.microsoft.com/office/drawing/2014/main" id="{AEBE9F1A-B38D-446E-83AE-14B17CE77FF2}"/>
               </a:ext>
             </a:extLst>
           </p:cNvPr>
@@ -11207,10 +10699,10 @@
       </p:sp>
       <p:pic>
         <p:nvPicPr>
-          <p:cNvPr id="15" name="Picture 14">
+          <p:cNvPr id="16" name="Picture 15">
             <a:extLst>
               <a:ext uri="{FF2B5EF4-FFF2-40B4-BE49-F238E27FC236}">
-                <a16:creationId xmlns="" xmlns:a16="http://schemas.microsoft.com/office/drawing/2014/main" id="{915B5014-A7EC-4BA6-9C83-8840CF81DB28}"/>
+                <a16:creationId xmlns:a16="http://schemas.microsoft.com/office/drawing/2014/main" id="{915B5014-A7EC-4BA6-9C83-8840CF81DB28}"/>
               </a:ext>
             </a:extLst>
           </p:cNvPr>
@@ -11248,10 +10740,10 @@
       </p:pic>
       <p:pic>
         <p:nvPicPr>
-          <p:cNvPr id="17" name="Picture 16">
+          <p:cNvPr id="18" name="Picture 17">
             <a:extLst>
               <a:ext uri="{FF2B5EF4-FFF2-40B4-BE49-F238E27FC236}">
-                <a16:creationId xmlns="" xmlns:a16="http://schemas.microsoft.com/office/drawing/2014/main" id="{022C43AB-86D7-420D-8AD7-DC0A15FDD0AF}"/>
+                <a16:creationId xmlns:a16="http://schemas.microsoft.com/office/drawing/2014/main" id="{022C43AB-86D7-420D-8AD7-DC0A15FDD0AF}"/>
               </a:ext>
             </a:extLst>
           </p:cNvPr>
@@ -11289,10 +10781,10 @@
       </p:pic>
       <p:sp>
         <p:nvSpPr>
-          <p:cNvPr id="19" name="Rectangle 18">
+          <p:cNvPr id="20" name="Rectangle 19">
             <a:extLst>
               <a:ext uri="{FF2B5EF4-FFF2-40B4-BE49-F238E27FC236}">
-                <a16:creationId xmlns="" xmlns:a16="http://schemas.microsoft.com/office/drawing/2014/main" id="{5E3EB826-A471-488F-9E8A-D65528A3C0CA}"/>
+                <a16:creationId xmlns:a16="http://schemas.microsoft.com/office/drawing/2014/main" id="{5E3EB826-A471-488F-9E8A-D65528A3C0CA}"/>
               </a:ext>
             </a:extLst>
           </p:cNvPr>
@@ -11339,10 +10831,10 @@
       </p:sp>
       <p:sp>
         <p:nvSpPr>
-          <p:cNvPr id="21" name="Rectangle 20">
+          <p:cNvPr id="22" name="Rectangle 21">
             <a:extLst>
               <a:ext uri="{FF2B5EF4-FFF2-40B4-BE49-F238E27FC236}">
-                <a16:creationId xmlns="" xmlns:a16="http://schemas.microsoft.com/office/drawing/2014/main" id="{4159E445-83D7-4F7C-8B6B-79EDEFA5F788}"/>
+                <a16:creationId xmlns:a16="http://schemas.microsoft.com/office/drawing/2014/main" id="{4159E445-83D7-4F7C-8B6B-79EDEFA5F788}"/>
               </a:ext>
             </a:extLst>
           </p:cNvPr>
@@ -11397,9 +10889,59 @@
           </a:p>
         </p:txBody>
       </p:sp>
+      <p:sp>
+        <p:nvSpPr>
+          <p:cNvPr id="24" name="Rectangle 23">
+            <a:extLst>
+              <a:ext uri="{FF2B5EF4-FFF2-40B4-BE49-F238E27FC236}">
+                <a16:creationId xmlns:a16="http://schemas.microsoft.com/office/drawing/2014/main" id="{E1E43DD8-7DEF-4A83-A303-10947F34B086}"/>
+              </a:ext>
+            </a:extLst>
+          </p:cNvPr>
+          <p:cNvSpPr>
+            <a:spLocks noGrp="1" noRot="1" noChangeAspect="1" noMove="1" noResize="1" noEditPoints="1" noAdjustHandles="1" noChangeArrowheads="1" noChangeShapeType="1" noTextEdit="1"/>
+          </p:cNvSpPr>
+          <p:nvPr>
+            <p:extLst>
+              <p:ext uri="{386F3935-93C4-4BCD-93E2-E3B085C9AB24}">
+                <p16:designElem xmlns:p16="http://schemas.microsoft.com/office/powerpoint/2015/main" val="1"/>
+              </p:ext>
+            </p:extLst>
+          </p:nvPr>
+        </p:nvSpPr>
+        <p:spPr>
+          <a:xfrm>
+            <a:off x="10437812" y="0"/>
+            <a:ext cx="685800" cy="1143000"/>
+          </a:xfrm>
+          <a:prstGeom prst="rect">
+            <a:avLst/>
+          </a:prstGeom>
+          <a:solidFill>
+            <a:schemeClr val="accent1"/>
+          </a:solidFill>
+          <a:ln>
+            <a:noFill/>
+          </a:ln>
+        </p:spPr>
+        <p:style>
+          <a:lnRef idx="1">
+            <a:schemeClr val="accent1"/>
+          </a:lnRef>
+          <a:fillRef idx="3">
+            <a:schemeClr val="accent1"/>
+          </a:fillRef>
+          <a:effectRef idx="2">
+            <a:schemeClr val="accent1"/>
+          </a:effectRef>
+          <a:fontRef idx="minor">
+            <a:schemeClr val="lt1"/>
+          </a:fontRef>
+        </p:style>
+      </p:sp>
       <p:pic>
         <p:nvPicPr>
-          <p:cNvPr id="4" name="Content Placeholder 3"/>
+          <p:cNvPr id="3" name="Content Placeholder 2"/>
           <p:cNvPicPr>
             <a:picLocks noGrp="1" noChangeAspect="1"/>
           </p:cNvPicPr>
@@ -11421,68 +10963,104 @@
         </p:blipFill>
         <p:spPr>
           <a:xfrm>
-            <a:off x="2687364" y="643466"/>
-            <a:ext cx="6835665" cy="5571067"/>
+            <a:off x="1388962" y="1481559"/>
+            <a:ext cx="3414532" cy="3437682"/>
+          </a:xfrm>
+          <a:ln>
+            <a:solidFill>
+              <a:schemeClr val="bg1"/>
+            </a:solidFill>
+          </a:ln>
+        </p:spPr>
+      </p:pic>
+      <p:pic>
+        <p:nvPicPr>
+          <p:cNvPr id="4" name="Picture 3"/>
+          <p:cNvPicPr>
+            <a:picLocks noChangeAspect="1"/>
+          </p:cNvPicPr>
+          <p:nvPr/>
+        </p:nvPicPr>
+        <p:blipFill>
+          <a:blip r:embed="rId8">
+            <a:extLst>
+              <a:ext uri="{28A0092B-C50C-407E-A947-70E740481C1C}">
+                <a14:useLocalDpi xmlns:a14="http://schemas.microsoft.com/office/drawing/2010/main" val="0"/>
+              </a:ext>
+            </a:extLst>
+          </a:blip>
+          <a:stretch>
+            <a:fillRect/>
+          </a:stretch>
+        </p:blipFill>
+        <p:spPr>
+          <a:xfrm>
+            <a:off x="6575796" y="836271"/>
+            <a:ext cx="2526949" cy="4421529"/>
           </a:xfrm>
           <a:prstGeom prst="rect">
             <a:avLst/>
           </a:prstGeom>
+          <a:ln>
+            <a:solidFill>
+              <a:schemeClr val="bg1"/>
+            </a:solidFill>
+          </a:ln>
         </p:spPr>
       </p:pic>
       <p:sp>
         <p:nvSpPr>
-          <p:cNvPr id="23" name="Rectangle 22">
+          <p:cNvPr id="2" name="Up Arrow 1">
             <a:extLst>
               <a:ext uri="{FF2B5EF4-FFF2-40B4-BE49-F238E27FC236}">
-                <a16:creationId xmlns="" xmlns:a16="http://schemas.microsoft.com/office/drawing/2014/main" id="{E1E43DD8-7DEF-4A83-A303-10947F34B086}"/>
+                <a16:creationId xmlns:a16="http://schemas.microsoft.com/office/drawing/2014/main" id="{D4E2A16D-6C81-E24E-A53E-1B63F7675C39}"/>
               </a:ext>
             </a:extLst>
           </p:cNvPr>
-          <p:cNvSpPr>
-            <a:spLocks noGrp="1" noRot="1" noChangeAspect="1" noMove="1" noResize="1" noEditPoints="1" noAdjustHandles="1" noChangeArrowheads="1" noChangeShapeType="1" noTextEdit="1"/>
-          </p:cNvSpPr>
-          <p:nvPr>
-            <p:extLst>
-              <p:ext uri="{386F3935-93C4-4BCD-93E2-E3B085C9AB24}">
-                <p16:designElem xmlns:p16="http://schemas.microsoft.com/office/powerpoint/2015/main" val="1"/>
-              </p:ext>
-            </p:extLst>
-          </p:nvPr>
-        </p:nvSpPr>
-        <p:spPr>
-          <a:xfrm>
-            <a:off x="10437812" y="0"/>
-            <a:ext cx="685800" cy="1143000"/>
-          </a:xfrm>
-          <a:prstGeom prst="rect">
+          <p:cNvSpPr/>
+          <p:nvPr/>
+        </p:nvSpPr>
+        <p:spPr>
+          <a:xfrm rot="5400000">
+            <a:off x="5277477" y="2491688"/>
+            <a:ext cx="788923" cy="1590242"/>
+          </a:xfrm>
+          <a:prstGeom prst="upArrow">
             <a:avLst/>
           </a:prstGeom>
-          <a:solidFill>
-            <a:schemeClr val="accent1"/>
-          </a:solidFill>
-          <a:ln>
-            <a:noFill/>
-          </a:ln>
         </p:spPr>
         <p:style>
-          <a:lnRef idx="1">
-            <a:schemeClr val="accent1"/>
+          <a:lnRef idx="2">
+            <a:schemeClr val="accent1">
+              <a:shade val="50000"/>
+            </a:schemeClr>
           </a:lnRef>
-          <a:fillRef idx="3">
+          <a:fillRef idx="1">
             <a:schemeClr val="accent1"/>
           </a:fillRef>
-          <a:effectRef idx="2">
+          <a:effectRef idx="0">
             <a:schemeClr val="accent1"/>
           </a:effectRef>
           <a:fontRef idx="minor">
             <a:schemeClr val="lt1"/>
           </a:fontRef>
         </p:style>
+        <p:txBody>
+          <a:bodyPr rtlCol="0" anchor="ctr"/>
+          <a:lstStyle/>
+          <a:p>
+            <a:pPr algn="ctr"/>
+            <a:r>
+              <a:rPr lang="en-US" dirty="0"/>
+              <a:t>c</a:t>
+            </a:r>
+          </a:p>
+        </p:txBody>
       </p:sp>
     </p:spTree>
     <p:extLst>
       <p:ext uri="{BB962C8B-B14F-4D97-AF65-F5344CB8AC3E}">
-        <p14:creationId xmlns:p14="http://schemas.microsoft.com/office/powerpoint/2010/main" val="3390766127"/>
+        <p14:creationId xmlns:p14="http://schemas.microsoft.com/office/powerpoint/2010/main" val="520782978"/>
       </p:ext>
     </p:extLst>
   </p:cSld>
@@ -11493,175 +11071,6 @@
 </file>
 
 <file path=ppt/slides/slide21.xml><?xml version="1.0" encoding="utf-8"?>
-<p:sld xmlns:a="http://schemas.openxmlformats.org/drawingml/2006/main" xmlns:r="http://schemas.openxmlformats.org/officeDocument/2006/relationships" xmlns:p="http://schemas.openxmlformats.org/presentationml/2006/main">
-  <p:cSld>
-    <p:spTree>
-      <p:nvGrpSpPr>
-        <p:cNvPr id="1" name=""/>
-        <p:cNvGrpSpPr/>
-        <p:nvPr/>
-      </p:nvGrpSpPr>
-      <p:grpSpPr>
-        <a:xfrm>
-          <a:off x="0" y="0"/>
-          <a:ext cx="0" cy="0"/>
-          <a:chOff x="0" y="0"/>
-          <a:chExt cx="0" cy="0"/>
-        </a:xfrm>
-      </p:grpSpPr>
-      <p:sp>
-        <p:nvSpPr>
-          <p:cNvPr id="2" name="Title 1"/>
-          <p:cNvSpPr>
-            <a:spLocks noGrp="1"/>
-          </p:cNvSpPr>
-          <p:nvPr>
-            <p:ph type="title"/>
-          </p:nvPr>
-        </p:nvSpPr>
-        <p:spPr/>
-        <p:txBody>
-          <a:bodyPr/>
-          <a:lstStyle/>
-          <a:p>
-            <a:r>
-              <a:rPr lang="en-US" dirty="0"/>
-              <a:t>Intermediate Code Generation</a:t>
-            </a:r>
-          </a:p>
-        </p:txBody>
-      </p:sp>
-      <p:sp>
-        <p:nvSpPr>
-          <p:cNvPr id="3" name="Content Placeholder 2"/>
-          <p:cNvSpPr>
-            <a:spLocks noGrp="1"/>
-          </p:cNvSpPr>
-          <p:nvPr>
-            <p:ph idx="1"/>
-          </p:nvPr>
-        </p:nvSpPr>
-        <p:spPr>
-          <a:xfrm>
-            <a:off x="1103312" y="1660634"/>
-            <a:ext cx="9301929" cy="4587765"/>
-          </a:xfrm>
-        </p:spPr>
-        <p:txBody>
-          <a:bodyPr>
-            <a:normAutofit fontScale="92500" lnSpcReduction="10000"/>
-          </a:bodyPr>
-          <a:lstStyle/>
-          <a:p>
-            <a:r>
-              <a:rPr lang="en-US" dirty="0"/>
-              <a:t>The Intermediate Code </a:t>
-            </a:r>
-            <a:r>
-              <a:rPr lang="en-US" dirty="0" smtClean="0"/>
-              <a:t>Generation Keywords used are</a:t>
-            </a:r>
-            <a:r>
-              <a:rPr lang="en-US" dirty="0" smtClean="0"/>
-              <a:t>:</a:t>
-            </a:r>
-            <a:endParaRPr lang="en-US" dirty="0"/>
-          </a:p>
-          <a:p>
-            <a:r>
-              <a:rPr lang="en-US" dirty="0" smtClean="0"/>
-              <a:t>GIVEOUT</a:t>
-            </a:r>
-          </a:p>
-          <a:p>
-            <a:r>
-              <a:rPr lang="en-US" dirty="0" smtClean="0"/>
-              <a:t>PUSH</a:t>
-            </a:r>
-            <a:endParaRPr lang="en-US" dirty="0"/>
-          </a:p>
-          <a:p>
-            <a:r>
-              <a:rPr lang="en-US" dirty="0" smtClean="0"/>
-              <a:t>STACK</a:t>
-            </a:r>
-            <a:endParaRPr lang="en-US" dirty="0"/>
-          </a:p>
-          <a:p>
-            <a:r>
-              <a:rPr lang="en-US" dirty="0"/>
-              <a:t>STACKPOP, STACKPUSH, STACKISEMPTY</a:t>
-            </a:r>
-          </a:p>
-          <a:p>
-            <a:r>
-              <a:rPr lang="en-US" dirty="0" smtClean="0"/>
-              <a:t>IF ENDIF, ELSE ENDELSE , WHILE ENDWHILE</a:t>
-            </a:r>
-          </a:p>
-          <a:p>
-            <a:r>
-              <a:rPr lang="en-US" dirty="0" smtClean="0"/>
-              <a:t>PUSH </a:t>
-            </a:r>
-            <a:r>
-              <a:rPr lang="en-US" dirty="0"/>
-              <a:t>true</a:t>
-            </a:r>
-          </a:p>
-          <a:p>
-            <a:r>
-              <a:rPr lang="en-US" dirty="0"/>
-              <a:t>GREATER,LESSER, </a:t>
-            </a:r>
-            <a:r>
-              <a:rPr lang="en-US" dirty="0" smtClean="0"/>
-              <a:t>GREATEREQUAL,LESSEREQUAL,EQUALS,NOTEQUALTO</a:t>
-            </a:r>
-            <a:endParaRPr lang="en-US" dirty="0"/>
-          </a:p>
-          <a:p>
-            <a:r>
-              <a:rPr lang="en-US" dirty="0"/>
-              <a:t>STORE</a:t>
-            </a:r>
-          </a:p>
-          <a:p>
-            <a:r>
-              <a:rPr lang="en-US" dirty="0" smtClean="0"/>
-              <a:t>ADDITION,SUBTRACTION,MULTIPLICATION,DIVISION,MODULUS</a:t>
-            </a:r>
-          </a:p>
-          <a:p>
-            <a:r>
-              <a:rPr lang="en-US" dirty="0"/>
-              <a:t>We now present two code snippets of sample input program and the intermediate code </a:t>
-            </a:r>
-            <a:r>
-              <a:rPr lang="en-US" dirty="0" smtClean="0"/>
-              <a:t>generated</a:t>
-            </a:r>
-            <a:r>
-              <a:rPr lang="en-US" dirty="0"/>
-              <a:t>.</a:t>
-            </a:r>
-          </a:p>
-        </p:txBody>
-      </p:sp>
-    </p:spTree>
-    <p:extLst>
-      <p:ext uri="{BB962C8B-B14F-4D97-AF65-F5344CB8AC3E}">
-        <p14:creationId xmlns:p14="http://schemas.microsoft.com/office/powerpoint/2010/main" val="49858231"/>
-      </p:ext>
-    </p:extLst>
-  </p:cSld>
-  <p:clrMapOvr>
-    <a:masterClrMapping/>
-  </p:clrMapOvr>
-</p:sld>
-</file>
-
-<file path=ppt/slides/slide22.xml><?xml version="1.0" encoding="utf-8"?>
 <p:sld xmlns:a="http://schemas.openxmlformats.org/drawingml/2006/main" xmlns:r="http://schemas.openxmlformats.org/officeDocument/2006/relationships" xmlns:p="http://schemas.openxmlformats.org/presentationml/2006/main">
   <p:cSld>
     <p:bg>
@@ -11707,7 +11116,7 @@
           <p:cNvPr id="10" name="Picture 9">
             <a:extLst>
               <a:ext uri="{FF2B5EF4-FFF2-40B4-BE49-F238E27FC236}">
-                <a16:creationId xmlns="" xmlns:a16="http://schemas.microsoft.com/office/drawing/2014/main" id="{C9ECDD5C-152A-4CC7-8333-0F367B3A62EA}"/>
+                <a16:creationId xmlns:a16="http://schemas.microsoft.com/office/drawing/2014/main" id="{C9ECDD5C-152A-4CC7-8333-0F367B3A62EA}"/>
               </a:ext>
             </a:extLst>
           </p:cNvPr>
@@ -11748,7 +11157,7 @@
           <p:cNvPr id="12" name="Picture 11">
             <a:extLst>
               <a:ext uri="{FF2B5EF4-FFF2-40B4-BE49-F238E27FC236}">
-                <a16:creationId xmlns="" xmlns:a16="http://schemas.microsoft.com/office/drawing/2014/main" id="{7F5C92A3-369B-43F3-BDCE-E560B1B0EC89}"/>
+                <a16:creationId xmlns:a16="http://schemas.microsoft.com/office/drawing/2014/main" id="{7F5C92A3-369B-43F3-BDCE-E560B1B0EC89}"/>
               </a:ext>
             </a:extLst>
           </p:cNvPr>
@@ -11789,7 +11198,7 @@
           <p:cNvPr id="14" name="Oval 13">
             <a:extLst>
               <a:ext uri="{FF2B5EF4-FFF2-40B4-BE49-F238E27FC236}">
-                <a16:creationId xmlns="" xmlns:a16="http://schemas.microsoft.com/office/drawing/2014/main" id="{AEBE9F1A-B38D-446E-83AE-14B17CE77FF2}"/>
+                <a16:creationId xmlns:a16="http://schemas.microsoft.com/office/drawing/2014/main" id="{AEBE9F1A-B38D-446E-83AE-14B17CE77FF2}"/>
               </a:ext>
             </a:extLst>
           </p:cNvPr>
@@ -11866,7 +11275,7 @@
           <p:cNvPr id="16" name="Picture 15">
             <a:extLst>
               <a:ext uri="{FF2B5EF4-FFF2-40B4-BE49-F238E27FC236}">
-                <a16:creationId xmlns="" xmlns:a16="http://schemas.microsoft.com/office/drawing/2014/main" id="{915B5014-A7EC-4BA6-9C83-8840CF81DB28}"/>
+                <a16:creationId xmlns:a16="http://schemas.microsoft.com/office/drawing/2014/main" id="{915B5014-A7EC-4BA6-9C83-8840CF81DB28}"/>
               </a:ext>
             </a:extLst>
           </p:cNvPr>
@@ -11907,7 +11316,7 @@
           <p:cNvPr id="18" name="Picture 17">
             <a:extLst>
               <a:ext uri="{FF2B5EF4-FFF2-40B4-BE49-F238E27FC236}">
-                <a16:creationId xmlns="" xmlns:a16="http://schemas.microsoft.com/office/drawing/2014/main" id="{022C43AB-86D7-420D-8AD7-DC0A15FDD0AF}"/>
+                <a16:creationId xmlns:a16="http://schemas.microsoft.com/office/drawing/2014/main" id="{022C43AB-86D7-420D-8AD7-DC0A15FDD0AF}"/>
               </a:ext>
             </a:extLst>
           </p:cNvPr>
@@ -11948,7 +11357,7 @@
           <p:cNvPr id="20" name="Rectangle 19">
             <a:extLst>
               <a:ext uri="{FF2B5EF4-FFF2-40B4-BE49-F238E27FC236}">
-                <a16:creationId xmlns="" xmlns:a16="http://schemas.microsoft.com/office/drawing/2014/main" id="{5E3EB826-A471-488F-9E8A-D65528A3C0CA}"/>
+                <a16:creationId xmlns:a16="http://schemas.microsoft.com/office/drawing/2014/main" id="{5E3EB826-A471-488F-9E8A-D65528A3C0CA}"/>
               </a:ext>
             </a:extLst>
           </p:cNvPr>
@@ -11998,7 +11407,7 @@
           <p:cNvPr id="22" name="Rectangle 21">
             <a:extLst>
               <a:ext uri="{FF2B5EF4-FFF2-40B4-BE49-F238E27FC236}">
-                <a16:creationId xmlns="" xmlns:a16="http://schemas.microsoft.com/office/drawing/2014/main" id="{4159E445-83D7-4F7C-8B6B-79EDEFA5F788}"/>
+                <a16:creationId xmlns:a16="http://schemas.microsoft.com/office/drawing/2014/main" id="{4159E445-83D7-4F7C-8B6B-79EDEFA5F788}"/>
               </a:ext>
             </a:extLst>
           </p:cNvPr>
@@ -12058,7 +11467,7 @@
           <p:cNvPr id="24" name="Rectangle 23">
             <a:extLst>
               <a:ext uri="{FF2B5EF4-FFF2-40B4-BE49-F238E27FC236}">
-                <a16:creationId xmlns="" xmlns:a16="http://schemas.microsoft.com/office/drawing/2014/main" id="{E1E43DD8-7DEF-4A83-A303-10947F34B086}"/>
+                <a16:creationId xmlns:a16="http://schemas.microsoft.com/office/drawing/2014/main" id="{E1E43DD8-7DEF-4A83-A303-10947F34B086}"/>
               </a:ext>
             </a:extLst>
           </p:cNvPr>
@@ -12105,7 +11514,7 @@
       </p:sp>
       <p:pic>
         <p:nvPicPr>
-          <p:cNvPr id="3" name="Content Placeholder 2"/>
+          <p:cNvPr id="13" name="Content Placeholder 12"/>
           <p:cNvPicPr>
             <a:picLocks noGrp="1" noChangeAspect="1"/>
           </p:cNvPicPr>
@@ -12127,14 +11536,22 @@
         </p:blipFill>
         <p:spPr>
           <a:xfrm>
-            <a:off x="1388962" y="1481559"/>
-            <a:ext cx="3414532" cy="3437682"/>
-          </a:xfrm>
+            <a:off x="784014" y="1141407"/>
+            <a:ext cx="3657954" cy="4699321"/>
+          </a:xfrm>
+          <a:prstGeom prst="rect">
+            <a:avLst/>
+          </a:prstGeom>
+          <a:ln>
+            <a:solidFill>
+              <a:schemeClr val="bg1"/>
+            </a:solidFill>
+          </a:ln>
         </p:spPr>
       </p:pic>
       <p:pic>
         <p:nvPicPr>
-          <p:cNvPr id="4" name="Picture 3"/>
+          <p:cNvPr id="19" name="Content Placeholder 3"/>
           <p:cNvPicPr>
             <a:picLocks noChangeAspect="1"/>
           </p:cNvPicPr>
@@ -12154,18 +11571,69 @@
         </p:blipFill>
         <p:spPr>
           <a:xfrm>
-            <a:off x="6318431" y="874371"/>
-            <a:ext cx="2526949" cy="4421529"/>
+            <a:off x="6106095" y="149969"/>
+            <a:ext cx="2862789" cy="6319777"/>
           </a:xfrm>
           <a:prstGeom prst="rect">
             <a:avLst/>
           </a:prstGeom>
+          <a:ln>
+            <a:solidFill>
+              <a:schemeClr val="bg1"/>
+            </a:solidFill>
+          </a:ln>
         </p:spPr>
       </p:pic>
+      <p:sp>
+        <p:nvSpPr>
+          <p:cNvPr id="2" name="Right Arrow 1">
+            <a:extLst>
+              <a:ext uri="{FF2B5EF4-FFF2-40B4-BE49-F238E27FC236}">
+                <a16:creationId xmlns:a16="http://schemas.microsoft.com/office/drawing/2014/main" id="{972E621B-9F1D-A045-8554-21BBF68CD75A}"/>
+              </a:ext>
+            </a:extLst>
+          </p:cNvPr>
+          <p:cNvSpPr/>
+          <p:nvPr/>
+        </p:nvSpPr>
+        <p:spPr>
+          <a:xfrm>
+            <a:off x="4513823" y="3117573"/>
+            <a:ext cx="1476160" cy="622853"/>
+          </a:xfrm>
+          <a:prstGeom prst="rightArrow">
+            <a:avLst/>
+          </a:prstGeom>
+        </p:spPr>
+        <p:style>
+          <a:lnRef idx="2">
+            <a:schemeClr val="accent1">
+              <a:shade val="50000"/>
+            </a:schemeClr>
+          </a:lnRef>
+          <a:fillRef idx="1">
+            <a:schemeClr val="accent1"/>
+          </a:fillRef>
+          <a:effectRef idx="0">
+            <a:schemeClr val="accent1"/>
+          </a:effectRef>
+          <a:fontRef idx="minor">
+            <a:schemeClr val="lt1"/>
+          </a:fontRef>
+        </p:style>
+        <p:txBody>
+          <a:bodyPr rtlCol="0" anchor="ctr"/>
+          <a:lstStyle/>
+          <a:p>
+            <a:pPr algn="ctr"/>
+            <a:endParaRPr lang="en-US"/>
+          </a:p>
+        </p:txBody>
+      </p:sp>
     </p:spTree>
     <p:extLst>
       <p:ext uri="{BB962C8B-B14F-4D97-AF65-F5344CB8AC3E}">
-        <p14:creationId xmlns:p14="http://schemas.microsoft.com/office/powerpoint/2010/main" val="520782978"/>
+        <p14:creationId xmlns:p14="http://schemas.microsoft.com/office/powerpoint/2010/main" val="226000622"/>
       </p:ext>
     </p:extLst>
   </p:cSld>
@@ -12175,30 +11643,14 @@
 </p:sld>
 </file>
 
-<file path=ppt/slides/slide23.xml><?xml version="1.0" encoding="utf-8"?>
+<file path=ppt/slides/slide22.xml><?xml version="1.0" encoding="utf-8"?>
 <p:sld xmlns:a="http://schemas.openxmlformats.org/drawingml/2006/main" xmlns:r="http://schemas.openxmlformats.org/officeDocument/2006/relationships" xmlns:p="http://schemas.openxmlformats.org/presentationml/2006/main">
   <p:cSld>
     <p:bg>
       <p:bgPr>
-        <a:blipFill rotWithShape="1">
-          <a:blip r:embed="rId2">
-            <a:duotone>
-              <a:schemeClr val="bg2">
-                <a:shade val="69000"/>
-                <a:hueMod val="108000"/>
-                <a:satMod val="164000"/>
-                <a:lumMod val="74000"/>
-              </a:schemeClr>
-              <a:schemeClr val="bg2">
-                <a:tint val="96000"/>
-                <a:hueMod val="88000"/>
-                <a:satMod val="140000"/>
-                <a:lumMod val="132000"/>
-              </a:schemeClr>
-            </a:duotone>
-          </a:blip>
-          <a:stretch/>
-        </a:blipFill>
+        <a:solidFill>
+          <a:schemeClr val="bg1"/>
+        </a:solidFill>
         <a:effectLst/>
       </p:bgPr>
     </p:bg>
@@ -12218,10 +11670,10 @@
       </p:grpSpPr>
       <p:pic>
         <p:nvPicPr>
-          <p:cNvPr id="10" name="Picture 9">
+          <p:cNvPr id="14" name="Picture 13">
             <a:extLst>
               <a:ext uri="{FF2B5EF4-FFF2-40B4-BE49-F238E27FC236}">
-                <a16:creationId xmlns="" xmlns:a16="http://schemas.microsoft.com/office/drawing/2014/main" id="{C9ECDD5C-152A-4CC7-8333-0F367B3A62EA}"/>
+                <a16:creationId xmlns:a16="http://schemas.microsoft.com/office/drawing/2014/main" id="{41B68C77-138E-4BF7-A276-BD0C78A4219F}"/>
               </a:ext>
             </a:extLst>
           </p:cNvPr>
@@ -12237,7 +11689,7 @@
           </p:nvPr>
         </p:nvPicPr>
         <p:blipFill rotWithShape="1">
-          <a:blip r:embed="rId3">
+          <a:blip r:embed="rId2">
             <a:extLst>
               <a:ext uri="{28A0092B-C50C-407E-A947-70E740481C1C}">
                 <a14:useLocalDpi xmlns:a14="http://schemas.microsoft.com/office/drawing/2010/main" val="0"/>
@@ -12259,10 +11711,10 @@
       </p:pic>
       <p:pic>
         <p:nvPicPr>
-          <p:cNvPr id="12" name="Picture 11">
+          <p:cNvPr id="16" name="Picture 15">
             <a:extLst>
               <a:ext uri="{FF2B5EF4-FFF2-40B4-BE49-F238E27FC236}">
-                <a16:creationId xmlns="" xmlns:a16="http://schemas.microsoft.com/office/drawing/2014/main" id="{7F5C92A3-369B-43F3-BDCE-E560B1B0EC89}"/>
+                <a16:creationId xmlns:a16="http://schemas.microsoft.com/office/drawing/2014/main" id="{7C268552-D473-46ED-B1B8-422042C4DEF1}"/>
               </a:ext>
             </a:extLst>
           </p:cNvPr>
@@ -12278,7 +11730,7 @@
           </p:nvPr>
         </p:nvPicPr>
         <p:blipFill rotWithShape="1">
-          <a:blip r:embed="rId4">
+          <a:blip r:embed="rId3">
             <a:extLst>
               <a:ext uri="{28A0092B-C50C-407E-A947-70E740481C1C}">
                 <a14:useLocalDpi xmlns:a14="http://schemas.microsoft.com/office/drawing/2010/main" val="0"/>
@@ -12300,10 +11752,10 @@
       </p:pic>
       <p:sp>
         <p:nvSpPr>
-          <p:cNvPr id="14" name="Oval 13">
+          <p:cNvPr id="18" name="Oval 17">
             <a:extLst>
               <a:ext uri="{FF2B5EF4-FFF2-40B4-BE49-F238E27FC236}">
-                <a16:creationId xmlns="" xmlns:a16="http://schemas.microsoft.com/office/drawing/2014/main" id="{AEBE9F1A-B38D-446E-83AE-14B17CE77FF2}"/>
+                <a16:creationId xmlns:a16="http://schemas.microsoft.com/office/drawing/2014/main" id="{4AC0CD9D-7610-4620-93B4-798CCD9AB581}"/>
               </a:ext>
             </a:extLst>
           </p:cNvPr>
@@ -12377,10 +11829,10 @@
       </p:sp>
       <p:pic>
         <p:nvPicPr>
-          <p:cNvPr id="16" name="Picture 15">
+          <p:cNvPr id="20" name="Picture 19">
             <a:extLst>
               <a:ext uri="{FF2B5EF4-FFF2-40B4-BE49-F238E27FC236}">
-                <a16:creationId xmlns="" xmlns:a16="http://schemas.microsoft.com/office/drawing/2014/main" id="{915B5014-A7EC-4BA6-9C83-8840CF81DB28}"/>
+                <a16:creationId xmlns:a16="http://schemas.microsoft.com/office/drawing/2014/main" id="{B9238B3E-24AA-439A-B527-6C5DF6D72145}"/>
               </a:ext>
             </a:extLst>
           </p:cNvPr>
@@ -12396,7 +11848,7 @@
           </p:nvPr>
         </p:nvPicPr>
         <p:blipFill rotWithShape="1">
-          <a:blip r:embed="rId5">
+          <a:blip r:embed="rId4">
             <a:extLst>
               <a:ext uri="{28A0092B-C50C-407E-A947-70E740481C1C}">
                 <a14:useLocalDpi xmlns:a14="http://schemas.microsoft.com/office/drawing/2010/main" val="0"/>
@@ -12418,10 +11870,10 @@
       </p:pic>
       <p:pic>
         <p:nvPicPr>
-          <p:cNvPr id="18" name="Picture 17">
+          <p:cNvPr id="22" name="Picture 21">
             <a:extLst>
               <a:ext uri="{FF2B5EF4-FFF2-40B4-BE49-F238E27FC236}">
-                <a16:creationId xmlns="" xmlns:a16="http://schemas.microsoft.com/office/drawing/2014/main" id="{022C43AB-86D7-420D-8AD7-DC0A15FDD0AF}"/>
+                <a16:creationId xmlns:a16="http://schemas.microsoft.com/office/drawing/2014/main" id="{69F01145-BEA3-4CBF-AA21-10077B948CA8}"/>
               </a:ext>
             </a:extLst>
           </p:cNvPr>
@@ -12437,7 +11889,7 @@
           </p:nvPr>
         </p:nvPicPr>
         <p:blipFill rotWithShape="1">
-          <a:blip r:embed="rId6">
+          <a:blip r:embed="rId5">
             <a:extLst>
               <a:ext uri="{28A0092B-C50C-407E-A947-70E740481C1C}">
                 <a14:useLocalDpi xmlns:a14="http://schemas.microsoft.com/office/drawing/2010/main" val="0"/>
@@ -12459,10 +11911,10 @@
       </p:pic>
       <p:sp>
         <p:nvSpPr>
-          <p:cNvPr id="20" name="Rectangle 19">
+          <p:cNvPr id="24" name="Rectangle 23">
             <a:extLst>
               <a:ext uri="{FF2B5EF4-FFF2-40B4-BE49-F238E27FC236}">
-                <a16:creationId xmlns="" xmlns:a16="http://schemas.microsoft.com/office/drawing/2014/main" id="{5E3EB826-A471-488F-9E8A-D65528A3C0CA}"/>
+                <a16:creationId xmlns:a16="http://schemas.microsoft.com/office/drawing/2014/main" id="{DE4D62F9-188E-4530-84C2-24BDEE4BEB82}"/>
               </a:ext>
             </a:extLst>
           </p:cNvPr>
@@ -12507,12 +11959,12 @@
           </a:fontRef>
         </p:style>
       </p:sp>
-      <p:sp>
-        <p:nvSpPr>
-          <p:cNvPr id="22" name="Rectangle 21">
+      <p:sp useBgFill="1">
+        <p:nvSpPr>
+          <p:cNvPr id="26" name="Rectangle 25">
             <a:extLst>
               <a:ext uri="{FF2B5EF4-FFF2-40B4-BE49-F238E27FC236}">
-                <a16:creationId xmlns="" xmlns:a16="http://schemas.microsoft.com/office/drawing/2014/main" id="{4159E445-83D7-4F7C-8B6B-79EDEFA5F788}"/>
+                <a16:creationId xmlns:a16="http://schemas.microsoft.com/office/drawing/2014/main" id="{D27CF008-4B18-436D-B2D5-C1346C12438E}"/>
               </a:ext>
             </a:extLst>
           </p:cNvPr>
@@ -12529,15 +11981,12 @@
         </p:nvSpPr>
         <p:spPr>
           <a:xfrm>
-            <a:off x="0" y="0"/>
-            <a:ext cx="12192000" cy="6858000"/>
+            <a:off x="0" y="-5"/>
+            <a:ext cx="12191695" cy="4730744"/>
           </a:xfrm>
           <a:prstGeom prst="rect">
             <a:avLst/>
           </a:prstGeom>
-          <a:solidFill>
-            <a:srgbClr val="FFFFFF"/>
-          </a:solidFill>
           <a:ln>
             <a:noFill/>
           </a:ln>
@@ -12569,10 +12018,10 @@
       </p:sp>
       <p:sp>
         <p:nvSpPr>
-          <p:cNvPr id="24" name="Rectangle 23">
+          <p:cNvPr id="28" name="Rectangle 27">
             <a:extLst>
               <a:ext uri="{FF2B5EF4-FFF2-40B4-BE49-F238E27FC236}">
-                <a16:creationId xmlns="" xmlns:a16="http://schemas.microsoft.com/office/drawing/2014/main" id="{E1E43DD8-7DEF-4A83-A303-10947F34B086}"/>
+                <a16:creationId xmlns:a16="http://schemas.microsoft.com/office/drawing/2014/main" id="{CE22DAD8-5F67-4B73-ADA9-06EF381F7AD6}"/>
               </a:ext>
             </a:extLst>
           </p:cNvPr>
@@ -12617,510 +12066,12 @@
           </a:fontRef>
         </p:style>
       </p:sp>
-      <p:pic>
-        <p:nvPicPr>
-          <p:cNvPr id="13" name="Content Placeholder 12"/>
-          <p:cNvPicPr>
-            <a:picLocks noGrp="1" noChangeAspect="1"/>
-          </p:cNvPicPr>
-          <p:nvPr>
-            <p:ph idx="1"/>
-          </p:nvPr>
-        </p:nvPicPr>
-        <p:blipFill>
-          <a:blip r:embed="rId7">
-            <a:extLst>
-              <a:ext uri="{28A0092B-C50C-407E-A947-70E740481C1C}">
-                <a14:useLocalDpi xmlns:a14="http://schemas.microsoft.com/office/drawing/2010/main" val="0"/>
-              </a:ext>
-            </a:extLst>
-          </a:blip>
-          <a:stretch>
-            <a:fillRect/>
-          </a:stretch>
-        </p:blipFill>
-        <p:spPr>
-          <a:xfrm>
-            <a:off x="784014" y="1141407"/>
-            <a:ext cx="3657954" cy="4699321"/>
-          </a:xfrm>
-          <a:prstGeom prst="rect">
-            <a:avLst/>
-          </a:prstGeom>
-        </p:spPr>
-      </p:pic>
-      <p:pic>
-        <p:nvPicPr>
-          <p:cNvPr id="19" name="Content Placeholder 3"/>
-          <p:cNvPicPr>
-            <a:picLocks noChangeAspect="1"/>
-          </p:cNvPicPr>
-          <p:nvPr/>
-        </p:nvPicPr>
-        <p:blipFill>
-          <a:blip r:embed="rId8">
-            <a:extLst>
-              <a:ext uri="{28A0092B-C50C-407E-A947-70E740481C1C}">
-                <a14:useLocalDpi xmlns:a14="http://schemas.microsoft.com/office/drawing/2010/main" val="0"/>
-              </a:ext>
-            </a:extLst>
-          </a:blip>
-          <a:stretch>
-            <a:fillRect/>
-          </a:stretch>
-        </p:blipFill>
-        <p:spPr>
-          <a:xfrm>
-            <a:off x="5590989" y="157223"/>
-            <a:ext cx="2862789" cy="6319777"/>
-          </a:xfrm>
-          <a:prstGeom prst="rect">
-            <a:avLst/>
-          </a:prstGeom>
-        </p:spPr>
-      </p:pic>
-    </p:spTree>
-    <p:extLst>
-      <p:ext uri="{BB962C8B-B14F-4D97-AF65-F5344CB8AC3E}">
-        <p14:creationId xmlns:p14="http://schemas.microsoft.com/office/powerpoint/2010/main" val="226000622"/>
-      </p:ext>
-    </p:extLst>
-  </p:cSld>
-  <p:clrMapOvr>
-    <a:masterClrMapping/>
-  </p:clrMapOvr>
-</p:sld>
-</file>
-
-<file path=ppt/slides/slide24.xml><?xml version="1.0" encoding="utf-8"?>
-<p:sld xmlns:a="http://schemas.openxmlformats.org/drawingml/2006/main" xmlns:r="http://schemas.openxmlformats.org/officeDocument/2006/relationships" xmlns:p="http://schemas.openxmlformats.org/presentationml/2006/main">
-  <p:cSld>
-    <p:bg>
-      <p:bgPr>
-        <a:solidFill>
-          <a:schemeClr val="bg1"/>
-        </a:solidFill>
-        <a:effectLst/>
-      </p:bgPr>
-    </p:bg>
-    <p:spTree>
-      <p:nvGrpSpPr>
-        <p:cNvPr id="1" name=""/>
-        <p:cNvGrpSpPr/>
-        <p:nvPr/>
-      </p:nvGrpSpPr>
-      <p:grpSpPr>
-        <a:xfrm>
-          <a:off x="0" y="0"/>
-          <a:ext cx="0" cy="0"/>
-          <a:chOff x="0" y="0"/>
-          <a:chExt cx="0" cy="0"/>
-        </a:xfrm>
-      </p:grpSpPr>
-      <p:pic>
-        <p:nvPicPr>
-          <p:cNvPr id="14" name="Picture 13">
+      <p:sp>
+        <p:nvSpPr>
+          <p:cNvPr id="30" name="Freeform 16">
             <a:extLst>
               <a:ext uri="{FF2B5EF4-FFF2-40B4-BE49-F238E27FC236}">
-                <a16:creationId xmlns:a16="http://schemas.microsoft.com/office/drawing/2014/main" xmlns="" id="{41B68C77-138E-4BF7-A276-BD0C78A4219F}"/>
-              </a:ext>
-            </a:extLst>
-          </p:cNvPr>
-          <p:cNvPicPr>
-            <a:picLocks noGrp="1" noRot="1" noChangeAspect="1" noMove="1" noResize="1" noEditPoints="1" noAdjustHandles="1" noChangeArrowheads="1" noChangeShapeType="1" noCrop="1"/>
-          </p:cNvPicPr>
-          <p:nvPr>
-            <p:extLst>
-              <p:ext uri="{386F3935-93C4-4BCD-93E2-E3B085C9AB24}">
-                <p16:designElem xmlns:p16="http://schemas.microsoft.com/office/powerpoint/2015/main" val="1"/>
-              </p:ext>
-            </p:extLst>
-          </p:nvPr>
-        </p:nvPicPr>
-        <p:blipFill rotWithShape="1">
-          <a:blip r:embed="rId2">
-            <a:extLst>
-              <a:ext uri="{28A0092B-C50C-407E-A947-70E740481C1C}">
-                <a14:useLocalDpi xmlns:a14="http://schemas.microsoft.com/office/drawing/2010/main" val="0"/>
-              </a:ext>
-            </a:extLst>
-          </a:blip>
-          <a:srcRect l="3613"/>
-          <a:stretch/>
-        </p:blipFill>
-        <p:spPr>
-          <a:xfrm>
-            <a:off x="0" y="2669685"/>
-            <a:ext cx="4037012" cy="4188315"/>
-          </a:xfrm>
-          <a:prstGeom prst="rect">
-            <a:avLst/>
-          </a:prstGeom>
-        </p:spPr>
-      </p:pic>
-      <p:pic>
-        <p:nvPicPr>
-          <p:cNvPr id="16" name="Picture 15">
-            <a:extLst>
-              <a:ext uri="{FF2B5EF4-FFF2-40B4-BE49-F238E27FC236}">
-                <a16:creationId xmlns:a16="http://schemas.microsoft.com/office/drawing/2014/main" xmlns="" id="{7C268552-D473-46ED-B1B8-422042C4DEF1}"/>
-              </a:ext>
-            </a:extLst>
-          </p:cNvPr>
-          <p:cNvPicPr>
-            <a:picLocks noGrp="1" noRot="1" noChangeAspect="1" noMove="1" noResize="1" noEditPoints="1" noAdjustHandles="1" noChangeArrowheads="1" noChangeShapeType="1" noCrop="1"/>
-          </p:cNvPicPr>
-          <p:nvPr>
-            <p:extLst>
-              <p:ext uri="{386F3935-93C4-4BCD-93E2-E3B085C9AB24}">
-                <p16:designElem xmlns:p16="http://schemas.microsoft.com/office/powerpoint/2015/main" val="1"/>
-              </p:ext>
-            </p:extLst>
-          </p:nvPr>
-        </p:nvPicPr>
-        <p:blipFill rotWithShape="1">
-          <a:blip r:embed="rId3">
-            <a:extLst>
-              <a:ext uri="{28A0092B-C50C-407E-A947-70E740481C1C}">
-                <a14:useLocalDpi xmlns:a14="http://schemas.microsoft.com/office/drawing/2010/main" val="0"/>
-              </a:ext>
-            </a:extLst>
-          </a:blip>
-          <a:srcRect l="35640"/>
-          <a:stretch/>
-        </p:blipFill>
-        <p:spPr>
-          <a:xfrm>
-            <a:off x="0" y="2892347"/>
-            <a:ext cx="1522412" cy="2365453"/>
-          </a:xfrm>
-          <a:prstGeom prst="rect">
-            <a:avLst/>
-          </a:prstGeom>
-        </p:spPr>
-      </p:pic>
-      <p:sp>
-        <p:nvSpPr>
-          <p:cNvPr id="18" name="Oval 17">
-            <a:extLst>
-              <a:ext uri="{FF2B5EF4-FFF2-40B4-BE49-F238E27FC236}">
-                <a16:creationId xmlns:a16="http://schemas.microsoft.com/office/drawing/2014/main" xmlns="" id="{4AC0CD9D-7610-4620-93B4-798CCD9AB581}"/>
-              </a:ext>
-            </a:extLst>
-          </p:cNvPr>
-          <p:cNvSpPr>
-            <a:spLocks noGrp="1" noRot="1" noChangeAspect="1" noMove="1" noResize="1" noEditPoints="1" noAdjustHandles="1" noChangeArrowheads="1" noChangeShapeType="1" noTextEdit="1"/>
-          </p:cNvSpPr>
-          <p:nvPr>
-            <p:extLst>
-              <p:ext uri="{386F3935-93C4-4BCD-93E2-E3B085C9AB24}">
-                <p16:designElem xmlns:p16="http://schemas.microsoft.com/office/powerpoint/2015/main" val="1"/>
-              </p:ext>
-            </p:extLst>
-          </p:nvPr>
-        </p:nvSpPr>
-        <p:spPr>
-          <a:xfrm>
-            <a:off x="8609012" y="1676400"/>
-            <a:ext cx="2819400" cy="2819400"/>
-          </a:xfrm>
-          <a:prstGeom prst="ellipse">
-            <a:avLst/>
-          </a:prstGeom>
-          <a:gradFill flip="none" rotWithShape="1">
-            <a:gsLst>
-              <a:gs pos="0">
-                <a:schemeClr val="bg2">
-                  <a:lumMod val="60000"/>
-                  <a:lumOff val="40000"/>
-                  <a:alpha val="7000"/>
-                </a:schemeClr>
-              </a:gs>
-              <a:gs pos="69000">
-                <a:schemeClr val="bg2">
-                  <a:lumMod val="60000"/>
-                  <a:lumOff val="40000"/>
-                  <a:alpha val="0"/>
-                </a:schemeClr>
-              </a:gs>
-              <a:gs pos="36000">
-                <a:schemeClr val="bg2">
-                  <a:lumMod val="60000"/>
-                  <a:lumOff val="40000"/>
-                  <a:alpha val="6000"/>
-                </a:schemeClr>
-              </a:gs>
-            </a:gsLst>
-            <a:path path="circle">
-              <a:fillToRect l="50000" t="50000" r="50000" b="50000"/>
-            </a:path>
-            <a:tileRect/>
-          </a:gradFill>
-          <a:ln>
-            <a:noFill/>
-          </a:ln>
-          <a:effectLst/>
-        </p:spPr>
-        <p:style>
-          <a:lnRef idx="1">
-            <a:schemeClr val="accent1"/>
-          </a:lnRef>
-          <a:fillRef idx="3">
-            <a:schemeClr val="accent1"/>
-          </a:fillRef>
-          <a:effectRef idx="2">
-            <a:schemeClr val="accent1"/>
-          </a:effectRef>
-          <a:fontRef idx="minor">
-            <a:schemeClr val="lt1"/>
-          </a:fontRef>
-        </p:style>
-      </p:sp>
-      <p:pic>
-        <p:nvPicPr>
-          <p:cNvPr id="20" name="Picture 19">
-            <a:extLst>
-              <a:ext uri="{FF2B5EF4-FFF2-40B4-BE49-F238E27FC236}">
-                <a16:creationId xmlns:a16="http://schemas.microsoft.com/office/drawing/2014/main" xmlns="" id="{B9238B3E-24AA-439A-B527-6C5DF6D72145}"/>
-              </a:ext>
-            </a:extLst>
-          </p:cNvPr>
-          <p:cNvPicPr>
-            <a:picLocks noGrp="1" noRot="1" noChangeAspect="1" noMove="1" noResize="1" noEditPoints="1" noAdjustHandles="1" noChangeArrowheads="1" noChangeShapeType="1" noCrop="1"/>
-          </p:cNvPicPr>
-          <p:nvPr>
-            <p:extLst>
-              <p:ext uri="{386F3935-93C4-4BCD-93E2-E3B085C9AB24}">
-                <p16:designElem xmlns:p16="http://schemas.microsoft.com/office/powerpoint/2015/main" val="1"/>
-              </p:ext>
-            </p:extLst>
-          </p:nvPr>
-        </p:nvPicPr>
-        <p:blipFill rotWithShape="1">
-          <a:blip r:embed="rId4">
-            <a:extLst>
-              <a:ext uri="{28A0092B-C50C-407E-A947-70E740481C1C}">
-                <a14:useLocalDpi xmlns:a14="http://schemas.microsoft.com/office/drawing/2010/main" val="0"/>
-              </a:ext>
-            </a:extLst>
-          </a:blip>
-          <a:srcRect t="28813"/>
-          <a:stretch/>
-        </p:blipFill>
-        <p:spPr>
-          <a:xfrm>
-            <a:off x="7999412" y="0"/>
-            <a:ext cx="1603387" cy="1141407"/>
-          </a:xfrm>
-          <a:prstGeom prst="rect">
-            <a:avLst/>
-          </a:prstGeom>
-        </p:spPr>
-      </p:pic>
-      <p:pic>
-        <p:nvPicPr>
-          <p:cNvPr id="22" name="Picture 21">
-            <a:extLst>
-              <a:ext uri="{FF2B5EF4-FFF2-40B4-BE49-F238E27FC236}">
-                <a16:creationId xmlns:a16="http://schemas.microsoft.com/office/drawing/2014/main" xmlns="" id="{69F01145-BEA3-4CBF-AA21-10077B948CA8}"/>
-              </a:ext>
-            </a:extLst>
-          </p:cNvPr>
-          <p:cNvPicPr>
-            <a:picLocks noGrp="1" noRot="1" noChangeAspect="1" noMove="1" noResize="1" noEditPoints="1" noAdjustHandles="1" noChangeArrowheads="1" noChangeShapeType="1" noCrop="1"/>
-          </p:cNvPicPr>
-          <p:nvPr>
-            <p:extLst>
-              <p:ext uri="{386F3935-93C4-4BCD-93E2-E3B085C9AB24}">
-                <p16:designElem xmlns:p16="http://schemas.microsoft.com/office/powerpoint/2015/main" val="1"/>
-              </p:ext>
-            </p:extLst>
-          </p:nvPr>
-        </p:nvPicPr>
-        <p:blipFill rotWithShape="1">
-          <a:blip r:embed="rId5">
-            <a:extLst>
-              <a:ext uri="{28A0092B-C50C-407E-A947-70E740481C1C}">
-                <a14:useLocalDpi xmlns:a14="http://schemas.microsoft.com/office/drawing/2010/main" val="0"/>
-              </a:ext>
-            </a:extLst>
-          </a:blip>
-          <a:srcRect b="23320"/>
-          <a:stretch/>
-        </p:blipFill>
-        <p:spPr>
-          <a:xfrm>
-            <a:off x="8605878" y="6096000"/>
-            <a:ext cx="993734" cy="762000"/>
-          </a:xfrm>
-          <a:prstGeom prst="rect">
-            <a:avLst/>
-          </a:prstGeom>
-        </p:spPr>
-      </p:pic>
-      <p:sp>
-        <p:nvSpPr>
-          <p:cNvPr id="24" name="Rectangle 23">
-            <a:extLst>
-              <a:ext uri="{FF2B5EF4-FFF2-40B4-BE49-F238E27FC236}">
-                <a16:creationId xmlns:a16="http://schemas.microsoft.com/office/drawing/2014/main" xmlns="" id="{DE4D62F9-188E-4530-84C2-24BDEE4BEB82}"/>
-              </a:ext>
-            </a:extLst>
-          </p:cNvPr>
-          <p:cNvSpPr>
-            <a:spLocks noGrp="1" noRot="1" noChangeAspect="1" noMove="1" noResize="1" noEditPoints="1" noAdjustHandles="1" noChangeArrowheads="1" noChangeShapeType="1" noTextEdit="1"/>
-          </p:cNvSpPr>
-          <p:nvPr>
-            <p:extLst>
-              <p:ext uri="{386F3935-93C4-4BCD-93E2-E3B085C9AB24}">
-                <p16:designElem xmlns:p16="http://schemas.microsoft.com/office/powerpoint/2015/main" val="1"/>
-              </p:ext>
-            </p:extLst>
-          </p:nvPr>
-        </p:nvSpPr>
-        <p:spPr>
-          <a:xfrm>
-            <a:off x="10437812" y="0"/>
-            <a:ext cx="685800" cy="1143000"/>
-          </a:xfrm>
-          <a:prstGeom prst="rect">
-            <a:avLst/>
-          </a:prstGeom>
-          <a:solidFill>
-            <a:schemeClr val="accent1"/>
-          </a:solidFill>
-          <a:ln>
-            <a:noFill/>
-          </a:ln>
-        </p:spPr>
-        <p:style>
-          <a:lnRef idx="1">
-            <a:schemeClr val="accent1"/>
-          </a:lnRef>
-          <a:fillRef idx="3">
-            <a:schemeClr val="accent1"/>
-          </a:fillRef>
-          <a:effectRef idx="2">
-            <a:schemeClr val="accent1"/>
-          </a:effectRef>
-          <a:fontRef idx="minor">
-            <a:schemeClr val="lt1"/>
-          </a:fontRef>
-        </p:style>
-      </p:sp>
-      <p:sp useBgFill="1">
-        <p:nvSpPr>
-          <p:cNvPr id="26" name="Rectangle 25">
-            <a:extLst>
-              <a:ext uri="{FF2B5EF4-FFF2-40B4-BE49-F238E27FC236}">
-                <a16:creationId xmlns:a16="http://schemas.microsoft.com/office/drawing/2014/main" xmlns="" id="{D27CF008-4B18-436D-B2D5-C1346C12438E}"/>
-              </a:ext>
-            </a:extLst>
-          </p:cNvPr>
-          <p:cNvSpPr>
-            <a:spLocks noGrp="1" noRot="1" noChangeAspect="1" noMove="1" noResize="1" noEditPoints="1" noAdjustHandles="1" noChangeArrowheads="1" noChangeShapeType="1" noTextEdit="1"/>
-          </p:cNvSpPr>
-          <p:nvPr>
-            <p:extLst>
-              <p:ext uri="{386F3935-93C4-4BCD-93E2-E3B085C9AB24}">
-                <p16:designElem xmlns:p16="http://schemas.microsoft.com/office/powerpoint/2015/main" val="1"/>
-              </p:ext>
-            </p:extLst>
-          </p:nvPr>
-        </p:nvSpPr>
-        <p:spPr>
-          <a:xfrm>
-            <a:off x="0" y="-5"/>
-            <a:ext cx="12191695" cy="4730744"/>
-          </a:xfrm>
-          <a:prstGeom prst="rect">
-            <a:avLst/>
-          </a:prstGeom>
-          <a:ln>
-            <a:noFill/>
-          </a:ln>
-        </p:spPr>
-        <p:style>
-          <a:lnRef idx="2">
-            <a:schemeClr val="accent1">
-              <a:shade val="50000"/>
-            </a:schemeClr>
-          </a:lnRef>
-          <a:fillRef idx="1">
-            <a:schemeClr val="accent1"/>
-          </a:fillRef>
-          <a:effectRef idx="0">
-            <a:schemeClr val="accent1"/>
-          </a:effectRef>
-          <a:fontRef idx="minor">
-            <a:schemeClr val="lt1"/>
-          </a:fontRef>
-        </p:style>
-        <p:txBody>
-          <a:bodyPr rtlCol="0" anchor="ctr"/>
-          <a:lstStyle/>
-          <a:p>
-            <a:pPr algn="ctr"/>
-            <a:endParaRPr lang="en-US"/>
-          </a:p>
-        </p:txBody>
-      </p:sp>
-      <p:sp>
-        <p:nvSpPr>
-          <p:cNvPr id="28" name="Rectangle 27">
-            <a:extLst>
-              <a:ext uri="{FF2B5EF4-FFF2-40B4-BE49-F238E27FC236}">
-                <a16:creationId xmlns:a16="http://schemas.microsoft.com/office/drawing/2014/main" xmlns="" id="{CE22DAD8-5F67-4B73-ADA9-06EF381F7AD6}"/>
-              </a:ext>
-            </a:extLst>
-          </p:cNvPr>
-          <p:cNvSpPr>
-            <a:spLocks noGrp="1" noRot="1" noChangeAspect="1" noMove="1" noResize="1" noEditPoints="1" noAdjustHandles="1" noChangeArrowheads="1" noChangeShapeType="1" noTextEdit="1"/>
-          </p:cNvSpPr>
-          <p:nvPr>
-            <p:extLst>
-              <p:ext uri="{386F3935-93C4-4BCD-93E2-E3B085C9AB24}">
-                <p16:designElem xmlns:p16="http://schemas.microsoft.com/office/powerpoint/2015/main" val="1"/>
-              </p:ext>
-            </p:extLst>
-          </p:nvPr>
-        </p:nvSpPr>
-        <p:spPr>
-          <a:xfrm>
-            <a:off x="10437812" y="0"/>
-            <a:ext cx="685800" cy="1143000"/>
-          </a:xfrm>
-          <a:prstGeom prst="rect">
-            <a:avLst/>
-          </a:prstGeom>
-          <a:solidFill>
-            <a:schemeClr val="accent1"/>
-          </a:solidFill>
-          <a:ln>
-            <a:noFill/>
-          </a:ln>
-        </p:spPr>
-        <p:style>
-          <a:lnRef idx="1">
-            <a:schemeClr val="accent1"/>
-          </a:lnRef>
-          <a:fillRef idx="3">
-            <a:schemeClr val="accent1"/>
-          </a:fillRef>
-          <a:effectRef idx="2">
-            <a:schemeClr val="accent1"/>
-          </a:effectRef>
-          <a:fontRef idx="minor">
-            <a:schemeClr val="lt1"/>
-          </a:fontRef>
-        </p:style>
-      </p:sp>
-      <p:sp>
-        <p:nvSpPr>
-          <p:cNvPr id="30" name="Freeform 16">
-            <a:extLst>
-              <a:ext uri="{FF2B5EF4-FFF2-40B4-BE49-F238E27FC236}">
-                <a16:creationId xmlns:a16="http://schemas.microsoft.com/office/drawing/2014/main" xmlns="" id="{E4F17063-EDA4-417B-946F-BA357F3B390D}"/>
+                <a16:creationId xmlns:a16="http://schemas.microsoft.com/office/drawing/2014/main" id="{E4F17063-EDA4-417B-946F-BA357F3B390D}"/>
               </a:ext>
             </a:extLst>
           </p:cNvPr>
@@ -13514,7 +12465,7 @@
           <p:cNvPr id="32" name="Freeform: Shape 31">
             <a:extLst>
               <a:ext uri="{FF2B5EF4-FFF2-40B4-BE49-F238E27FC236}">
-                <a16:creationId xmlns:a16="http://schemas.microsoft.com/office/drawing/2014/main" xmlns="" id="{D36F3EEA-55D4-4677-80E7-92D00B8F343B}"/>
+                <a16:creationId xmlns:a16="http://schemas.microsoft.com/office/drawing/2014/main" id="{D36F3EEA-55D4-4677-80E7-92D00B8F343B}"/>
               </a:ext>
             </a:extLst>
           </p:cNvPr>
@@ -14050,7 +13001,7 @@
 </p:sld>
 </file>
 
-<file path=ppt/slides/slide25.xml><?xml version="1.0" encoding="utf-8"?>
+<file path=ppt/slides/slide23.xml><?xml version="1.0" encoding="utf-8"?>
 <p:sld xmlns:a="http://schemas.openxmlformats.org/drawingml/2006/main" xmlns:r="http://schemas.openxmlformats.org/officeDocument/2006/relationships" xmlns:p="http://schemas.openxmlformats.org/presentationml/2006/main">
   <p:cSld>
     <p:spTree>
@@ -14083,10 +13034,9 @@
           <a:lstStyle/>
           <a:p>
             <a:r>
-              <a:rPr lang="en-US" dirty="0" smtClean="0"/>
+              <a:rPr lang="en-US" dirty="0"/>
               <a:t>							 RUNTIME</a:t>
             </a:r>
-            <a:endParaRPr lang="en-US" dirty="0"/>
           </a:p>
         </p:txBody>
       </p:sp>
@@ -14106,18 +13056,33 @@
           <a:lstStyle/>
           <a:p>
             <a:r>
-              <a:rPr lang="en-US" dirty="0" smtClean="0"/>
-              <a:t>The Runtime was designed using Python.</a:t>
+              <a:rPr lang="en-US" dirty="0"/>
+              <a:t>Interpreter is written in Python. </a:t>
             </a:r>
           </a:p>
           <a:p>
             <a:r>
-              <a:rPr lang="en-US" dirty="0" smtClean="0"/>
-              <a:t>Why Python ? </a:t>
+              <a:rPr lang="en-US" dirty="0"/>
+              <a:t>Intermediate Code is taken as input.</a:t>
             </a:r>
           </a:p>
           <a:p>
-            <a:endParaRPr lang="en-US" dirty="0"/>
+            <a:r>
+              <a:rPr lang="en-US" dirty="0"/>
+              <a:t>Symbol table (python dictionary). </a:t>
+            </a:r>
+          </a:p>
+          <a:p>
+            <a:r>
+              <a:rPr lang="en-US" dirty="0"/>
+              <a:t>Stack frame / Activation record. </a:t>
+            </a:r>
+          </a:p>
+          <a:p>
+            <a:r>
+              <a:rPr lang="en-US" dirty="0"/>
+              <a:t>Opcode to specific method. </a:t>
+            </a:r>
           </a:p>
         </p:txBody>
       </p:sp>
@@ -14134,7 +13099,7 @@
 </p:sld>
 </file>
 
-<file path=ppt/slides/slide26.xml><?xml version="1.0" encoding="utf-8"?>
+<file path=ppt/slides/slide24.xml><?xml version="1.0" encoding="utf-8"?>
 <p:sld xmlns:a="http://schemas.openxmlformats.org/drawingml/2006/main" xmlns:r="http://schemas.openxmlformats.org/officeDocument/2006/relationships" xmlns:p="http://schemas.openxmlformats.org/presentationml/2006/main">
   <p:cSld>
     <p:bg>
@@ -14180,7 +13145,7 @@
           <p:cNvPr id="18" name="Rectangle 17">
             <a:extLst>
               <a:ext uri="{FF2B5EF4-FFF2-40B4-BE49-F238E27FC236}">
-                <a16:creationId xmlns:a16="http://schemas.microsoft.com/office/drawing/2014/main" xmlns="" id="{EC7348AF-7602-4B76-9997-03F0F432DA7F}"/>
+                <a16:creationId xmlns:a16="http://schemas.microsoft.com/office/drawing/2014/main" id="{EC7348AF-7602-4B76-9997-03F0F432DA7F}"/>
               </a:ext>
             </a:extLst>
           </p:cNvPr>
@@ -14240,7 +13205,7 @@
           <p:cNvPr id="20" name="Rectangle 19">
             <a:extLst>
               <a:ext uri="{FF2B5EF4-FFF2-40B4-BE49-F238E27FC236}">
-                <a16:creationId xmlns:a16="http://schemas.microsoft.com/office/drawing/2014/main" xmlns="" id="{080DD7D4-CD57-4577-ACCC-43E1C72F77B9}"/>
+                <a16:creationId xmlns:a16="http://schemas.microsoft.com/office/drawing/2014/main" id="{080DD7D4-CD57-4577-ACCC-43E1C72F77B9}"/>
               </a:ext>
             </a:extLst>
           </p:cNvPr>
@@ -14290,7 +13255,7 @@
           <p:cNvPr id="22" name="Freeform 23">
             <a:extLst>
               <a:ext uri="{FF2B5EF4-FFF2-40B4-BE49-F238E27FC236}">
-                <a16:creationId xmlns:a16="http://schemas.microsoft.com/office/drawing/2014/main" xmlns="" id="{0E38218E-B21F-433A-BB44-F15DE7DC66E9}"/>
+                <a16:creationId xmlns:a16="http://schemas.microsoft.com/office/drawing/2014/main" id="{0E38218E-B21F-433A-BB44-F15DE7DC66E9}"/>
               </a:ext>
             </a:extLst>
           </p:cNvPr>
@@ -14639,7 +13604,7 @@
           <p:cNvPr id="24" name="Freeform 5">
             <a:extLst>
               <a:ext uri="{FF2B5EF4-FFF2-40B4-BE49-F238E27FC236}">
-                <a16:creationId xmlns:a16="http://schemas.microsoft.com/office/drawing/2014/main" xmlns="" id="{1CC539E7-2A7D-4261-A502-1C2FA9C1B207}"/>
+                <a16:creationId xmlns:a16="http://schemas.microsoft.com/office/drawing/2014/main" id="{1CC539E7-2A7D-4261-A502-1C2FA9C1B207}"/>
               </a:ext>
             </a:extLst>
           </p:cNvPr>
@@ -14832,107 +13797,1013 @@
           </a:ln>
         </p:spPr>
       </p:sp>
+      <p:sp>
+        <p:nvSpPr>
+          <p:cNvPr id="2" name="Title 1"/>
+          <p:cNvSpPr>
+            <a:spLocks noGrp="1"/>
+          </p:cNvSpPr>
+          <p:nvPr>
+            <p:ph type="title"/>
+          </p:nvPr>
+        </p:nvSpPr>
+        <p:spPr>
+          <a:xfrm>
+            <a:off x="711561" y="2836761"/>
+            <a:ext cx="3105075" cy="1444750"/>
+          </a:xfrm>
+        </p:spPr>
+        <p:txBody>
+          <a:bodyPr anchor="b">
+            <a:normAutofit fontScale="90000"/>
+          </a:bodyPr>
+          <a:lstStyle/>
+          <a:p>
+            <a:r>
+              <a:rPr lang="en-US" sz="4000" dirty="0"/>
+              <a:t>Code Snippets For Runtime</a:t>
+            </a:r>
+            <a:br>
+              <a:rPr lang="en-US" sz="3200" dirty="0"/>
+            </a:br>
+            <a:endParaRPr lang="en-US" sz="3200" dirty="0"/>
+          </a:p>
+        </p:txBody>
+      </p:sp>
+    </p:spTree>
+    <p:extLst>
+      <p:ext uri="{BB962C8B-B14F-4D97-AF65-F5344CB8AC3E}">
+        <p14:creationId xmlns:p14="http://schemas.microsoft.com/office/powerpoint/2010/main" val="1617127194"/>
+      </p:ext>
+    </p:extLst>
+  </p:cSld>
+  <p:clrMapOvr>
+    <a:masterClrMapping/>
+  </p:clrMapOvr>
+</p:sld>
+</file>
+
+<file path=ppt/slides/slide25.xml><?xml version="1.0" encoding="utf-8"?>
+<p:sld xmlns:a="http://schemas.openxmlformats.org/drawingml/2006/main" xmlns:r="http://schemas.openxmlformats.org/officeDocument/2006/relationships" xmlns:p="http://schemas.openxmlformats.org/presentationml/2006/main">
+  <p:cSld>
+    <p:bg>
+      <p:bgPr>
+        <a:blipFill rotWithShape="1">
+          <a:blip r:embed="rId2">
+            <a:duotone>
+              <a:schemeClr val="bg2">
+                <a:shade val="69000"/>
+                <a:hueMod val="108000"/>
+                <a:satMod val="164000"/>
+                <a:lumMod val="74000"/>
+              </a:schemeClr>
+              <a:schemeClr val="bg2">
+                <a:tint val="96000"/>
+                <a:hueMod val="88000"/>
+                <a:satMod val="140000"/>
+                <a:lumMod val="132000"/>
+              </a:schemeClr>
+            </a:duotone>
+          </a:blip>
+          <a:stretch/>
+        </a:blipFill>
+        <a:effectLst/>
+      </p:bgPr>
+    </p:bg>
+    <p:spTree>
+      <p:nvGrpSpPr>
+        <p:cNvPr id="1" name=""/>
+        <p:cNvGrpSpPr/>
+        <p:nvPr/>
+      </p:nvGrpSpPr>
+      <p:grpSpPr>
+        <a:xfrm>
+          <a:off x="0" y="0"/>
+          <a:ext cx="0" cy="0"/>
+          <a:chOff x="0" y="0"/>
+          <a:chExt cx="0" cy="0"/>
+        </a:xfrm>
+      </p:grpSpPr>
       <p:pic>
         <p:nvPicPr>
-          <p:cNvPr id="5" name="Picture 4"/>
+          <p:cNvPr id="10" name="Picture 9">
+            <a:extLst>
+              <a:ext uri="{FF2B5EF4-FFF2-40B4-BE49-F238E27FC236}">
+                <a16:creationId xmlns:a16="http://schemas.microsoft.com/office/drawing/2014/main" id="{C9ECDD5C-152A-4CC7-8333-0F367B3A62EA}"/>
+              </a:ext>
+            </a:extLst>
+          </p:cNvPr>
+          <p:cNvPicPr>
+            <a:picLocks noGrp="1" noRot="1" noChangeAspect="1" noMove="1" noResize="1" noEditPoints="1" noAdjustHandles="1" noChangeArrowheads="1" noChangeShapeType="1" noCrop="1"/>
+          </p:cNvPicPr>
+          <p:nvPr>
+            <p:extLst>
+              <p:ext uri="{386F3935-93C4-4BCD-93E2-E3B085C9AB24}">
+                <p16:designElem xmlns:p16="http://schemas.microsoft.com/office/powerpoint/2015/main" val="1"/>
+              </p:ext>
+            </p:extLst>
+          </p:nvPr>
+        </p:nvPicPr>
+        <p:blipFill rotWithShape="1">
+          <a:blip r:embed="rId3">
+            <a:extLst>
+              <a:ext uri="{28A0092B-C50C-407E-A947-70E740481C1C}">
+                <a14:useLocalDpi xmlns:a14="http://schemas.microsoft.com/office/drawing/2010/main" val="0"/>
+              </a:ext>
+            </a:extLst>
+          </a:blip>
+          <a:srcRect l="3613"/>
+          <a:stretch/>
+        </p:blipFill>
+        <p:spPr>
+          <a:xfrm>
+            <a:off x="0" y="2669685"/>
+            <a:ext cx="4037012" cy="4188315"/>
+          </a:xfrm>
+          <a:prstGeom prst="rect">
+            <a:avLst/>
+          </a:prstGeom>
+        </p:spPr>
+      </p:pic>
+      <p:pic>
+        <p:nvPicPr>
+          <p:cNvPr id="12" name="Picture 11">
+            <a:extLst>
+              <a:ext uri="{FF2B5EF4-FFF2-40B4-BE49-F238E27FC236}">
+                <a16:creationId xmlns:a16="http://schemas.microsoft.com/office/drawing/2014/main" id="{7F5C92A3-369B-43F3-BDCE-E560B1B0EC89}"/>
+              </a:ext>
+            </a:extLst>
+          </p:cNvPr>
+          <p:cNvPicPr>
+            <a:picLocks noGrp="1" noRot="1" noChangeAspect="1" noMove="1" noResize="1" noEditPoints="1" noAdjustHandles="1" noChangeArrowheads="1" noChangeShapeType="1" noCrop="1"/>
+          </p:cNvPicPr>
+          <p:nvPr>
+            <p:extLst>
+              <p:ext uri="{386F3935-93C4-4BCD-93E2-E3B085C9AB24}">
+                <p16:designElem xmlns:p16="http://schemas.microsoft.com/office/powerpoint/2015/main" val="1"/>
+              </p:ext>
+            </p:extLst>
+          </p:nvPr>
+        </p:nvPicPr>
+        <p:blipFill rotWithShape="1">
+          <a:blip r:embed="rId4">
+            <a:extLst>
+              <a:ext uri="{28A0092B-C50C-407E-A947-70E740481C1C}">
+                <a14:useLocalDpi xmlns:a14="http://schemas.microsoft.com/office/drawing/2010/main" val="0"/>
+              </a:ext>
+            </a:extLst>
+          </a:blip>
+          <a:srcRect l="35640"/>
+          <a:stretch/>
+        </p:blipFill>
+        <p:spPr>
+          <a:xfrm>
+            <a:off x="0" y="2892347"/>
+            <a:ext cx="1522412" cy="2365453"/>
+          </a:xfrm>
+          <a:prstGeom prst="rect">
+            <a:avLst/>
+          </a:prstGeom>
+        </p:spPr>
+      </p:pic>
+      <p:sp>
+        <p:nvSpPr>
+          <p:cNvPr id="14" name="Oval 13">
+            <a:extLst>
+              <a:ext uri="{FF2B5EF4-FFF2-40B4-BE49-F238E27FC236}">
+                <a16:creationId xmlns:a16="http://schemas.microsoft.com/office/drawing/2014/main" id="{AEBE9F1A-B38D-446E-83AE-14B17CE77FF2}"/>
+              </a:ext>
+            </a:extLst>
+          </p:cNvPr>
+          <p:cNvSpPr>
+            <a:spLocks noGrp="1" noRot="1" noChangeAspect="1" noMove="1" noResize="1" noEditPoints="1" noAdjustHandles="1" noChangeArrowheads="1" noChangeShapeType="1" noTextEdit="1"/>
+          </p:cNvSpPr>
+          <p:nvPr>
+            <p:extLst>
+              <p:ext uri="{386F3935-93C4-4BCD-93E2-E3B085C9AB24}">
+                <p16:designElem xmlns:p16="http://schemas.microsoft.com/office/powerpoint/2015/main" val="1"/>
+              </p:ext>
+            </p:extLst>
+          </p:nvPr>
+        </p:nvSpPr>
+        <p:spPr>
+          <a:xfrm>
+            <a:off x="8609012" y="1676400"/>
+            <a:ext cx="2819400" cy="2819400"/>
+          </a:xfrm>
+          <a:prstGeom prst="ellipse">
+            <a:avLst/>
+          </a:prstGeom>
+          <a:gradFill flip="none" rotWithShape="1">
+            <a:gsLst>
+              <a:gs pos="0">
+                <a:schemeClr val="bg2">
+                  <a:lumMod val="60000"/>
+                  <a:lumOff val="40000"/>
+                  <a:alpha val="7000"/>
+                </a:schemeClr>
+              </a:gs>
+              <a:gs pos="69000">
+                <a:schemeClr val="bg2">
+                  <a:lumMod val="60000"/>
+                  <a:lumOff val="40000"/>
+                  <a:alpha val="0"/>
+                </a:schemeClr>
+              </a:gs>
+              <a:gs pos="36000">
+                <a:schemeClr val="bg2">
+                  <a:lumMod val="60000"/>
+                  <a:lumOff val="40000"/>
+                  <a:alpha val="6000"/>
+                </a:schemeClr>
+              </a:gs>
+            </a:gsLst>
+            <a:path path="circle">
+              <a:fillToRect l="50000" t="50000" r="50000" b="50000"/>
+            </a:path>
+            <a:tileRect/>
+          </a:gradFill>
+          <a:ln>
+            <a:noFill/>
+          </a:ln>
+          <a:effectLst/>
+        </p:spPr>
+        <p:style>
+          <a:lnRef idx="1">
+            <a:schemeClr val="accent1"/>
+          </a:lnRef>
+          <a:fillRef idx="3">
+            <a:schemeClr val="accent1"/>
+          </a:fillRef>
+          <a:effectRef idx="2">
+            <a:schemeClr val="accent1"/>
+          </a:effectRef>
+          <a:fontRef idx="minor">
+            <a:schemeClr val="lt1"/>
+          </a:fontRef>
+        </p:style>
+      </p:sp>
+      <p:pic>
+        <p:nvPicPr>
+          <p:cNvPr id="16" name="Picture 15">
+            <a:extLst>
+              <a:ext uri="{FF2B5EF4-FFF2-40B4-BE49-F238E27FC236}">
+                <a16:creationId xmlns:a16="http://schemas.microsoft.com/office/drawing/2014/main" id="{915B5014-A7EC-4BA6-9C83-8840CF81DB28}"/>
+              </a:ext>
+            </a:extLst>
+          </p:cNvPr>
+          <p:cNvPicPr>
+            <a:picLocks noGrp="1" noRot="1" noChangeAspect="1" noMove="1" noResize="1" noEditPoints="1" noAdjustHandles="1" noChangeArrowheads="1" noChangeShapeType="1" noCrop="1"/>
+          </p:cNvPicPr>
+          <p:nvPr>
+            <p:extLst>
+              <p:ext uri="{386F3935-93C4-4BCD-93E2-E3B085C9AB24}">
+                <p16:designElem xmlns:p16="http://schemas.microsoft.com/office/powerpoint/2015/main" val="1"/>
+              </p:ext>
+            </p:extLst>
+          </p:nvPr>
+        </p:nvPicPr>
+        <p:blipFill rotWithShape="1">
+          <a:blip r:embed="rId5">
+            <a:extLst>
+              <a:ext uri="{28A0092B-C50C-407E-A947-70E740481C1C}">
+                <a14:useLocalDpi xmlns:a14="http://schemas.microsoft.com/office/drawing/2010/main" val="0"/>
+              </a:ext>
+            </a:extLst>
+          </a:blip>
+          <a:srcRect t="28813"/>
+          <a:stretch/>
+        </p:blipFill>
+        <p:spPr>
+          <a:xfrm>
+            <a:off x="7999412" y="0"/>
+            <a:ext cx="1603387" cy="1141407"/>
+          </a:xfrm>
+          <a:prstGeom prst="rect">
+            <a:avLst/>
+          </a:prstGeom>
+        </p:spPr>
+      </p:pic>
+      <p:pic>
+        <p:nvPicPr>
+          <p:cNvPr id="18" name="Picture 17">
+            <a:extLst>
+              <a:ext uri="{FF2B5EF4-FFF2-40B4-BE49-F238E27FC236}">
+                <a16:creationId xmlns:a16="http://schemas.microsoft.com/office/drawing/2014/main" id="{022C43AB-86D7-420D-8AD7-DC0A15FDD0AF}"/>
+              </a:ext>
+            </a:extLst>
+          </p:cNvPr>
+          <p:cNvPicPr>
+            <a:picLocks noGrp="1" noRot="1" noChangeAspect="1" noMove="1" noResize="1" noEditPoints="1" noAdjustHandles="1" noChangeArrowheads="1" noChangeShapeType="1" noCrop="1"/>
+          </p:cNvPicPr>
+          <p:nvPr>
+            <p:extLst>
+              <p:ext uri="{386F3935-93C4-4BCD-93E2-E3B085C9AB24}">
+                <p16:designElem xmlns:p16="http://schemas.microsoft.com/office/powerpoint/2015/main" val="1"/>
+              </p:ext>
+            </p:extLst>
+          </p:nvPr>
+        </p:nvPicPr>
+        <p:blipFill rotWithShape="1">
+          <a:blip r:embed="rId6">
+            <a:extLst>
+              <a:ext uri="{28A0092B-C50C-407E-A947-70E740481C1C}">
+                <a14:useLocalDpi xmlns:a14="http://schemas.microsoft.com/office/drawing/2010/main" val="0"/>
+              </a:ext>
+            </a:extLst>
+          </a:blip>
+          <a:srcRect b="23320"/>
+          <a:stretch/>
+        </p:blipFill>
+        <p:spPr>
+          <a:xfrm>
+            <a:off x="8605878" y="6096000"/>
+            <a:ext cx="993734" cy="762000"/>
+          </a:xfrm>
+          <a:prstGeom prst="rect">
+            <a:avLst/>
+          </a:prstGeom>
+        </p:spPr>
+      </p:pic>
+      <p:sp>
+        <p:nvSpPr>
+          <p:cNvPr id="20" name="Rectangle 19">
+            <a:extLst>
+              <a:ext uri="{FF2B5EF4-FFF2-40B4-BE49-F238E27FC236}">
+                <a16:creationId xmlns:a16="http://schemas.microsoft.com/office/drawing/2014/main" id="{5E3EB826-A471-488F-9E8A-D65528A3C0CA}"/>
+              </a:ext>
+            </a:extLst>
+          </p:cNvPr>
+          <p:cNvSpPr>
+            <a:spLocks noGrp="1" noRot="1" noChangeAspect="1" noMove="1" noResize="1" noEditPoints="1" noAdjustHandles="1" noChangeArrowheads="1" noChangeShapeType="1" noTextEdit="1"/>
+          </p:cNvSpPr>
+          <p:nvPr>
+            <p:extLst>
+              <p:ext uri="{386F3935-93C4-4BCD-93E2-E3B085C9AB24}">
+                <p16:designElem xmlns:p16="http://schemas.microsoft.com/office/powerpoint/2015/main" val="1"/>
+              </p:ext>
+            </p:extLst>
+          </p:nvPr>
+        </p:nvSpPr>
+        <p:spPr>
+          <a:xfrm>
+            <a:off x="10437812" y="0"/>
+            <a:ext cx="685800" cy="1143000"/>
+          </a:xfrm>
+          <a:prstGeom prst="rect">
+            <a:avLst/>
+          </a:prstGeom>
+          <a:solidFill>
+            <a:schemeClr val="accent1"/>
+          </a:solidFill>
+          <a:ln>
+            <a:noFill/>
+          </a:ln>
+        </p:spPr>
+        <p:style>
+          <a:lnRef idx="1">
+            <a:schemeClr val="accent1"/>
+          </a:lnRef>
+          <a:fillRef idx="3">
+            <a:schemeClr val="accent1"/>
+          </a:fillRef>
+          <a:effectRef idx="2">
+            <a:schemeClr val="accent1"/>
+          </a:effectRef>
+          <a:fontRef idx="minor">
+            <a:schemeClr val="lt1"/>
+          </a:fontRef>
+        </p:style>
+      </p:sp>
+      <p:sp>
+        <p:nvSpPr>
+          <p:cNvPr id="22" name="Rectangle 21">
+            <a:extLst>
+              <a:ext uri="{FF2B5EF4-FFF2-40B4-BE49-F238E27FC236}">
+                <a16:creationId xmlns:a16="http://schemas.microsoft.com/office/drawing/2014/main" id="{4159E445-83D7-4F7C-8B6B-79EDEFA5F788}"/>
+              </a:ext>
+            </a:extLst>
+          </p:cNvPr>
+          <p:cNvSpPr>
+            <a:spLocks noGrp="1" noRot="1" noChangeAspect="1" noMove="1" noResize="1" noEditPoints="1" noAdjustHandles="1" noChangeArrowheads="1" noChangeShapeType="1" noTextEdit="1"/>
+          </p:cNvSpPr>
+          <p:nvPr>
+            <p:extLst>
+              <p:ext uri="{386F3935-93C4-4BCD-93E2-E3B085C9AB24}">
+                <p16:designElem xmlns:p16="http://schemas.microsoft.com/office/powerpoint/2015/main" val="1"/>
+              </p:ext>
+            </p:extLst>
+          </p:nvPr>
+        </p:nvSpPr>
+        <p:spPr>
+          <a:xfrm>
+            <a:off x="0" y="0"/>
+            <a:ext cx="12192000" cy="6858000"/>
+          </a:xfrm>
+          <a:prstGeom prst="rect">
+            <a:avLst/>
+          </a:prstGeom>
+          <a:solidFill>
+            <a:srgbClr val="FFFFFF"/>
+          </a:solidFill>
+          <a:ln>
+            <a:noFill/>
+          </a:ln>
+        </p:spPr>
+        <p:style>
+          <a:lnRef idx="2">
+            <a:schemeClr val="accent1">
+              <a:shade val="50000"/>
+            </a:schemeClr>
+          </a:lnRef>
+          <a:fillRef idx="1">
+            <a:schemeClr val="accent1"/>
+          </a:fillRef>
+          <a:effectRef idx="0">
+            <a:schemeClr val="accent1"/>
+          </a:effectRef>
+          <a:fontRef idx="minor">
+            <a:schemeClr val="lt1"/>
+          </a:fontRef>
+        </p:style>
+        <p:txBody>
+          <a:bodyPr rtlCol="0" anchor="ctr"/>
+          <a:lstStyle/>
+          <a:p>
+            <a:pPr algn="ctr"/>
+            <a:endParaRPr lang="en-US"/>
+          </a:p>
+        </p:txBody>
+      </p:sp>
+      <p:sp>
+        <p:nvSpPr>
+          <p:cNvPr id="24" name="Rectangle 23">
+            <a:extLst>
+              <a:ext uri="{FF2B5EF4-FFF2-40B4-BE49-F238E27FC236}">
+                <a16:creationId xmlns:a16="http://schemas.microsoft.com/office/drawing/2014/main" id="{E1E43DD8-7DEF-4A83-A303-10947F34B086}"/>
+              </a:ext>
+            </a:extLst>
+          </p:cNvPr>
+          <p:cNvSpPr>
+            <a:spLocks noGrp="1" noRot="1" noChangeAspect="1" noMove="1" noResize="1" noEditPoints="1" noAdjustHandles="1" noChangeArrowheads="1" noChangeShapeType="1" noTextEdit="1"/>
+          </p:cNvSpPr>
+          <p:nvPr>
+            <p:extLst>
+              <p:ext uri="{386F3935-93C4-4BCD-93E2-E3B085C9AB24}">
+                <p16:designElem xmlns:p16="http://schemas.microsoft.com/office/powerpoint/2015/main" val="1"/>
+              </p:ext>
+            </p:extLst>
+          </p:nvPr>
+        </p:nvSpPr>
+        <p:spPr>
+          <a:xfrm>
+            <a:off x="10437812" y="0"/>
+            <a:ext cx="685800" cy="1143000"/>
+          </a:xfrm>
+          <a:prstGeom prst="rect">
+            <a:avLst/>
+          </a:prstGeom>
+          <a:solidFill>
+            <a:schemeClr val="accent1"/>
+          </a:solidFill>
+          <a:ln>
+            <a:noFill/>
+          </a:ln>
+        </p:spPr>
+        <p:style>
+          <a:lnRef idx="1">
+            <a:schemeClr val="accent1"/>
+          </a:lnRef>
+          <a:fillRef idx="3">
+            <a:schemeClr val="accent1"/>
+          </a:fillRef>
+          <a:effectRef idx="2">
+            <a:schemeClr val="accent1"/>
+          </a:effectRef>
+          <a:fontRef idx="minor">
+            <a:schemeClr val="lt1"/>
+          </a:fontRef>
+        </p:style>
+      </p:sp>
+      <p:pic>
+        <p:nvPicPr>
+          <p:cNvPr id="5" name="Picture 4">
+            <a:extLst>
+              <a:ext uri="{FF2B5EF4-FFF2-40B4-BE49-F238E27FC236}">
+                <a16:creationId xmlns:a16="http://schemas.microsoft.com/office/drawing/2014/main" id="{51D3ED90-7A12-E748-A160-84BD23798F0E}"/>
+              </a:ext>
+            </a:extLst>
+          </p:cNvPr>
           <p:cNvPicPr>
             <a:picLocks noChangeAspect="1"/>
           </p:cNvPicPr>
           <p:nvPr/>
         </p:nvPicPr>
-        <p:blipFill rotWithShape="1">
-          <a:blip r:embed="rId3">
-            <a:extLst>
-              <a:ext uri="{28A0092B-C50C-407E-A947-70E740481C1C}">
-                <a14:useLocalDpi xmlns:a14="http://schemas.microsoft.com/office/drawing/2010/main" val="0"/>
-              </a:ext>
-            </a:extLst>
-          </a:blip>
-          <a:srcRect r="42717" b="-1"/>
-          <a:stretch/>
+        <p:blipFill>
+          <a:blip r:embed="rId7"/>
+          <a:stretch>
+            <a:fillRect/>
+          </a:stretch>
         </p:blipFill>
         <p:spPr>
           <a:xfrm>
-            <a:off x="4791257" y="1054260"/>
-            <a:ext cx="3056377" cy="4965540"/>
+            <a:off x="314793" y="393700"/>
+            <a:ext cx="8981607" cy="6070600"/>
           </a:xfrm>
           <a:prstGeom prst="rect">
             <a:avLst/>
           </a:prstGeom>
-          <a:effectLst/>
+        </p:spPr>
+      </p:pic>
+    </p:spTree>
+    <p:extLst>
+      <p:ext uri="{BB962C8B-B14F-4D97-AF65-F5344CB8AC3E}">
+        <p14:creationId xmlns:p14="http://schemas.microsoft.com/office/powerpoint/2010/main" val="666227588"/>
+      </p:ext>
+    </p:extLst>
+  </p:cSld>
+  <p:clrMapOvr>
+    <a:masterClrMapping/>
+  </p:clrMapOvr>
+</p:sld>
+</file>
+
+<file path=ppt/slides/slide26.xml><?xml version="1.0" encoding="utf-8"?>
+<p:sld xmlns:a="http://schemas.openxmlformats.org/drawingml/2006/main" xmlns:r="http://schemas.openxmlformats.org/officeDocument/2006/relationships" xmlns:p="http://schemas.openxmlformats.org/presentationml/2006/main">
+  <p:cSld>
+    <p:bg>
+      <p:bgPr>
+        <a:blipFill rotWithShape="1">
+          <a:blip r:embed="rId2">
+            <a:duotone>
+              <a:schemeClr val="bg2">
+                <a:shade val="69000"/>
+                <a:hueMod val="108000"/>
+                <a:satMod val="164000"/>
+                <a:lumMod val="74000"/>
+              </a:schemeClr>
+              <a:schemeClr val="bg2">
+                <a:tint val="96000"/>
+                <a:hueMod val="88000"/>
+                <a:satMod val="140000"/>
+                <a:lumMod val="132000"/>
+              </a:schemeClr>
+            </a:duotone>
+          </a:blip>
+          <a:stretch/>
+        </a:blipFill>
+        <a:effectLst/>
+      </p:bgPr>
+    </p:bg>
+    <p:spTree>
+      <p:nvGrpSpPr>
+        <p:cNvPr id="1" name=""/>
+        <p:cNvGrpSpPr/>
+        <p:nvPr/>
+      </p:nvGrpSpPr>
+      <p:grpSpPr>
+        <a:xfrm>
+          <a:off x="0" y="0"/>
+          <a:ext cx="0" cy="0"/>
+          <a:chOff x="0" y="0"/>
+          <a:chExt cx="0" cy="0"/>
+        </a:xfrm>
+      </p:grpSpPr>
+      <p:pic>
+        <p:nvPicPr>
+          <p:cNvPr id="10" name="Picture 9">
+            <a:extLst>
+              <a:ext uri="{FF2B5EF4-FFF2-40B4-BE49-F238E27FC236}">
+                <a16:creationId xmlns:a16="http://schemas.microsoft.com/office/drawing/2014/main" id="{C9ECDD5C-152A-4CC7-8333-0F367B3A62EA}"/>
+              </a:ext>
+            </a:extLst>
+          </p:cNvPr>
+          <p:cNvPicPr>
+            <a:picLocks noGrp="1" noRot="1" noChangeAspect="1" noMove="1" noResize="1" noEditPoints="1" noAdjustHandles="1" noChangeArrowheads="1" noChangeShapeType="1" noCrop="1"/>
+          </p:cNvPicPr>
+          <p:nvPr>
+            <p:extLst>
+              <p:ext uri="{386F3935-93C4-4BCD-93E2-E3B085C9AB24}">
+                <p16:designElem xmlns:p16="http://schemas.microsoft.com/office/powerpoint/2015/main" val="1"/>
+              </p:ext>
+            </p:extLst>
+          </p:nvPr>
+        </p:nvPicPr>
+        <p:blipFill rotWithShape="1">
+          <a:blip r:embed="rId3">
+            <a:extLst>
+              <a:ext uri="{28A0092B-C50C-407E-A947-70E740481C1C}">
+                <a14:useLocalDpi xmlns:a14="http://schemas.microsoft.com/office/drawing/2010/main" val="0"/>
+              </a:ext>
+            </a:extLst>
+          </a:blip>
+          <a:srcRect l="3613"/>
+          <a:stretch/>
+        </p:blipFill>
+        <p:spPr>
+          <a:xfrm>
+            <a:off x="0" y="2669685"/>
+            <a:ext cx="4037012" cy="4188315"/>
+          </a:xfrm>
+          <a:prstGeom prst="rect">
+            <a:avLst/>
+          </a:prstGeom>
         </p:spPr>
       </p:pic>
       <p:pic>
         <p:nvPicPr>
-          <p:cNvPr id="8" name="Content Placeholder 3"/>
+          <p:cNvPr id="12" name="Picture 11">
+            <a:extLst>
+              <a:ext uri="{FF2B5EF4-FFF2-40B4-BE49-F238E27FC236}">
+                <a16:creationId xmlns:a16="http://schemas.microsoft.com/office/drawing/2014/main" id="{7F5C92A3-369B-43F3-BDCE-E560B1B0EC89}"/>
+              </a:ext>
+            </a:extLst>
+          </p:cNvPr>
+          <p:cNvPicPr>
+            <a:picLocks noGrp="1" noRot="1" noChangeAspect="1" noMove="1" noResize="1" noEditPoints="1" noAdjustHandles="1" noChangeArrowheads="1" noChangeShapeType="1" noCrop="1"/>
+          </p:cNvPicPr>
+          <p:nvPr>
+            <p:extLst>
+              <p:ext uri="{386F3935-93C4-4BCD-93E2-E3B085C9AB24}">
+                <p16:designElem xmlns:p16="http://schemas.microsoft.com/office/powerpoint/2015/main" val="1"/>
+              </p:ext>
+            </p:extLst>
+          </p:nvPr>
+        </p:nvPicPr>
+        <p:blipFill rotWithShape="1">
+          <a:blip r:embed="rId4">
+            <a:extLst>
+              <a:ext uri="{28A0092B-C50C-407E-A947-70E740481C1C}">
+                <a14:useLocalDpi xmlns:a14="http://schemas.microsoft.com/office/drawing/2010/main" val="0"/>
+              </a:ext>
+            </a:extLst>
+          </a:blip>
+          <a:srcRect l="35640"/>
+          <a:stretch/>
+        </p:blipFill>
+        <p:spPr>
+          <a:xfrm>
+            <a:off x="0" y="2892347"/>
+            <a:ext cx="1522412" cy="2365453"/>
+          </a:xfrm>
+          <a:prstGeom prst="rect">
+            <a:avLst/>
+          </a:prstGeom>
+        </p:spPr>
+      </p:pic>
+      <p:sp>
+        <p:nvSpPr>
+          <p:cNvPr id="14" name="Oval 13">
+            <a:extLst>
+              <a:ext uri="{FF2B5EF4-FFF2-40B4-BE49-F238E27FC236}">
+                <a16:creationId xmlns:a16="http://schemas.microsoft.com/office/drawing/2014/main" id="{AEBE9F1A-B38D-446E-83AE-14B17CE77FF2}"/>
+              </a:ext>
+            </a:extLst>
+          </p:cNvPr>
+          <p:cNvSpPr>
+            <a:spLocks noGrp="1" noRot="1" noChangeAspect="1" noMove="1" noResize="1" noEditPoints="1" noAdjustHandles="1" noChangeArrowheads="1" noChangeShapeType="1" noTextEdit="1"/>
+          </p:cNvSpPr>
+          <p:nvPr>
+            <p:extLst>
+              <p:ext uri="{386F3935-93C4-4BCD-93E2-E3B085C9AB24}">
+                <p16:designElem xmlns:p16="http://schemas.microsoft.com/office/powerpoint/2015/main" val="1"/>
+              </p:ext>
+            </p:extLst>
+          </p:nvPr>
+        </p:nvSpPr>
+        <p:spPr>
+          <a:xfrm>
+            <a:off x="8609012" y="1676400"/>
+            <a:ext cx="2819400" cy="2819400"/>
+          </a:xfrm>
+          <a:prstGeom prst="ellipse">
+            <a:avLst/>
+          </a:prstGeom>
+          <a:gradFill flip="none" rotWithShape="1">
+            <a:gsLst>
+              <a:gs pos="0">
+                <a:schemeClr val="bg2">
+                  <a:lumMod val="60000"/>
+                  <a:lumOff val="40000"/>
+                  <a:alpha val="7000"/>
+                </a:schemeClr>
+              </a:gs>
+              <a:gs pos="69000">
+                <a:schemeClr val="bg2">
+                  <a:lumMod val="60000"/>
+                  <a:lumOff val="40000"/>
+                  <a:alpha val="0"/>
+                </a:schemeClr>
+              </a:gs>
+              <a:gs pos="36000">
+                <a:schemeClr val="bg2">
+                  <a:lumMod val="60000"/>
+                  <a:lumOff val="40000"/>
+                  <a:alpha val="6000"/>
+                </a:schemeClr>
+              </a:gs>
+            </a:gsLst>
+            <a:path path="circle">
+              <a:fillToRect l="50000" t="50000" r="50000" b="50000"/>
+            </a:path>
+            <a:tileRect/>
+          </a:gradFill>
+          <a:ln>
+            <a:noFill/>
+          </a:ln>
+          <a:effectLst/>
+        </p:spPr>
+        <p:style>
+          <a:lnRef idx="1">
+            <a:schemeClr val="accent1"/>
+          </a:lnRef>
+          <a:fillRef idx="3">
+            <a:schemeClr val="accent1"/>
+          </a:fillRef>
+          <a:effectRef idx="2">
+            <a:schemeClr val="accent1"/>
+          </a:effectRef>
+          <a:fontRef idx="minor">
+            <a:schemeClr val="lt1"/>
+          </a:fontRef>
+        </p:style>
+      </p:sp>
+      <p:pic>
+        <p:nvPicPr>
+          <p:cNvPr id="16" name="Picture 15">
+            <a:extLst>
+              <a:ext uri="{FF2B5EF4-FFF2-40B4-BE49-F238E27FC236}">
+                <a16:creationId xmlns:a16="http://schemas.microsoft.com/office/drawing/2014/main" id="{915B5014-A7EC-4BA6-9C83-8840CF81DB28}"/>
+              </a:ext>
+            </a:extLst>
+          </p:cNvPr>
+          <p:cNvPicPr>
+            <a:picLocks noGrp="1" noRot="1" noChangeAspect="1" noMove="1" noResize="1" noEditPoints="1" noAdjustHandles="1" noChangeArrowheads="1" noChangeShapeType="1" noCrop="1"/>
+          </p:cNvPicPr>
+          <p:nvPr>
+            <p:extLst>
+              <p:ext uri="{386F3935-93C4-4BCD-93E2-E3B085C9AB24}">
+                <p16:designElem xmlns:p16="http://schemas.microsoft.com/office/powerpoint/2015/main" val="1"/>
+              </p:ext>
+            </p:extLst>
+          </p:nvPr>
+        </p:nvPicPr>
+        <p:blipFill rotWithShape="1">
+          <a:blip r:embed="rId5">
+            <a:extLst>
+              <a:ext uri="{28A0092B-C50C-407E-A947-70E740481C1C}">
+                <a14:useLocalDpi xmlns:a14="http://schemas.microsoft.com/office/drawing/2010/main" val="0"/>
+              </a:ext>
+            </a:extLst>
+          </a:blip>
+          <a:srcRect t="28813"/>
+          <a:stretch/>
+        </p:blipFill>
+        <p:spPr>
+          <a:xfrm>
+            <a:off x="7999412" y="0"/>
+            <a:ext cx="1603387" cy="1141407"/>
+          </a:xfrm>
+          <a:prstGeom prst="rect">
+            <a:avLst/>
+          </a:prstGeom>
+        </p:spPr>
+      </p:pic>
+      <p:pic>
+        <p:nvPicPr>
+          <p:cNvPr id="18" name="Picture 17">
+            <a:extLst>
+              <a:ext uri="{FF2B5EF4-FFF2-40B4-BE49-F238E27FC236}">
+                <a16:creationId xmlns:a16="http://schemas.microsoft.com/office/drawing/2014/main" id="{022C43AB-86D7-420D-8AD7-DC0A15FDD0AF}"/>
+              </a:ext>
+            </a:extLst>
+          </p:cNvPr>
+          <p:cNvPicPr>
+            <a:picLocks noGrp="1" noRot="1" noChangeAspect="1" noMove="1" noResize="1" noEditPoints="1" noAdjustHandles="1" noChangeArrowheads="1" noChangeShapeType="1" noCrop="1"/>
+          </p:cNvPicPr>
+          <p:nvPr>
+            <p:extLst>
+              <p:ext uri="{386F3935-93C4-4BCD-93E2-E3B085C9AB24}">
+                <p16:designElem xmlns:p16="http://schemas.microsoft.com/office/powerpoint/2015/main" val="1"/>
+              </p:ext>
+            </p:extLst>
+          </p:nvPr>
+        </p:nvPicPr>
+        <p:blipFill rotWithShape="1">
+          <a:blip r:embed="rId6">
+            <a:extLst>
+              <a:ext uri="{28A0092B-C50C-407E-A947-70E740481C1C}">
+                <a14:useLocalDpi xmlns:a14="http://schemas.microsoft.com/office/drawing/2010/main" val="0"/>
+              </a:ext>
+            </a:extLst>
+          </a:blip>
+          <a:srcRect b="23320"/>
+          <a:stretch/>
+        </p:blipFill>
+        <p:spPr>
+          <a:xfrm>
+            <a:off x="8605878" y="6096000"/>
+            <a:ext cx="993734" cy="762000"/>
+          </a:xfrm>
+          <a:prstGeom prst="rect">
+            <a:avLst/>
+          </a:prstGeom>
+        </p:spPr>
+      </p:pic>
+      <p:sp>
+        <p:nvSpPr>
+          <p:cNvPr id="20" name="Rectangle 19">
+            <a:extLst>
+              <a:ext uri="{FF2B5EF4-FFF2-40B4-BE49-F238E27FC236}">
+                <a16:creationId xmlns:a16="http://schemas.microsoft.com/office/drawing/2014/main" id="{5E3EB826-A471-488F-9E8A-D65528A3C0CA}"/>
+              </a:ext>
+            </a:extLst>
+          </p:cNvPr>
+          <p:cNvSpPr>
+            <a:spLocks noGrp="1" noRot="1" noChangeAspect="1" noMove="1" noResize="1" noEditPoints="1" noAdjustHandles="1" noChangeArrowheads="1" noChangeShapeType="1" noTextEdit="1"/>
+          </p:cNvSpPr>
+          <p:nvPr>
+            <p:extLst>
+              <p:ext uri="{386F3935-93C4-4BCD-93E2-E3B085C9AB24}">
+                <p16:designElem xmlns:p16="http://schemas.microsoft.com/office/powerpoint/2015/main" val="1"/>
+              </p:ext>
+            </p:extLst>
+          </p:nvPr>
+        </p:nvSpPr>
+        <p:spPr>
+          <a:xfrm>
+            <a:off x="10437812" y="0"/>
+            <a:ext cx="685800" cy="1143000"/>
+          </a:xfrm>
+          <a:prstGeom prst="rect">
+            <a:avLst/>
+          </a:prstGeom>
+          <a:solidFill>
+            <a:schemeClr val="accent1"/>
+          </a:solidFill>
+          <a:ln>
+            <a:noFill/>
+          </a:ln>
+        </p:spPr>
+        <p:style>
+          <a:lnRef idx="1">
+            <a:schemeClr val="accent1"/>
+          </a:lnRef>
+          <a:fillRef idx="3">
+            <a:schemeClr val="accent1"/>
+          </a:fillRef>
+          <a:effectRef idx="2">
+            <a:schemeClr val="accent1"/>
+          </a:effectRef>
+          <a:fontRef idx="minor">
+            <a:schemeClr val="lt1"/>
+          </a:fontRef>
+        </p:style>
+      </p:sp>
+      <p:sp>
+        <p:nvSpPr>
+          <p:cNvPr id="22" name="Rectangle 21">
+            <a:extLst>
+              <a:ext uri="{FF2B5EF4-FFF2-40B4-BE49-F238E27FC236}">
+                <a16:creationId xmlns:a16="http://schemas.microsoft.com/office/drawing/2014/main" id="{4159E445-83D7-4F7C-8B6B-79EDEFA5F788}"/>
+              </a:ext>
+            </a:extLst>
+          </p:cNvPr>
+          <p:cNvSpPr>
+            <a:spLocks noGrp="1" noRot="1" noChangeAspect="1" noMove="1" noResize="1" noEditPoints="1" noAdjustHandles="1" noChangeArrowheads="1" noChangeShapeType="1" noTextEdit="1"/>
+          </p:cNvSpPr>
+          <p:nvPr>
+            <p:extLst>
+              <p:ext uri="{386F3935-93C4-4BCD-93E2-E3B085C9AB24}">
+                <p16:designElem xmlns:p16="http://schemas.microsoft.com/office/powerpoint/2015/main" val="1"/>
+              </p:ext>
+            </p:extLst>
+          </p:nvPr>
+        </p:nvSpPr>
+        <p:spPr>
+          <a:xfrm>
+            <a:off x="0" y="0"/>
+            <a:ext cx="12192000" cy="6858000"/>
+          </a:xfrm>
+          <a:prstGeom prst="rect">
+            <a:avLst/>
+          </a:prstGeom>
+          <a:solidFill>
+            <a:srgbClr val="FFFFFF"/>
+          </a:solidFill>
+          <a:ln>
+            <a:noFill/>
+          </a:ln>
+        </p:spPr>
+        <p:style>
+          <a:lnRef idx="2">
+            <a:schemeClr val="accent1">
+              <a:shade val="50000"/>
+            </a:schemeClr>
+          </a:lnRef>
+          <a:fillRef idx="1">
+            <a:schemeClr val="accent1"/>
+          </a:fillRef>
+          <a:effectRef idx="0">
+            <a:schemeClr val="accent1"/>
+          </a:effectRef>
+          <a:fontRef idx="minor">
+            <a:schemeClr val="lt1"/>
+          </a:fontRef>
+        </p:style>
+        <p:txBody>
+          <a:bodyPr rtlCol="0" anchor="ctr"/>
+          <a:lstStyle/>
+          <a:p>
+            <a:pPr algn="ctr"/>
+            <a:endParaRPr lang="en-US"/>
+          </a:p>
+        </p:txBody>
+      </p:sp>
+      <p:sp>
+        <p:nvSpPr>
+          <p:cNvPr id="24" name="Rectangle 23">
+            <a:extLst>
+              <a:ext uri="{FF2B5EF4-FFF2-40B4-BE49-F238E27FC236}">
+                <a16:creationId xmlns:a16="http://schemas.microsoft.com/office/drawing/2014/main" id="{E1E43DD8-7DEF-4A83-A303-10947F34B086}"/>
+              </a:ext>
+            </a:extLst>
+          </p:cNvPr>
+          <p:cNvSpPr>
+            <a:spLocks noGrp="1" noRot="1" noChangeAspect="1" noMove="1" noResize="1" noEditPoints="1" noAdjustHandles="1" noChangeArrowheads="1" noChangeShapeType="1" noTextEdit="1"/>
+          </p:cNvSpPr>
+          <p:nvPr>
+            <p:extLst>
+              <p:ext uri="{386F3935-93C4-4BCD-93E2-E3B085C9AB24}">
+                <p16:designElem xmlns:p16="http://schemas.microsoft.com/office/powerpoint/2015/main" val="1"/>
+              </p:ext>
+            </p:extLst>
+          </p:nvPr>
+        </p:nvSpPr>
+        <p:spPr>
+          <a:xfrm>
+            <a:off x="10437812" y="0"/>
+            <a:ext cx="685800" cy="1143000"/>
+          </a:xfrm>
+          <a:prstGeom prst="rect">
+            <a:avLst/>
+          </a:prstGeom>
+          <a:solidFill>
+            <a:schemeClr val="accent1"/>
+          </a:solidFill>
+          <a:ln>
+            <a:noFill/>
+          </a:ln>
+        </p:spPr>
+        <p:style>
+          <a:lnRef idx="1">
+            <a:schemeClr val="accent1"/>
+          </a:lnRef>
+          <a:fillRef idx="3">
+            <a:schemeClr val="accent1"/>
+          </a:fillRef>
+          <a:effectRef idx="2">
+            <a:schemeClr val="accent1"/>
+          </a:effectRef>
+          <a:fontRef idx="minor">
+            <a:schemeClr val="lt1"/>
+          </a:fontRef>
+        </p:style>
+      </p:sp>
+      <p:pic>
+        <p:nvPicPr>
+          <p:cNvPr id="3" name="Picture 2">
+            <a:extLst>
+              <a:ext uri="{FF2B5EF4-FFF2-40B4-BE49-F238E27FC236}">
+                <a16:creationId xmlns:a16="http://schemas.microsoft.com/office/drawing/2014/main" id="{02C96A8B-839E-7D4C-9D65-B16183783823}"/>
+              </a:ext>
+            </a:extLst>
+          </p:cNvPr>
           <p:cNvPicPr>
             <a:picLocks noChangeAspect="1"/>
           </p:cNvPicPr>
           <p:nvPr/>
         </p:nvPicPr>
-        <p:blipFill rotWithShape="1">
-          <a:blip r:embed="rId4">
-            <a:extLst>
-              <a:ext uri="{28A0092B-C50C-407E-A947-70E740481C1C}">
-                <a14:useLocalDpi xmlns:a14="http://schemas.microsoft.com/office/drawing/2010/main" val="0"/>
-              </a:ext>
-            </a:extLst>
-          </a:blip>
-          <a:srcRect l="1581" r="55646"/>
-          <a:stretch/>
+        <p:blipFill>
+          <a:blip r:embed="rId7"/>
+          <a:stretch>
+            <a:fillRect/>
+          </a:stretch>
         </p:blipFill>
         <p:spPr>
           <a:xfrm>
-            <a:off x="8033071" y="1143001"/>
-            <a:ext cx="2858706" cy="4876800"/>
+            <a:off x="449705" y="479685"/>
+            <a:ext cx="8313295" cy="5616315"/>
           </a:xfrm>
           <a:prstGeom prst="rect">
             <a:avLst/>
           </a:prstGeom>
-          <a:effectLst/>
         </p:spPr>
       </p:pic>
-      <p:sp>
-        <p:nvSpPr>
-          <p:cNvPr id="2" name="Title 1"/>
-          <p:cNvSpPr>
-            <a:spLocks noGrp="1"/>
-          </p:cNvSpPr>
-          <p:nvPr>
-            <p:ph type="title"/>
-          </p:nvPr>
-        </p:nvSpPr>
-        <p:spPr>
-          <a:xfrm>
-            <a:off x="711561" y="2836761"/>
-            <a:ext cx="3105075" cy="1444750"/>
-          </a:xfrm>
-        </p:spPr>
-        <p:txBody>
-          <a:bodyPr anchor="b">
-            <a:normAutofit fontScale="90000"/>
-          </a:bodyPr>
-          <a:lstStyle/>
-          <a:p>
-            <a:r>
-              <a:rPr lang="en-US" sz="4000" dirty="0" smtClean="0"/>
-              <a:t>Code Snippets For Runtime</a:t>
-            </a:r>
-            <a:r>
-              <a:rPr lang="en-US" sz="3200" dirty="0" smtClean="0"/>
-              <a:t/>
-            </a:r>
-            <a:br>
-              <a:rPr lang="en-US" sz="3200" dirty="0" smtClean="0"/>
-            </a:br>
-            <a:endParaRPr lang="en-US" sz="3200" dirty="0"/>
-          </a:p>
-        </p:txBody>
-      </p:sp>
     </p:spTree>
     <p:extLst>
       <p:ext uri="{BB962C8B-B14F-4D97-AF65-F5344CB8AC3E}">
-        <p14:creationId xmlns:p14="http://schemas.microsoft.com/office/powerpoint/2010/main" val="1617127194"/>
+        <p14:creationId xmlns:p14="http://schemas.microsoft.com/office/powerpoint/2010/main" val="2784535932"/>
       </p:ext>
     </p:extLst>
   </p:cSld>
@@ -14988,7 +14859,7 @@
           <p:cNvPr id="10" name="Picture 9">
             <a:extLst>
               <a:ext uri="{FF2B5EF4-FFF2-40B4-BE49-F238E27FC236}">
-                <a16:creationId xmlns="" xmlns:a16="http://schemas.microsoft.com/office/drawing/2014/main" id="{C9ECDD5C-152A-4CC7-8333-0F367B3A62EA}"/>
+                <a16:creationId xmlns:a16="http://schemas.microsoft.com/office/drawing/2014/main" id="{C9ECDD5C-152A-4CC7-8333-0F367B3A62EA}"/>
               </a:ext>
             </a:extLst>
           </p:cNvPr>
@@ -15029,7 +14900,7 @@
           <p:cNvPr id="12" name="Picture 11">
             <a:extLst>
               <a:ext uri="{FF2B5EF4-FFF2-40B4-BE49-F238E27FC236}">
-                <a16:creationId xmlns="" xmlns:a16="http://schemas.microsoft.com/office/drawing/2014/main" id="{7F5C92A3-369B-43F3-BDCE-E560B1B0EC89}"/>
+                <a16:creationId xmlns:a16="http://schemas.microsoft.com/office/drawing/2014/main" id="{7F5C92A3-369B-43F3-BDCE-E560B1B0EC89}"/>
               </a:ext>
             </a:extLst>
           </p:cNvPr>
@@ -15070,7 +14941,7 @@
           <p:cNvPr id="14" name="Oval 13">
             <a:extLst>
               <a:ext uri="{FF2B5EF4-FFF2-40B4-BE49-F238E27FC236}">
-                <a16:creationId xmlns="" xmlns:a16="http://schemas.microsoft.com/office/drawing/2014/main" id="{AEBE9F1A-B38D-446E-83AE-14B17CE77FF2}"/>
+                <a16:creationId xmlns:a16="http://schemas.microsoft.com/office/drawing/2014/main" id="{AEBE9F1A-B38D-446E-83AE-14B17CE77FF2}"/>
               </a:ext>
             </a:extLst>
           </p:cNvPr>
@@ -15147,7 +15018,7 @@
           <p:cNvPr id="16" name="Picture 15">
             <a:extLst>
               <a:ext uri="{FF2B5EF4-FFF2-40B4-BE49-F238E27FC236}">
-                <a16:creationId xmlns="" xmlns:a16="http://schemas.microsoft.com/office/drawing/2014/main" id="{915B5014-A7EC-4BA6-9C83-8840CF81DB28}"/>
+                <a16:creationId xmlns:a16="http://schemas.microsoft.com/office/drawing/2014/main" id="{915B5014-A7EC-4BA6-9C83-8840CF81DB28}"/>
               </a:ext>
             </a:extLst>
           </p:cNvPr>
@@ -15188,7 +15059,7 @@
           <p:cNvPr id="18" name="Picture 17">
             <a:extLst>
               <a:ext uri="{FF2B5EF4-FFF2-40B4-BE49-F238E27FC236}">
-                <a16:creationId xmlns="" xmlns:a16="http://schemas.microsoft.com/office/drawing/2014/main" id="{022C43AB-86D7-420D-8AD7-DC0A15FDD0AF}"/>
+                <a16:creationId xmlns:a16="http://schemas.microsoft.com/office/drawing/2014/main" id="{022C43AB-86D7-420D-8AD7-DC0A15FDD0AF}"/>
               </a:ext>
             </a:extLst>
           </p:cNvPr>
@@ -15229,7 +15100,7 @@
           <p:cNvPr id="20" name="Rectangle 19">
             <a:extLst>
               <a:ext uri="{FF2B5EF4-FFF2-40B4-BE49-F238E27FC236}">
-                <a16:creationId xmlns="" xmlns:a16="http://schemas.microsoft.com/office/drawing/2014/main" id="{5E3EB826-A471-488F-9E8A-D65528A3C0CA}"/>
+                <a16:creationId xmlns:a16="http://schemas.microsoft.com/office/drawing/2014/main" id="{5E3EB826-A471-488F-9E8A-D65528A3C0CA}"/>
               </a:ext>
             </a:extLst>
           </p:cNvPr>
@@ -15279,7 +15150,7 @@
           <p:cNvPr id="22" name="Rectangle 21">
             <a:extLst>
               <a:ext uri="{FF2B5EF4-FFF2-40B4-BE49-F238E27FC236}">
-                <a16:creationId xmlns="" xmlns:a16="http://schemas.microsoft.com/office/drawing/2014/main" id="{4159E445-83D7-4F7C-8B6B-79EDEFA5F788}"/>
+                <a16:creationId xmlns:a16="http://schemas.microsoft.com/office/drawing/2014/main" id="{4159E445-83D7-4F7C-8B6B-79EDEFA5F788}"/>
               </a:ext>
             </a:extLst>
           </p:cNvPr>
@@ -15339,7 +15210,7 @@
           <p:cNvPr id="24" name="Rectangle 23">
             <a:extLst>
               <a:ext uri="{FF2B5EF4-FFF2-40B4-BE49-F238E27FC236}">
-                <a16:creationId xmlns="" xmlns:a16="http://schemas.microsoft.com/office/drawing/2014/main" id="{E1E43DD8-7DEF-4A83-A303-10947F34B086}"/>
+                <a16:creationId xmlns:a16="http://schemas.microsoft.com/office/drawing/2014/main" id="{E1E43DD8-7DEF-4A83-A303-10947F34B086}"/>
               </a:ext>
             </a:extLst>
           </p:cNvPr>
@@ -15386,101 +15257,38 @@
       </p:sp>
       <p:pic>
         <p:nvPicPr>
-          <p:cNvPr id="13" name="Picture 12"/>
+          <p:cNvPr id="4" name="Picture 3">
+            <a:extLst>
+              <a:ext uri="{FF2B5EF4-FFF2-40B4-BE49-F238E27FC236}">
+                <a16:creationId xmlns:a16="http://schemas.microsoft.com/office/drawing/2014/main" id="{4C0DD6B8-532D-1148-9C85-D99296A71593}"/>
+              </a:ext>
+            </a:extLst>
+          </p:cNvPr>
           <p:cNvPicPr>
             <a:picLocks noChangeAspect="1"/>
           </p:cNvPicPr>
           <p:nvPr/>
         </p:nvPicPr>
         <p:blipFill>
-          <a:blip r:embed="rId7">
-            <a:extLst>
-              <a:ext uri="{28A0092B-C50C-407E-A947-70E740481C1C}">
-                <a14:useLocalDpi xmlns:a14="http://schemas.microsoft.com/office/drawing/2010/main" val="0"/>
-              </a:ext>
-            </a:extLst>
-          </a:blip>
+          <a:blip r:embed="rId7"/>
           <a:stretch>
             <a:fillRect/>
           </a:stretch>
         </p:blipFill>
         <p:spPr>
           <a:xfrm>
-            <a:off x="241020" y="497711"/>
-            <a:ext cx="4607691" cy="5370654"/>
+            <a:off x="524656" y="614597"/>
+            <a:ext cx="9044794" cy="5651292"/>
           </a:xfrm>
           <a:prstGeom prst="rect">
             <a:avLst/>
           </a:prstGeom>
-          <a:effectLst/>
-        </p:spPr>
-      </p:pic>
-      <p:pic>
-        <p:nvPicPr>
-          <p:cNvPr id="15" name="Picture 14"/>
-          <p:cNvPicPr>
-            <a:picLocks noChangeAspect="1"/>
-          </p:cNvPicPr>
-          <p:nvPr/>
-        </p:nvPicPr>
-        <p:blipFill>
-          <a:blip r:embed="rId8">
-            <a:extLst>
-              <a:ext uri="{28A0092B-C50C-407E-A947-70E740481C1C}">
-                <a14:useLocalDpi xmlns:a14="http://schemas.microsoft.com/office/drawing/2010/main" val="0"/>
-              </a:ext>
-            </a:extLst>
-          </a:blip>
-          <a:stretch>
-            <a:fillRect/>
-          </a:stretch>
-        </p:blipFill>
-        <p:spPr>
-          <a:xfrm>
-            <a:off x="5089730" y="921511"/>
-            <a:ext cx="2974077" cy="4545627"/>
-          </a:xfrm>
-          <a:prstGeom prst="rect">
-            <a:avLst/>
-          </a:prstGeom>
-          <a:effectLst/>
-        </p:spPr>
-      </p:pic>
-      <p:pic>
-        <p:nvPicPr>
-          <p:cNvPr id="17" name="Content Placeholder 3"/>
-          <p:cNvPicPr>
-            <a:picLocks noChangeAspect="1"/>
-          </p:cNvPicPr>
-          <p:nvPr/>
-        </p:nvPicPr>
-        <p:blipFill>
-          <a:blip r:embed="rId9">
-            <a:extLst>
-              <a:ext uri="{28A0092B-C50C-407E-A947-70E740481C1C}">
-                <a14:useLocalDpi xmlns:a14="http://schemas.microsoft.com/office/drawing/2010/main" val="0"/>
-              </a:ext>
-            </a:extLst>
-          </a:blip>
-          <a:stretch>
-            <a:fillRect/>
-          </a:stretch>
-        </p:blipFill>
-        <p:spPr>
-          <a:xfrm>
-            <a:off x="8171727" y="1291042"/>
-            <a:ext cx="2981438" cy="3966757"/>
-          </a:xfrm>
-          <a:prstGeom prst="rect">
-            <a:avLst/>
-          </a:prstGeom>
-          <a:effectLst/>
         </p:spPr>
       </p:pic>
     </p:spTree>
     <p:extLst>
       <p:ext uri="{BB962C8B-B14F-4D97-AF65-F5344CB8AC3E}">
-        <p14:creationId xmlns:p14="http://schemas.microsoft.com/office/powerpoint/2010/main" val="666227588"/>
+        <p14:creationId xmlns:p14="http://schemas.microsoft.com/office/powerpoint/2010/main" val="1171487066"/>
       </p:ext>
     </p:extLst>
   </p:cSld>
@@ -15493,6 +15301,30 @@
 <file path=ppt/slides/slide28.xml><?xml version="1.0" encoding="utf-8"?>
 <p:sld xmlns:a="http://schemas.openxmlformats.org/drawingml/2006/main" xmlns:r="http://schemas.openxmlformats.org/officeDocument/2006/relationships" xmlns:p="http://schemas.openxmlformats.org/presentationml/2006/main">
   <p:cSld>
+    <p:bg>
+      <p:bgPr>
+        <a:blipFill rotWithShape="1">
+          <a:blip r:embed="rId2">
+            <a:duotone>
+              <a:schemeClr val="bg2">
+                <a:shade val="69000"/>
+                <a:hueMod val="108000"/>
+                <a:satMod val="164000"/>
+                <a:lumMod val="74000"/>
+              </a:schemeClr>
+              <a:schemeClr val="bg2">
+                <a:tint val="96000"/>
+                <a:hueMod val="88000"/>
+                <a:satMod val="140000"/>
+                <a:lumMod val="132000"/>
+              </a:schemeClr>
+            </a:duotone>
+          </a:blip>
+          <a:stretch/>
+        </a:blipFill>
+        <a:effectLst/>
+      </p:bgPr>
+    </p:bg>
     <p:spTree>
       <p:nvGrpSpPr>
         <p:cNvPr id="1" name=""/>
@@ -15507,52 +15339,441 @@
           <a:chExt cx="0" cy="0"/>
         </a:xfrm>
       </p:grpSpPr>
-      <p:sp>
-        <p:nvSpPr>
-          <p:cNvPr id="2" name="Title 1"/>
-          <p:cNvSpPr>
-            <a:spLocks noGrp="1"/>
-          </p:cNvSpPr>
-          <p:nvPr>
-            <p:ph type="title"/>
-          </p:nvPr>
-        </p:nvSpPr>
-        <p:spPr/>
+      <p:pic>
+        <p:nvPicPr>
+          <p:cNvPr id="10" name="Picture 9">
+            <a:extLst>
+              <a:ext uri="{FF2B5EF4-FFF2-40B4-BE49-F238E27FC236}">
+                <a16:creationId xmlns:a16="http://schemas.microsoft.com/office/drawing/2014/main" id="{C9ECDD5C-152A-4CC7-8333-0F367B3A62EA}"/>
+              </a:ext>
+            </a:extLst>
+          </p:cNvPr>
+          <p:cNvPicPr>
+            <a:picLocks noGrp="1" noRot="1" noChangeAspect="1" noMove="1" noResize="1" noEditPoints="1" noAdjustHandles="1" noChangeArrowheads="1" noChangeShapeType="1" noCrop="1"/>
+          </p:cNvPicPr>
+          <p:nvPr>
+            <p:extLst>
+              <p:ext uri="{386F3935-93C4-4BCD-93E2-E3B085C9AB24}">
+                <p16:designElem xmlns:p16="http://schemas.microsoft.com/office/powerpoint/2015/main" val="1"/>
+              </p:ext>
+            </p:extLst>
+          </p:nvPr>
+        </p:nvPicPr>
+        <p:blipFill rotWithShape="1">
+          <a:blip r:embed="rId3">
+            <a:extLst>
+              <a:ext uri="{28A0092B-C50C-407E-A947-70E740481C1C}">
+                <a14:useLocalDpi xmlns:a14="http://schemas.microsoft.com/office/drawing/2010/main" val="0"/>
+              </a:ext>
+            </a:extLst>
+          </a:blip>
+          <a:srcRect l="3613"/>
+          <a:stretch/>
+        </p:blipFill>
+        <p:spPr>
+          <a:xfrm>
+            <a:off x="0" y="2669685"/>
+            <a:ext cx="4037012" cy="4188315"/>
+          </a:xfrm>
+          <a:prstGeom prst="rect">
+            <a:avLst/>
+          </a:prstGeom>
+        </p:spPr>
+      </p:pic>
+      <p:pic>
+        <p:nvPicPr>
+          <p:cNvPr id="12" name="Picture 11">
+            <a:extLst>
+              <a:ext uri="{FF2B5EF4-FFF2-40B4-BE49-F238E27FC236}">
+                <a16:creationId xmlns:a16="http://schemas.microsoft.com/office/drawing/2014/main" id="{7F5C92A3-369B-43F3-BDCE-E560B1B0EC89}"/>
+              </a:ext>
+            </a:extLst>
+          </p:cNvPr>
+          <p:cNvPicPr>
+            <a:picLocks noGrp="1" noRot="1" noChangeAspect="1" noMove="1" noResize="1" noEditPoints="1" noAdjustHandles="1" noChangeArrowheads="1" noChangeShapeType="1" noCrop="1"/>
+          </p:cNvPicPr>
+          <p:nvPr>
+            <p:extLst>
+              <p:ext uri="{386F3935-93C4-4BCD-93E2-E3B085C9AB24}">
+                <p16:designElem xmlns:p16="http://schemas.microsoft.com/office/powerpoint/2015/main" val="1"/>
+              </p:ext>
+            </p:extLst>
+          </p:nvPr>
+        </p:nvPicPr>
+        <p:blipFill rotWithShape="1">
+          <a:blip r:embed="rId4">
+            <a:extLst>
+              <a:ext uri="{28A0092B-C50C-407E-A947-70E740481C1C}">
+                <a14:useLocalDpi xmlns:a14="http://schemas.microsoft.com/office/drawing/2010/main" val="0"/>
+              </a:ext>
+            </a:extLst>
+          </a:blip>
+          <a:srcRect l="35640"/>
+          <a:stretch/>
+        </p:blipFill>
+        <p:spPr>
+          <a:xfrm>
+            <a:off x="0" y="2892347"/>
+            <a:ext cx="1522412" cy="2365453"/>
+          </a:xfrm>
+          <a:prstGeom prst="rect">
+            <a:avLst/>
+          </a:prstGeom>
+        </p:spPr>
+      </p:pic>
+      <p:sp>
+        <p:nvSpPr>
+          <p:cNvPr id="14" name="Oval 13">
+            <a:extLst>
+              <a:ext uri="{FF2B5EF4-FFF2-40B4-BE49-F238E27FC236}">
+                <a16:creationId xmlns:a16="http://schemas.microsoft.com/office/drawing/2014/main" id="{AEBE9F1A-B38D-446E-83AE-14B17CE77FF2}"/>
+              </a:ext>
+            </a:extLst>
+          </p:cNvPr>
+          <p:cNvSpPr>
+            <a:spLocks noGrp="1" noRot="1" noChangeAspect="1" noMove="1" noResize="1" noEditPoints="1" noAdjustHandles="1" noChangeArrowheads="1" noChangeShapeType="1" noTextEdit="1"/>
+          </p:cNvSpPr>
+          <p:nvPr>
+            <p:extLst>
+              <p:ext uri="{386F3935-93C4-4BCD-93E2-E3B085C9AB24}">
+                <p16:designElem xmlns:p16="http://schemas.microsoft.com/office/powerpoint/2015/main" val="1"/>
+              </p:ext>
+            </p:extLst>
+          </p:nvPr>
+        </p:nvSpPr>
+        <p:spPr>
+          <a:xfrm>
+            <a:off x="8609012" y="1676400"/>
+            <a:ext cx="2819400" cy="2819400"/>
+          </a:xfrm>
+          <a:prstGeom prst="ellipse">
+            <a:avLst/>
+          </a:prstGeom>
+          <a:gradFill flip="none" rotWithShape="1">
+            <a:gsLst>
+              <a:gs pos="0">
+                <a:schemeClr val="bg2">
+                  <a:lumMod val="60000"/>
+                  <a:lumOff val="40000"/>
+                  <a:alpha val="7000"/>
+                </a:schemeClr>
+              </a:gs>
+              <a:gs pos="69000">
+                <a:schemeClr val="bg2">
+                  <a:lumMod val="60000"/>
+                  <a:lumOff val="40000"/>
+                  <a:alpha val="0"/>
+                </a:schemeClr>
+              </a:gs>
+              <a:gs pos="36000">
+                <a:schemeClr val="bg2">
+                  <a:lumMod val="60000"/>
+                  <a:lumOff val="40000"/>
+                  <a:alpha val="6000"/>
+                </a:schemeClr>
+              </a:gs>
+            </a:gsLst>
+            <a:path path="circle">
+              <a:fillToRect l="50000" t="50000" r="50000" b="50000"/>
+            </a:path>
+            <a:tileRect/>
+          </a:gradFill>
+          <a:ln>
+            <a:noFill/>
+          </a:ln>
+          <a:effectLst/>
+        </p:spPr>
+        <p:style>
+          <a:lnRef idx="1">
+            <a:schemeClr val="accent1"/>
+          </a:lnRef>
+          <a:fillRef idx="3">
+            <a:schemeClr val="accent1"/>
+          </a:fillRef>
+          <a:effectRef idx="2">
+            <a:schemeClr val="accent1"/>
+          </a:effectRef>
+          <a:fontRef idx="minor">
+            <a:schemeClr val="lt1"/>
+          </a:fontRef>
+        </p:style>
+      </p:sp>
+      <p:pic>
+        <p:nvPicPr>
+          <p:cNvPr id="16" name="Picture 15">
+            <a:extLst>
+              <a:ext uri="{FF2B5EF4-FFF2-40B4-BE49-F238E27FC236}">
+                <a16:creationId xmlns:a16="http://schemas.microsoft.com/office/drawing/2014/main" id="{915B5014-A7EC-4BA6-9C83-8840CF81DB28}"/>
+              </a:ext>
+            </a:extLst>
+          </p:cNvPr>
+          <p:cNvPicPr>
+            <a:picLocks noGrp="1" noRot="1" noChangeAspect="1" noMove="1" noResize="1" noEditPoints="1" noAdjustHandles="1" noChangeArrowheads="1" noChangeShapeType="1" noCrop="1"/>
+          </p:cNvPicPr>
+          <p:nvPr>
+            <p:extLst>
+              <p:ext uri="{386F3935-93C4-4BCD-93E2-E3B085C9AB24}">
+                <p16:designElem xmlns:p16="http://schemas.microsoft.com/office/powerpoint/2015/main" val="1"/>
+              </p:ext>
+            </p:extLst>
+          </p:nvPr>
+        </p:nvPicPr>
+        <p:blipFill rotWithShape="1">
+          <a:blip r:embed="rId5">
+            <a:extLst>
+              <a:ext uri="{28A0092B-C50C-407E-A947-70E740481C1C}">
+                <a14:useLocalDpi xmlns:a14="http://schemas.microsoft.com/office/drawing/2010/main" val="0"/>
+              </a:ext>
+            </a:extLst>
+          </a:blip>
+          <a:srcRect t="28813"/>
+          <a:stretch/>
+        </p:blipFill>
+        <p:spPr>
+          <a:xfrm>
+            <a:off x="7999412" y="0"/>
+            <a:ext cx="1603387" cy="1141407"/>
+          </a:xfrm>
+          <a:prstGeom prst="rect">
+            <a:avLst/>
+          </a:prstGeom>
+        </p:spPr>
+      </p:pic>
+      <p:pic>
+        <p:nvPicPr>
+          <p:cNvPr id="18" name="Picture 17">
+            <a:extLst>
+              <a:ext uri="{FF2B5EF4-FFF2-40B4-BE49-F238E27FC236}">
+                <a16:creationId xmlns:a16="http://schemas.microsoft.com/office/drawing/2014/main" id="{022C43AB-86D7-420D-8AD7-DC0A15FDD0AF}"/>
+              </a:ext>
+            </a:extLst>
+          </p:cNvPr>
+          <p:cNvPicPr>
+            <a:picLocks noGrp="1" noRot="1" noChangeAspect="1" noMove="1" noResize="1" noEditPoints="1" noAdjustHandles="1" noChangeArrowheads="1" noChangeShapeType="1" noCrop="1"/>
+          </p:cNvPicPr>
+          <p:nvPr>
+            <p:extLst>
+              <p:ext uri="{386F3935-93C4-4BCD-93E2-E3B085C9AB24}">
+                <p16:designElem xmlns:p16="http://schemas.microsoft.com/office/powerpoint/2015/main" val="1"/>
+              </p:ext>
+            </p:extLst>
+          </p:nvPr>
+        </p:nvPicPr>
+        <p:blipFill rotWithShape="1">
+          <a:blip r:embed="rId6">
+            <a:extLst>
+              <a:ext uri="{28A0092B-C50C-407E-A947-70E740481C1C}">
+                <a14:useLocalDpi xmlns:a14="http://schemas.microsoft.com/office/drawing/2010/main" val="0"/>
+              </a:ext>
+            </a:extLst>
+          </a:blip>
+          <a:srcRect b="23320"/>
+          <a:stretch/>
+        </p:blipFill>
+        <p:spPr>
+          <a:xfrm>
+            <a:off x="8605878" y="6096000"/>
+            <a:ext cx="993734" cy="762000"/>
+          </a:xfrm>
+          <a:prstGeom prst="rect">
+            <a:avLst/>
+          </a:prstGeom>
+        </p:spPr>
+      </p:pic>
+      <p:sp>
+        <p:nvSpPr>
+          <p:cNvPr id="20" name="Rectangle 19">
+            <a:extLst>
+              <a:ext uri="{FF2B5EF4-FFF2-40B4-BE49-F238E27FC236}">
+                <a16:creationId xmlns:a16="http://schemas.microsoft.com/office/drawing/2014/main" id="{5E3EB826-A471-488F-9E8A-D65528A3C0CA}"/>
+              </a:ext>
+            </a:extLst>
+          </p:cNvPr>
+          <p:cNvSpPr>
+            <a:spLocks noGrp="1" noRot="1" noChangeAspect="1" noMove="1" noResize="1" noEditPoints="1" noAdjustHandles="1" noChangeArrowheads="1" noChangeShapeType="1" noTextEdit="1"/>
+          </p:cNvSpPr>
+          <p:nvPr>
+            <p:extLst>
+              <p:ext uri="{386F3935-93C4-4BCD-93E2-E3B085C9AB24}">
+                <p16:designElem xmlns:p16="http://schemas.microsoft.com/office/powerpoint/2015/main" val="1"/>
+              </p:ext>
+            </p:extLst>
+          </p:nvPr>
+        </p:nvSpPr>
+        <p:spPr>
+          <a:xfrm>
+            <a:off x="10437812" y="0"/>
+            <a:ext cx="685800" cy="1143000"/>
+          </a:xfrm>
+          <a:prstGeom prst="rect">
+            <a:avLst/>
+          </a:prstGeom>
+          <a:solidFill>
+            <a:schemeClr val="accent1"/>
+          </a:solidFill>
+          <a:ln>
+            <a:noFill/>
+          </a:ln>
+        </p:spPr>
+        <p:style>
+          <a:lnRef idx="1">
+            <a:schemeClr val="accent1"/>
+          </a:lnRef>
+          <a:fillRef idx="3">
+            <a:schemeClr val="accent1"/>
+          </a:fillRef>
+          <a:effectRef idx="2">
+            <a:schemeClr val="accent1"/>
+          </a:effectRef>
+          <a:fontRef idx="minor">
+            <a:schemeClr val="lt1"/>
+          </a:fontRef>
+        </p:style>
+      </p:sp>
+      <p:sp>
+        <p:nvSpPr>
+          <p:cNvPr id="22" name="Rectangle 21">
+            <a:extLst>
+              <a:ext uri="{FF2B5EF4-FFF2-40B4-BE49-F238E27FC236}">
+                <a16:creationId xmlns:a16="http://schemas.microsoft.com/office/drawing/2014/main" id="{4159E445-83D7-4F7C-8B6B-79EDEFA5F788}"/>
+              </a:ext>
+            </a:extLst>
+          </p:cNvPr>
+          <p:cNvSpPr>
+            <a:spLocks noGrp="1" noRot="1" noChangeAspect="1" noMove="1" noResize="1" noEditPoints="1" noAdjustHandles="1" noChangeArrowheads="1" noChangeShapeType="1" noTextEdit="1"/>
+          </p:cNvSpPr>
+          <p:nvPr>
+            <p:extLst>
+              <p:ext uri="{386F3935-93C4-4BCD-93E2-E3B085C9AB24}">
+                <p16:designElem xmlns:p16="http://schemas.microsoft.com/office/powerpoint/2015/main" val="1"/>
+              </p:ext>
+            </p:extLst>
+          </p:nvPr>
+        </p:nvSpPr>
+        <p:spPr>
+          <a:xfrm>
+            <a:off x="0" y="0"/>
+            <a:ext cx="12192000" cy="6858000"/>
+          </a:xfrm>
+          <a:prstGeom prst="rect">
+            <a:avLst/>
+          </a:prstGeom>
+          <a:solidFill>
+            <a:srgbClr val="FFFFFF"/>
+          </a:solidFill>
+          <a:ln>
+            <a:noFill/>
+          </a:ln>
+        </p:spPr>
+        <p:style>
+          <a:lnRef idx="2">
+            <a:schemeClr val="accent1">
+              <a:shade val="50000"/>
+            </a:schemeClr>
+          </a:lnRef>
+          <a:fillRef idx="1">
+            <a:schemeClr val="accent1"/>
+          </a:fillRef>
+          <a:effectRef idx="0">
+            <a:schemeClr val="accent1"/>
+          </a:effectRef>
+          <a:fontRef idx="minor">
+            <a:schemeClr val="lt1"/>
+          </a:fontRef>
+        </p:style>
         <p:txBody>
-          <a:bodyPr/>
+          <a:bodyPr rtlCol="0" anchor="ctr"/>
           <a:lstStyle/>
           <a:p>
-            <a:r>
-              <a:rPr lang="en-US" dirty="0" smtClean="0"/>
-              <a:t>CHALLENGES FACED</a:t>
-            </a:r>
-            <a:endParaRPr lang="en-US" dirty="0"/>
+            <a:pPr algn="ctr"/>
+            <a:endParaRPr lang="en-US"/>
           </a:p>
         </p:txBody>
       </p:sp>
       <p:sp>
         <p:nvSpPr>
-          <p:cNvPr id="3" name="Content Placeholder 2"/>
-          <p:cNvSpPr>
-            <a:spLocks noGrp="1"/>
-          </p:cNvSpPr>
-          <p:nvPr>
-            <p:ph idx="1"/>
-          </p:nvPr>
-        </p:nvSpPr>
-        <p:spPr/>
-        <p:txBody>
-          <a:bodyPr/>
-          <a:lstStyle/>
-          <a:p>
-            <a:endParaRPr lang="en-US" dirty="0"/>
-          </a:p>
-        </p:txBody>
-      </p:sp>
+          <p:cNvPr id="24" name="Rectangle 23">
+            <a:extLst>
+              <a:ext uri="{FF2B5EF4-FFF2-40B4-BE49-F238E27FC236}">
+                <a16:creationId xmlns:a16="http://schemas.microsoft.com/office/drawing/2014/main" id="{E1E43DD8-7DEF-4A83-A303-10947F34B086}"/>
+              </a:ext>
+            </a:extLst>
+          </p:cNvPr>
+          <p:cNvSpPr>
+            <a:spLocks noGrp="1" noRot="1" noChangeAspect="1" noMove="1" noResize="1" noEditPoints="1" noAdjustHandles="1" noChangeArrowheads="1" noChangeShapeType="1" noTextEdit="1"/>
+          </p:cNvSpPr>
+          <p:nvPr>
+            <p:extLst>
+              <p:ext uri="{386F3935-93C4-4BCD-93E2-E3B085C9AB24}">
+                <p16:designElem xmlns:p16="http://schemas.microsoft.com/office/powerpoint/2015/main" val="1"/>
+              </p:ext>
+            </p:extLst>
+          </p:nvPr>
+        </p:nvSpPr>
+        <p:spPr>
+          <a:xfrm>
+            <a:off x="10437812" y="0"/>
+            <a:ext cx="685800" cy="1143000"/>
+          </a:xfrm>
+          <a:prstGeom prst="rect">
+            <a:avLst/>
+          </a:prstGeom>
+          <a:solidFill>
+            <a:schemeClr val="accent1"/>
+          </a:solidFill>
+          <a:ln>
+            <a:noFill/>
+          </a:ln>
+        </p:spPr>
+        <p:style>
+          <a:lnRef idx="1">
+            <a:schemeClr val="accent1"/>
+          </a:lnRef>
+          <a:fillRef idx="3">
+            <a:schemeClr val="accent1"/>
+          </a:fillRef>
+          <a:effectRef idx="2">
+            <a:schemeClr val="accent1"/>
+          </a:effectRef>
+          <a:fontRef idx="minor">
+            <a:schemeClr val="lt1"/>
+          </a:fontRef>
+        </p:style>
+      </p:sp>
+      <p:pic>
+        <p:nvPicPr>
+          <p:cNvPr id="3" name="Picture 2">
+            <a:extLst>
+              <a:ext uri="{FF2B5EF4-FFF2-40B4-BE49-F238E27FC236}">
+                <a16:creationId xmlns:a16="http://schemas.microsoft.com/office/drawing/2014/main" id="{2B26AA99-A1D0-D54E-875D-D9834903808C}"/>
+              </a:ext>
+            </a:extLst>
+          </p:cNvPr>
+          <p:cNvPicPr>
+            <a:picLocks noChangeAspect="1"/>
+          </p:cNvPicPr>
+          <p:nvPr/>
+        </p:nvPicPr>
+        <p:blipFill>
+          <a:blip r:embed="rId7"/>
+          <a:stretch>
+            <a:fillRect/>
+          </a:stretch>
+        </p:blipFill>
+        <p:spPr>
+          <a:xfrm>
+            <a:off x="636104" y="509666"/>
+            <a:ext cx="9495319" cy="5936104"/>
+          </a:xfrm>
+          <a:prstGeom prst="rect">
+            <a:avLst/>
+          </a:prstGeom>
+        </p:spPr>
+      </p:pic>
     </p:spTree>
     <p:extLst>
       <p:ext uri="{BB962C8B-B14F-4D97-AF65-F5344CB8AC3E}">
-        <p14:creationId xmlns:p14="http://schemas.microsoft.com/office/powerpoint/2010/main" val="1299473600"/>
+        <p14:creationId xmlns:p14="http://schemas.microsoft.com/office/powerpoint/2010/main" val="851787754"/>
       </p:ext>
     </p:extLst>
   </p:cSld>
@@ -15565,6 +15786,30 @@
 <file path=ppt/slides/slide29.xml><?xml version="1.0" encoding="utf-8"?>
 <p:sld xmlns:a="http://schemas.openxmlformats.org/drawingml/2006/main" xmlns:r="http://schemas.openxmlformats.org/officeDocument/2006/relationships" xmlns:p="http://schemas.openxmlformats.org/presentationml/2006/main">
   <p:cSld>
+    <p:bg>
+      <p:bgPr>
+        <a:blipFill rotWithShape="1">
+          <a:blip r:embed="rId2">
+            <a:duotone>
+              <a:schemeClr val="bg2">
+                <a:shade val="69000"/>
+                <a:hueMod val="108000"/>
+                <a:satMod val="164000"/>
+                <a:lumMod val="74000"/>
+              </a:schemeClr>
+              <a:schemeClr val="bg2">
+                <a:tint val="96000"/>
+                <a:hueMod val="88000"/>
+                <a:satMod val="140000"/>
+                <a:lumMod val="132000"/>
+              </a:schemeClr>
+            </a:duotone>
+          </a:blip>
+          <a:stretch/>
+        </a:blipFill>
+        <a:effectLst/>
+      </p:bgPr>
+    </p:bg>
     <p:spTree>
       <p:nvGrpSpPr>
         <p:cNvPr id="1" name=""/>
@@ -15579,70 +15824,441 @@
           <a:chExt cx="0" cy="0"/>
         </a:xfrm>
       </p:grpSpPr>
-      <p:sp>
-        <p:nvSpPr>
-          <p:cNvPr id="2" name="Title 1"/>
-          <p:cNvSpPr>
-            <a:spLocks noGrp="1"/>
-          </p:cNvSpPr>
-          <p:nvPr>
-            <p:ph type="title"/>
-          </p:nvPr>
-        </p:nvSpPr>
-        <p:spPr/>
+      <p:pic>
+        <p:nvPicPr>
+          <p:cNvPr id="10" name="Picture 9">
+            <a:extLst>
+              <a:ext uri="{FF2B5EF4-FFF2-40B4-BE49-F238E27FC236}">
+                <a16:creationId xmlns:a16="http://schemas.microsoft.com/office/drawing/2014/main" id="{C9ECDD5C-152A-4CC7-8333-0F367B3A62EA}"/>
+              </a:ext>
+            </a:extLst>
+          </p:cNvPr>
+          <p:cNvPicPr>
+            <a:picLocks noGrp="1" noRot="1" noChangeAspect="1" noMove="1" noResize="1" noEditPoints="1" noAdjustHandles="1" noChangeArrowheads="1" noChangeShapeType="1" noCrop="1"/>
+          </p:cNvPicPr>
+          <p:nvPr>
+            <p:extLst>
+              <p:ext uri="{386F3935-93C4-4BCD-93E2-E3B085C9AB24}">
+                <p16:designElem xmlns:p16="http://schemas.microsoft.com/office/powerpoint/2015/main" val="1"/>
+              </p:ext>
+            </p:extLst>
+          </p:nvPr>
+        </p:nvPicPr>
+        <p:blipFill rotWithShape="1">
+          <a:blip r:embed="rId3">
+            <a:extLst>
+              <a:ext uri="{28A0092B-C50C-407E-A947-70E740481C1C}">
+                <a14:useLocalDpi xmlns:a14="http://schemas.microsoft.com/office/drawing/2010/main" val="0"/>
+              </a:ext>
+            </a:extLst>
+          </a:blip>
+          <a:srcRect l="3613"/>
+          <a:stretch/>
+        </p:blipFill>
+        <p:spPr>
+          <a:xfrm>
+            <a:off x="0" y="2669685"/>
+            <a:ext cx="4037012" cy="4188315"/>
+          </a:xfrm>
+          <a:prstGeom prst="rect">
+            <a:avLst/>
+          </a:prstGeom>
+        </p:spPr>
+      </p:pic>
+      <p:pic>
+        <p:nvPicPr>
+          <p:cNvPr id="12" name="Picture 11">
+            <a:extLst>
+              <a:ext uri="{FF2B5EF4-FFF2-40B4-BE49-F238E27FC236}">
+                <a16:creationId xmlns:a16="http://schemas.microsoft.com/office/drawing/2014/main" id="{7F5C92A3-369B-43F3-BDCE-E560B1B0EC89}"/>
+              </a:ext>
+            </a:extLst>
+          </p:cNvPr>
+          <p:cNvPicPr>
+            <a:picLocks noGrp="1" noRot="1" noChangeAspect="1" noMove="1" noResize="1" noEditPoints="1" noAdjustHandles="1" noChangeArrowheads="1" noChangeShapeType="1" noCrop="1"/>
+          </p:cNvPicPr>
+          <p:nvPr>
+            <p:extLst>
+              <p:ext uri="{386F3935-93C4-4BCD-93E2-E3B085C9AB24}">
+                <p16:designElem xmlns:p16="http://schemas.microsoft.com/office/powerpoint/2015/main" val="1"/>
+              </p:ext>
+            </p:extLst>
+          </p:nvPr>
+        </p:nvPicPr>
+        <p:blipFill rotWithShape="1">
+          <a:blip r:embed="rId4">
+            <a:extLst>
+              <a:ext uri="{28A0092B-C50C-407E-A947-70E740481C1C}">
+                <a14:useLocalDpi xmlns:a14="http://schemas.microsoft.com/office/drawing/2010/main" val="0"/>
+              </a:ext>
+            </a:extLst>
+          </a:blip>
+          <a:srcRect l="35640"/>
+          <a:stretch/>
+        </p:blipFill>
+        <p:spPr>
+          <a:xfrm>
+            <a:off x="0" y="2892347"/>
+            <a:ext cx="1522412" cy="2365453"/>
+          </a:xfrm>
+          <a:prstGeom prst="rect">
+            <a:avLst/>
+          </a:prstGeom>
+        </p:spPr>
+      </p:pic>
+      <p:sp>
+        <p:nvSpPr>
+          <p:cNvPr id="14" name="Oval 13">
+            <a:extLst>
+              <a:ext uri="{FF2B5EF4-FFF2-40B4-BE49-F238E27FC236}">
+                <a16:creationId xmlns:a16="http://schemas.microsoft.com/office/drawing/2014/main" id="{AEBE9F1A-B38D-446E-83AE-14B17CE77FF2}"/>
+              </a:ext>
+            </a:extLst>
+          </p:cNvPr>
+          <p:cNvSpPr>
+            <a:spLocks noGrp="1" noRot="1" noChangeAspect="1" noMove="1" noResize="1" noEditPoints="1" noAdjustHandles="1" noChangeArrowheads="1" noChangeShapeType="1" noTextEdit="1"/>
+          </p:cNvSpPr>
+          <p:nvPr>
+            <p:extLst>
+              <p:ext uri="{386F3935-93C4-4BCD-93E2-E3B085C9AB24}">
+                <p16:designElem xmlns:p16="http://schemas.microsoft.com/office/powerpoint/2015/main" val="1"/>
+              </p:ext>
+            </p:extLst>
+          </p:nvPr>
+        </p:nvSpPr>
+        <p:spPr>
+          <a:xfrm>
+            <a:off x="8609012" y="1676400"/>
+            <a:ext cx="2819400" cy="2819400"/>
+          </a:xfrm>
+          <a:prstGeom prst="ellipse">
+            <a:avLst/>
+          </a:prstGeom>
+          <a:gradFill flip="none" rotWithShape="1">
+            <a:gsLst>
+              <a:gs pos="0">
+                <a:schemeClr val="bg2">
+                  <a:lumMod val="60000"/>
+                  <a:lumOff val="40000"/>
+                  <a:alpha val="7000"/>
+                </a:schemeClr>
+              </a:gs>
+              <a:gs pos="69000">
+                <a:schemeClr val="bg2">
+                  <a:lumMod val="60000"/>
+                  <a:lumOff val="40000"/>
+                  <a:alpha val="0"/>
+                </a:schemeClr>
+              </a:gs>
+              <a:gs pos="36000">
+                <a:schemeClr val="bg2">
+                  <a:lumMod val="60000"/>
+                  <a:lumOff val="40000"/>
+                  <a:alpha val="6000"/>
+                </a:schemeClr>
+              </a:gs>
+            </a:gsLst>
+            <a:path path="circle">
+              <a:fillToRect l="50000" t="50000" r="50000" b="50000"/>
+            </a:path>
+            <a:tileRect/>
+          </a:gradFill>
+          <a:ln>
+            <a:noFill/>
+          </a:ln>
+          <a:effectLst/>
+        </p:spPr>
+        <p:style>
+          <a:lnRef idx="1">
+            <a:schemeClr val="accent1"/>
+          </a:lnRef>
+          <a:fillRef idx="3">
+            <a:schemeClr val="accent1"/>
+          </a:fillRef>
+          <a:effectRef idx="2">
+            <a:schemeClr val="accent1"/>
+          </a:effectRef>
+          <a:fontRef idx="minor">
+            <a:schemeClr val="lt1"/>
+          </a:fontRef>
+        </p:style>
+      </p:sp>
+      <p:pic>
+        <p:nvPicPr>
+          <p:cNvPr id="16" name="Picture 15">
+            <a:extLst>
+              <a:ext uri="{FF2B5EF4-FFF2-40B4-BE49-F238E27FC236}">
+                <a16:creationId xmlns:a16="http://schemas.microsoft.com/office/drawing/2014/main" id="{915B5014-A7EC-4BA6-9C83-8840CF81DB28}"/>
+              </a:ext>
+            </a:extLst>
+          </p:cNvPr>
+          <p:cNvPicPr>
+            <a:picLocks noGrp="1" noRot="1" noChangeAspect="1" noMove="1" noResize="1" noEditPoints="1" noAdjustHandles="1" noChangeArrowheads="1" noChangeShapeType="1" noCrop="1"/>
+          </p:cNvPicPr>
+          <p:nvPr>
+            <p:extLst>
+              <p:ext uri="{386F3935-93C4-4BCD-93E2-E3B085C9AB24}">
+                <p16:designElem xmlns:p16="http://schemas.microsoft.com/office/powerpoint/2015/main" val="1"/>
+              </p:ext>
+            </p:extLst>
+          </p:nvPr>
+        </p:nvPicPr>
+        <p:blipFill rotWithShape="1">
+          <a:blip r:embed="rId5">
+            <a:extLst>
+              <a:ext uri="{28A0092B-C50C-407E-A947-70E740481C1C}">
+                <a14:useLocalDpi xmlns:a14="http://schemas.microsoft.com/office/drawing/2010/main" val="0"/>
+              </a:ext>
+            </a:extLst>
+          </a:blip>
+          <a:srcRect t="28813"/>
+          <a:stretch/>
+        </p:blipFill>
+        <p:spPr>
+          <a:xfrm>
+            <a:off x="7999412" y="0"/>
+            <a:ext cx="1603387" cy="1141407"/>
+          </a:xfrm>
+          <a:prstGeom prst="rect">
+            <a:avLst/>
+          </a:prstGeom>
+        </p:spPr>
+      </p:pic>
+      <p:pic>
+        <p:nvPicPr>
+          <p:cNvPr id="18" name="Picture 17">
+            <a:extLst>
+              <a:ext uri="{FF2B5EF4-FFF2-40B4-BE49-F238E27FC236}">
+                <a16:creationId xmlns:a16="http://schemas.microsoft.com/office/drawing/2014/main" id="{022C43AB-86D7-420D-8AD7-DC0A15FDD0AF}"/>
+              </a:ext>
+            </a:extLst>
+          </p:cNvPr>
+          <p:cNvPicPr>
+            <a:picLocks noGrp="1" noRot="1" noChangeAspect="1" noMove="1" noResize="1" noEditPoints="1" noAdjustHandles="1" noChangeArrowheads="1" noChangeShapeType="1" noCrop="1"/>
+          </p:cNvPicPr>
+          <p:nvPr>
+            <p:extLst>
+              <p:ext uri="{386F3935-93C4-4BCD-93E2-E3B085C9AB24}">
+                <p16:designElem xmlns:p16="http://schemas.microsoft.com/office/powerpoint/2015/main" val="1"/>
+              </p:ext>
+            </p:extLst>
+          </p:nvPr>
+        </p:nvPicPr>
+        <p:blipFill rotWithShape="1">
+          <a:blip r:embed="rId6">
+            <a:extLst>
+              <a:ext uri="{28A0092B-C50C-407E-A947-70E740481C1C}">
+                <a14:useLocalDpi xmlns:a14="http://schemas.microsoft.com/office/drawing/2010/main" val="0"/>
+              </a:ext>
+            </a:extLst>
+          </a:blip>
+          <a:srcRect b="23320"/>
+          <a:stretch/>
+        </p:blipFill>
+        <p:spPr>
+          <a:xfrm>
+            <a:off x="8605878" y="6096000"/>
+            <a:ext cx="993734" cy="762000"/>
+          </a:xfrm>
+          <a:prstGeom prst="rect">
+            <a:avLst/>
+          </a:prstGeom>
+        </p:spPr>
+      </p:pic>
+      <p:sp>
+        <p:nvSpPr>
+          <p:cNvPr id="20" name="Rectangle 19">
+            <a:extLst>
+              <a:ext uri="{FF2B5EF4-FFF2-40B4-BE49-F238E27FC236}">
+                <a16:creationId xmlns:a16="http://schemas.microsoft.com/office/drawing/2014/main" id="{5E3EB826-A471-488F-9E8A-D65528A3C0CA}"/>
+              </a:ext>
+            </a:extLst>
+          </p:cNvPr>
+          <p:cNvSpPr>
+            <a:spLocks noGrp="1" noRot="1" noChangeAspect="1" noMove="1" noResize="1" noEditPoints="1" noAdjustHandles="1" noChangeArrowheads="1" noChangeShapeType="1" noTextEdit="1"/>
+          </p:cNvSpPr>
+          <p:nvPr>
+            <p:extLst>
+              <p:ext uri="{386F3935-93C4-4BCD-93E2-E3B085C9AB24}">
+                <p16:designElem xmlns:p16="http://schemas.microsoft.com/office/powerpoint/2015/main" val="1"/>
+              </p:ext>
+            </p:extLst>
+          </p:nvPr>
+        </p:nvSpPr>
+        <p:spPr>
+          <a:xfrm>
+            <a:off x="10437812" y="0"/>
+            <a:ext cx="685800" cy="1143000"/>
+          </a:xfrm>
+          <a:prstGeom prst="rect">
+            <a:avLst/>
+          </a:prstGeom>
+          <a:solidFill>
+            <a:schemeClr val="accent1"/>
+          </a:solidFill>
+          <a:ln>
+            <a:noFill/>
+          </a:ln>
+        </p:spPr>
+        <p:style>
+          <a:lnRef idx="1">
+            <a:schemeClr val="accent1"/>
+          </a:lnRef>
+          <a:fillRef idx="3">
+            <a:schemeClr val="accent1"/>
+          </a:fillRef>
+          <a:effectRef idx="2">
+            <a:schemeClr val="accent1"/>
+          </a:effectRef>
+          <a:fontRef idx="minor">
+            <a:schemeClr val="lt1"/>
+          </a:fontRef>
+        </p:style>
+      </p:sp>
+      <p:sp>
+        <p:nvSpPr>
+          <p:cNvPr id="22" name="Rectangle 21">
+            <a:extLst>
+              <a:ext uri="{FF2B5EF4-FFF2-40B4-BE49-F238E27FC236}">
+                <a16:creationId xmlns:a16="http://schemas.microsoft.com/office/drawing/2014/main" id="{4159E445-83D7-4F7C-8B6B-79EDEFA5F788}"/>
+              </a:ext>
+            </a:extLst>
+          </p:cNvPr>
+          <p:cNvSpPr>
+            <a:spLocks noGrp="1" noRot="1" noChangeAspect="1" noMove="1" noResize="1" noEditPoints="1" noAdjustHandles="1" noChangeArrowheads="1" noChangeShapeType="1" noTextEdit="1"/>
+          </p:cNvSpPr>
+          <p:nvPr>
+            <p:extLst>
+              <p:ext uri="{386F3935-93C4-4BCD-93E2-E3B085C9AB24}">
+                <p16:designElem xmlns:p16="http://schemas.microsoft.com/office/powerpoint/2015/main" val="1"/>
+              </p:ext>
+            </p:extLst>
+          </p:nvPr>
+        </p:nvSpPr>
+        <p:spPr>
+          <a:xfrm>
+            <a:off x="0" y="0"/>
+            <a:ext cx="12192000" cy="6858000"/>
+          </a:xfrm>
+          <a:prstGeom prst="rect">
+            <a:avLst/>
+          </a:prstGeom>
+          <a:solidFill>
+            <a:srgbClr val="FFFFFF"/>
+          </a:solidFill>
+          <a:ln>
+            <a:noFill/>
+          </a:ln>
+        </p:spPr>
+        <p:style>
+          <a:lnRef idx="2">
+            <a:schemeClr val="accent1">
+              <a:shade val="50000"/>
+            </a:schemeClr>
+          </a:lnRef>
+          <a:fillRef idx="1">
+            <a:schemeClr val="accent1"/>
+          </a:fillRef>
+          <a:effectRef idx="0">
+            <a:schemeClr val="accent1"/>
+          </a:effectRef>
+          <a:fontRef idx="minor">
+            <a:schemeClr val="lt1"/>
+          </a:fontRef>
+        </p:style>
         <p:txBody>
-          <a:bodyPr/>
+          <a:bodyPr rtlCol="0" anchor="ctr"/>
           <a:lstStyle/>
           <a:p>
-            <a:r>
-              <a:rPr lang="en-US" dirty="0" smtClean="0"/>
-              <a:t>                       CONCLUSION</a:t>
-            </a:r>
-            <a:endParaRPr lang="en-US" dirty="0"/>
+            <a:pPr algn="ctr"/>
+            <a:endParaRPr lang="en-US"/>
           </a:p>
         </p:txBody>
       </p:sp>
       <p:sp>
         <p:nvSpPr>
-          <p:cNvPr id="3" name="Content Placeholder 2"/>
-          <p:cNvSpPr>
-            <a:spLocks noGrp="1"/>
-          </p:cNvSpPr>
-          <p:nvPr>
-            <p:ph idx="1"/>
-          </p:nvPr>
-        </p:nvSpPr>
-        <p:spPr/>
-        <p:txBody>
-          <a:bodyPr/>
-          <a:lstStyle/>
-          <a:p>
-            <a:r>
-              <a:rPr lang="en-US" dirty="0" smtClean="0"/>
-              <a:t>In the end, we would like to thank </a:t>
-            </a:r>
-            <a:r>
-              <a:rPr lang="en-US" dirty="0" err="1" smtClean="0"/>
-              <a:t>Dr</a:t>
-            </a:r>
-            <a:r>
-              <a:rPr lang="en-US" dirty="0" smtClean="0"/>
-              <a:t> Ajay Bansal for giving us this opportunity to create our own programming language. </a:t>
-            </a:r>
-          </a:p>
-          <a:p>
-            <a:r>
-              <a:rPr lang="en-US" dirty="0" smtClean="0"/>
-              <a:t>By doing this project we understood the basics of every programming language and hope to add more additional complexity in the upcoming months.</a:t>
-            </a:r>
-            <a:endParaRPr lang="en-US" dirty="0"/>
-          </a:p>
-        </p:txBody>
-      </p:sp>
+          <p:cNvPr id="24" name="Rectangle 23">
+            <a:extLst>
+              <a:ext uri="{FF2B5EF4-FFF2-40B4-BE49-F238E27FC236}">
+                <a16:creationId xmlns:a16="http://schemas.microsoft.com/office/drawing/2014/main" id="{E1E43DD8-7DEF-4A83-A303-10947F34B086}"/>
+              </a:ext>
+            </a:extLst>
+          </p:cNvPr>
+          <p:cNvSpPr>
+            <a:spLocks noGrp="1" noRot="1" noChangeAspect="1" noMove="1" noResize="1" noEditPoints="1" noAdjustHandles="1" noChangeArrowheads="1" noChangeShapeType="1" noTextEdit="1"/>
+          </p:cNvSpPr>
+          <p:nvPr>
+            <p:extLst>
+              <p:ext uri="{386F3935-93C4-4BCD-93E2-E3B085C9AB24}">
+                <p16:designElem xmlns:p16="http://schemas.microsoft.com/office/powerpoint/2015/main" val="1"/>
+              </p:ext>
+            </p:extLst>
+          </p:nvPr>
+        </p:nvSpPr>
+        <p:spPr>
+          <a:xfrm>
+            <a:off x="10437812" y="0"/>
+            <a:ext cx="685800" cy="1143000"/>
+          </a:xfrm>
+          <a:prstGeom prst="rect">
+            <a:avLst/>
+          </a:prstGeom>
+          <a:solidFill>
+            <a:schemeClr val="accent1"/>
+          </a:solidFill>
+          <a:ln>
+            <a:noFill/>
+          </a:ln>
+        </p:spPr>
+        <p:style>
+          <a:lnRef idx="1">
+            <a:schemeClr val="accent1"/>
+          </a:lnRef>
+          <a:fillRef idx="3">
+            <a:schemeClr val="accent1"/>
+          </a:fillRef>
+          <a:effectRef idx="2">
+            <a:schemeClr val="accent1"/>
+          </a:effectRef>
+          <a:fontRef idx="minor">
+            <a:schemeClr val="lt1"/>
+          </a:fontRef>
+        </p:style>
+      </p:sp>
+      <p:pic>
+        <p:nvPicPr>
+          <p:cNvPr id="4" name="Picture 3">
+            <a:extLst>
+              <a:ext uri="{FF2B5EF4-FFF2-40B4-BE49-F238E27FC236}">
+                <a16:creationId xmlns:a16="http://schemas.microsoft.com/office/drawing/2014/main" id="{C649AFE1-6B74-954A-AB84-B4CEE6409887}"/>
+              </a:ext>
+            </a:extLst>
+          </p:cNvPr>
+          <p:cNvPicPr>
+            <a:picLocks noChangeAspect="1"/>
+          </p:cNvPicPr>
+          <p:nvPr/>
+        </p:nvPicPr>
+        <p:blipFill>
+          <a:blip r:embed="rId7"/>
+          <a:stretch>
+            <a:fillRect/>
+          </a:stretch>
+        </p:blipFill>
+        <p:spPr>
+          <a:xfrm>
+            <a:off x="809469" y="824459"/>
+            <a:ext cx="9321955" cy="5271541"/>
+          </a:xfrm>
+          <a:prstGeom prst="rect">
+            <a:avLst/>
+          </a:prstGeom>
+        </p:spPr>
+      </p:pic>
     </p:spTree>
     <p:extLst>
       <p:ext uri="{BB962C8B-B14F-4D97-AF65-F5344CB8AC3E}">
-        <p14:creationId xmlns:p14="http://schemas.microsoft.com/office/powerpoint/2010/main" val="2042611944"/>
+        <p14:creationId xmlns:p14="http://schemas.microsoft.com/office/powerpoint/2010/main" val="2181382048"/>
       </p:ext>
     </p:extLst>
   </p:cSld>
@@ -15688,17 +16304,9 @@
               <a:rPr lang="en-US" b="1" dirty="0"/>
               <a:t>Tools Used </a:t>
             </a:r>
-            <a:r>
-              <a:rPr lang="en-US" dirty="0"/>
-              <a:t/>
-            </a:r>
             <a:br>
               <a:rPr lang="en-US" dirty="0"/>
             </a:br>
-            <a:r>
-              <a:rPr lang="en-US" dirty="0"/>
-              <a:t/>
-            </a:r>
             <a:br>
               <a:rPr lang="en-US" dirty="0"/>
             </a:br>
@@ -15750,59 +16358,22 @@
             <a:pPr fontAlgn="base"/>
             <a:r>
               <a:rPr lang="en-US" dirty="0"/>
-              <a:t>Grammar : A</a:t>
-            </a:r>
-            <a:r>
-              <a:rPr lang="en-US" dirty="0" smtClean="0"/>
-              <a:t> </a:t>
-            </a:r>
-            <a:r>
-              <a:rPr lang="en-US" dirty="0"/>
-              <a:t>.txt file </a:t>
-            </a:r>
-            <a:r>
-              <a:rPr lang="en-US" dirty="0" smtClean="0"/>
-              <a:t>converted </a:t>
-            </a:r>
-            <a:r>
-              <a:rPr lang="en-US" dirty="0"/>
-              <a:t>to .g4 file </a:t>
-            </a:r>
-            <a:r>
-              <a:rPr lang="en-US" dirty="0" smtClean="0"/>
-              <a:t>used as </a:t>
-            </a:r>
-            <a:r>
-              <a:rPr lang="en-US" dirty="0" smtClean="0"/>
-              <a:t>an input to ANTLR</a:t>
-            </a:r>
-            <a:r>
-              <a:rPr lang="en-US" dirty="0" smtClean="0"/>
-              <a:t>.</a:t>
-            </a:r>
-          </a:p>
-          <a:p>
-            <a:pPr fontAlgn="base"/>
-            <a:r>
-              <a:rPr lang="en-US" dirty="0" smtClean="0"/>
-              <a:t>Runtime </a:t>
-            </a:r>
-            <a:r>
-              <a:rPr lang="en-US" dirty="0"/>
-              <a:t>: Built using PYTHON</a:t>
+              <a:t>Grammar : A .txt file converted to .g4 file used as an input to ANTLR.</a:t>
             </a:r>
           </a:p>
           <a:p>
             <a:pPr fontAlgn="base"/>
             <a:r>
               <a:rPr lang="en-US" dirty="0"/>
-              <a:t>Systems Used : Mac OS X, </a:t>
+              <a:t>Runtime : Built using PYTHON</a:t>
             </a:r>
+          </a:p>
+          <a:p>
+            <a:pPr fontAlgn="base"/>
             <a:r>
-              <a:rPr lang="en-US" dirty="0" smtClean="0"/>
-              <a:t>Windows</a:t>
+              <a:rPr lang="en-US" dirty="0"/>
+              <a:t>Systems Used : Mac OS X, Windows</a:t>
             </a:r>
-            <a:endParaRPr lang="en-US" dirty="0"/>
           </a:p>
         </p:txBody>
       </p:sp>
@@ -15810,6 +16381,1064 @@
     <p:extLst>
       <p:ext uri="{BB962C8B-B14F-4D97-AF65-F5344CB8AC3E}">
         <p14:creationId xmlns:p14="http://schemas.microsoft.com/office/powerpoint/2010/main" val="1995639600"/>
+      </p:ext>
+    </p:extLst>
+  </p:cSld>
+  <p:clrMapOvr>
+    <a:masterClrMapping/>
+  </p:clrMapOvr>
+</p:sld>
+</file>
+
+<file path=ppt/slides/slide30.xml><?xml version="1.0" encoding="utf-8"?>
+<p:sld xmlns:a="http://schemas.openxmlformats.org/drawingml/2006/main" xmlns:r="http://schemas.openxmlformats.org/officeDocument/2006/relationships" xmlns:p="http://schemas.openxmlformats.org/presentationml/2006/main">
+  <p:cSld>
+    <p:bg>
+      <p:bgPr>
+        <a:blipFill rotWithShape="1">
+          <a:blip r:embed="rId2">
+            <a:duotone>
+              <a:schemeClr val="bg2">
+                <a:shade val="69000"/>
+                <a:hueMod val="108000"/>
+                <a:satMod val="164000"/>
+                <a:lumMod val="74000"/>
+              </a:schemeClr>
+              <a:schemeClr val="bg2">
+                <a:tint val="96000"/>
+                <a:hueMod val="88000"/>
+                <a:satMod val="140000"/>
+                <a:lumMod val="132000"/>
+              </a:schemeClr>
+            </a:duotone>
+          </a:blip>
+          <a:stretch/>
+        </a:blipFill>
+        <a:effectLst/>
+      </p:bgPr>
+    </p:bg>
+    <p:spTree>
+      <p:nvGrpSpPr>
+        <p:cNvPr id="1" name=""/>
+        <p:cNvGrpSpPr/>
+        <p:nvPr/>
+      </p:nvGrpSpPr>
+      <p:grpSpPr>
+        <a:xfrm>
+          <a:off x="0" y="0"/>
+          <a:ext cx="0" cy="0"/>
+          <a:chOff x="0" y="0"/>
+          <a:chExt cx="0" cy="0"/>
+        </a:xfrm>
+      </p:grpSpPr>
+      <p:pic>
+        <p:nvPicPr>
+          <p:cNvPr id="10" name="Picture 9">
+            <a:extLst>
+              <a:ext uri="{FF2B5EF4-FFF2-40B4-BE49-F238E27FC236}">
+                <a16:creationId xmlns:a16="http://schemas.microsoft.com/office/drawing/2014/main" id="{C9ECDD5C-152A-4CC7-8333-0F367B3A62EA}"/>
+              </a:ext>
+            </a:extLst>
+          </p:cNvPr>
+          <p:cNvPicPr>
+            <a:picLocks noGrp="1" noRot="1" noChangeAspect="1" noMove="1" noResize="1" noEditPoints="1" noAdjustHandles="1" noChangeArrowheads="1" noChangeShapeType="1" noCrop="1"/>
+          </p:cNvPicPr>
+          <p:nvPr>
+            <p:extLst>
+              <p:ext uri="{386F3935-93C4-4BCD-93E2-E3B085C9AB24}">
+                <p16:designElem xmlns:p16="http://schemas.microsoft.com/office/powerpoint/2015/main" val="1"/>
+              </p:ext>
+            </p:extLst>
+          </p:nvPr>
+        </p:nvPicPr>
+        <p:blipFill rotWithShape="1">
+          <a:blip r:embed="rId3">
+            <a:extLst>
+              <a:ext uri="{28A0092B-C50C-407E-A947-70E740481C1C}">
+                <a14:useLocalDpi xmlns:a14="http://schemas.microsoft.com/office/drawing/2010/main" val="0"/>
+              </a:ext>
+            </a:extLst>
+          </a:blip>
+          <a:srcRect l="3613"/>
+          <a:stretch/>
+        </p:blipFill>
+        <p:spPr>
+          <a:xfrm>
+            <a:off x="0" y="2669685"/>
+            <a:ext cx="4037012" cy="4188315"/>
+          </a:xfrm>
+          <a:prstGeom prst="rect">
+            <a:avLst/>
+          </a:prstGeom>
+        </p:spPr>
+      </p:pic>
+      <p:pic>
+        <p:nvPicPr>
+          <p:cNvPr id="12" name="Picture 11">
+            <a:extLst>
+              <a:ext uri="{FF2B5EF4-FFF2-40B4-BE49-F238E27FC236}">
+                <a16:creationId xmlns:a16="http://schemas.microsoft.com/office/drawing/2014/main" id="{7F5C92A3-369B-43F3-BDCE-E560B1B0EC89}"/>
+              </a:ext>
+            </a:extLst>
+          </p:cNvPr>
+          <p:cNvPicPr>
+            <a:picLocks noGrp="1" noRot="1" noChangeAspect="1" noMove="1" noResize="1" noEditPoints="1" noAdjustHandles="1" noChangeArrowheads="1" noChangeShapeType="1" noCrop="1"/>
+          </p:cNvPicPr>
+          <p:nvPr>
+            <p:extLst>
+              <p:ext uri="{386F3935-93C4-4BCD-93E2-E3B085C9AB24}">
+                <p16:designElem xmlns:p16="http://schemas.microsoft.com/office/powerpoint/2015/main" val="1"/>
+              </p:ext>
+            </p:extLst>
+          </p:nvPr>
+        </p:nvPicPr>
+        <p:blipFill rotWithShape="1">
+          <a:blip r:embed="rId4">
+            <a:extLst>
+              <a:ext uri="{28A0092B-C50C-407E-A947-70E740481C1C}">
+                <a14:useLocalDpi xmlns:a14="http://schemas.microsoft.com/office/drawing/2010/main" val="0"/>
+              </a:ext>
+            </a:extLst>
+          </a:blip>
+          <a:srcRect l="35640"/>
+          <a:stretch/>
+        </p:blipFill>
+        <p:spPr>
+          <a:xfrm>
+            <a:off x="0" y="2892347"/>
+            <a:ext cx="1522412" cy="2365453"/>
+          </a:xfrm>
+          <a:prstGeom prst="rect">
+            <a:avLst/>
+          </a:prstGeom>
+        </p:spPr>
+      </p:pic>
+      <p:sp>
+        <p:nvSpPr>
+          <p:cNvPr id="14" name="Oval 13">
+            <a:extLst>
+              <a:ext uri="{FF2B5EF4-FFF2-40B4-BE49-F238E27FC236}">
+                <a16:creationId xmlns:a16="http://schemas.microsoft.com/office/drawing/2014/main" id="{AEBE9F1A-B38D-446E-83AE-14B17CE77FF2}"/>
+              </a:ext>
+            </a:extLst>
+          </p:cNvPr>
+          <p:cNvSpPr>
+            <a:spLocks noGrp="1" noRot="1" noChangeAspect="1" noMove="1" noResize="1" noEditPoints="1" noAdjustHandles="1" noChangeArrowheads="1" noChangeShapeType="1" noTextEdit="1"/>
+          </p:cNvSpPr>
+          <p:nvPr>
+            <p:extLst>
+              <p:ext uri="{386F3935-93C4-4BCD-93E2-E3B085C9AB24}">
+                <p16:designElem xmlns:p16="http://schemas.microsoft.com/office/powerpoint/2015/main" val="1"/>
+              </p:ext>
+            </p:extLst>
+          </p:nvPr>
+        </p:nvSpPr>
+        <p:spPr>
+          <a:xfrm>
+            <a:off x="8609012" y="1676400"/>
+            <a:ext cx="2819400" cy="2819400"/>
+          </a:xfrm>
+          <a:prstGeom prst="ellipse">
+            <a:avLst/>
+          </a:prstGeom>
+          <a:gradFill flip="none" rotWithShape="1">
+            <a:gsLst>
+              <a:gs pos="0">
+                <a:schemeClr val="bg2">
+                  <a:lumMod val="60000"/>
+                  <a:lumOff val="40000"/>
+                  <a:alpha val="7000"/>
+                </a:schemeClr>
+              </a:gs>
+              <a:gs pos="69000">
+                <a:schemeClr val="bg2">
+                  <a:lumMod val="60000"/>
+                  <a:lumOff val="40000"/>
+                  <a:alpha val="0"/>
+                </a:schemeClr>
+              </a:gs>
+              <a:gs pos="36000">
+                <a:schemeClr val="bg2">
+                  <a:lumMod val="60000"/>
+                  <a:lumOff val="40000"/>
+                  <a:alpha val="6000"/>
+                </a:schemeClr>
+              </a:gs>
+            </a:gsLst>
+            <a:path path="circle">
+              <a:fillToRect l="50000" t="50000" r="50000" b="50000"/>
+            </a:path>
+            <a:tileRect/>
+          </a:gradFill>
+          <a:ln>
+            <a:noFill/>
+          </a:ln>
+          <a:effectLst/>
+        </p:spPr>
+        <p:style>
+          <a:lnRef idx="1">
+            <a:schemeClr val="accent1"/>
+          </a:lnRef>
+          <a:fillRef idx="3">
+            <a:schemeClr val="accent1"/>
+          </a:fillRef>
+          <a:effectRef idx="2">
+            <a:schemeClr val="accent1"/>
+          </a:effectRef>
+          <a:fontRef idx="minor">
+            <a:schemeClr val="lt1"/>
+          </a:fontRef>
+        </p:style>
+      </p:sp>
+      <p:pic>
+        <p:nvPicPr>
+          <p:cNvPr id="16" name="Picture 15">
+            <a:extLst>
+              <a:ext uri="{FF2B5EF4-FFF2-40B4-BE49-F238E27FC236}">
+                <a16:creationId xmlns:a16="http://schemas.microsoft.com/office/drawing/2014/main" id="{915B5014-A7EC-4BA6-9C83-8840CF81DB28}"/>
+              </a:ext>
+            </a:extLst>
+          </p:cNvPr>
+          <p:cNvPicPr>
+            <a:picLocks noGrp="1" noRot="1" noChangeAspect="1" noMove="1" noResize="1" noEditPoints="1" noAdjustHandles="1" noChangeArrowheads="1" noChangeShapeType="1" noCrop="1"/>
+          </p:cNvPicPr>
+          <p:nvPr>
+            <p:extLst>
+              <p:ext uri="{386F3935-93C4-4BCD-93E2-E3B085C9AB24}">
+                <p16:designElem xmlns:p16="http://schemas.microsoft.com/office/powerpoint/2015/main" val="1"/>
+              </p:ext>
+            </p:extLst>
+          </p:nvPr>
+        </p:nvPicPr>
+        <p:blipFill rotWithShape="1">
+          <a:blip r:embed="rId5">
+            <a:extLst>
+              <a:ext uri="{28A0092B-C50C-407E-A947-70E740481C1C}">
+                <a14:useLocalDpi xmlns:a14="http://schemas.microsoft.com/office/drawing/2010/main" val="0"/>
+              </a:ext>
+            </a:extLst>
+          </a:blip>
+          <a:srcRect t="28813"/>
+          <a:stretch/>
+        </p:blipFill>
+        <p:spPr>
+          <a:xfrm>
+            <a:off x="7999412" y="0"/>
+            <a:ext cx="1603387" cy="1141407"/>
+          </a:xfrm>
+          <a:prstGeom prst="rect">
+            <a:avLst/>
+          </a:prstGeom>
+        </p:spPr>
+      </p:pic>
+      <p:pic>
+        <p:nvPicPr>
+          <p:cNvPr id="18" name="Picture 17">
+            <a:extLst>
+              <a:ext uri="{FF2B5EF4-FFF2-40B4-BE49-F238E27FC236}">
+                <a16:creationId xmlns:a16="http://schemas.microsoft.com/office/drawing/2014/main" id="{022C43AB-86D7-420D-8AD7-DC0A15FDD0AF}"/>
+              </a:ext>
+            </a:extLst>
+          </p:cNvPr>
+          <p:cNvPicPr>
+            <a:picLocks noGrp="1" noRot="1" noChangeAspect="1" noMove="1" noResize="1" noEditPoints="1" noAdjustHandles="1" noChangeArrowheads="1" noChangeShapeType="1" noCrop="1"/>
+          </p:cNvPicPr>
+          <p:nvPr>
+            <p:extLst>
+              <p:ext uri="{386F3935-93C4-4BCD-93E2-E3B085C9AB24}">
+                <p16:designElem xmlns:p16="http://schemas.microsoft.com/office/powerpoint/2015/main" val="1"/>
+              </p:ext>
+            </p:extLst>
+          </p:nvPr>
+        </p:nvPicPr>
+        <p:blipFill rotWithShape="1">
+          <a:blip r:embed="rId6">
+            <a:extLst>
+              <a:ext uri="{28A0092B-C50C-407E-A947-70E740481C1C}">
+                <a14:useLocalDpi xmlns:a14="http://schemas.microsoft.com/office/drawing/2010/main" val="0"/>
+              </a:ext>
+            </a:extLst>
+          </a:blip>
+          <a:srcRect b="23320"/>
+          <a:stretch/>
+        </p:blipFill>
+        <p:spPr>
+          <a:xfrm>
+            <a:off x="8605878" y="6096000"/>
+            <a:ext cx="993734" cy="762000"/>
+          </a:xfrm>
+          <a:prstGeom prst="rect">
+            <a:avLst/>
+          </a:prstGeom>
+        </p:spPr>
+      </p:pic>
+      <p:sp>
+        <p:nvSpPr>
+          <p:cNvPr id="20" name="Rectangle 19">
+            <a:extLst>
+              <a:ext uri="{FF2B5EF4-FFF2-40B4-BE49-F238E27FC236}">
+                <a16:creationId xmlns:a16="http://schemas.microsoft.com/office/drawing/2014/main" id="{5E3EB826-A471-488F-9E8A-D65528A3C0CA}"/>
+              </a:ext>
+            </a:extLst>
+          </p:cNvPr>
+          <p:cNvSpPr>
+            <a:spLocks noGrp="1" noRot="1" noChangeAspect="1" noMove="1" noResize="1" noEditPoints="1" noAdjustHandles="1" noChangeArrowheads="1" noChangeShapeType="1" noTextEdit="1"/>
+          </p:cNvSpPr>
+          <p:nvPr>
+            <p:extLst>
+              <p:ext uri="{386F3935-93C4-4BCD-93E2-E3B085C9AB24}">
+                <p16:designElem xmlns:p16="http://schemas.microsoft.com/office/powerpoint/2015/main" val="1"/>
+              </p:ext>
+            </p:extLst>
+          </p:nvPr>
+        </p:nvSpPr>
+        <p:spPr>
+          <a:xfrm>
+            <a:off x="10437812" y="0"/>
+            <a:ext cx="685800" cy="1143000"/>
+          </a:xfrm>
+          <a:prstGeom prst="rect">
+            <a:avLst/>
+          </a:prstGeom>
+          <a:solidFill>
+            <a:schemeClr val="accent1"/>
+          </a:solidFill>
+          <a:ln>
+            <a:noFill/>
+          </a:ln>
+        </p:spPr>
+        <p:style>
+          <a:lnRef idx="1">
+            <a:schemeClr val="accent1"/>
+          </a:lnRef>
+          <a:fillRef idx="3">
+            <a:schemeClr val="accent1"/>
+          </a:fillRef>
+          <a:effectRef idx="2">
+            <a:schemeClr val="accent1"/>
+          </a:effectRef>
+          <a:fontRef idx="minor">
+            <a:schemeClr val="lt1"/>
+          </a:fontRef>
+        </p:style>
+      </p:sp>
+      <p:sp>
+        <p:nvSpPr>
+          <p:cNvPr id="22" name="Rectangle 21">
+            <a:extLst>
+              <a:ext uri="{FF2B5EF4-FFF2-40B4-BE49-F238E27FC236}">
+                <a16:creationId xmlns:a16="http://schemas.microsoft.com/office/drawing/2014/main" id="{4159E445-83D7-4F7C-8B6B-79EDEFA5F788}"/>
+              </a:ext>
+            </a:extLst>
+          </p:cNvPr>
+          <p:cNvSpPr>
+            <a:spLocks noGrp="1" noRot="1" noChangeAspect="1" noMove="1" noResize="1" noEditPoints="1" noAdjustHandles="1" noChangeArrowheads="1" noChangeShapeType="1" noTextEdit="1"/>
+          </p:cNvSpPr>
+          <p:nvPr>
+            <p:extLst>
+              <p:ext uri="{386F3935-93C4-4BCD-93E2-E3B085C9AB24}">
+                <p16:designElem xmlns:p16="http://schemas.microsoft.com/office/powerpoint/2015/main" val="1"/>
+              </p:ext>
+            </p:extLst>
+          </p:nvPr>
+        </p:nvSpPr>
+        <p:spPr>
+          <a:xfrm>
+            <a:off x="0" y="0"/>
+            <a:ext cx="12192000" cy="6858000"/>
+          </a:xfrm>
+          <a:prstGeom prst="rect">
+            <a:avLst/>
+          </a:prstGeom>
+          <a:solidFill>
+            <a:srgbClr val="FFFFFF"/>
+          </a:solidFill>
+          <a:ln>
+            <a:noFill/>
+          </a:ln>
+        </p:spPr>
+        <p:style>
+          <a:lnRef idx="2">
+            <a:schemeClr val="accent1">
+              <a:shade val="50000"/>
+            </a:schemeClr>
+          </a:lnRef>
+          <a:fillRef idx="1">
+            <a:schemeClr val="accent1"/>
+          </a:fillRef>
+          <a:effectRef idx="0">
+            <a:schemeClr val="accent1"/>
+          </a:effectRef>
+          <a:fontRef idx="minor">
+            <a:schemeClr val="lt1"/>
+          </a:fontRef>
+        </p:style>
+        <p:txBody>
+          <a:bodyPr rtlCol="0" anchor="ctr"/>
+          <a:lstStyle/>
+          <a:p>
+            <a:pPr algn="ctr"/>
+            <a:endParaRPr lang="en-US"/>
+          </a:p>
+        </p:txBody>
+      </p:sp>
+      <p:sp>
+        <p:nvSpPr>
+          <p:cNvPr id="24" name="Rectangle 23">
+            <a:extLst>
+              <a:ext uri="{FF2B5EF4-FFF2-40B4-BE49-F238E27FC236}">
+                <a16:creationId xmlns:a16="http://schemas.microsoft.com/office/drawing/2014/main" id="{E1E43DD8-7DEF-4A83-A303-10947F34B086}"/>
+              </a:ext>
+            </a:extLst>
+          </p:cNvPr>
+          <p:cNvSpPr>
+            <a:spLocks noGrp="1" noRot="1" noChangeAspect="1" noMove="1" noResize="1" noEditPoints="1" noAdjustHandles="1" noChangeArrowheads="1" noChangeShapeType="1" noTextEdit="1"/>
+          </p:cNvSpPr>
+          <p:nvPr>
+            <p:extLst>
+              <p:ext uri="{386F3935-93C4-4BCD-93E2-E3B085C9AB24}">
+                <p16:designElem xmlns:p16="http://schemas.microsoft.com/office/powerpoint/2015/main" val="1"/>
+              </p:ext>
+            </p:extLst>
+          </p:nvPr>
+        </p:nvSpPr>
+        <p:spPr>
+          <a:xfrm>
+            <a:off x="10437812" y="0"/>
+            <a:ext cx="685800" cy="1143000"/>
+          </a:xfrm>
+          <a:prstGeom prst="rect">
+            <a:avLst/>
+          </a:prstGeom>
+          <a:solidFill>
+            <a:schemeClr val="accent1"/>
+          </a:solidFill>
+          <a:ln>
+            <a:noFill/>
+          </a:ln>
+        </p:spPr>
+        <p:style>
+          <a:lnRef idx="1">
+            <a:schemeClr val="accent1"/>
+          </a:lnRef>
+          <a:fillRef idx="3">
+            <a:schemeClr val="accent1"/>
+          </a:fillRef>
+          <a:effectRef idx="2">
+            <a:schemeClr val="accent1"/>
+          </a:effectRef>
+          <a:fontRef idx="minor">
+            <a:schemeClr val="lt1"/>
+          </a:fontRef>
+        </p:style>
+      </p:sp>
+      <p:pic>
+        <p:nvPicPr>
+          <p:cNvPr id="3" name="Picture 2">
+            <a:extLst>
+              <a:ext uri="{FF2B5EF4-FFF2-40B4-BE49-F238E27FC236}">
+                <a16:creationId xmlns:a16="http://schemas.microsoft.com/office/drawing/2014/main" id="{89E69869-216A-8248-91B1-11FB366AF851}"/>
+              </a:ext>
+            </a:extLst>
+          </p:cNvPr>
+          <p:cNvPicPr>
+            <a:picLocks noChangeAspect="1"/>
+          </p:cNvPicPr>
+          <p:nvPr/>
+        </p:nvPicPr>
+        <p:blipFill>
+          <a:blip r:embed="rId7"/>
+          <a:stretch>
+            <a:fillRect/>
+          </a:stretch>
+        </p:blipFill>
+        <p:spPr>
+          <a:xfrm>
+            <a:off x="839449" y="809469"/>
+            <a:ext cx="9413823" cy="5286531"/>
+          </a:xfrm>
+          <a:prstGeom prst="rect">
+            <a:avLst/>
+          </a:prstGeom>
+        </p:spPr>
+      </p:pic>
+    </p:spTree>
+    <p:extLst>
+      <p:ext uri="{BB962C8B-B14F-4D97-AF65-F5344CB8AC3E}">
+        <p14:creationId xmlns:p14="http://schemas.microsoft.com/office/powerpoint/2010/main" val="1757601690"/>
+      </p:ext>
+    </p:extLst>
+  </p:cSld>
+  <p:clrMapOvr>
+    <a:masterClrMapping/>
+  </p:clrMapOvr>
+</p:sld>
+</file>
+
+<file path=ppt/slides/slide31.xml><?xml version="1.0" encoding="utf-8"?>
+<p:sld xmlns:a="http://schemas.openxmlformats.org/drawingml/2006/main" xmlns:r="http://schemas.openxmlformats.org/officeDocument/2006/relationships" xmlns:p="http://schemas.openxmlformats.org/presentationml/2006/main">
+  <p:cSld>
+    <p:bg>
+      <p:bgPr>
+        <a:blipFill rotWithShape="1">
+          <a:blip r:embed="rId2">
+            <a:duotone>
+              <a:schemeClr val="bg2">
+                <a:shade val="69000"/>
+                <a:hueMod val="108000"/>
+                <a:satMod val="164000"/>
+                <a:lumMod val="74000"/>
+              </a:schemeClr>
+              <a:schemeClr val="bg2">
+                <a:tint val="96000"/>
+                <a:hueMod val="88000"/>
+                <a:satMod val="140000"/>
+                <a:lumMod val="132000"/>
+              </a:schemeClr>
+            </a:duotone>
+          </a:blip>
+          <a:stretch/>
+        </a:blipFill>
+        <a:effectLst/>
+      </p:bgPr>
+    </p:bg>
+    <p:spTree>
+      <p:nvGrpSpPr>
+        <p:cNvPr id="1" name=""/>
+        <p:cNvGrpSpPr/>
+        <p:nvPr/>
+      </p:nvGrpSpPr>
+      <p:grpSpPr>
+        <a:xfrm>
+          <a:off x="0" y="0"/>
+          <a:ext cx="0" cy="0"/>
+          <a:chOff x="0" y="0"/>
+          <a:chExt cx="0" cy="0"/>
+        </a:xfrm>
+      </p:grpSpPr>
+      <p:pic>
+        <p:nvPicPr>
+          <p:cNvPr id="10" name="Picture 9">
+            <a:extLst>
+              <a:ext uri="{FF2B5EF4-FFF2-40B4-BE49-F238E27FC236}">
+                <a16:creationId xmlns:a16="http://schemas.microsoft.com/office/drawing/2014/main" id="{C9ECDD5C-152A-4CC7-8333-0F367B3A62EA}"/>
+              </a:ext>
+            </a:extLst>
+          </p:cNvPr>
+          <p:cNvPicPr>
+            <a:picLocks noGrp="1" noRot="1" noChangeAspect="1" noMove="1" noResize="1" noEditPoints="1" noAdjustHandles="1" noChangeArrowheads="1" noChangeShapeType="1" noCrop="1"/>
+          </p:cNvPicPr>
+          <p:nvPr>
+            <p:extLst>
+              <p:ext uri="{386F3935-93C4-4BCD-93E2-E3B085C9AB24}">
+                <p16:designElem xmlns:p16="http://schemas.microsoft.com/office/powerpoint/2015/main" val="1"/>
+              </p:ext>
+            </p:extLst>
+          </p:nvPr>
+        </p:nvPicPr>
+        <p:blipFill rotWithShape="1">
+          <a:blip r:embed="rId3">
+            <a:extLst>
+              <a:ext uri="{28A0092B-C50C-407E-A947-70E740481C1C}">
+                <a14:useLocalDpi xmlns:a14="http://schemas.microsoft.com/office/drawing/2010/main" val="0"/>
+              </a:ext>
+            </a:extLst>
+          </a:blip>
+          <a:srcRect l="3613"/>
+          <a:stretch/>
+        </p:blipFill>
+        <p:spPr>
+          <a:xfrm>
+            <a:off x="0" y="2669685"/>
+            <a:ext cx="4037012" cy="4188315"/>
+          </a:xfrm>
+          <a:prstGeom prst="rect">
+            <a:avLst/>
+          </a:prstGeom>
+        </p:spPr>
+      </p:pic>
+      <p:pic>
+        <p:nvPicPr>
+          <p:cNvPr id="12" name="Picture 11">
+            <a:extLst>
+              <a:ext uri="{FF2B5EF4-FFF2-40B4-BE49-F238E27FC236}">
+                <a16:creationId xmlns:a16="http://schemas.microsoft.com/office/drawing/2014/main" id="{7F5C92A3-369B-43F3-BDCE-E560B1B0EC89}"/>
+              </a:ext>
+            </a:extLst>
+          </p:cNvPr>
+          <p:cNvPicPr>
+            <a:picLocks noGrp="1" noRot="1" noChangeAspect="1" noMove="1" noResize="1" noEditPoints="1" noAdjustHandles="1" noChangeArrowheads="1" noChangeShapeType="1" noCrop="1"/>
+          </p:cNvPicPr>
+          <p:nvPr>
+            <p:extLst>
+              <p:ext uri="{386F3935-93C4-4BCD-93E2-E3B085C9AB24}">
+                <p16:designElem xmlns:p16="http://schemas.microsoft.com/office/powerpoint/2015/main" val="1"/>
+              </p:ext>
+            </p:extLst>
+          </p:nvPr>
+        </p:nvPicPr>
+        <p:blipFill rotWithShape="1">
+          <a:blip r:embed="rId4">
+            <a:extLst>
+              <a:ext uri="{28A0092B-C50C-407E-A947-70E740481C1C}">
+                <a14:useLocalDpi xmlns:a14="http://schemas.microsoft.com/office/drawing/2010/main" val="0"/>
+              </a:ext>
+            </a:extLst>
+          </a:blip>
+          <a:srcRect l="35640"/>
+          <a:stretch/>
+        </p:blipFill>
+        <p:spPr>
+          <a:xfrm>
+            <a:off x="0" y="2892347"/>
+            <a:ext cx="1522412" cy="2365453"/>
+          </a:xfrm>
+          <a:prstGeom prst="rect">
+            <a:avLst/>
+          </a:prstGeom>
+        </p:spPr>
+      </p:pic>
+      <p:sp>
+        <p:nvSpPr>
+          <p:cNvPr id="14" name="Oval 13">
+            <a:extLst>
+              <a:ext uri="{FF2B5EF4-FFF2-40B4-BE49-F238E27FC236}">
+                <a16:creationId xmlns:a16="http://schemas.microsoft.com/office/drawing/2014/main" id="{AEBE9F1A-B38D-446E-83AE-14B17CE77FF2}"/>
+              </a:ext>
+            </a:extLst>
+          </p:cNvPr>
+          <p:cNvSpPr>
+            <a:spLocks noGrp="1" noRot="1" noChangeAspect="1" noMove="1" noResize="1" noEditPoints="1" noAdjustHandles="1" noChangeArrowheads="1" noChangeShapeType="1" noTextEdit="1"/>
+          </p:cNvSpPr>
+          <p:nvPr>
+            <p:extLst>
+              <p:ext uri="{386F3935-93C4-4BCD-93E2-E3B085C9AB24}">
+                <p16:designElem xmlns:p16="http://schemas.microsoft.com/office/powerpoint/2015/main" val="1"/>
+              </p:ext>
+            </p:extLst>
+          </p:nvPr>
+        </p:nvSpPr>
+        <p:spPr>
+          <a:xfrm>
+            <a:off x="8609012" y="1676400"/>
+            <a:ext cx="2819400" cy="2819400"/>
+          </a:xfrm>
+          <a:prstGeom prst="ellipse">
+            <a:avLst/>
+          </a:prstGeom>
+          <a:gradFill flip="none" rotWithShape="1">
+            <a:gsLst>
+              <a:gs pos="0">
+                <a:schemeClr val="bg2">
+                  <a:lumMod val="60000"/>
+                  <a:lumOff val="40000"/>
+                  <a:alpha val="7000"/>
+                </a:schemeClr>
+              </a:gs>
+              <a:gs pos="69000">
+                <a:schemeClr val="bg2">
+                  <a:lumMod val="60000"/>
+                  <a:lumOff val="40000"/>
+                  <a:alpha val="0"/>
+                </a:schemeClr>
+              </a:gs>
+              <a:gs pos="36000">
+                <a:schemeClr val="bg2">
+                  <a:lumMod val="60000"/>
+                  <a:lumOff val="40000"/>
+                  <a:alpha val="6000"/>
+                </a:schemeClr>
+              </a:gs>
+            </a:gsLst>
+            <a:path path="circle">
+              <a:fillToRect l="50000" t="50000" r="50000" b="50000"/>
+            </a:path>
+            <a:tileRect/>
+          </a:gradFill>
+          <a:ln>
+            <a:noFill/>
+          </a:ln>
+          <a:effectLst/>
+        </p:spPr>
+        <p:style>
+          <a:lnRef idx="1">
+            <a:schemeClr val="accent1"/>
+          </a:lnRef>
+          <a:fillRef idx="3">
+            <a:schemeClr val="accent1"/>
+          </a:fillRef>
+          <a:effectRef idx="2">
+            <a:schemeClr val="accent1"/>
+          </a:effectRef>
+          <a:fontRef idx="minor">
+            <a:schemeClr val="lt1"/>
+          </a:fontRef>
+        </p:style>
+      </p:sp>
+      <p:pic>
+        <p:nvPicPr>
+          <p:cNvPr id="16" name="Picture 15">
+            <a:extLst>
+              <a:ext uri="{FF2B5EF4-FFF2-40B4-BE49-F238E27FC236}">
+                <a16:creationId xmlns:a16="http://schemas.microsoft.com/office/drawing/2014/main" id="{915B5014-A7EC-4BA6-9C83-8840CF81DB28}"/>
+              </a:ext>
+            </a:extLst>
+          </p:cNvPr>
+          <p:cNvPicPr>
+            <a:picLocks noGrp="1" noRot="1" noChangeAspect="1" noMove="1" noResize="1" noEditPoints="1" noAdjustHandles="1" noChangeArrowheads="1" noChangeShapeType="1" noCrop="1"/>
+          </p:cNvPicPr>
+          <p:nvPr>
+            <p:extLst>
+              <p:ext uri="{386F3935-93C4-4BCD-93E2-E3B085C9AB24}">
+                <p16:designElem xmlns:p16="http://schemas.microsoft.com/office/powerpoint/2015/main" val="1"/>
+              </p:ext>
+            </p:extLst>
+          </p:nvPr>
+        </p:nvPicPr>
+        <p:blipFill rotWithShape="1">
+          <a:blip r:embed="rId5">
+            <a:extLst>
+              <a:ext uri="{28A0092B-C50C-407E-A947-70E740481C1C}">
+                <a14:useLocalDpi xmlns:a14="http://schemas.microsoft.com/office/drawing/2010/main" val="0"/>
+              </a:ext>
+            </a:extLst>
+          </a:blip>
+          <a:srcRect t="28813"/>
+          <a:stretch/>
+        </p:blipFill>
+        <p:spPr>
+          <a:xfrm>
+            <a:off x="7999412" y="0"/>
+            <a:ext cx="1603387" cy="1141407"/>
+          </a:xfrm>
+          <a:prstGeom prst="rect">
+            <a:avLst/>
+          </a:prstGeom>
+        </p:spPr>
+      </p:pic>
+      <p:pic>
+        <p:nvPicPr>
+          <p:cNvPr id="18" name="Picture 17">
+            <a:extLst>
+              <a:ext uri="{FF2B5EF4-FFF2-40B4-BE49-F238E27FC236}">
+                <a16:creationId xmlns:a16="http://schemas.microsoft.com/office/drawing/2014/main" id="{022C43AB-86D7-420D-8AD7-DC0A15FDD0AF}"/>
+              </a:ext>
+            </a:extLst>
+          </p:cNvPr>
+          <p:cNvPicPr>
+            <a:picLocks noGrp="1" noRot="1" noChangeAspect="1" noMove="1" noResize="1" noEditPoints="1" noAdjustHandles="1" noChangeArrowheads="1" noChangeShapeType="1" noCrop="1"/>
+          </p:cNvPicPr>
+          <p:nvPr>
+            <p:extLst>
+              <p:ext uri="{386F3935-93C4-4BCD-93E2-E3B085C9AB24}">
+                <p16:designElem xmlns:p16="http://schemas.microsoft.com/office/powerpoint/2015/main" val="1"/>
+              </p:ext>
+            </p:extLst>
+          </p:nvPr>
+        </p:nvPicPr>
+        <p:blipFill rotWithShape="1">
+          <a:blip r:embed="rId6">
+            <a:extLst>
+              <a:ext uri="{28A0092B-C50C-407E-A947-70E740481C1C}">
+                <a14:useLocalDpi xmlns:a14="http://schemas.microsoft.com/office/drawing/2010/main" val="0"/>
+              </a:ext>
+            </a:extLst>
+          </a:blip>
+          <a:srcRect b="23320"/>
+          <a:stretch/>
+        </p:blipFill>
+        <p:spPr>
+          <a:xfrm>
+            <a:off x="8605878" y="6096000"/>
+            <a:ext cx="993734" cy="762000"/>
+          </a:xfrm>
+          <a:prstGeom prst="rect">
+            <a:avLst/>
+          </a:prstGeom>
+        </p:spPr>
+      </p:pic>
+      <p:sp>
+        <p:nvSpPr>
+          <p:cNvPr id="20" name="Rectangle 19">
+            <a:extLst>
+              <a:ext uri="{FF2B5EF4-FFF2-40B4-BE49-F238E27FC236}">
+                <a16:creationId xmlns:a16="http://schemas.microsoft.com/office/drawing/2014/main" id="{5E3EB826-A471-488F-9E8A-D65528A3C0CA}"/>
+              </a:ext>
+            </a:extLst>
+          </p:cNvPr>
+          <p:cNvSpPr>
+            <a:spLocks noGrp="1" noRot="1" noChangeAspect="1" noMove="1" noResize="1" noEditPoints="1" noAdjustHandles="1" noChangeArrowheads="1" noChangeShapeType="1" noTextEdit="1"/>
+          </p:cNvSpPr>
+          <p:nvPr>
+            <p:extLst>
+              <p:ext uri="{386F3935-93C4-4BCD-93E2-E3B085C9AB24}">
+                <p16:designElem xmlns:p16="http://schemas.microsoft.com/office/powerpoint/2015/main" val="1"/>
+              </p:ext>
+            </p:extLst>
+          </p:nvPr>
+        </p:nvSpPr>
+        <p:spPr>
+          <a:xfrm>
+            <a:off x="10437812" y="0"/>
+            <a:ext cx="685800" cy="1143000"/>
+          </a:xfrm>
+          <a:prstGeom prst="rect">
+            <a:avLst/>
+          </a:prstGeom>
+          <a:solidFill>
+            <a:schemeClr val="accent1"/>
+          </a:solidFill>
+          <a:ln>
+            <a:noFill/>
+          </a:ln>
+        </p:spPr>
+        <p:style>
+          <a:lnRef idx="1">
+            <a:schemeClr val="accent1"/>
+          </a:lnRef>
+          <a:fillRef idx="3">
+            <a:schemeClr val="accent1"/>
+          </a:fillRef>
+          <a:effectRef idx="2">
+            <a:schemeClr val="accent1"/>
+          </a:effectRef>
+          <a:fontRef idx="minor">
+            <a:schemeClr val="lt1"/>
+          </a:fontRef>
+        </p:style>
+      </p:sp>
+      <p:sp>
+        <p:nvSpPr>
+          <p:cNvPr id="22" name="Rectangle 21">
+            <a:extLst>
+              <a:ext uri="{FF2B5EF4-FFF2-40B4-BE49-F238E27FC236}">
+                <a16:creationId xmlns:a16="http://schemas.microsoft.com/office/drawing/2014/main" id="{4159E445-83D7-4F7C-8B6B-79EDEFA5F788}"/>
+              </a:ext>
+            </a:extLst>
+          </p:cNvPr>
+          <p:cNvSpPr>
+            <a:spLocks noGrp="1" noRot="1" noChangeAspect="1" noMove="1" noResize="1" noEditPoints="1" noAdjustHandles="1" noChangeArrowheads="1" noChangeShapeType="1" noTextEdit="1"/>
+          </p:cNvSpPr>
+          <p:nvPr>
+            <p:extLst>
+              <p:ext uri="{386F3935-93C4-4BCD-93E2-E3B085C9AB24}">
+                <p16:designElem xmlns:p16="http://schemas.microsoft.com/office/powerpoint/2015/main" val="1"/>
+              </p:ext>
+            </p:extLst>
+          </p:nvPr>
+        </p:nvSpPr>
+        <p:spPr>
+          <a:xfrm>
+            <a:off x="0" y="0"/>
+            <a:ext cx="12192000" cy="6858000"/>
+          </a:xfrm>
+          <a:prstGeom prst="rect">
+            <a:avLst/>
+          </a:prstGeom>
+          <a:solidFill>
+            <a:srgbClr val="FFFFFF"/>
+          </a:solidFill>
+          <a:ln>
+            <a:noFill/>
+          </a:ln>
+        </p:spPr>
+        <p:style>
+          <a:lnRef idx="2">
+            <a:schemeClr val="accent1">
+              <a:shade val="50000"/>
+            </a:schemeClr>
+          </a:lnRef>
+          <a:fillRef idx="1">
+            <a:schemeClr val="accent1"/>
+          </a:fillRef>
+          <a:effectRef idx="0">
+            <a:schemeClr val="accent1"/>
+          </a:effectRef>
+          <a:fontRef idx="minor">
+            <a:schemeClr val="lt1"/>
+          </a:fontRef>
+        </p:style>
+        <p:txBody>
+          <a:bodyPr rtlCol="0" anchor="ctr"/>
+          <a:lstStyle/>
+          <a:p>
+            <a:pPr algn="ctr"/>
+            <a:endParaRPr lang="en-US"/>
+          </a:p>
+        </p:txBody>
+      </p:sp>
+      <p:sp>
+        <p:nvSpPr>
+          <p:cNvPr id="24" name="Rectangle 23">
+            <a:extLst>
+              <a:ext uri="{FF2B5EF4-FFF2-40B4-BE49-F238E27FC236}">
+                <a16:creationId xmlns:a16="http://schemas.microsoft.com/office/drawing/2014/main" id="{E1E43DD8-7DEF-4A83-A303-10947F34B086}"/>
+              </a:ext>
+            </a:extLst>
+          </p:cNvPr>
+          <p:cNvSpPr>
+            <a:spLocks noGrp="1" noRot="1" noChangeAspect="1" noMove="1" noResize="1" noEditPoints="1" noAdjustHandles="1" noChangeArrowheads="1" noChangeShapeType="1" noTextEdit="1"/>
+          </p:cNvSpPr>
+          <p:nvPr>
+            <p:extLst>
+              <p:ext uri="{386F3935-93C4-4BCD-93E2-E3B085C9AB24}">
+                <p16:designElem xmlns:p16="http://schemas.microsoft.com/office/powerpoint/2015/main" val="1"/>
+              </p:ext>
+            </p:extLst>
+          </p:nvPr>
+        </p:nvSpPr>
+        <p:spPr>
+          <a:xfrm>
+            <a:off x="10437812" y="0"/>
+            <a:ext cx="685800" cy="1143000"/>
+          </a:xfrm>
+          <a:prstGeom prst="rect">
+            <a:avLst/>
+          </a:prstGeom>
+          <a:solidFill>
+            <a:schemeClr val="accent1"/>
+          </a:solidFill>
+          <a:ln>
+            <a:noFill/>
+          </a:ln>
+        </p:spPr>
+        <p:style>
+          <a:lnRef idx="1">
+            <a:schemeClr val="accent1"/>
+          </a:lnRef>
+          <a:fillRef idx="3">
+            <a:schemeClr val="accent1"/>
+          </a:fillRef>
+          <a:effectRef idx="2">
+            <a:schemeClr val="accent1"/>
+          </a:effectRef>
+          <a:fontRef idx="minor">
+            <a:schemeClr val="lt1"/>
+          </a:fontRef>
+        </p:style>
+      </p:sp>
+      <p:pic>
+        <p:nvPicPr>
+          <p:cNvPr id="4" name="Picture 3">
+            <a:extLst>
+              <a:ext uri="{FF2B5EF4-FFF2-40B4-BE49-F238E27FC236}">
+                <a16:creationId xmlns:a16="http://schemas.microsoft.com/office/drawing/2014/main" id="{6CFAC740-8D38-B34A-B89D-ABD4347D8B0D}"/>
+              </a:ext>
+            </a:extLst>
+          </p:cNvPr>
+          <p:cNvPicPr>
+            <a:picLocks noChangeAspect="1"/>
+          </p:cNvPicPr>
+          <p:nvPr/>
+        </p:nvPicPr>
+        <p:blipFill>
+          <a:blip r:embed="rId7"/>
+          <a:stretch>
+            <a:fillRect/>
+          </a:stretch>
+        </p:blipFill>
+        <p:spPr>
+          <a:xfrm>
+            <a:off x="314793" y="361949"/>
+            <a:ext cx="10013430" cy="6323663"/>
+          </a:xfrm>
+          <a:prstGeom prst="rect">
+            <a:avLst/>
+          </a:prstGeom>
+        </p:spPr>
+      </p:pic>
+    </p:spTree>
+    <p:extLst>
+      <p:ext uri="{BB962C8B-B14F-4D97-AF65-F5344CB8AC3E}">
+        <p14:creationId xmlns:p14="http://schemas.microsoft.com/office/powerpoint/2010/main" val="3200653152"/>
+      </p:ext>
+    </p:extLst>
+  </p:cSld>
+  <p:clrMapOvr>
+    <a:masterClrMapping/>
+  </p:clrMapOvr>
+</p:sld>
+</file>
+
+<file path=ppt/slides/slide32.xml><?xml version="1.0" encoding="utf-8"?>
+<p:sld xmlns:a="http://schemas.openxmlformats.org/drawingml/2006/main" xmlns:r="http://schemas.openxmlformats.org/officeDocument/2006/relationships" xmlns:p="http://schemas.openxmlformats.org/presentationml/2006/main">
+  <p:cSld>
+    <p:spTree>
+      <p:nvGrpSpPr>
+        <p:cNvPr id="1" name=""/>
+        <p:cNvGrpSpPr/>
+        <p:nvPr/>
+      </p:nvGrpSpPr>
+      <p:grpSpPr>
+        <a:xfrm>
+          <a:off x="0" y="0"/>
+          <a:ext cx="0" cy="0"/>
+          <a:chOff x="0" y="0"/>
+          <a:chExt cx="0" cy="0"/>
+        </a:xfrm>
+      </p:grpSpPr>
+      <p:sp>
+        <p:nvSpPr>
+          <p:cNvPr id="2" name="Title 1"/>
+          <p:cNvSpPr>
+            <a:spLocks noGrp="1"/>
+          </p:cNvSpPr>
+          <p:nvPr>
+            <p:ph type="title"/>
+          </p:nvPr>
+        </p:nvSpPr>
+        <p:spPr/>
+        <p:txBody>
+          <a:bodyPr/>
+          <a:lstStyle/>
+          <a:p>
+            <a:r>
+              <a:rPr lang="en-US" dirty="0"/>
+              <a:t>                       CONCLUSION</a:t>
+            </a:r>
+          </a:p>
+        </p:txBody>
+      </p:sp>
+      <p:sp>
+        <p:nvSpPr>
+          <p:cNvPr id="3" name="Content Placeholder 2"/>
+          <p:cNvSpPr>
+            <a:spLocks noGrp="1"/>
+          </p:cNvSpPr>
+          <p:nvPr>
+            <p:ph idx="1"/>
+          </p:nvPr>
+        </p:nvSpPr>
+        <p:spPr/>
+        <p:txBody>
+          <a:bodyPr/>
+          <a:lstStyle/>
+          <a:p>
+            <a:r>
+              <a:rPr lang="en-US" dirty="0"/>
+              <a:t>In the end, we would like to thank </a:t>
+            </a:r>
+            <a:r>
+              <a:rPr lang="en-US" dirty="0" err="1"/>
+              <a:t>Dr</a:t>
+            </a:r>
+            <a:r>
+              <a:rPr lang="en-US" dirty="0"/>
+              <a:t> Ajay Bansal for giving us this opportunity to create our own programming language. </a:t>
+            </a:r>
+          </a:p>
+          <a:p>
+            <a:r>
+              <a:rPr lang="en-US" dirty="0"/>
+              <a:t>By doing this project we understood the basics of every programming language and hope to add more additional complexity in the upcoming months.</a:t>
+            </a:r>
+          </a:p>
+        </p:txBody>
+      </p:sp>
+    </p:spTree>
+    <p:extLst>
+      <p:ext uri="{BB962C8B-B14F-4D97-AF65-F5344CB8AC3E}">
+        <p14:creationId xmlns:p14="http://schemas.microsoft.com/office/powerpoint/2010/main" val="2042611944"/>
       </p:ext>
     </p:extLst>
   </p:cSld>
@@ -15849,7 +17478,7 @@
           <p:cNvPr id="10" name="Picture 9">
             <a:extLst>
               <a:ext uri="{FF2B5EF4-FFF2-40B4-BE49-F238E27FC236}">
-                <a16:creationId xmlns="" xmlns:a16="http://schemas.microsoft.com/office/drawing/2014/main" id="{41B68C77-138E-4BF7-A276-BD0C78A4219F}"/>
+                <a16:creationId xmlns:a16="http://schemas.microsoft.com/office/drawing/2014/main" id="{41B68C77-138E-4BF7-A276-BD0C78A4219F}"/>
               </a:ext>
             </a:extLst>
           </p:cNvPr>
@@ -15890,7 +17519,7 @@
           <p:cNvPr id="12" name="Picture 11">
             <a:extLst>
               <a:ext uri="{FF2B5EF4-FFF2-40B4-BE49-F238E27FC236}">
-                <a16:creationId xmlns="" xmlns:a16="http://schemas.microsoft.com/office/drawing/2014/main" id="{7C268552-D473-46ED-B1B8-422042C4DEF1}"/>
+                <a16:creationId xmlns:a16="http://schemas.microsoft.com/office/drawing/2014/main" id="{7C268552-D473-46ED-B1B8-422042C4DEF1}"/>
               </a:ext>
             </a:extLst>
           </p:cNvPr>
@@ -15931,7 +17560,7 @@
           <p:cNvPr id="14" name="Oval 13">
             <a:extLst>
               <a:ext uri="{FF2B5EF4-FFF2-40B4-BE49-F238E27FC236}">
-                <a16:creationId xmlns="" xmlns:a16="http://schemas.microsoft.com/office/drawing/2014/main" id="{4AC0CD9D-7610-4620-93B4-798CCD9AB581}"/>
+                <a16:creationId xmlns:a16="http://schemas.microsoft.com/office/drawing/2014/main" id="{4AC0CD9D-7610-4620-93B4-798CCD9AB581}"/>
               </a:ext>
             </a:extLst>
           </p:cNvPr>
@@ -16008,7 +17637,7 @@
           <p:cNvPr id="16" name="Picture 15">
             <a:extLst>
               <a:ext uri="{FF2B5EF4-FFF2-40B4-BE49-F238E27FC236}">
-                <a16:creationId xmlns="" xmlns:a16="http://schemas.microsoft.com/office/drawing/2014/main" id="{B9238B3E-24AA-439A-B527-6C5DF6D72145}"/>
+                <a16:creationId xmlns:a16="http://schemas.microsoft.com/office/drawing/2014/main" id="{B9238B3E-24AA-439A-B527-6C5DF6D72145}"/>
               </a:ext>
             </a:extLst>
           </p:cNvPr>
@@ -16049,7 +17678,7 @@
           <p:cNvPr id="18" name="Picture 17">
             <a:extLst>
               <a:ext uri="{FF2B5EF4-FFF2-40B4-BE49-F238E27FC236}">
-                <a16:creationId xmlns="" xmlns:a16="http://schemas.microsoft.com/office/drawing/2014/main" id="{69F01145-BEA3-4CBF-AA21-10077B948CA8}"/>
+                <a16:creationId xmlns:a16="http://schemas.microsoft.com/office/drawing/2014/main" id="{69F01145-BEA3-4CBF-AA21-10077B948CA8}"/>
               </a:ext>
             </a:extLst>
           </p:cNvPr>
@@ -16090,7 +17719,7 @@
           <p:cNvPr id="20" name="Rectangle 19">
             <a:extLst>
               <a:ext uri="{FF2B5EF4-FFF2-40B4-BE49-F238E27FC236}">
-                <a16:creationId xmlns="" xmlns:a16="http://schemas.microsoft.com/office/drawing/2014/main" id="{DE4D62F9-188E-4530-84C2-24BDEE4BEB82}"/>
+                <a16:creationId xmlns:a16="http://schemas.microsoft.com/office/drawing/2014/main" id="{DE4D62F9-188E-4530-84C2-24BDEE4BEB82}"/>
               </a:ext>
             </a:extLst>
           </p:cNvPr>
@@ -16140,7 +17769,7 @@
           <p:cNvPr id="22" name="Rectangle 21">
             <a:extLst>
               <a:ext uri="{FF2B5EF4-FFF2-40B4-BE49-F238E27FC236}">
-                <a16:creationId xmlns="" xmlns:a16="http://schemas.microsoft.com/office/drawing/2014/main" id="{D27CF008-4B18-436D-B2D5-C1346C12438E}"/>
+                <a16:creationId xmlns:a16="http://schemas.microsoft.com/office/drawing/2014/main" id="{D27CF008-4B18-436D-B2D5-C1346C12438E}"/>
               </a:ext>
             </a:extLst>
           </p:cNvPr>
@@ -16197,7 +17826,7 @@
           <p:cNvPr id="24" name="Rectangle 23">
             <a:extLst>
               <a:ext uri="{FF2B5EF4-FFF2-40B4-BE49-F238E27FC236}">
-                <a16:creationId xmlns="" xmlns:a16="http://schemas.microsoft.com/office/drawing/2014/main" id="{CE22DAD8-5F67-4B73-ADA9-06EF381F7AD6}"/>
+                <a16:creationId xmlns:a16="http://schemas.microsoft.com/office/drawing/2014/main" id="{CE22DAD8-5F67-4B73-ADA9-06EF381F7AD6}"/>
               </a:ext>
             </a:extLst>
           </p:cNvPr>
@@ -16247,7 +17876,7 @@
           <p:cNvPr id="26" name="Freeform 16">
             <a:extLst>
               <a:ext uri="{FF2B5EF4-FFF2-40B4-BE49-F238E27FC236}">
-                <a16:creationId xmlns="" xmlns:a16="http://schemas.microsoft.com/office/drawing/2014/main" id="{E4F17063-EDA4-417B-946F-BA357F3B390D}"/>
+                <a16:creationId xmlns:a16="http://schemas.microsoft.com/office/drawing/2014/main" id="{E4F17063-EDA4-417B-946F-BA357F3B390D}"/>
               </a:ext>
             </a:extLst>
           </p:cNvPr>
@@ -16641,7 +18270,7 @@
           <p:cNvPr id="28" name="Freeform: Shape 27">
             <a:extLst>
               <a:ext uri="{FF2B5EF4-FFF2-40B4-BE49-F238E27FC236}">
-                <a16:creationId xmlns="" xmlns:a16="http://schemas.microsoft.com/office/drawing/2014/main" id="{D36F3EEA-55D4-4677-80E7-92D00B8F343B}"/>
+                <a16:creationId xmlns:a16="http://schemas.microsoft.com/office/drawing/2014/main" id="{D36F3EEA-55D4-4677-80E7-92D00B8F343B}"/>
               </a:ext>
             </a:extLst>
           </p:cNvPr>
@@ -17210,10 +18839,9 @@
           <a:lstStyle/>
           <a:p>
             <a:r>
-              <a:rPr lang="en-US" dirty="0" smtClean="0"/>
+              <a:rPr lang="en-US" dirty="0"/>
               <a:t>GRAMMAR</a:t>
             </a:r>
-            <a:endParaRPr lang="en-US" dirty="0"/>
           </a:p>
         </p:txBody>
       </p:sp>
@@ -17233,36 +18861,36 @@
           <a:lstStyle/>
           <a:p>
             <a:r>
-              <a:rPr lang="en-US" dirty="0" smtClean="0"/>
+              <a:rPr lang="en-US" dirty="0"/>
               <a:t>The first step was to write the grammar in simple BNF form.</a:t>
             </a:r>
           </a:p>
           <a:p>
             <a:r>
-              <a:rPr lang="en-US" dirty="0" smtClean="0"/>
+              <a:rPr lang="en-US" dirty="0"/>
               <a:t>The grammar was then refined to remove left recursion. </a:t>
             </a:r>
           </a:p>
           <a:p>
             <a:r>
-              <a:rPr lang="en-US" dirty="0" smtClean="0"/>
+              <a:rPr lang="en-US" dirty="0"/>
               <a:t>Then the grammar had to be converted to .g4 format to make it make it compatible with ANTLR.</a:t>
             </a:r>
           </a:p>
           <a:p>
             <a:r>
-              <a:rPr lang="en-US" dirty="0" smtClean="0"/>
+              <a:rPr lang="en-US" dirty="0"/>
               <a:t>Now we shall go through each part of our grammar.</a:t>
             </a:r>
           </a:p>
           <a:p>
-            <a:endParaRPr lang="en-US" dirty="0" smtClean="0"/>
-          </a:p>
-          <a:p>
-            <a:endParaRPr lang="en-US" dirty="0" smtClean="0"/>
-          </a:p>
-          <a:p>
-            <a:endParaRPr lang="en-US" dirty="0" smtClean="0"/>
+            <a:endParaRPr lang="en-US" dirty="0"/>
+          </a:p>
+          <a:p>
+            <a:endParaRPr lang="en-US" dirty="0"/>
+          </a:p>
+          <a:p>
+            <a:endParaRPr lang="en-US" dirty="0"/>
           </a:p>
           <a:p>
             <a:endParaRPr lang="en-US" dirty="0"/>
@@ -17328,7 +18956,7 @@
           <p:cNvPr id="9" name="Picture 8">
             <a:extLst>
               <a:ext uri="{FF2B5EF4-FFF2-40B4-BE49-F238E27FC236}">
-                <a16:creationId xmlns="" xmlns:a16="http://schemas.microsoft.com/office/drawing/2014/main" id="{C9ECDD5C-152A-4CC7-8333-0F367B3A62EA}"/>
+                <a16:creationId xmlns:a16="http://schemas.microsoft.com/office/drawing/2014/main" id="{C9ECDD5C-152A-4CC7-8333-0F367B3A62EA}"/>
               </a:ext>
             </a:extLst>
           </p:cNvPr>
@@ -17369,7 +18997,7 @@
           <p:cNvPr id="11" name="Picture 10">
             <a:extLst>
               <a:ext uri="{FF2B5EF4-FFF2-40B4-BE49-F238E27FC236}">
-                <a16:creationId xmlns="" xmlns:a16="http://schemas.microsoft.com/office/drawing/2014/main" id="{7F5C92A3-369B-43F3-BDCE-E560B1B0EC89}"/>
+                <a16:creationId xmlns:a16="http://schemas.microsoft.com/office/drawing/2014/main" id="{7F5C92A3-369B-43F3-BDCE-E560B1B0EC89}"/>
               </a:ext>
             </a:extLst>
           </p:cNvPr>
@@ -17410,7 +19038,7 @@
           <p:cNvPr id="13" name="Oval 12">
             <a:extLst>
               <a:ext uri="{FF2B5EF4-FFF2-40B4-BE49-F238E27FC236}">
-                <a16:creationId xmlns="" xmlns:a16="http://schemas.microsoft.com/office/drawing/2014/main" id="{AEBE9F1A-B38D-446E-83AE-14B17CE77FF2}"/>
+                <a16:creationId xmlns:a16="http://schemas.microsoft.com/office/drawing/2014/main" id="{AEBE9F1A-B38D-446E-83AE-14B17CE77FF2}"/>
               </a:ext>
             </a:extLst>
           </p:cNvPr>
@@ -17487,7 +19115,7 @@
           <p:cNvPr id="15" name="Picture 14">
             <a:extLst>
               <a:ext uri="{FF2B5EF4-FFF2-40B4-BE49-F238E27FC236}">
-                <a16:creationId xmlns="" xmlns:a16="http://schemas.microsoft.com/office/drawing/2014/main" id="{915B5014-A7EC-4BA6-9C83-8840CF81DB28}"/>
+                <a16:creationId xmlns:a16="http://schemas.microsoft.com/office/drawing/2014/main" id="{915B5014-A7EC-4BA6-9C83-8840CF81DB28}"/>
               </a:ext>
             </a:extLst>
           </p:cNvPr>
@@ -17528,7 +19156,7 @@
           <p:cNvPr id="17" name="Picture 16">
             <a:extLst>
               <a:ext uri="{FF2B5EF4-FFF2-40B4-BE49-F238E27FC236}">
-                <a16:creationId xmlns="" xmlns:a16="http://schemas.microsoft.com/office/drawing/2014/main" id="{022C43AB-86D7-420D-8AD7-DC0A15FDD0AF}"/>
+                <a16:creationId xmlns:a16="http://schemas.microsoft.com/office/drawing/2014/main" id="{022C43AB-86D7-420D-8AD7-DC0A15FDD0AF}"/>
               </a:ext>
             </a:extLst>
           </p:cNvPr>
@@ -17569,7 +19197,7 @@
           <p:cNvPr id="19" name="Rectangle 18">
             <a:extLst>
               <a:ext uri="{FF2B5EF4-FFF2-40B4-BE49-F238E27FC236}">
-                <a16:creationId xmlns="" xmlns:a16="http://schemas.microsoft.com/office/drawing/2014/main" id="{5E3EB826-A471-488F-9E8A-D65528A3C0CA}"/>
+                <a16:creationId xmlns:a16="http://schemas.microsoft.com/office/drawing/2014/main" id="{5E3EB826-A471-488F-9E8A-D65528A3C0CA}"/>
               </a:ext>
             </a:extLst>
           </p:cNvPr>
@@ -17619,7 +19247,7 @@
           <p:cNvPr id="21" name="Rectangle 20">
             <a:extLst>
               <a:ext uri="{FF2B5EF4-FFF2-40B4-BE49-F238E27FC236}">
-                <a16:creationId xmlns="" xmlns:a16="http://schemas.microsoft.com/office/drawing/2014/main" id="{4159E445-83D7-4F7C-8B6B-79EDEFA5F788}"/>
+                <a16:creationId xmlns:a16="http://schemas.microsoft.com/office/drawing/2014/main" id="{4159E445-83D7-4F7C-8B6B-79EDEFA5F788}"/>
               </a:ext>
             </a:extLst>
           </p:cNvPr>
@@ -17711,7 +19339,7 @@
           <p:cNvPr id="23" name="Rectangle 22">
             <a:extLst>
               <a:ext uri="{FF2B5EF4-FFF2-40B4-BE49-F238E27FC236}">
-                <a16:creationId xmlns="" xmlns:a16="http://schemas.microsoft.com/office/drawing/2014/main" id="{E1E43DD8-7DEF-4A83-A303-10947F34B086}"/>
+                <a16:creationId xmlns:a16="http://schemas.microsoft.com/office/drawing/2014/main" id="{E1E43DD8-7DEF-4A83-A303-10947F34B086}"/>
               </a:ext>
             </a:extLst>
           </p:cNvPr>
@@ -17815,7 +19443,7 @@
           <p:cNvPr id="9" name="Picture 8">
             <a:extLst>
               <a:ext uri="{FF2B5EF4-FFF2-40B4-BE49-F238E27FC236}">
-                <a16:creationId xmlns="" xmlns:a16="http://schemas.microsoft.com/office/drawing/2014/main" id="{C9ECDD5C-152A-4CC7-8333-0F367B3A62EA}"/>
+                <a16:creationId xmlns:a16="http://schemas.microsoft.com/office/drawing/2014/main" id="{C9ECDD5C-152A-4CC7-8333-0F367B3A62EA}"/>
               </a:ext>
             </a:extLst>
           </p:cNvPr>
@@ -17856,7 +19484,7 @@
           <p:cNvPr id="11" name="Picture 10">
             <a:extLst>
               <a:ext uri="{FF2B5EF4-FFF2-40B4-BE49-F238E27FC236}">
-                <a16:creationId xmlns="" xmlns:a16="http://schemas.microsoft.com/office/drawing/2014/main" id="{7F5C92A3-369B-43F3-BDCE-E560B1B0EC89}"/>
+                <a16:creationId xmlns:a16="http://schemas.microsoft.com/office/drawing/2014/main" id="{7F5C92A3-369B-43F3-BDCE-E560B1B0EC89}"/>
               </a:ext>
             </a:extLst>
           </p:cNvPr>
@@ -17897,7 +19525,7 @@
           <p:cNvPr id="13" name="Oval 12">
             <a:extLst>
               <a:ext uri="{FF2B5EF4-FFF2-40B4-BE49-F238E27FC236}">
-                <a16:creationId xmlns="" xmlns:a16="http://schemas.microsoft.com/office/drawing/2014/main" id="{AEBE9F1A-B38D-446E-83AE-14B17CE77FF2}"/>
+                <a16:creationId xmlns:a16="http://schemas.microsoft.com/office/drawing/2014/main" id="{AEBE9F1A-B38D-446E-83AE-14B17CE77FF2}"/>
               </a:ext>
             </a:extLst>
           </p:cNvPr>
@@ -17974,7 +19602,7 @@
           <p:cNvPr id="15" name="Picture 14">
             <a:extLst>
               <a:ext uri="{FF2B5EF4-FFF2-40B4-BE49-F238E27FC236}">
-                <a16:creationId xmlns="" xmlns:a16="http://schemas.microsoft.com/office/drawing/2014/main" id="{915B5014-A7EC-4BA6-9C83-8840CF81DB28}"/>
+                <a16:creationId xmlns:a16="http://schemas.microsoft.com/office/drawing/2014/main" id="{915B5014-A7EC-4BA6-9C83-8840CF81DB28}"/>
               </a:ext>
             </a:extLst>
           </p:cNvPr>
@@ -18015,7 +19643,7 @@
           <p:cNvPr id="17" name="Picture 16">
             <a:extLst>
               <a:ext uri="{FF2B5EF4-FFF2-40B4-BE49-F238E27FC236}">
-                <a16:creationId xmlns="" xmlns:a16="http://schemas.microsoft.com/office/drawing/2014/main" id="{022C43AB-86D7-420D-8AD7-DC0A15FDD0AF}"/>
+                <a16:creationId xmlns:a16="http://schemas.microsoft.com/office/drawing/2014/main" id="{022C43AB-86D7-420D-8AD7-DC0A15FDD0AF}"/>
               </a:ext>
             </a:extLst>
           </p:cNvPr>
@@ -18056,7 +19684,7 @@
           <p:cNvPr id="19" name="Rectangle 18">
             <a:extLst>
               <a:ext uri="{FF2B5EF4-FFF2-40B4-BE49-F238E27FC236}">
-                <a16:creationId xmlns="" xmlns:a16="http://schemas.microsoft.com/office/drawing/2014/main" id="{5E3EB826-A471-488F-9E8A-D65528A3C0CA}"/>
+                <a16:creationId xmlns:a16="http://schemas.microsoft.com/office/drawing/2014/main" id="{5E3EB826-A471-488F-9E8A-D65528A3C0CA}"/>
               </a:ext>
             </a:extLst>
           </p:cNvPr>
@@ -18106,7 +19734,7 @@
           <p:cNvPr id="21" name="Rectangle 20">
             <a:extLst>
               <a:ext uri="{FF2B5EF4-FFF2-40B4-BE49-F238E27FC236}">
-                <a16:creationId xmlns="" xmlns:a16="http://schemas.microsoft.com/office/drawing/2014/main" id="{4159E445-83D7-4F7C-8B6B-79EDEFA5F788}"/>
+                <a16:creationId xmlns:a16="http://schemas.microsoft.com/office/drawing/2014/main" id="{4159E445-83D7-4F7C-8B6B-79EDEFA5F788}"/>
               </a:ext>
             </a:extLst>
           </p:cNvPr>
@@ -18198,7 +19826,7 @@
           <p:cNvPr id="23" name="Rectangle 22">
             <a:extLst>
               <a:ext uri="{FF2B5EF4-FFF2-40B4-BE49-F238E27FC236}">
-                <a16:creationId xmlns="" xmlns:a16="http://schemas.microsoft.com/office/drawing/2014/main" id="{E1E43DD8-7DEF-4A83-A303-10947F34B086}"/>
+                <a16:creationId xmlns:a16="http://schemas.microsoft.com/office/drawing/2014/main" id="{E1E43DD8-7DEF-4A83-A303-10947F34B086}"/>
               </a:ext>
             </a:extLst>
           </p:cNvPr>
@@ -18302,7 +19930,7 @@
           <p:cNvPr id="9" name="Picture 8">
             <a:extLst>
               <a:ext uri="{FF2B5EF4-FFF2-40B4-BE49-F238E27FC236}">
-                <a16:creationId xmlns="" xmlns:a16="http://schemas.microsoft.com/office/drawing/2014/main" id="{C9ECDD5C-152A-4CC7-8333-0F367B3A62EA}"/>
+                <a16:creationId xmlns:a16="http://schemas.microsoft.com/office/drawing/2014/main" id="{C9ECDD5C-152A-4CC7-8333-0F367B3A62EA}"/>
               </a:ext>
             </a:extLst>
           </p:cNvPr>
@@ -18343,7 +19971,7 @@
           <p:cNvPr id="11" name="Picture 10">
             <a:extLst>
               <a:ext uri="{FF2B5EF4-FFF2-40B4-BE49-F238E27FC236}">
-                <a16:creationId xmlns="" xmlns:a16="http://schemas.microsoft.com/office/drawing/2014/main" id="{7F5C92A3-369B-43F3-BDCE-E560B1B0EC89}"/>
+                <a16:creationId xmlns:a16="http://schemas.microsoft.com/office/drawing/2014/main" id="{7F5C92A3-369B-43F3-BDCE-E560B1B0EC89}"/>
               </a:ext>
             </a:extLst>
           </p:cNvPr>
@@ -18384,7 +20012,7 @@
           <p:cNvPr id="13" name="Oval 12">
             <a:extLst>
               <a:ext uri="{FF2B5EF4-FFF2-40B4-BE49-F238E27FC236}">
-                <a16:creationId xmlns="" xmlns:a16="http://schemas.microsoft.com/office/drawing/2014/main" id="{AEBE9F1A-B38D-446E-83AE-14B17CE77FF2}"/>
+                <a16:creationId xmlns:a16="http://schemas.microsoft.com/office/drawing/2014/main" id="{AEBE9F1A-B38D-446E-83AE-14B17CE77FF2}"/>
               </a:ext>
             </a:extLst>
           </p:cNvPr>
@@ -18461,7 +20089,7 @@
           <p:cNvPr id="15" name="Picture 14">
             <a:extLst>
               <a:ext uri="{FF2B5EF4-FFF2-40B4-BE49-F238E27FC236}">
-                <a16:creationId xmlns="" xmlns:a16="http://schemas.microsoft.com/office/drawing/2014/main" id="{915B5014-A7EC-4BA6-9C83-8840CF81DB28}"/>
+                <a16:creationId xmlns:a16="http://schemas.microsoft.com/office/drawing/2014/main" id="{915B5014-A7EC-4BA6-9C83-8840CF81DB28}"/>
               </a:ext>
             </a:extLst>
           </p:cNvPr>
@@ -18502,7 +20130,7 @@
           <p:cNvPr id="17" name="Picture 16">
             <a:extLst>
               <a:ext uri="{FF2B5EF4-FFF2-40B4-BE49-F238E27FC236}">
-                <a16:creationId xmlns="" xmlns:a16="http://schemas.microsoft.com/office/drawing/2014/main" id="{022C43AB-86D7-420D-8AD7-DC0A15FDD0AF}"/>
+                <a16:creationId xmlns:a16="http://schemas.microsoft.com/office/drawing/2014/main" id="{022C43AB-86D7-420D-8AD7-DC0A15FDD0AF}"/>
               </a:ext>
             </a:extLst>
           </p:cNvPr>
@@ -18543,7 +20171,7 @@
           <p:cNvPr id="19" name="Rectangle 18">
             <a:extLst>
               <a:ext uri="{FF2B5EF4-FFF2-40B4-BE49-F238E27FC236}">
-                <a16:creationId xmlns="" xmlns:a16="http://schemas.microsoft.com/office/drawing/2014/main" id="{5E3EB826-A471-488F-9E8A-D65528A3C0CA}"/>
+                <a16:creationId xmlns:a16="http://schemas.microsoft.com/office/drawing/2014/main" id="{5E3EB826-A471-488F-9E8A-D65528A3C0CA}"/>
               </a:ext>
             </a:extLst>
           </p:cNvPr>
@@ -18593,7 +20221,7 @@
           <p:cNvPr id="21" name="Rectangle 20">
             <a:extLst>
               <a:ext uri="{FF2B5EF4-FFF2-40B4-BE49-F238E27FC236}">
-                <a16:creationId xmlns="" xmlns:a16="http://schemas.microsoft.com/office/drawing/2014/main" id="{4159E445-83D7-4F7C-8B6B-79EDEFA5F788}"/>
+                <a16:creationId xmlns:a16="http://schemas.microsoft.com/office/drawing/2014/main" id="{4159E445-83D7-4F7C-8B6B-79EDEFA5F788}"/>
               </a:ext>
             </a:extLst>
           </p:cNvPr>
@@ -18685,7 +20313,7 @@
           <p:cNvPr id="23" name="Rectangle 22">
             <a:extLst>
               <a:ext uri="{FF2B5EF4-FFF2-40B4-BE49-F238E27FC236}">
-                <a16:creationId xmlns="" xmlns:a16="http://schemas.microsoft.com/office/drawing/2014/main" id="{E1E43DD8-7DEF-4A83-A303-10947F34B086}"/>
+                <a16:creationId xmlns:a16="http://schemas.microsoft.com/office/drawing/2014/main" id="{E1E43DD8-7DEF-4A83-A303-10947F34B086}"/>
               </a:ext>
             </a:extLst>
           </p:cNvPr>
@@ -18789,7 +20417,7 @@
           <p:cNvPr id="9" name="Picture 8">
             <a:extLst>
               <a:ext uri="{FF2B5EF4-FFF2-40B4-BE49-F238E27FC236}">
-                <a16:creationId xmlns="" xmlns:a16="http://schemas.microsoft.com/office/drawing/2014/main" id="{C9ECDD5C-152A-4CC7-8333-0F367B3A62EA}"/>
+                <a16:creationId xmlns:a16="http://schemas.microsoft.com/office/drawing/2014/main" id="{C9ECDD5C-152A-4CC7-8333-0F367B3A62EA}"/>
               </a:ext>
             </a:extLst>
           </p:cNvPr>
@@ -18830,7 +20458,7 @@
           <p:cNvPr id="11" name="Picture 10">
             <a:extLst>
               <a:ext uri="{FF2B5EF4-FFF2-40B4-BE49-F238E27FC236}">
-                <a16:creationId xmlns="" xmlns:a16="http://schemas.microsoft.com/office/drawing/2014/main" id="{7F5C92A3-369B-43F3-BDCE-E560B1B0EC89}"/>
+                <a16:creationId xmlns:a16="http://schemas.microsoft.com/office/drawing/2014/main" id="{7F5C92A3-369B-43F3-BDCE-E560B1B0EC89}"/>
               </a:ext>
             </a:extLst>
           </p:cNvPr>
@@ -18871,7 +20499,7 @@
           <p:cNvPr id="13" name="Oval 12">
             <a:extLst>
               <a:ext uri="{FF2B5EF4-FFF2-40B4-BE49-F238E27FC236}">
-                <a16:creationId xmlns="" xmlns:a16="http://schemas.microsoft.com/office/drawing/2014/main" id="{AEBE9F1A-B38D-446E-83AE-14B17CE77FF2}"/>
+                <a16:creationId xmlns:a16="http://schemas.microsoft.com/office/drawing/2014/main" id="{AEBE9F1A-B38D-446E-83AE-14B17CE77FF2}"/>
               </a:ext>
             </a:extLst>
           </p:cNvPr>
@@ -18948,7 +20576,7 @@
           <p:cNvPr id="15" name="Picture 14">
             <a:extLst>
               <a:ext uri="{FF2B5EF4-FFF2-40B4-BE49-F238E27FC236}">
-                <a16:creationId xmlns="" xmlns:a16="http://schemas.microsoft.com/office/drawing/2014/main" id="{915B5014-A7EC-4BA6-9C83-8840CF81DB28}"/>
+                <a16:creationId xmlns:a16="http://schemas.microsoft.com/office/drawing/2014/main" id="{915B5014-A7EC-4BA6-9C83-8840CF81DB28}"/>
               </a:ext>
             </a:extLst>
           </p:cNvPr>
@@ -18989,7 +20617,7 @@
           <p:cNvPr id="17" name="Picture 16">
             <a:extLst>
               <a:ext uri="{FF2B5EF4-FFF2-40B4-BE49-F238E27FC236}">
-                <a16:creationId xmlns="" xmlns:a16="http://schemas.microsoft.com/office/drawing/2014/main" id="{022C43AB-86D7-420D-8AD7-DC0A15FDD0AF}"/>
+                <a16:creationId xmlns:a16="http://schemas.microsoft.com/office/drawing/2014/main" id="{022C43AB-86D7-420D-8AD7-DC0A15FDD0AF}"/>
               </a:ext>
             </a:extLst>
           </p:cNvPr>
@@ -19030,7 +20658,7 @@
           <p:cNvPr id="19" name="Rectangle 18">
             <a:extLst>
               <a:ext uri="{FF2B5EF4-FFF2-40B4-BE49-F238E27FC236}">
-                <a16:creationId xmlns="" xmlns:a16="http://schemas.microsoft.com/office/drawing/2014/main" id="{5E3EB826-A471-488F-9E8A-D65528A3C0CA}"/>
+                <a16:creationId xmlns:a16="http://schemas.microsoft.com/office/drawing/2014/main" id="{5E3EB826-A471-488F-9E8A-D65528A3C0CA}"/>
               </a:ext>
             </a:extLst>
           </p:cNvPr>
@@ -19080,7 +20708,7 @@
           <p:cNvPr id="21" name="Rectangle 20">
             <a:extLst>
               <a:ext uri="{FF2B5EF4-FFF2-40B4-BE49-F238E27FC236}">
-                <a16:creationId xmlns="" xmlns:a16="http://schemas.microsoft.com/office/drawing/2014/main" id="{4159E445-83D7-4F7C-8B6B-79EDEFA5F788}"/>
+                <a16:creationId xmlns:a16="http://schemas.microsoft.com/office/drawing/2014/main" id="{4159E445-83D7-4F7C-8B6B-79EDEFA5F788}"/>
               </a:ext>
             </a:extLst>
           </p:cNvPr>
@@ -19172,7 +20800,7 @@
           <p:cNvPr id="23" name="Rectangle 22">
             <a:extLst>
               <a:ext uri="{FF2B5EF4-FFF2-40B4-BE49-F238E27FC236}">
-                <a16:creationId xmlns="" xmlns:a16="http://schemas.microsoft.com/office/drawing/2014/main" id="{E1E43DD8-7DEF-4A83-A303-10947F34B086}"/>
+                <a16:creationId xmlns:a16="http://schemas.microsoft.com/office/drawing/2014/main" id="{E1E43DD8-7DEF-4A83-A303-10947F34B086}"/>
               </a:ext>
             </a:extLst>
           </p:cNvPr>

--- a/doc/Sliceppt.pptx
+++ b/doc/Sliceppt.pptx
@@ -10270,7 +10270,7 @@
         </p:spPr>
         <p:txBody>
           <a:bodyPr>
-            <a:normAutofit fontScale="92500" lnSpcReduction="10000"/>
+            <a:normAutofit/>
           </a:bodyPr>
           <a:lstStyle/>
           <a:p>
@@ -10307,12 +10307,6 @@
             <a:r>
               <a:rPr lang="en-US" dirty="0"/>
               <a:t>IF ENDIF, ELSE ENDELSE , WHILE ENDWHILE</a:t>
-            </a:r>
-          </a:p>
-          <a:p>
-            <a:r>
-              <a:rPr lang="en-US" dirty="0"/>
-              <a:t>PUSH true</a:t>
             </a:r>
           </a:p>
           <a:p>
@@ -16343,37 +16337,33 @@
             </a:r>
             <a:r>
               <a:rPr lang="en-US" dirty="0"/>
-              <a:t> and Parser: Built using ANTLR v4.7 plugin in </a:t>
-            </a:r>
-            <a:r>
-              <a:rPr lang="en-US" dirty="0" err="1"/>
-              <a:t>Intellij</a:t>
-            </a:r>
-            <a:r>
-              <a:rPr lang="en-US" dirty="0"/>
-              <a:t> Idea</a:t>
+              <a:t> and Parser: Generated using ANTLR v4.7 plugin</a:t>
             </a:r>
           </a:p>
           <a:p>
             <a:pPr fontAlgn="base"/>
             <a:r>
               <a:rPr lang="en-US" dirty="0"/>
-              <a:t>Grammar : A .txt file converted to .g4 file used as an input to ANTLR.</a:t>
+              <a:t>Grammar : Grammar in .g4 format was tested using ANTLR using live parse tree generator in Intellij Idea.</a:t>
             </a:r>
           </a:p>
           <a:p>
             <a:pPr fontAlgn="base"/>
             <a:r>
               <a:rPr lang="en-US" dirty="0"/>
-              <a:t>Runtime : Built using PYTHON</a:t>
+              <a:t>Intermediate code is generated from Listener class whose empty methods are generated using ANTLR</a:t>
             </a:r>
           </a:p>
           <a:p>
             <a:pPr fontAlgn="base"/>
             <a:r>
               <a:rPr lang="en-US" dirty="0"/>
-              <a:t>Systems Used : Mac OS X, Windows</a:t>
+              <a:t>Runtime : The Interpreter is Built using PYTHON.</a:t>
             </a:r>
+          </a:p>
+          <a:p>
+            <a:pPr fontAlgn="base"/>
+            <a:endParaRPr lang="en-US" dirty="0"/>
           </a:p>
         </p:txBody>
       </p:sp>
@@ -17424,13 +17414,21 @@
             </a:r>
             <a:r>
               <a:rPr lang="en-US" dirty="0"/>
-              <a:t> Ajay Bansal for giving us this opportunity to create our own programming language. </a:t>
+              <a:t> Ajay Bansal for giving us this opportunity to present our own programming language as part of the course. </a:t>
             </a:r>
           </a:p>
           <a:p>
             <a:r>
               <a:rPr lang="en-US" dirty="0"/>
-              <a:t>By doing this project we understood the basics of every programming language and hope to add more additional complexity in the upcoming months.</a:t>
+              <a:t>The take home is understanding </a:t>
+            </a:r>
+            <a:r>
+              <a:rPr lang="en-US"/>
+              <a:t>of basics </a:t>
+            </a:r>
+            <a:r>
+              <a:rPr lang="en-US" dirty="0"/>
+              <a:t>of every programming language and hope to add more additional complexity in the upcoming months.</a:t>
             </a:r>
           </a:p>
         </p:txBody>
